--- a/PPT/Numerical Analysis.pptx
+++ b/PPT/Numerical Analysis.pptx
@@ -5,34 +5,31 @@
     <p:sldMasterId id="2147483648" r:id="rId1"/>
   </p:sldMasterIdLst>
   <p:notesMasterIdLst>
-    <p:notesMasterId r:id="rId19"/>
+    <p:notesMasterId r:id="rId20"/>
   </p:notesMasterIdLst>
   <p:sldIdLst>
     <p:sldId id="258" r:id="rId2"/>
     <p:sldId id="275" r:id="rId3"/>
     <p:sldId id="277" r:id="rId4"/>
     <p:sldId id="282" r:id="rId5"/>
-    <p:sldId id="260" r:id="rId6"/>
-    <p:sldId id="283" r:id="rId7"/>
-    <p:sldId id="278" r:id="rId8"/>
-    <p:sldId id="284" r:id="rId9"/>
-    <p:sldId id="279" r:id="rId10"/>
-    <p:sldId id="285" r:id="rId11"/>
-    <p:sldId id="280" r:id="rId12"/>
-    <p:sldId id="286" r:id="rId13"/>
-    <p:sldId id="281" r:id="rId14"/>
-    <p:sldId id="287" r:id="rId15"/>
-    <p:sldId id="274" r:id="rId16"/>
-    <p:sldId id="259" r:id="rId17"/>
-    <p:sldId id="276" r:id="rId18"/>
+    <p:sldId id="289" r:id="rId6"/>
+    <p:sldId id="260" r:id="rId7"/>
+    <p:sldId id="283" r:id="rId8"/>
+    <p:sldId id="278" r:id="rId9"/>
+    <p:sldId id="284" r:id="rId10"/>
+    <p:sldId id="279" r:id="rId11"/>
+    <p:sldId id="285" r:id="rId12"/>
+    <p:sldId id="280" r:id="rId13"/>
+    <p:sldId id="286" r:id="rId14"/>
+    <p:sldId id="281" r:id="rId15"/>
+    <p:sldId id="287" r:id="rId16"/>
+    <p:sldId id="274" r:id="rId17"/>
+    <p:sldId id="259" r:id="rId18"/>
+    <p:sldId id="276" r:id="rId19"/>
   </p:sldIdLst>
   <p:sldSz cx="12192000" cy="6858000"/>
   <p:notesSz cx="6858000" cy="9144000"/>
   <p:embeddedFontLst>
-    <p:embeddedFont>
-      <p:font typeface="手写字体" panose="02000600000000000000" pitchFamily="2" charset="-122"/>
-      <p:regular r:id="rId20"/>
-    </p:embeddedFont>
     <p:embeddedFont>
       <p:font typeface="Comic Sans MS" panose="030F0702030302020204" pitchFamily="66" charset="0"/>
       <p:regular r:id="rId21"/>
@@ -50,9 +47,13 @@
       <p:regular r:id="rId27"/>
     </p:embeddedFont>
     <p:embeddedFont>
+      <p:font typeface="手写字体" panose="02000600000000000000" pitchFamily="2" charset="-122"/>
+      <p:regular r:id="rId28"/>
+    </p:embeddedFont>
+    <p:embeddedFont>
       <p:font typeface="微软雅黑" panose="020B0503020204020204" pitchFamily="34" charset="-122"/>
-      <p:regular r:id="rId28"/>
-      <p:bold r:id="rId29"/>
+      <p:regular r:id="rId29"/>
+      <p:bold r:id="rId30"/>
     </p:embeddedFont>
   </p:embeddedFontLst>
   <p:defaultTextStyle>
@@ -251,7 +252,7 @@
           <a:p>
             <a:fld id="{A109EA2A-4C48-4C61-B30A-DAB1A3E93B21}" type="datetimeFigureOut">
               <a:rPr lang="zh-CN" altLang="en-US" smtClean="0"/>
-              <a:t>2020/12/12</a:t>
+              <a:t>2020/12/13</a:t>
             </a:fld>
             <a:endParaRPr lang="zh-CN" altLang="en-US"/>
           </a:p>
@@ -1434,16 +1435,16 @@
       </p:grpSpPr>
       <p:sp>
         <p:nvSpPr>
-          <p:cNvPr id="3" name="矩形 2"/>
-          <p:cNvSpPr/>
-          <p:nvPr/>
-        </p:nvSpPr>
-        <p:spPr>
-          <a:xfrm>
-            <a:off x="811369" y="1899633"/>
-            <a:ext cx="5067837" cy="1506829"/>
-          </a:xfrm>
-          <a:prstGeom prst="rect">
+          <p:cNvPr id="4" name="椭圆 3"/>
+          <p:cNvSpPr/>
+          <p:nvPr/>
+        </p:nvSpPr>
+        <p:spPr>
+          <a:xfrm>
+            <a:off x="1615440" y="2057400"/>
+            <a:ext cx="2453640" cy="2453640"/>
+          </a:xfrm>
+          <a:prstGeom prst="ellipse">
             <a:avLst/>
           </a:prstGeom>
           <a:solidFill>
@@ -1476,26 +1477,22 @@
           <a:lstStyle/>
           <a:p>
             <a:pPr algn="ctr"/>
-            <a:endParaRPr lang="zh-CN" altLang="en-US">
-              <a:solidFill>
-                <a:schemeClr val="bg1"/>
-              </a:solidFill>
-            </a:endParaRPr>
-          </a:p>
-        </p:txBody>
-      </p:sp>
-      <p:sp>
-        <p:nvSpPr>
-          <p:cNvPr id="4" name="矩形 3"/>
-          <p:cNvSpPr/>
-          <p:nvPr/>
-        </p:nvSpPr>
-        <p:spPr>
-          <a:xfrm>
-            <a:off x="811369" y="3774604"/>
-            <a:ext cx="5067837" cy="1506829"/>
-          </a:xfrm>
-          <a:prstGeom prst="rect">
+            <a:endParaRPr lang="zh-CN" altLang="en-US"/>
+          </a:p>
+        </p:txBody>
+      </p:sp>
+      <p:sp>
+        <p:nvSpPr>
+          <p:cNvPr id="5" name="椭圆 4"/>
+          <p:cNvSpPr/>
+          <p:nvPr/>
+        </p:nvSpPr>
+        <p:spPr>
+          <a:xfrm>
+            <a:off x="3276495" y="3718455"/>
+            <a:ext cx="792585" cy="792585"/>
+          </a:xfrm>
+          <a:prstGeom prst="ellipse">
             <a:avLst/>
           </a:prstGeom>
           <a:solidFill>
@@ -1528,216 +1525,110 @@
           <a:lstStyle/>
           <a:p>
             <a:pPr algn="ctr"/>
-            <a:endParaRPr lang="zh-CN" altLang="en-US">
+            <a:endParaRPr lang="zh-CN" altLang="en-US"/>
+          </a:p>
+        </p:txBody>
+      </p:sp>
+      <p:sp>
+        <p:nvSpPr>
+          <p:cNvPr id="6" name="MH_Others_1"/>
+          <p:cNvSpPr txBox="1"/>
+          <p:nvPr>
+            <p:custDataLst>
+              <p:tags r:id="rId1"/>
+            </p:custDataLst>
+          </p:nvPr>
+        </p:nvSpPr>
+        <p:spPr>
+          <a:xfrm>
+            <a:off x="864526" y="2860251"/>
+            <a:ext cx="3955467" cy="847938"/>
+          </a:xfrm>
+          <a:prstGeom prst="rect">
+            <a:avLst/>
+          </a:prstGeom>
+          <a:noFill/>
+        </p:spPr>
+        <p:txBody>
+          <a:bodyPr wrap="square" rtlCol="0">
+            <a:noAutofit/>
+          </a:bodyPr>
+          <a:lstStyle/>
+          <a:p>
+            <a:pPr algn="ctr"/>
+            <a:r>
+              <a:rPr lang="en-US" altLang="zh-CN" sz="4400" dirty="0">
+                <a:solidFill>
+                  <a:schemeClr val="bg1"/>
+                </a:solidFill>
+                <a:effectLst>
+                  <a:outerShdw blurRad="38100" dist="38100" dir="2700000" algn="tl">
+                    <a:srgbClr val="000000">
+                      <a:alpha val="43137"/>
+                    </a:srgbClr>
+                  </a:outerShdw>
+                </a:effectLst>
+                <a:latin typeface="+mj-lt"/>
+                <a:cs typeface="Arial" pitchFamily="34" charset="0"/>
+              </a:rPr>
+              <a:t>PART 3</a:t>
+            </a:r>
+            <a:endParaRPr lang="zh-CN" altLang="en-US" sz="4400" dirty="0">
               <a:solidFill>
                 <a:schemeClr val="bg1"/>
               </a:solidFill>
+              <a:effectLst>
+                <a:outerShdw blurRad="38100" dist="38100" dir="2700000" algn="tl">
+                  <a:srgbClr val="000000">
+                    <a:alpha val="43137"/>
+                  </a:srgbClr>
+                </a:outerShdw>
+              </a:effectLst>
+              <a:latin typeface="+mj-lt"/>
+              <a:cs typeface="Arial" pitchFamily="34" charset="0"/>
             </a:endParaRPr>
           </a:p>
         </p:txBody>
       </p:sp>
       <p:sp>
         <p:nvSpPr>
-          <p:cNvPr id="7" name="矩形 6"/>
-          <p:cNvSpPr/>
-          <p:nvPr/>
-        </p:nvSpPr>
-        <p:spPr>
-          <a:xfrm>
-            <a:off x="6304209" y="3774604"/>
-            <a:ext cx="5067837" cy="1506829"/>
-          </a:xfrm>
-          <a:prstGeom prst="rect">
-            <a:avLst/>
-          </a:prstGeom>
-          <a:solidFill>
-            <a:srgbClr val="48A2A0">
-              <a:alpha val="70000"/>
-            </a:srgbClr>
-          </a:solidFill>
-          <a:ln>
-            <a:noFill/>
-          </a:ln>
-        </p:spPr>
-        <p:style>
-          <a:lnRef idx="2">
-            <a:schemeClr val="accent1">
-              <a:shade val="50000"/>
-            </a:schemeClr>
-          </a:lnRef>
-          <a:fillRef idx="1">
-            <a:schemeClr val="accent1"/>
-          </a:fillRef>
-          <a:effectRef idx="0">
-            <a:schemeClr val="accent1"/>
-          </a:effectRef>
-          <a:fontRef idx="minor">
-            <a:schemeClr val="lt1"/>
-          </a:fontRef>
-        </p:style>
-        <p:txBody>
-          <a:bodyPr rtlCol="0" anchor="ctr"/>
-          <a:lstStyle/>
-          <a:p>
-            <a:pPr algn="ctr"/>
-            <a:endParaRPr lang="zh-CN" altLang="en-US"/>
-          </a:p>
-        </p:txBody>
-      </p:sp>
-      <p:sp>
-        <p:nvSpPr>
-          <p:cNvPr id="8" name="矩形 7"/>
-          <p:cNvSpPr/>
-          <p:nvPr/>
-        </p:nvSpPr>
-        <p:spPr>
-          <a:xfrm>
-            <a:off x="6304209" y="1899633"/>
-            <a:ext cx="5067837" cy="1506829"/>
-          </a:xfrm>
-          <a:prstGeom prst="rect">
-            <a:avLst/>
-          </a:prstGeom>
-          <a:solidFill>
-            <a:srgbClr val="6C92C0">
-              <a:alpha val="70000"/>
-            </a:srgbClr>
-          </a:solidFill>
-          <a:ln>
-            <a:noFill/>
-          </a:ln>
-        </p:spPr>
-        <p:style>
-          <a:lnRef idx="2">
-            <a:schemeClr val="accent1">
-              <a:shade val="50000"/>
-            </a:schemeClr>
-          </a:lnRef>
-          <a:fillRef idx="1">
-            <a:schemeClr val="accent1"/>
-          </a:fillRef>
-          <a:effectRef idx="0">
-            <a:schemeClr val="accent1"/>
-          </a:effectRef>
-          <a:fontRef idx="minor">
-            <a:schemeClr val="lt1"/>
-          </a:fontRef>
-        </p:style>
-        <p:txBody>
-          <a:bodyPr rtlCol="0" anchor="ctr"/>
-          <a:lstStyle/>
-          <a:p>
-            <a:pPr algn="ctr"/>
-            <a:endParaRPr lang="zh-CN" altLang="en-US"/>
-          </a:p>
-        </p:txBody>
-      </p:sp>
-      <p:sp>
-        <p:nvSpPr>
-          <p:cNvPr id="17" name="椭圆 16"/>
-          <p:cNvSpPr/>
-          <p:nvPr/>
-        </p:nvSpPr>
-        <p:spPr>
-          <a:xfrm>
-            <a:off x="-1226820" y="-1346917"/>
-            <a:ext cx="2453640" cy="2453640"/>
-          </a:xfrm>
-          <a:prstGeom prst="ellipse">
-            <a:avLst/>
-          </a:prstGeom>
-          <a:solidFill>
-            <a:srgbClr val="48A2A0">
-              <a:alpha val="70000"/>
-            </a:srgbClr>
-          </a:solidFill>
-          <a:ln>
-            <a:noFill/>
-          </a:ln>
-        </p:spPr>
-        <p:style>
-          <a:lnRef idx="2">
-            <a:schemeClr val="accent1">
-              <a:shade val="50000"/>
-            </a:schemeClr>
-          </a:lnRef>
-          <a:fillRef idx="1">
-            <a:schemeClr val="accent1"/>
-          </a:fillRef>
-          <a:effectRef idx="0">
-            <a:schemeClr val="accent1"/>
-          </a:effectRef>
-          <a:fontRef idx="minor">
-            <a:schemeClr val="lt1"/>
-          </a:fontRef>
-        </p:style>
-        <p:txBody>
-          <a:bodyPr rtlCol="0" anchor="ctr"/>
-          <a:lstStyle/>
-          <a:p>
-            <a:pPr algn="ctr"/>
-            <a:endParaRPr lang="zh-CN" altLang="en-US"/>
-          </a:p>
-        </p:txBody>
-      </p:sp>
-      <p:sp>
-        <p:nvSpPr>
-          <p:cNvPr id="18" name="椭圆 17"/>
-          <p:cNvSpPr/>
-          <p:nvPr/>
-        </p:nvSpPr>
-        <p:spPr>
-          <a:xfrm>
-            <a:off x="434235" y="314138"/>
-            <a:ext cx="792585" cy="792585"/>
-          </a:xfrm>
-          <a:prstGeom prst="ellipse">
-            <a:avLst/>
-          </a:prstGeom>
-          <a:solidFill>
-            <a:srgbClr val="6C92C0">
-              <a:alpha val="70000"/>
-            </a:srgbClr>
-          </a:solidFill>
-          <a:ln>
-            <a:noFill/>
-          </a:ln>
-        </p:spPr>
-        <p:style>
-          <a:lnRef idx="2">
-            <a:schemeClr val="accent1">
-              <a:shade val="50000"/>
-            </a:schemeClr>
-          </a:lnRef>
-          <a:fillRef idx="1">
-            <a:schemeClr val="accent1"/>
-          </a:fillRef>
-          <a:effectRef idx="0">
-            <a:schemeClr val="accent1"/>
-          </a:effectRef>
-          <a:fontRef idx="minor">
-            <a:schemeClr val="lt1"/>
-          </a:fontRef>
-        </p:style>
-        <p:txBody>
-          <a:bodyPr rtlCol="0" anchor="ctr"/>
-          <a:lstStyle/>
-          <a:p>
-            <a:pPr algn="ctr"/>
-            <a:endParaRPr lang="zh-CN" altLang="en-US"/>
-          </a:p>
-        </p:txBody>
-      </p:sp>
-      <p:sp>
-        <p:nvSpPr>
-          <p:cNvPr id="20" name="矩形 19"/>
-          <p:cNvSpPr/>
-          <p:nvPr/>
-        </p:nvSpPr>
-        <p:spPr>
-          <a:xfrm>
-            <a:off x="1344023" y="448348"/>
-            <a:ext cx="1701107" cy="400110"/>
+          <p:cNvPr id="8" name="文本框 7"/>
+          <p:cNvSpPr txBox="1"/>
+          <p:nvPr/>
+        </p:nvSpPr>
+        <p:spPr>
+          <a:xfrm>
+            <a:off x="4819992" y="3487622"/>
+            <a:ext cx="6318345" cy="461665"/>
+          </a:xfrm>
+          <a:prstGeom prst="rect">
+            <a:avLst/>
+          </a:prstGeom>
+          <a:noFill/>
+        </p:spPr>
+        <p:txBody>
+          <a:bodyPr wrap="square" rtlCol="0">
+            <a:spAutoFit/>
+          </a:bodyPr>
+          <a:lstStyle/>
+          <a:p>
+            <a:r>
+              <a:rPr lang="zh-CN" altLang="en-US" sz="1200" dirty="0"/>
+              <a:t>思考一下，你真的会解方程吗？至今为此你是否都是在无脑的套公式进行求根？本节内容带你学习如何利用各种奇技淫巧进行</a:t>
+            </a:r>
+          </a:p>
+        </p:txBody>
+      </p:sp>
+      <p:sp>
+        <p:nvSpPr>
+          <p:cNvPr id="2" name="矩形 1"/>
+          <p:cNvSpPr/>
+          <p:nvPr/>
+        </p:nvSpPr>
+        <p:spPr>
+          <a:xfrm>
+            <a:off x="4819993" y="3040204"/>
+            <a:ext cx="1723549" cy="400110"/>
           </a:xfrm>
           <a:prstGeom prst="rect">
             <a:avLst/>
@@ -1750,102 +1641,16 @@
           <a:lstStyle/>
           <a:p>
             <a:r>
-              <a:rPr lang="en-US" altLang="zh-CN" sz="2000" b="1" dirty="0">
-                <a:solidFill>
-                  <a:schemeClr val="tx1">
-                    <a:lumMod val="75000"/>
-                    <a:lumOff val="25000"/>
-                  </a:schemeClr>
-                </a:solidFill>
-              </a:rPr>
-              <a:t>Lorem ipsum</a:t>
-            </a:r>
-            <a:endParaRPr lang="zh-CN" altLang="en-US" sz="2000" b="1" dirty="0">
-              <a:solidFill>
-                <a:schemeClr val="tx1">
-                  <a:lumMod val="75000"/>
-                  <a:lumOff val="25000"/>
-                </a:schemeClr>
-              </a:solidFill>
-            </a:endParaRPr>
-          </a:p>
-        </p:txBody>
-      </p:sp>
-      <p:sp>
-        <p:nvSpPr>
-          <p:cNvPr id="21" name="矩形 20"/>
-          <p:cNvSpPr/>
-          <p:nvPr/>
-        </p:nvSpPr>
-        <p:spPr>
-          <a:xfrm>
-            <a:off x="1344023" y="764961"/>
-            <a:ext cx="2196435" cy="261610"/>
-          </a:xfrm>
-          <a:prstGeom prst="rect">
-            <a:avLst/>
-          </a:prstGeom>
-        </p:spPr>
-        <p:txBody>
-          <a:bodyPr wrap="none">
-            <a:spAutoFit/>
-          </a:bodyPr>
-          <a:lstStyle/>
-          <a:p>
-            <a:r>
-              <a:rPr lang="en-US" altLang="zh-CN" sz="1100" dirty="0">
-                <a:solidFill>
-                  <a:schemeClr val="bg1">
-                    <a:lumMod val="50000"/>
-                  </a:schemeClr>
-                </a:solidFill>
-              </a:rPr>
-              <a:t>Lorem ipsum dolor sit </a:t>
-            </a:r>
-            <a:r>
-              <a:rPr lang="en-US" altLang="zh-CN" sz="1100" dirty="0" err="1">
-                <a:solidFill>
-                  <a:schemeClr val="bg1">
-                    <a:lumMod val="50000"/>
-                  </a:schemeClr>
-                </a:solidFill>
-              </a:rPr>
-              <a:t>amet</a:t>
-            </a:r>
-            <a:r>
-              <a:rPr lang="en-US" altLang="zh-CN" sz="1100" dirty="0">
-                <a:solidFill>
-                  <a:schemeClr val="bg1">
-                    <a:lumMod val="50000"/>
-                  </a:schemeClr>
-                </a:solidFill>
-              </a:rPr>
-              <a:t> </a:t>
-            </a:r>
-            <a:r>
-              <a:rPr lang="en-US" altLang="zh-CN" sz="1100" dirty="0" err="1">
-                <a:solidFill>
-                  <a:schemeClr val="bg1">
-                    <a:lumMod val="50000"/>
-                  </a:schemeClr>
-                </a:solidFill>
-              </a:rPr>
-              <a:t>kolor</a:t>
-            </a:r>
-            <a:endParaRPr lang="zh-CN" altLang="en-US" sz="1100" dirty="0">
-              <a:solidFill>
-                <a:schemeClr val="bg1">
-                  <a:lumMod val="50000"/>
-                </a:schemeClr>
-              </a:solidFill>
-            </a:endParaRPr>
+              <a:rPr lang="zh-CN" altLang="en-US" sz="2000" b="1" dirty="0"/>
+              <a:t>任意函数求积</a:t>
+            </a:r>
           </a:p>
         </p:txBody>
       </p:sp>
     </p:spTree>
     <p:extLst>
       <p:ext uri="{BB962C8B-B14F-4D97-AF65-F5344CB8AC3E}">
-        <p14:creationId xmlns:p14="http://schemas.microsoft.com/office/powerpoint/2010/main" val="3225602479"/>
+        <p14:creationId xmlns:p14="http://schemas.microsoft.com/office/powerpoint/2010/main" val="1017150627"/>
       </p:ext>
     </p:extLst>
   </p:cSld>
@@ -1874,16 +1679,16 @@
       </p:grpSpPr>
       <p:sp>
         <p:nvSpPr>
-          <p:cNvPr id="4" name="椭圆 3"/>
-          <p:cNvSpPr/>
-          <p:nvPr/>
-        </p:nvSpPr>
-        <p:spPr>
-          <a:xfrm>
-            <a:off x="1615440" y="2057400"/>
-            <a:ext cx="2453640" cy="2453640"/>
-          </a:xfrm>
-          <a:prstGeom prst="ellipse">
+          <p:cNvPr id="3" name="矩形 2"/>
+          <p:cNvSpPr/>
+          <p:nvPr/>
+        </p:nvSpPr>
+        <p:spPr>
+          <a:xfrm>
+            <a:off x="811369" y="1899633"/>
+            <a:ext cx="5067837" cy="1506829"/>
+          </a:xfrm>
+          <a:prstGeom prst="rect">
             <a:avLst/>
           </a:prstGeom>
           <a:solidFill>
@@ -1916,22 +1721,26 @@
           <a:lstStyle/>
           <a:p>
             <a:pPr algn="ctr"/>
-            <a:endParaRPr lang="zh-CN" altLang="en-US"/>
-          </a:p>
-        </p:txBody>
-      </p:sp>
-      <p:sp>
-        <p:nvSpPr>
-          <p:cNvPr id="5" name="椭圆 4"/>
-          <p:cNvSpPr/>
-          <p:nvPr/>
-        </p:nvSpPr>
-        <p:spPr>
-          <a:xfrm>
-            <a:off x="3276495" y="3718455"/>
-            <a:ext cx="792585" cy="792585"/>
-          </a:xfrm>
-          <a:prstGeom prst="ellipse">
+            <a:endParaRPr lang="zh-CN" altLang="en-US">
+              <a:solidFill>
+                <a:schemeClr val="bg1"/>
+              </a:solidFill>
+            </a:endParaRPr>
+          </a:p>
+        </p:txBody>
+      </p:sp>
+      <p:sp>
+        <p:nvSpPr>
+          <p:cNvPr id="4" name="矩形 3"/>
+          <p:cNvSpPr/>
+          <p:nvPr/>
+        </p:nvSpPr>
+        <p:spPr>
+          <a:xfrm>
+            <a:off x="811369" y="3774604"/>
+            <a:ext cx="5067837" cy="1506829"/>
+          </a:xfrm>
+          <a:prstGeom prst="rect">
             <a:avLst/>
           </a:prstGeom>
           <a:solidFill>
@@ -1964,110 +1773,216 @@
           <a:lstStyle/>
           <a:p>
             <a:pPr algn="ctr"/>
-            <a:endParaRPr lang="zh-CN" altLang="en-US"/>
-          </a:p>
-        </p:txBody>
-      </p:sp>
-      <p:sp>
-        <p:nvSpPr>
-          <p:cNvPr id="6" name="MH_Others_1"/>
-          <p:cNvSpPr txBox="1"/>
-          <p:nvPr>
-            <p:custDataLst>
-              <p:tags r:id="rId1"/>
-            </p:custDataLst>
-          </p:nvPr>
-        </p:nvSpPr>
-        <p:spPr>
-          <a:xfrm>
-            <a:off x="864526" y="2860251"/>
-            <a:ext cx="3955467" cy="847938"/>
-          </a:xfrm>
-          <a:prstGeom prst="rect">
-            <a:avLst/>
-          </a:prstGeom>
-          <a:noFill/>
-        </p:spPr>
-        <p:txBody>
-          <a:bodyPr wrap="square" rtlCol="0">
-            <a:noAutofit/>
-          </a:bodyPr>
-          <a:lstStyle/>
-          <a:p>
-            <a:pPr algn="ctr"/>
-            <a:r>
-              <a:rPr lang="en-US" altLang="zh-CN" sz="4400" dirty="0">
-                <a:solidFill>
-                  <a:schemeClr val="bg1"/>
-                </a:solidFill>
-                <a:effectLst>
-                  <a:outerShdw blurRad="38100" dist="38100" dir="2700000" algn="tl">
-                    <a:srgbClr val="000000">
-                      <a:alpha val="43137"/>
-                    </a:srgbClr>
-                  </a:outerShdw>
-                </a:effectLst>
-                <a:latin typeface="+mj-lt"/>
-                <a:cs typeface="Arial" pitchFamily="34" charset="0"/>
-              </a:rPr>
-              <a:t>PART 4</a:t>
-            </a:r>
-            <a:endParaRPr lang="zh-CN" altLang="en-US" sz="4400" dirty="0">
+            <a:endParaRPr lang="zh-CN" altLang="en-US">
               <a:solidFill>
                 <a:schemeClr val="bg1"/>
               </a:solidFill>
-              <a:effectLst>
-                <a:outerShdw blurRad="38100" dist="38100" dir="2700000" algn="tl">
-                  <a:srgbClr val="000000">
-                    <a:alpha val="43137"/>
-                  </a:srgbClr>
-                </a:outerShdw>
-              </a:effectLst>
-              <a:latin typeface="+mj-lt"/>
-              <a:cs typeface="Arial" pitchFamily="34" charset="0"/>
             </a:endParaRPr>
           </a:p>
         </p:txBody>
       </p:sp>
       <p:sp>
         <p:nvSpPr>
-          <p:cNvPr id="8" name="文本框 7"/>
-          <p:cNvSpPr txBox="1"/>
-          <p:nvPr/>
-        </p:nvSpPr>
-        <p:spPr>
-          <a:xfrm>
-            <a:off x="4819992" y="3487622"/>
-            <a:ext cx="6318345" cy="461665"/>
-          </a:xfrm>
-          <a:prstGeom prst="rect">
-            <a:avLst/>
-          </a:prstGeom>
-          <a:noFill/>
-        </p:spPr>
-        <p:txBody>
-          <a:bodyPr wrap="square" rtlCol="0">
-            <a:spAutoFit/>
-          </a:bodyPr>
-          <a:lstStyle/>
-          <a:p>
-            <a:r>
-              <a:rPr lang="zh-CN" altLang="en-US" sz="1200" dirty="0"/>
-              <a:t>思考一下，你真的会解方程吗？至今为此你是否都是在无脑的套公式进行求根？本节内容带你学习如何利用各种奇技淫巧进行</a:t>
-            </a:r>
-          </a:p>
-        </p:txBody>
-      </p:sp>
-      <p:sp>
-        <p:nvSpPr>
-          <p:cNvPr id="2" name="矩形 1"/>
-          <p:cNvSpPr/>
-          <p:nvPr/>
-        </p:nvSpPr>
-        <p:spPr>
-          <a:xfrm>
-            <a:off x="4819993" y="3040204"/>
-            <a:ext cx="1723549" cy="400110"/>
+          <p:cNvPr id="7" name="矩形 6"/>
+          <p:cNvSpPr/>
+          <p:nvPr/>
+        </p:nvSpPr>
+        <p:spPr>
+          <a:xfrm>
+            <a:off x="6304209" y="3774604"/>
+            <a:ext cx="5067837" cy="1506829"/>
+          </a:xfrm>
+          <a:prstGeom prst="rect">
+            <a:avLst/>
+          </a:prstGeom>
+          <a:solidFill>
+            <a:srgbClr val="48A2A0">
+              <a:alpha val="70000"/>
+            </a:srgbClr>
+          </a:solidFill>
+          <a:ln>
+            <a:noFill/>
+          </a:ln>
+        </p:spPr>
+        <p:style>
+          <a:lnRef idx="2">
+            <a:schemeClr val="accent1">
+              <a:shade val="50000"/>
+            </a:schemeClr>
+          </a:lnRef>
+          <a:fillRef idx="1">
+            <a:schemeClr val="accent1"/>
+          </a:fillRef>
+          <a:effectRef idx="0">
+            <a:schemeClr val="accent1"/>
+          </a:effectRef>
+          <a:fontRef idx="minor">
+            <a:schemeClr val="lt1"/>
+          </a:fontRef>
+        </p:style>
+        <p:txBody>
+          <a:bodyPr rtlCol="0" anchor="ctr"/>
+          <a:lstStyle/>
+          <a:p>
+            <a:pPr algn="ctr"/>
+            <a:endParaRPr lang="zh-CN" altLang="en-US"/>
+          </a:p>
+        </p:txBody>
+      </p:sp>
+      <p:sp>
+        <p:nvSpPr>
+          <p:cNvPr id="8" name="矩形 7"/>
+          <p:cNvSpPr/>
+          <p:nvPr/>
+        </p:nvSpPr>
+        <p:spPr>
+          <a:xfrm>
+            <a:off x="6304209" y="1899633"/>
+            <a:ext cx="5067837" cy="1506829"/>
+          </a:xfrm>
+          <a:prstGeom prst="rect">
+            <a:avLst/>
+          </a:prstGeom>
+          <a:solidFill>
+            <a:srgbClr val="6C92C0">
+              <a:alpha val="70000"/>
+            </a:srgbClr>
+          </a:solidFill>
+          <a:ln>
+            <a:noFill/>
+          </a:ln>
+        </p:spPr>
+        <p:style>
+          <a:lnRef idx="2">
+            <a:schemeClr val="accent1">
+              <a:shade val="50000"/>
+            </a:schemeClr>
+          </a:lnRef>
+          <a:fillRef idx="1">
+            <a:schemeClr val="accent1"/>
+          </a:fillRef>
+          <a:effectRef idx="0">
+            <a:schemeClr val="accent1"/>
+          </a:effectRef>
+          <a:fontRef idx="minor">
+            <a:schemeClr val="lt1"/>
+          </a:fontRef>
+        </p:style>
+        <p:txBody>
+          <a:bodyPr rtlCol="0" anchor="ctr"/>
+          <a:lstStyle/>
+          <a:p>
+            <a:pPr algn="ctr"/>
+            <a:endParaRPr lang="zh-CN" altLang="en-US"/>
+          </a:p>
+        </p:txBody>
+      </p:sp>
+      <p:sp>
+        <p:nvSpPr>
+          <p:cNvPr id="17" name="椭圆 16"/>
+          <p:cNvSpPr/>
+          <p:nvPr/>
+        </p:nvSpPr>
+        <p:spPr>
+          <a:xfrm>
+            <a:off x="-1226820" y="-1346917"/>
+            <a:ext cx="2453640" cy="2453640"/>
+          </a:xfrm>
+          <a:prstGeom prst="ellipse">
+            <a:avLst/>
+          </a:prstGeom>
+          <a:solidFill>
+            <a:srgbClr val="48A2A0">
+              <a:alpha val="70000"/>
+            </a:srgbClr>
+          </a:solidFill>
+          <a:ln>
+            <a:noFill/>
+          </a:ln>
+        </p:spPr>
+        <p:style>
+          <a:lnRef idx="2">
+            <a:schemeClr val="accent1">
+              <a:shade val="50000"/>
+            </a:schemeClr>
+          </a:lnRef>
+          <a:fillRef idx="1">
+            <a:schemeClr val="accent1"/>
+          </a:fillRef>
+          <a:effectRef idx="0">
+            <a:schemeClr val="accent1"/>
+          </a:effectRef>
+          <a:fontRef idx="minor">
+            <a:schemeClr val="lt1"/>
+          </a:fontRef>
+        </p:style>
+        <p:txBody>
+          <a:bodyPr rtlCol="0" anchor="ctr"/>
+          <a:lstStyle/>
+          <a:p>
+            <a:pPr algn="ctr"/>
+            <a:endParaRPr lang="zh-CN" altLang="en-US"/>
+          </a:p>
+        </p:txBody>
+      </p:sp>
+      <p:sp>
+        <p:nvSpPr>
+          <p:cNvPr id="18" name="椭圆 17"/>
+          <p:cNvSpPr/>
+          <p:nvPr/>
+        </p:nvSpPr>
+        <p:spPr>
+          <a:xfrm>
+            <a:off x="434235" y="314138"/>
+            <a:ext cx="792585" cy="792585"/>
+          </a:xfrm>
+          <a:prstGeom prst="ellipse">
+            <a:avLst/>
+          </a:prstGeom>
+          <a:solidFill>
+            <a:srgbClr val="6C92C0">
+              <a:alpha val="70000"/>
+            </a:srgbClr>
+          </a:solidFill>
+          <a:ln>
+            <a:noFill/>
+          </a:ln>
+        </p:spPr>
+        <p:style>
+          <a:lnRef idx="2">
+            <a:schemeClr val="accent1">
+              <a:shade val="50000"/>
+            </a:schemeClr>
+          </a:lnRef>
+          <a:fillRef idx="1">
+            <a:schemeClr val="accent1"/>
+          </a:fillRef>
+          <a:effectRef idx="0">
+            <a:schemeClr val="accent1"/>
+          </a:effectRef>
+          <a:fontRef idx="minor">
+            <a:schemeClr val="lt1"/>
+          </a:fontRef>
+        </p:style>
+        <p:txBody>
+          <a:bodyPr rtlCol="0" anchor="ctr"/>
+          <a:lstStyle/>
+          <a:p>
+            <a:pPr algn="ctr"/>
+            <a:endParaRPr lang="zh-CN" altLang="en-US"/>
+          </a:p>
+        </p:txBody>
+      </p:sp>
+      <p:sp>
+        <p:nvSpPr>
+          <p:cNvPr id="20" name="矩形 19"/>
+          <p:cNvSpPr/>
+          <p:nvPr/>
+        </p:nvSpPr>
+        <p:spPr>
+          <a:xfrm>
+            <a:off x="1344023" y="448348"/>
+            <a:ext cx="1701107" cy="400110"/>
           </a:xfrm>
           <a:prstGeom prst="rect">
             <a:avLst/>
@@ -2080,16 +1995,102 @@
           <a:lstStyle/>
           <a:p>
             <a:r>
-              <a:rPr lang="zh-CN" altLang="en-US" sz="2000" b="1" dirty="0"/>
-              <a:t>解线性方程组</a:t>
-            </a:r>
+              <a:rPr lang="en-US" altLang="zh-CN" sz="2000" b="1" dirty="0">
+                <a:solidFill>
+                  <a:schemeClr val="tx1">
+                    <a:lumMod val="75000"/>
+                    <a:lumOff val="25000"/>
+                  </a:schemeClr>
+                </a:solidFill>
+              </a:rPr>
+              <a:t>Lorem ipsum</a:t>
+            </a:r>
+            <a:endParaRPr lang="zh-CN" altLang="en-US" sz="2000" b="1" dirty="0">
+              <a:solidFill>
+                <a:schemeClr val="tx1">
+                  <a:lumMod val="75000"/>
+                  <a:lumOff val="25000"/>
+                </a:schemeClr>
+              </a:solidFill>
+            </a:endParaRPr>
+          </a:p>
+        </p:txBody>
+      </p:sp>
+      <p:sp>
+        <p:nvSpPr>
+          <p:cNvPr id="21" name="矩形 20"/>
+          <p:cNvSpPr/>
+          <p:nvPr/>
+        </p:nvSpPr>
+        <p:spPr>
+          <a:xfrm>
+            <a:off x="1344023" y="764961"/>
+            <a:ext cx="2196435" cy="261610"/>
+          </a:xfrm>
+          <a:prstGeom prst="rect">
+            <a:avLst/>
+          </a:prstGeom>
+        </p:spPr>
+        <p:txBody>
+          <a:bodyPr wrap="none">
+            <a:spAutoFit/>
+          </a:bodyPr>
+          <a:lstStyle/>
+          <a:p>
+            <a:r>
+              <a:rPr lang="en-US" altLang="zh-CN" sz="1100" dirty="0">
+                <a:solidFill>
+                  <a:schemeClr val="bg1">
+                    <a:lumMod val="50000"/>
+                  </a:schemeClr>
+                </a:solidFill>
+              </a:rPr>
+              <a:t>Lorem ipsum dolor sit </a:t>
+            </a:r>
+            <a:r>
+              <a:rPr lang="en-US" altLang="zh-CN" sz="1100" dirty="0" err="1">
+                <a:solidFill>
+                  <a:schemeClr val="bg1">
+                    <a:lumMod val="50000"/>
+                  </a:schemeClr>
+                </a:solidFill>
+              </a:rPr>
+              <a:t>amet</a:t>
+            </a:r>
+            <a:r>
+              <a:rPr lang="en-US" altLang="zh-CN" sz="1100" dirty="0">
+                <a:solidFill>
+                  <a:schemeClr val="bg1">
+                    <a:lumMod val="50000"/>
+                  </a:schemeClr>
+                </a:solidFill>
+              </a:rPr>
+              <a:t> </a:t>
+            </a:r>
+            <a:r>
+              <a:rPr lang="en-US" altLang="zh-CN" sz="1100" dirty="0" err="1">
+                <a:solidFill>
+                  <a:schemeClr val="bg1">
+                    <a:lumMod val="50000"/>
+                  </a:schemeClr>
+                </a:solidFill>
+              </a:rPr>
+              <a:t>kolor</a:t>
+            </a:r>
+            <a:endParaRPr lang="zh-CN" altLang="en-US" sz="1100" dirty="0">
+              <a:solidFill>
+                <a:schemeClr val="bg1">
+                  <a:lumMod val="50000"/>
+                </a:schemeClr>
+              </a:solidFill>
+            </a:endParaRPr>
           </a:p>
         </p:txBody>
       </p:sp>
     </p:spTree>
     <p:extLst>
       <p:ext uri="{BB962C8B-B14F-4D97-AF65-F5344CB8AC3E}">
-        <p14:creationId xmlns:p14="http://schemas.microsoft.com/office/powerpoint/2010/main" val="823880490"/>
+        <p14:creationId xmlns:p14="http://schemas.microsoft.com/office/powerpoint/2010/main" val="3225602479"/>
       </p:ext>
     </p:extLst>
   </p:cSld>
@@ -2118,16 +2119,16 @@
       </p:grpSpPr>
       <p:sp>
         <p:nvSpPr>
-          <p:cNvPr id="3" name="矩形 2"/>
-          <p:cNvSpPr/>
-          <p:nvPr/>
-        </p:nvSpPr>
-        <p:spPr>
-          <a:xfrm>
-            <a:off x="811369" y="1899633"/>
-            <a:ext cx="5067837" cy="1506829"/>
-          </a:xfrm>
-          <a:prstGeom prst="rect">
+          <p:cNvPr id="4" name="椭圆 3"/>
+          <p:cNvSpPr/>
+          <p:nvPr/>
+        </p:nvSpPr>
+        <p:spPr>
+          <a:xfrm>
+            <a:off x="1615440" y="2057400"/>
+            <a:ext cx="2453640" cy="2453640"/>
+          </a:xfrm>
+          <a:prstGeom prst="ellipse">
             <a:avLst/>
           </a:prstGeom>
           <a:solidFill>
@@ -2160,26 +2161,22 @@
           <a:lstStyle/>
           <a:p>
             <a:pPr algn="ctr"/>
-            <a:endParaRPr lang="zh-CN" altLang="en-US">
-              <a:solidFill>
-                <a:schemeClr val="bg1"/>
-              </a:solidFill>
-            </a:endParaRPr>
-          </a:p>
-        </p:txBody>
-      </p:sp>
-      <p:sp>
-        <p:nvSpPr>
-          <p:cNvPr id="4" name="矩形 3"/>
-          <p:cNvSpPr/>
-          <p:nvPr/>
-        </p:nvSpPr>
-        <p:spPr>
-          <a:xfrm>
-            <a:off x="811369" y="3774604"/>
-            <a:ext cx="5067837" cy="1506829"/>
-          </a:xfrm>
-          <a:prstGeom prst="rect">
+            <a:endParaRPr lang="zh-CN" altLang="en-US"/>
+          </a:p>
+        </p:txBody>
+      </p:sp>
+      <p:sp>
+        <p:nvSpPr>
+          <p:cNvPr id="5" name="椭圆 4"/>
+          <p:cNvSpPr/>
+          <p:nvPr/>
+        </p:nvSpPr>
+        <p:spPr>
+          <a:xfrm>
+            <a:off x="3276495" y="3718455"/>
+            <a:ext cx="792585" cy="792585"/>
+          </a:xfrm>
+          <a:prstGeom prst="ellipse">
             <a:avLst/>
           </a:prstGeom>
           <a:solidFill>
@@ -2212,216 +2209,110 @@
           <a:lstStyle/>
           <a:p>
             <a:pPr algn="ctr"/>
-            <a:endParaRPr lang="zh-CN" altLang="en-US">
+            <a:endParaRPr lang="zh-CN" altLang="en-US"/>
+          </a:p>
+        </p:txBody>
+      </p:sp>
+      <p:sp>
+        <p:nvSpPr>
+          <p:cNvPr id="6" name="MH_Others_1"/>
+          <p:cNvSpPr txBox="1"/>
+          <p:nvPr>
+            <p:custDataLst>
+              <p:tags r:id="rId1"/>
+            </p:custDataLst>
+          </p:nvPr>
+        </p:nvSpPr>
+        <p:spPr>
+          <a:xfrm>
+            <a:off x="864526" y="2860251"/>
+            <a:ext cx="3955467" cy="847938"/>
+          </a:xfrm>
+          <a:prstGeom prst="rect">
+            <a:avLst/>
+          </a:prstGeom>
+          <a:noFill/>
+        </p:spPr>
+        <p:txBody>
+          <a:bodyPr wrap="square" rtlCol="0">
+            <a:noAutofit/>
+          </a:bodyPr>
+          <a:lstStyle/>
+          <a:p>
+            <a:pPr algn="ctr"/>
+            <a:r>
+              <a:rPr lang="en-US" altLang="zh-CN" sz="4400" dirty="0">
+                <a:solidFill>
+                  <a:schemeClr val="bg1"/>
+                </a:solidFill>
+                <a:effectLst>
+                  <a:outerShdw blurRad="38100" dist="38100" dir="2700000" algn="tl">
+                    <a:srgbClr val="000000">
+                      <a:alpha val="43137"/>
+                    </a:srgbClr>
+                  </a:outerShdw>
+                </a:effectLst>
+                <a:latin typeface="+mj-lt"/>
+                <a:cs typeface="Arial" pitchFamily="34" charset="0"/>
+              </a:rPr>
+              <a:t>PART 4</a:t>
+            </a:r>
+            <a:endParaRPr lang="zh-CN" altLang="en-US" sz="4400" dirty="0">
               <a:solidFill>
                 <a:schemeClr val="bg1"/>
               </a:solidFill>
+              <a:effectLst>
+                <a:outerShdw blurRad="38100" dist="38100" dir="2700000" algn="tl">
+                  <a:srgbClr val="000000">
+                    <a:alpha val="43137"/>
+                  </a:srgbClr>
+                </a:outerShdw>
+              </a:effectLst>
+              <a:latin typeface="+mj-lt"/>
+              <a:cs typeface="Arial" pitchFamily="34" charset="0"/>
             </a:endParaRPr>
           </a:p>
         </p:txBody>
       </p:sp>
       <p:sp>
         <p:nvSpPr>
-          <p:cNvPr id="7" name="矩形 6"/>
-          <p:cNvSpPr/>
-          <p:nvPr/>
-        </p:nvSpPr>
-        <p:spPr>
-          <a:xfrm>
-            <a:off x="6304209" y="3774604"/>
-            <a:ext cx="5067837" cy="1506829"/>
-          </a:xfrm>
-          <a:prstGeom prst="rect">
-            <a:avLst/>
-          </a:prstGeom>
-          <a:solidFill>
-            <a:srgbClr val="48A2A0">
-              <a:alpha val="70000"/>
-            </a:srgbClr>
-          </a:solidFill>
-          <a:ln>
-            <a:noFill/>
-          </a:ln>
-        </p:spPr>
-        <p:style>
-          <a:lnRef idx="2">
-            <a:schemeClr val="accent1">
-              <a:shade val="50000"/>
-            </a:schemeClr>
-          </a:lnRef>
-          <a:fillRef idx="1">
-            <a:schemeClr val="accent1"/>
-          </a:fillRef>
-          <a:effectRef idx="0">
-            <a:schemeClr val="accent1"/>
-          </a:effectRef>
-          <a:fontRef idx="minor">
-            <a:schemeClr val="lt1"/>
-          </a:fontRef>
-        </p:style>
-        <p:txBody>
-          <a:bodyPr rtlCol="0" anchor="ctr"/>
-          <a:lstStyle/>
-          <a:p>
-            <a:pPr algn="ctr"/>
-            <a:endParaRPr lang="zh-CN" altLang="en-US"/>
-          </a:p>
-        </p:txBody>
-      </p:sp>
-      <p:sp>
-        <p:nvSpPr>
-          <p:cNvPr id="8" name="矩形 7"/>
-          <p:cNvSpPr/>
-          <p:nvPr/>
-        </p:nvSpPr>
-        <p:spPr>
-          <a:xfrm>
-            <a:off x="6304209" y="1899633"/>
-            <a:ext cx="5067837" cy="1506829"/>
-          </a:xfrm>
-          <a:prstGeom prst="rect">
-            <a:avLst/>
-          </a:prstGeom>
-          <a:solidFill>
-            <a:srgbClr val="6C92C0">
-              <a:alpha val="70000"/>
-            </a:srgbClr>
-          </a:solidFill>
-          <a:ln>
-            <a:noFill/>
-          </a:ln>
-        </p:spPr>
-        <p:style>
-          <a:lnRef idx="2">
-            <a:schemeClr val="accent1">
-              <a:shade val="50000"/>
-            </a:schemeClr>
-          </a:lnRef>
-          <a:fillRef idx="1">
-            <a:schemeClr val="accent1"/>
-          </a:fillRef>
-          <a:effectRef idx="0">
-            <a:schemeClr val="accent1"/>
-          </a:effectRef>
-          <a:fontRef idx="minor">
-            <a:schemeClr val="lt1"/>
-          </a:fontRef>
-        </p:style>
-        <p:txBody>
-          <a:bodyPr rtlCol="0" anchor="ctr"/>
-          <a:lstStyle/>
-          <a:p>
-            <a:pPr algn="ctr"/>
-            <a:endParaRPr lang="zh-CN" altLang="en-US"/>
-          </a:p>
-        </p:txBody>
-      </p:sp>
-      <p:sp>
-        <p:nvSpPr>
-          <p:cNvPr id="17" name="椭圆 16"/>
-          <p:cNvSpPr/>
-          <p:nvPr/>
-        </p:nvSpPr>
-        <p:spPr>
-          <a:xfrm>
-            <a:off x="-1226820" y="-1346917"/>
-            <a:ext cx="2453640" cy="2453640"/>
-          </a:xfrm>
-          <a:prstGeom prst="ellipse">
-            <a:avLst/>
-          </a:prstGeom>
-          <a:solidFill>
-            <a:srgbClr val="48A2A0">
-              <a:alpha val="70000"/>
-            </a:srgbClr>
-          </a:solidFill>
-          <a:ln>
-            <a:noFill/>
-          </a:ln>
-        </p:spPr>
-        <p:style>
-          <a:lnRef idx="2">
-            <a:schemeClr val="accent1">
-              <a:shade val="50000"/>
-            </a:schemeClr>
-          </a:lnRef>
-          <a:fillRef idx="1">
-            <a:schemeClr val="accent1"/>
-          </a:fillRef>
-          <a:effectRef idx="0">
-            <a:schemeClr val="accent1"/>
-          </a:effectRef>
-          <a:fontRef idx="minor">
-            <a:schemeClr val="lt1"/>
-          </a:fontRef>
-        </p:style>
-        <p:txBody>
-          <a:bodyPr rtlCol="0" anchor="ctr"/>
-          <a:lstStyle/>
-          <a:p>
-            <a:pPr algn="ctr"/>
-            <a:endParaRPr lang="zh-CN" altLang="en-US"/>
-          </a:p>
-        </p:txBody>
-      </p:sp>
-      <p:sp>
-        <p:nvSpPr>
-          <p:cNvPr id="18" name="椭圆 17"/>
-          <p:cNvSpPr/>
-          <p:nvPr/>
-        </p:nvSpPr>
-        <p:spPr>
-          <a:xfrm>
-            <a:off x="434235" y="314138"/>
-            <a:ext cx="792585" cy="792585"/>
-          </a:xfrm>
-          <a:prstGeom prst="ellipse">
-            <a:avLst/>
-          </a:prstGeom>
-          <a:solidFill>
-            <a:srgbClr val="6C92C0">
-              <a:alpha val="70000"/>
-            </a:srgbClr>
-          </a:solidFill>
-          <a:ln>
-            <a:noFill/>
-          </a:ln>
-        </p:spPr>
-        <p:style>
-          <a:lnRef idx="2">
-            <a:schemeClr val="accent1">
-              <a:shade val="50000"/>
-            </a:schemeClr>
-          </a:lnRef>
-          <a:fillRef idx="1">
-            <a:schemeClr val="accent1"/>
-          </a:fillRef>
-          <a:effectRef idx="0">
-            <a:schemeClr val="accent1"/>
-          </a:effectRef>
-          <a:fontRef idx="minor">
-            <a:schemeClr val="lt1"/>
-          </a:fontRef>
-        </p:style>
-        <p:txBody>
-          <a:bodyPr rtlCol="0" anchor="ctr"/>
-          <a:lstStyle/>
-          <a:p>
-            <a:pPr algn="ctr"/>
-            <a:endParaRPr lang="zh-CN" altLang="en-US"/>
-          </a:p>
-        </p:txBody>
-      </p:sp>
-      <p:sp>
-        <p:nvSpPr>
-          <p:cNvPr id="20" name="矩形 19"/>
-          <p:cNvSpPr/>
-          <p:nvPr/>
-        </p:nvSpPr>
-        <p:spPr>
-          <a:xfrm>
-            <a:off x="1344023" y="448348"/>
-            <a:ext cx="1701107" cy="400110"/>
+          <p:cNvPr id="8" name="文本框 7"/>
+          <p:cNvSpPr txBox="1"/>
+          <p:nvPr/>
+        </p:nvSpPr>
+        <p:spPr>
+          <a:xfrm>
+            <a:off x="4819992" y="3487622"/>
+            <a:ext cx="6318345" cy="461665"/>
+          </a:xfrm>
+          <a:prstGeom prst="rect">
+            <a:avLst/>
+          </a:prstGeom>
+          <a:noFill/>
+        </p:spPr>
+        <p:txBody>
+          <a:bodyPr wrap="square" rtlCol="0">
+            <a:spAutoFit/>
+          </a:bodyPr>
+          <a:lstStyle/>
+          <a:p>
+            <a:r>
+              <a:rPr lang="zh-CN" altLang="en-US" sz="1200" dirty="0"/>
+              <a:t>思考一下，你真的会解方程吗？至今为此你是否都是在无脑的套公式进行求根？本节内容带你学习如何利用各种奇技淫巧进行</a:t>
+            </a:r>
+          </a:p>
+        </p:txBody>
+      </p:sp>
+      <p:sp>
+        <p:nvSpPr>
+          <p:cNvPr id="2" name="矩形 1"/>
+          <p:cNvSpPr/>
+          <p:nvPr/>
+        </p:nvSpPr>
+        <p:spPr>
+          <a:xfrm>
+            <a:off x="4819993" y="3040204"/>
+            <a:ext cx="1723549" cy="400110"/>
           </a:xfrm>
           <a:prstGeom prst="rect">
             <a:avLst/>
@@ -2434,102 +2325,16 @@
           <a:lstStyle/>
           <a:p>
             <a:r>
-              <a:rPr lang="en-US" altLang="zh-CN" sz="2000" b="1" dirty="0">
-                <a:solidFill>
-                  <a:schemeClr val="tx1">
-                    <a:lumMod val="75000"/>
-                    <a:lumOff val="25000"/>
-                  </a:schemeClr>
-                </a:solidFill>
-              </a:rPr>
-              <a:t>Lorem ipsum</a:t>
-            </a:r>
-            <a:endParaRPr lang="zh-CN" altLang="en-US" sz="2000" b="1" dirty="0">
-              <a:solidFill>
-                <a:schemeClr val="tx1">
-                  <a:lumMod val="75000"/>
-                  <a:lumOff val="25000"/>
-                </a:schemeClr>
-              </a:solidFill>
-            </a:endParaRPr>
-          </a:p>
-        </p:txBody>
-      </p:sp>
-      <p:sp>
-        <p:nvSpPr>
-          <p:cNvPr id="21" name="矩形 20"/>
-          <p:cNvSpPr/>
-          <p:nvPr/>
-        </p:nvSpPr>
-        <p:spPr>
-          <a:xfrm>
-            <a:off x="1344023" y="764961"/>
-            <a:ext cx="2196435" cy="261610"/>
-          </a:xfrm>
-          <a:prstGeom prst="rect">
-            <a:avLst/>
-          </a:prstGeom>
-        </p:spPr>
-        <p:txBody>
-          <a:bodyPr wrap="none">
-            <a:spAutoFit/>
-          </a:bodyPr>
-          <a:lstStyle/>
-          <a:p>
-            <a:r>
-              <a:rPr lang="en-US" altLang="zh-CN" sz="1100" dirty="0">
-                <a:solidFill>
-                  <a:schemeClr val="bg1">
-                    <a:lumMod val="50000"/>
-                  </a:schemeClr>
-                </a:solidFill>
-              </a:rPr>
-              <a:t>Lorem ipsum dolor sit </a:t>
-            </a:r>
-            <a:r>
-              <a:rPr lang="en-US" altLang="zh-CN" sz="1100" dirty="0" err="1">
-                <a:solidFill>
-                  <a:schemeClr val="bg1">
-                    <a:lumMod val="50000"/>
-                  </a:schemeClr>
-                </a:solidFill>
-              </a:rPr>
-              <a:t>amet</a:t>
-            </a:r>
-            <a:r>
-              <a:rPr lang="en-US" altLang="zh-CN" sz="1100" dirty="0">
-                <a:solidFill>
-                  <a:schemeClr val="bg1">
-                    <a:lumMod val="50000"/>
-                  </a:schemeClr>
-                </a:solidFill>
-              </a:rPr>
-              <a:t> </a:t>
-            </a:r>
-            <a:r>
-              <a:rPr lang="en-US" altLang="zh-CN" sz="1100" dirty="0" err="1">
-                <a:solidFill>
-                  <a:schemeClr val="bg1">
-                    <a:lumMod val="50000"/>
-                  </a:schemeClr>
-                </a:solidFill>
-              </a:rPr>
-              <a:t>kolor</a:t>
-            </a:r>
-            <a:endParaRPr lang="zh-CN" altLang="en-US" sz="1100" dirty="0">
-              <a:solidFill>
-                <a:schemeClr val="bg1">
-                  <a:lumMod val="50000"/>
-                </a:schemeClr>
-              </a:solidFill>
-            </a:endParaRPr>
+              <a:rPr lang="zh-CN" altLang="en-US" sz="2000" b="1" dirty="0"/>
+              <a:t>解线性方程组</a:t>
+            </a:r>
           </a:p>
         </p:txBody>
       </p:sp>
     </p:spTree>
     <p:extLst>
       <p:ext uri="{BB962C8B-B14F-4D97-AF65-F5344CB8AC3E}">
-        <p14:creationId xmlns:p14="http://schemas.microsoft.com/office/powerpoint/2010/main" val="287143242"/>
+        <p14:creationId xmlns:p14="http://schemas.microsoft.com/office/powerpoint/2010/main" val="823880490"/>
       </p:ext>
     </p:extLst>
   </p:cSld>
@@ -2558,16 +2363,16 @@
       </p:grpSpPr>
       <p:sp>
         <p:nvSpPr>
-          <p:cNvPr id="4" name="椭圆 3"/>
-          <p:cNvSpPr/>
-          <p:nvPr/>
-        </p:nvSpPr>
-        <p:spPr>
-          <a:xfrm>
-            <a:off x="1615440" y="2057400"/>
-            <a:ext cx="2453640" cy="2453640"/>
-          </a:xfrm>
-          <a:prstGeom prst="ellipse">
+          <p:cNvPr id="3" name="矩形 2"/>
+          <p:cNvSpPr/>
+          <p:nvPr/>
+        </p:nvSpPr>
+        <p:spPr>
+          <a:xfrm>
+            <a:off x="811369" y="1899633"/>
+            <a:ext cx="5067837" cy="1506829"/>
+          </a:xfrm>
+          <a:prstGeom prst="rect">
             <a:avLst/>
           </a:prstGeom>
           <a:solidFill>
@@ -2600,22 +2405,26 @@
           <a:lstStyle/>
           <a:p>
             <a:pPr algn="ctr"/>
-            <a:endParaRPr lang="zh-CN" altLang="en-US"/>
-          </a:p>
-        </p:txBody>
-      </p:sp>
-      <p:sp>
-        <p:nvSpPr>
-          <p:cNvPr id="5" name="椭圆 4"/>
-          <p:cNvSpPr/>
-          <p:nvPr/>
-        </p:nvSpPr>
-        <p:spPr>
-          <a:xfrm>
-            <a:off x="3276495" y="3718455"/>
-            <a:ext cx="792585" cy="792585"/>
-          </a:xfrm>
-          <a:prstGeom prst="ellipse">
+            <a:endParaRPr lang="zh-CN" altLang="en-US">
+              <a:solidFill>
+                <a:schemeClr val="bg1"/>
+              </a:solidFill>
+            </a:endParaRPr>
+          </a:p>
+        </p:txBody>
+      </p:sp>
+      <p:sp>
+        <p:nvSpPr>
+          <p:cNvPr id="4" name="矩形 3"/>
+          <p:cNvSpPr/>
+          <p:nvPr/>
+        </p:nvSpPr>
+        <p:spPr>
+          <a:xfrm>
+            <a:off x="811369" y="3774604"/>
+            <a:ext cx="5067837" cy="1506829"/>
+          </a:xfrm>
+          <a:prstGeom prst="rect">
             <a:avLst/>
           </a:prstGeom>
           <a:solidFill>
@@ -2648,110 +2457,216 @@
           <a:lstStyle/>
           <a:p>
             <a:pPr algn="ctr"/>
-            <a:endParaRPr lang="zh-CN" altLang="en-US"/>
-          </a:p>
-        </p:txBody>
-      </p:sp>
-      <p:sp>
-        <p:nvSpPr>
-          <p:cNvPr id="6" name="MH_Others_1"/>
-          <p:cNvSpPr txBox="1"/>
-          <p:nvPr>
-            <p:custDataLst>
-              <p:tags r:id="rId1"/>
-            </p:custDataLst>
-          </p:nvPr>
-        </p:nvSpPr>
-        <p:spPr>
-          <a:xfrm>
-            <a:off x="864526" y="2860251"/>
-            <a:ext cx="3955467" cy="847938"/>
-          </a:xfrm>
-          <a:prstGeom prst="rect">
-            <a:avLst/>
-          </a:prstGeom>
-          <a:noFill/>
-        </p:spPr>
-        <p:txBody>
-          <a:bodyPr wrap="square" rtlCol="0">
-            <a:noAutofit/>
-          </a:bodyPr>
-          <a:lstStyle/>
-          <a:p>
-            <a:pPr algn="ctr"/>
-            <a:r>
-              <a:rPr lang="en-US" altLang="zh-CN" sz="4400" dirty="0">
-                <a:solidFill>
-                  <a:schemeClr val="bg1"/>
-                </a:solidFill>
-                <a:effectLst>
-                  <a:outerShdw blurRad="38100" dist="38100" dir="2700000" algn="tl">
-                    <a:srgbClr val="000000">
-                      <a:alpha val="43137"/>
-                    </a:srgbClr>
-                  </a:outerShdw>
-                </a:effectLst>
-                <a:latin typeface="+mj-lt"/>
-                <a:cs typeface="Arial" pitchFamily="34" charset="0"/>
-              </a:rPr>
-              <a:t>PART 5</a:t>
-            </a:r>
-            <a:endParaRPr lang="zh-CN" altLang="en-US" sz="4400" dirty="0">
+            <a:endParaRPr lang="zh-CN" altLang="en-US">
               <a:solidFill>
                 <a:schemeClr val="bg1"/>
               </a:solidFill>
-              <a:effectLst>
-                <a:outerShdw blurRad="38100" dist="38100" dir="2700000" algn="tl">
-                  <a:srgbClr val="000000">
-                    <a:alpha val="43137"/>
-                  </a:srgbClr>
-                </a:outerShdw>
-              </a:effectLst>
-              <a:latin typeface="+mj-lt"/>
-              <a:cs typeface="Arial" pitchFamily="34" charset="0"/>
             </a:endParaRPr>
           </a:p>
         </p:txBody>
       </p:sp>
       <p:sp>
         <p:nvSpPr>
-          <p:cNvPr id="8" name="文本框 7"/>
-          <p:cNvSpPr txBox="1"/>
-          <p:nvPr/>
-        </p:nvSpPr>
-        <p:spPr>
-          <a:xfrm>
-            <a:off x="4819992" y="3487622"/>
-            <a:ext cx="6318345" cy="461665"/>
-          </a:xfrm>
-          <a:prstGeom prst="rect">
-            <a:avLst/>
-          </a:prstGeom>
-          <a:noFill/>
-        </p:spPr>
-        <p:txBody>
-          <a:bodyPr wrap="square" rtlCol="0">
-            <a:spAutoFit/>
-          </a:bodyPr>
-          <a:lstStyle/>
-          <a:p>
-            <a:r>
-              <a:rPr lang="zh-CN" altLang="en-US" sz="1200" dirty="0"/>
-              <a:t>思考一下，你真的会解方程吗？至今为此你是否都是在无脑的套公式进行求根？本节内容带你学习如何利用各种奇技淫巧进行</a:t>
-            </a:r>
-          </a:p>
-        </p:txBody>
-      </p:sp>
-      <p:sp>
-        <p:nvSpPr>
-          <p:cNvPr id="2" name="矩形 1"/>
-          <p:cNvSpPr/>
-          <p:nvPr/>
-        </p:nvSpPr>
-        <p:spPr>
-          <a:xfrm>
-            <a:off x="4819993" y="3040204"/>
-            <a:ext cx="1467068" cy="400110"/>
+          <p:cNvPr id="7" name="矩形 6"/>
+          <p:cNvSpPr/>
+          <p:nvPr/>
+        </p:nvSpPr>
+        <p:spPr>
+          <a:xfrm>
+            <a:off x="6304209" y="3774604"/>
+            <a:ext cx="5067837" cy="1506829"/>
+          </a:xfrm>
+          <a:prstGeom prst="rect">
+            <a:avLst/>
+          </a:prstGeom>
+          <a:solidFill>
+            <a:srgbClr val="48A2A0">
+              <a:alpha val="70000"/>
+            </a:srgbClr>
+          </a:solidFill>
+          <a:ln>
+            <a:noFill/>
+          </a:ln>
+        </p:spPr>
+        <p:style>
+          <a:lnRef idx="2">
+            <a:schemeClr val="accent1">
+              <a:shade val="50000"/>
+            </a:schemeClr>
+          </a:lnRef>
+          <a:fillRef idx="1">
+            <a:schemeClr val="accent1"/>
+          </a:fillRef>
+          <a:effectRef idx="0">
+            <a:schemeClr val="accent1"/>
+          </a:effectRef>
+          <a:fontRef idx="minor">
+            <a:schemeClr val="lt1"/>
+          </a:fontRef>
+        </p:style>
+        <p:txBody>
+          <a:bodyPr rtlCol="0" anchor="ctr"/>
+          <a:lstStyle/>
+          <a:p>
+            <a:pPr algn="ctr"/>
+            <a:endParaRPr lang="zh-CN" altLang="en-US"/>
+          </a:p>
+        </p:txBody>
+      </p:sp>
+      <p:sp>
+        <p:nvSpPr>
+          <p:cNvPr id="8" name="矩形 7"/>
+          <p:cNvSpPr/>
+          <p:nvPr/>
+        </p:nvSpPr>
+        <p:spPr>
+          <a:xfrm>
+            <a:off x="6304209" y="1899633"/>
+            <a:ext cx="5067837" cy="1506829"/>
+          </a:xfrm>
+          <a:prstGeom prst="rect">
+            <a:avLst/>
+          </a:prstGeom>
+          <a:solidFill>
+            <a:srgbClr val="6C92C0">
+              <a:alpha val="70000"/>
+            </a:srgbClr>
+          </a:solidFill>
+          <a:ln>
+            <a:noFill/>
+          </a:ln>
+        </p:spPr>
+        <p:style>
+          <a:lnRef idx="2">
+            <a:schemeClr val="accent1">
+              <a:shade val="50000"/>
+            </a:schemeClr>
+          </a:lnRef>
+          <a:fillRef idx="1">
+            <a:schemeClr val="accent1"/>
+          </a:fillRef>
+          <a:effectRef idx="0">
+            <a:schemeClr val="accent1"/>
+          </a:effectRef>
+          <a:fontRef idx="minor">
+            <a:schemeClr val="lt1"/>
+          </a:fontRef>
+        </p:style>
+        <p:txBody>
+          <a:bodyPr rtlCol="0" anchor="ctr"/>
+          <a:lstStyle/>
+          <a:p>
+            <a:pPr algn="ctr"/>
+            <a:endParaRPr lang="zh-CN" altLang="en-US"/>
+          </a:p>
+        </p:txBody>
+      </p:sp>
+      <p:sp>
+        <p:nvSpPr>
+          <p:cNvPr id="17" name="椭圆 16"/>
+          <p:cNvSpPr/>
+          <p:nvPr/>
+        </p:nvSpPr>
+        <p:spPr>
+          <a:xfrm>
+            <a:off x="-1226820" y="-1346917"/>
+            <a:ext cx="2453640" cy="2453640"/>
+          </a:xfrm>
+          <a:prstGeom prst="ellipse">
+            <a:avLst/>
+          </a:prstGeom>
+          <a:solidFill>
+            <a:srgbClr val="48A2A0">
+              <a:alpha val="70000"/>
+            </a:srgbClr>
+          </a:solidFill>
+          <a:ln>
+            <a:noFill/>
+          </a:ln>
+        </p:spPr>
+        <p:style>
+          <a:lnRef idx="2">
+            <a:schemeClr val="accent1">
+              <a:shade val="50000"/>
+            </a:schemeClr>
+          </a:lnRef>
+          <a:fillRef idx="1">
+            <a:schemeClr val="accent1"/>
+          </a:fillRef>
+          <a:effectRef idx="0">
+            <a:schemeClr val="accent1"/>
+          </a:effectRef>
+          <a:fontRef idx="minor">
+            <a:schemeClr val="lt1"/>
+          </a:fontRef>
+        </p:style>
+        <p:txBody>
+          <a:bodyPr rtlCol="0" anchor="ctr"/>
+          <a:lstStyle/>
+          <a:p>
+            <a:pPr algn="ctr"/>
+            <a:endParaRPr lang="zh-CN" altLang="en-US"/>
+          </a:p>
+        </p:txBody>
+      </p:sp>
+      <p:sp>
+        <p:nvSpPr>
+          <p:cNvPr id="18" name="椭圆 17"/>
+          <p:cNvSpPr/>
+          <p:nvPr/>
+        </p:nvSpPr>
+        <p:spPr>
+          <a:xfrm>
+            <a:off x="434235" y="314138"/>
+            <a:ext cx="792585" cy="792585"/>
+          </a:xfrm>
+          <a:prstGeom prst="ellipse">
+            <a:avLst/>
+          </a:prstGeom>
+          <a:solidFill>
+            <a:srgbClr val="6C92C0">
+              <a:alpha val="70000"/>
+            </a:srgbClr>
+          </a:solidFill>
+          <a:ln>
+            <a:noFill/>
+          </a:ln>
+        </p:spPr>
+        <p:style>
+          <a:lnRef idx="2">
+            <a:schemeClr val="accent1">
+              <a:shade val="50000"/>
+            </a:schemeClr>
+          </a:lnRef>
+          <a:fillRef idx="1">
+            <a:schemeClr val="accent1"/>
+          </a:fillRef>
+          <a:effectRef idx="0">
+            <a:schemeClr val="accent1"/>
+          </a:effectRef>
+          <a:fontRef idx="minor">
+            <a:schemeClr val="lt1"/>
+          </a:fontRef>
+        </p:style>
+        <p:txBody>
+          <a:bodyPr rtlCol="0" anchor="ctr"/>
+          <a:lstStyle/>
+          <a:p>
+            <a:pPr algn="ctr"/>
+            <a:endParaRPr lang="zh-CN" altLang="en-US"/>
+          </a:p>
+        </p:txBody>
+      </p:sp>
+      <p:sp>
+        <p:nvSpPr>
+          <p:cNvPr id="20" name="矩形 19"/>
+          <p:cNvSpPr/>
+          <p:nvPr/>
+        </p:nvSpPr>
+        <p:spPr>
+          <a:xfrm>
+            <a:off x="1344023" y="448348"/>
+            <a:ext cx="1701107" cy="400110"/>
           </a:xfrm>
           <a:prstGeom prst="rect">
             <a:avLst/>
@@ -2764,16 +2679,102 @@
           <a:lstStyle/>
           <a:p>
             <a:r>
-              <a:rPr lang="zh-CN" altLang="en-US" sz="2000" b="1" dirty="0"/>
-              <a:t>解微分方程</a:t>
-            </a:r>
+              <a:rPr lang="en-US" altLang="zh-CN" sz="2000" b="1" dirty="0">
+                <a:solidFill>
+                  <a:schemeClr val="tx1">
+                    <a:lumMod val="75000"/>
+                    <a:lumOff val="25000"/>
+                  </a:schemeClr>
+                </a:solidFill>
+              </a:rPr>
+              <a:t>Lorem ipsum</a:t>
+            </a:r>
+            <a:endParaRPr lang="zh-CN" altLang="en-US" sz="2000" b="1" dirty="0">
+              <a:solidFill>
+                <a:schemeClr val="tx1">
+                  <a:lumMod val="75000"/>
+                  <a:lumOff val="25000"/>
+                </a:schemeClr>
+              </a:solidFill>
+            </a:endParaRPr>
+          </a:p>
+        </p:txBody>
+      </p:sp>
+      <p:sp>
+        <p:nvSpPr>
+          <p:cNvPr id="21" name="矩形 20"/>
+          <p:cNvSpPr/>
+          <p:nvPr/>
+        </p:nvSpPr>
+        <p:spPr>
+          <a:xfrm>
+            <a:off x="1344023" y="764961"/>
+            <a:ext cx="2196435" cy="261610"/>
+          </a:xfrm>
+          <a:prstGeom prst="rect">
+            <a:avLst/>
+          </a:prstGeom>
+        </p:spPr>
+        <p:txBody>
+          <a:bodyPr wrap="none">
+            <a:spAutoFit/>
+          </a:bodyPr>
+          <a:lstStyle/>
+          <a:p>
+            <a:r>
+              <a:rPr lang="en-US" altLang="zh-CN" sz="1100" dirty="0">
+                <a:solidFill>
+                  <a:schemeClr val="bg1">
+                    <a:lumMod val="50000"/>
+                  </a:schemeClr>
+                </a:solidFill>
+              </a:rPr>
+              <a:t>Lorem ipsum dolor sit </a:t>
+            </a:r>
+            <a:r>
+              <a:rPr lang="en-US" altLang="zh-CN" sz="1100" dirty="0" err="1">
+                <a:solidFill>
+                  <a:schemeClr val="bg1">
+                    <a:lumMod val="50000"/>
+                  </a:schemeClr>
+                </a:solidFill>
+              </a:rPr>
+              <a:t>amet</a:t>
+            </a:r>
+            <a:r>
+              <a:rPr lang="en-US" altLang="zh-CN" sz="1100" dirty="0">
+                <a:solidFill>
+                  <a:schemeClr val="bg1">
+                    <a:lumMod val="50000"/>
+                  </a:schemeClr>
+                </a:solidFill>
+              </a:rPr>
+              <a:t> </a:t>
+            </a:r>
+            <a:r>
+              <a:rPr lang="en-US" altLang="zh-CN" sz="1100" dirty="0" err="1">
+                <a:solidFill>
+                  <a:schemeClr val="bg1">
+                    <a:lumMod val="50000"/>
+                  </a:schemeClr>
+                </a:solidFill>
+              </a:rPr>
+              <a:t>kolor</a:t>
+            </a:r>
+            <a:endParaRPr lang="zh-CN" altLang="en-US" sz="1100" dirty="0">
+              <a:solidFill>
+                <a:schemeClr val="bg1">
+                  <a:lumMod val="50000"/>
+                </a:schemeClr>
+              </a:solidFill>
+            </a:endParaRPr>
           </a:p>
         </p:txBody>
       </p:sp>
     </p:spTree>
     <p:extLst>
       <p:ext uri="{BB962C8B-B14F-4D97-AF65-F5344CB8AC3E}">
-        <p14:creationId xmlns:p14="http://schemas.microsoft.com/office/powerpoint/2010/main" val="1695620384"/>
+        <p14:creationId xmlns:p14="http://schemas.microsoft.com/office/powerpoint/2010/main" val="287143242"/>
       </p:ext>
     </p:extLst>
   </p:cSld>
@@ -2802,16 +2803,16 @@
       </p:grpSpPr>
       <p:sp>
         <p:nvSpPr>
-          <p:cNvPr id="3" name="矩形 2"/>
-          <p:cNvSpPr/>
-          <p:nvPr/>
-        </p:nvSpPr>
-        <p:spPr>
-          <a:xfrm>
-            <a:off x="811369" y="1899633"/>
-            <a:ext cx="5067837" cy="1506829"/>
-          </a:xfrm>
-          <a:prstGeom prst="rect">
+          <p:cNvPr id="4" name="椭圆 3"/>
+          <p:cNvSpPr/>
+          <p:nvPr/>
+        </p:nvSpPr>
+        <p:spPr>
+          <a:xfrm>
+            <a:off x="1615440" y="2057400"/>
+            <a:ext cx="2453640" cy="2453640"/>
+          </a:xfrm>
+          <a:prstGeom prst="ellipse">
             <a:avLst/>
           </a:prstGeom>
           <a:solidFill>
@@ -2844,26 +2845,22 @@
           <a:lstStyle/>
           <a:p>
             <a:pPr algn="ctr"/>
-            <a:endParaRPr lang="zh-CN" altLang="en-US">
-              <a:solidFill>
-                <a:schemeClr val="bg1"/>
-              </a:solidFill>
-            </a:endParaRPr>
-          </a:p>
-        </p:txBody>
-      </p:sp>
-      <p:sp>
-        <p:nvSpPr>
-          <p:cNvPr id="4" name="矩形 3"/>
-          <p:cNvSpPr/>
-          <p:nvPr/>
-        </p:nvSpPr>
-        <p:spPr>
-          <a:xfrm>
-            <a:off x="811369" y="3774604"/>
-            <a:ext cx="5067837" cy="1506829"/>
-          </a:xfrm>
-          <a:prstGeom prst="rect">
+            <a:endParaRPr lang="zh-CN" altLang="en-US"/>
+          </a:p>
+        </p:txBody>
+      </p:sp>
+      <p:sp>
+        <p:nvSpPr>
+          <p:cNvPr id="5" name="椭圆 4"/>
+          <p:cNvSpPr/>
+          <p:nvPr/>
+        </p:nvSpPr>
+        <p:spPr>
+          <a:xfrm>
+            <a:off x="3276495" y="3718455"/>
+            <a:ext cx="792585" cy="792585"/>
+          </a:xfrm>
+          <a:prstGeom prst="ellipse">
             <a:avLst/>
           </a:prstGeom>
           <a:solidFill>
@@ -2896,216 +2893,110 @@
           <a:lstStyle/>
           <a:p>
             <a:pPr algn="ctr"/>
-            <a:endParaRPr lang="zh-CN" altLang="en-US">
+            <a:endParaRPr lang="zh-CN" altLang="en-US"/>
+          </a:p>
+        </p:txBody>
+      </p:sp>
+      <p:sp>
+        <p:nvSpPr>
+          <p:cNvPr id="6" name="MH_Others_1"/>
+          <p:cNvSpPr txBox="1"/>
+          <p:nvPr>
+            <p:custDataLst>
+              <p:tags r:id="rId1"/>
+            </p:custDataLst>
+          </p:nvPr>
+        </p:nvSpPr>
+        <p:spPr>
+          <a:xfrm>
+            <a:off x="864526" y="2860251"/>
+            <a:ext cx="3955467" cy="847938"/>
+          </a:xfrm>
+          <a:prstGeom prst="rect">
+            <a:avLst/>
+          </a:prstGeom>
+          <a:noFill/>
+        </p:spPr>
+        <p:txBody>
+          <a:bodyPr wrap="square" rtlCol="0">
+            <a:noAutofit/>
+          </a:bodyPr>
+          <a:lstStyle/>
+          <a:p>
+            <a:pPr algn="ctr"/>
+            <a:r>
+              <a:rPr lang="en-US" altLang="zh-CN" sz="4400" dirty="0">
+                <a:solidFill>
+                  <a:schemeClr val="bg1"/>
+                </a:solidFill>
+                <a:effectLst>
+                  <a:outerShdw blurRad="38100" dist="38100" dir="2700000" algn="tl">
+                    <a:srgbClr val="000000">
+                      <a:alpha val="43137"/>
+                    </a:srgbClr>
+                  </a:outerShdw>
+                </a:effectLst>
+                <a:latin typeface="+mj-lt"/>
+                <a:cs typeface="Arial" pitchFamily="34" charset="0"/>
+              </a:rPr>
+              <a:t>PART 5</a:t>
+            </a:r>
+            <a:endParaRPr lang="zh-CN" altLang="en-US" sz="4400" dirty="0">
               <a:solidFill>
                 <a:schemeClr val="bg1"/>
               </a:solidFill>
+              <a:effectLst>
+                <a:outerShdw blurRad="38100" dist="38100" dir="2700000" algn="tl">
+                  <a:srgbClr val="000000">
+                    <a:alpha val="43137"/>
+                  </a:srgbClr>
+                </a:outerShdw>
+              </a:effectLst>
+              <a:latin typeface="+mj-lt"/>
+              <a:cs typeface="Arial" pitchFamily="34" charset="0"/>
             </a:endParaRPr>
           </a:p>
         </p:txBody>
       </p:sp>
       <p:sp>
         <p:nvSpPr>
-          <p:cNvPr id="7" name="矩形 6"/>
-          <p:cNvSpPr/>
-          <p:nvPr/>
-        </p:nvSpPr>
-        <p:spPr>
-          <a:xfrm>
-            <a:off x="6304209" y="3774604"/>
-            <a:ext cx="5067837" cy="1506829"/>
-          </a:xfrm>
-          <a:prstGeom prst="rect">
-            <a:avLst/>
-          </a:prstGeom>
-          <a:solidFill>
-            <a:srgbClr val="48A2A0">
-              <a:alpha val="70000"/>
-            </a:srgbClr>
-          </a:solidFill>
-          <a:ln>
-            <a:noFill/>
-          </a:ln>
-        </p:spPr>
-        <p:style>
-          <a:lnRef idx="2">
-            <a:schemeClr val="accent1">
-              <a:shade val="50000"/>
-            </a:schemeClr>
-          </a:lnRef>
-          <a:fillRef idx="1">
-            <a:schemeClr val="accent1"/>
-          </a:fillRef>
-          <a:effectRef idx="0">
-            <a:schemeClr val="accent1"/>
-          </a:effectRef>
-          <a:fontRef idx="minor">
-            <a:schemeClr val="lt1"/>
-          </a:fontRef>
-        </p:style>
-        <p:txBody>
-          <a:bodyPr rtlCol="0" anchor="ctr"/>
-          <a:lstStyle/>
-          <a:p>
-            <a:pPr algn="ctr"/>
-            <a:endParaRPr lang="zh-CN" altLang="en-US"/>
-          </a:p>
-        </p:txBody>
-      </p:sp>
-      <p:sp>
-        <p:nvSpPr>
-          <p:cNvPr id="8" name="矩形 7"/>
-          <p:cNvSpPr/>
-          <p:nvPr/>
-        </p:nvSpPr>
-        <p:spPr>
-          <a:xfrm>
-            <a:off x="6304209" y="1899633"/>
-            <a:ext cx="5067837" cy="1506829"/>
-          </a:xfrm>
-          <a:prstGeom prst="rect">
-            <a:avLst/>
-          </a:prstGeom>
-          <a:solidFill>
-            <a:srgbClr val="6C92C0">
-              <a:alpha val="70000"/>
-            </a:srgbClr>
-          </a:solidFill>
-          <a:ln>
-            <a:noFill/>
-          </a:ln>
-        </p:spPr>
-        <p:style>
-          <a:lnRef idx="2">
-            <a:schemeClr val="accent1">
-              <a:shade val="50000"/>
-            </a:schemeClr>
-          </a:lnRef>
-          <a:fillRef idx="1">
-            <a:schemeClr val="accent1"/>
-          </a:fillRef>
-          <a:effectRef idx="0">
-            <a:schemeClr val="accent1"/>
-          </a:effectRef>
-          <a:fontRef idx="minor">
-            <a:schemeClr val="lt1"/>
-          </a:fontRef>
-        </p:style>
-        <p:txBody>
-          <a:bodyPr rtlCol="0" anchor="ctr"/>
-          <a:lstStyle/>
-          <a:p>
-            <a:pPr algn="ctr"/>
-            <a:endParaRPr lang="zh-CN" altLang="en-US"/>
-          </a:p>
-        </p:txBody>
-      </p:sp>
-      <p:sp>
-        <p:nvSpPr>
-          <p:cNvPr id="17" name="椭圆 16"/>
-          <p:cNvSpPr/>
-          <p:nvPr/>
-        </p:nvSpPr>
-        <p:spPr>
-          <a:xfrm>
-            <a:off x="-1226820" y="-1346917"/>
-            <a:ext cx="2453640" cy="2453640"/>
-          </a:xfrm>
-          <a:prstGeom prst="ellipse">
-            <a:avLst/>
-          </a:prstGeom>
-          <a:solidFill>
-            <a:srgbClr val="48A2A0">
-              <a:alpha val="70000"/>
-            </a:srgbClr>
-          </a:solidFill>
-          <a:ln>
-            <a:noFill/>
-          </a:ln>
-        </p:spPr>
-        <p:style>
-          <a:lnRef idx="2">
-            <a:schemeClr val="accent1">
-              <a:shade val="50000"/>
-            </a:schemeClr>
-          </a:lnRef>
-          <a:fillRef idx="1">
-            <a:schemeClr val="accent1"/>
-          </a:fillRef>
-          <a:effectRef idx="0">
-            <a:schemeClr val="accent1"/>
-          </a:effectRef>
-          <a:fontRef idx="minor">
-            <a:schemeClr val="lt1"/>
-          </a:fontRef>
-        </p:style>
-        <p:txBody>
-          <a:bodyPr rtlCol="0" anchor="ctr"/>
-          <a:lstStyle/>
-          <a:p>
-            <a:pPr algn="ctr"/>
-            <a:endParaRPr lang="zh-CN" altLang="en-US"/>
-          </a:p>
-        </p:txBody>
-      </p:sp>
-      <p:sp>
-        <p:nvSpPr>
-          <p:cNvPr id="18" name="椭圆 17"/>
-          <p:cNvSpPr/>
-          <p:nvPr/>
-        </p:nvSpPr>
-        <p:spPr>
-          <a:xfrm>
-            <a:off x="434235" y="314138"/>
-            <a:ext cx="792585" cy="792585"/>
-          </a:xfrm>
-          <a:prstGeom prst="ellipse">
-            <a:avLst/>
-          </a:prstGeom>
-          <a:solidFill>
-            <a:srgbClr val="6C92C0">
-              <a:alpha val="70000"/>
-            </a:srgbClr>
-          </a:solidFill>
-          <a:ln>
-            <a:noFill/>
-          </a:ln>
-        </p:spPr>
-        <p:style>
-          <a:lnRef idx="2">
-            <a:schemeClr val="accent1">
-              <a:shade val="50000"/>
-            </a:schemeClr>
-          </a:lnRef>
-          <a:fillRef idx="1">
-            <a:schemeClr val="accent1"/>
-          </a:fillRef>
-          <a:effectRef idx="0">
-            <a:schemeClr val="accent1"/>
-          </a:effectRef>
-          <a:fontRef idx="minor">
-            <a:schemeClr val="lt1"/>
-          </a:fontRef>
-        </p:style>
-        <p:txBody>
-          <a:bodyPr rtlCol="0" anchor="ctr"/>
-          <a:lstStyle/>
-          <a:p>
-            <a:pPr algn="ctr"/>
-            <a:endParaRPr lang="zh-CN" altLang="en-US"/>
-          </a:p>
-        </p:txBody>
-      </p:sp>
-      <p:sp>
-        <p:nvSpPr>
-          <p:cNvPr id="20" name="矩形 19"/>
-          <p:cNvSpPr/>
-          <p:nvPr/>
-        </p:nvSpPr>
-        <p:spPr>
-          <a:xfrm>
-            <a:off x="1344023" y="448348"/>
-            <a:ext cx="1701107" cy="400110"/>
+          <p:cNvPr id="8" name="文本框 7"/>
+          <p:cNvSpPr txBox="1"/>
+          <p:nvPr/>
+        </p:nvSpPr>
+        <p:spPr>
+          <a:xfrm>
+            <a:off x="4819992" y="3487622"/>
+            <a:ext cx="6318345" cy="461665"/>
+          </a:xfrm>
+          <a:prstGeom prst="rect">
+            <a:avLst/>
+          </a:prstGeom>
+          <a:noFill/>
+        </p:spPr>
+        <p:txBody>
+          <a:bodyPr wrap="square" rtlCol="0">
+            <a:spAutoFit/>
+          </a:bodyPr>
+          <a:lstStyle/>
+          <a:p>
+            <a:r>
+              <a:rPr lang="zh-CN" altLang="en-US" sz="1200" dirty="0"/>
+              <a:t>思考一下，你真的会解方程吗？至今为此你是否都是在无脑的套公式进行求根？本节内容带你学习如何利用各种奇技淫巧进行</a:t>
+            </a:r>
+          </a:p>
+        </p:txBody>
+      </p:sp>
+      <p:sp>
+        <p:nvSpPr>
+          <p:cNvPr id="2" name="矩形 1"/>
+          <p:cNvSpPr/>
+          <p:nvPr/>
+        </p:nvSpPr>
+        <p:spPr>
+          <a:xfrm>
+            <a:off x="4819993" y="3040204"/>
+            <a:ext cx="1467068" cy="400110"/>
           </a:xfrm>
           <a:prstGeom prst="rect">
             <a:avLst/>
@@ -3118,102 +3009,16 @@
           <a:lstStyle/>
           <a:p>
             <a:r>
-              <a:rPr lang="en-US" altLang="zh-CN" sz="2000" b="1" dirty="0">
-                <a:solidFill>
-                  <a:schemeClr val="tx1">
-                    <a:lumMod val="75000"/>
-                    <a:lumOff val="25000"/>
-                  </a:schemeClr>
-                </a:solidFill>
-              </a:rPr>
-              <a:t>Lorem ipsum</a:t>
-            </a:r>
-            <a:endParaRPr lang="zh-CN" altLang="en-US" sz="2000" b="1" dirty="0">
-              <a:solidFill>
-                <a:schemeClr val="tx1">
-                  <a:lumMod val="75000"/>
-                  <a:lumOff val="25000"/>
-                </a:schemeClr>
-              </a:solidFill>
-            </a:endParaRPr>
-          </a:p>
-        </p:txBody>
-      </p:sp>
-      <p:sp>
-        <p:nvSpPr>
-          <p:cNvPr id="21" name="矩形 20"/>
-          <p:cNvSpPr/>
-          <p:nvPr/>
-        </p:nvSpPr>
-        <p:spPr>
-          <a:xfrm>
-            <a:off x="1344023" y="764961"/>
-            <a:ext cx="2196435" cy="261610"/>
-          </a:xfrm>
-          <a:prstGeom prst="rect">
-            <a:avLst/>
-          </a:prstGeom>
-        </p:spPr>
-        <p:txBody>
-          <a:bodyPr wrap="none">
-            <a:spAutoFit/>
-          </a:bodyPr>
-          <a:lstStyle/>
-          <a:p>
-            <a:r>
-              <a:rPr lang="en-US" altLang="zh-CN" sz="1100" dirty="0">
-                <a:solidFill>
-                  <a:schemeClr val="bg1">
-                    <a:lumMod val="50000"/>
-                  </a:schemeClr>
-                </a:solidFill>
-              </a:rPr>
-              <a:t>Lorem ipsum dolor sit </a:t>
-            </a:r>
-            <a:r>
-              <a:rPr lang="en-US" altLang="zh-CN" sz="1100" dirty="0" err="1">
-                <a:solidFill>
-                  <a:schemeClr val="bg1">
-                    <a:lumMod val="50000"/>
-                  </a:schemeClr>
-                </a:solidFill>
-              </a:rPr>
-              <a:t>amet</a:t>
-            </a:r>
-            <a:r>
-              <a:rPr lang="en-US" altLang="zh-CN" sz="1100" dirty="0">
-                <a:solidFill>
-                  <a:schemeClr val="bg1">
-                    <a:lumMod val="50000"/>
-                  </a:schemeClr>
-                </a:solidFill>
-              </a:rPr>
-              <a:t> </a:t>
-            </a:r>
-            <a:r>
-              <a:rPr lang="en-US" altLang="zh-CN" sz="1100" dirty="0" err="1">
-                <a:solidFill>
-                  <a:schemeClr val="bg1">
-                    <a:lumMod val="50000"/>
-                  </a:schemeClr>
-                </a:solidFill>
-              </a:rPr>
-              <a:t>kolor</a:t>
-            </a:r>
-            <a:endParaRPr lang="zh-CN" altLang="en-US" sz="1100" dirty="0">
-              <a:solidFill>
-                <a:schemeClr val="bg1">
-                  <a:lumMod val="50000"/>
-                </a:schemeClr>
-              </a:solidFill>
-            </a:endParaRPr>
+              <a:rPr lang="zh-CN" altLang="en-US" sz="2000" b="1" dirty="0"/>
+              <a:t>解微分方程</a:t>
+            </a:r>
           </a:p>
         </p:txBody>
       </p:sp>
     </p:spTree>
     <p:extLst>
       <p:ext uri="{BB962C8B-B14F-4D97-AF65-F5344CB8AC3E}">
-        <p14:creationId xmlns:p14="http://schemas.microsoft.com/office/powerpoint/2010/main" val="4185198318"/>
+        <p14:creationId xmlns:p14="http://schemas.microsoft.com/office/powerpoint/2010/main" val="1695620384"/>
       </p:ext>
     </p:extLst>
   </p:cSld>
@@ -3653,6 +3458,446 @@
     </p:spTree>
     <p:extLst>
       <p:ext uri="{BB962C8B-B14F-4D97-AF65-F5344CB8AC3E}">
+        <p14:creationId xmlns:p14="http://schemas.microsoft.com/office/powerpoint/2010/main" val="4185198318"/>
+      </p:ext>
+    </p:extLst>
+  </p:cSld>
+  <p:clrMapOvr>
+    <a:masterClrMapping/>
+  </p:clrMapOvr>
+</p:sld>
+</file>
+
+<file path=ppt/slides/slide16.xml><?xml version="1.0" encoding="utf-8"?>
+<p:sld xmlns:a="http://schemas.openxmlformats.org/drawingml/2006/main" xmlns:r="http://schemas.openxmlformats.org/officeDocument/2006/relationships" xmlns:p="http://schemas.openxmlformats.org/presentationml/2006/main">
+  <p:cSld>
+    <p:spTree>
+      <p:nvGrpSpPr>
+        <p:cNvPr id="1" name=""/>
+        <p:cNvGrpSpPr/>
+        <p:nvPr/>
+      </p:nvGrpSpPr>
+      <p:grpSpPr>
+        <a:xfrm>
+          <a:off x="0" y="0"/>
+          <a:ext cx="0" cy="0"/>
+          <a:chOff x="0" y="0"/>
+          <a:chExt cx="0" cy="0"/>
+        </a:xfrm>
+      </p:grpSpPr>
+      <p:sp>
+        <p:nvSpPr>
+          <p:cNvPr id="3" name="矩形 2"/>
+          <p:cNvSpPr/>
+          <p:nvPr/>
+        </p:nvSpPr>
+        <p:spPr>
+          <a:xfrm>
+            <a:off x="811369" y="1899633"/>
+            <a:ext cx="5067837" cy="1506829"/>
+          </a:xfrm>
+          <a:prstGeom prst="rect">
+            <a:avLst/>
+          </a:prstGeom>
+          <a:solidFill>
+            <a:srgbClr val="48A2A0">
+              <a:alpha val="70000"/>
+            </a:srgbClr>
+          </a:solidFill>
+          <a:ln>
+            <a:noFill/>
+          </a:ln>
+        </p:spPr>
+        <p:style>
+          <a:lnRef idx="2">
+            <a:schemeClr val="accent1">
+              <a:shade val="50000"/>
+            </a:schemeClr>
+          </a:lnRef>
+          <a:fillRef idx="1">
+            <a:schemeClr val="accent1"/>
+          </a:fillRef>
+          <a:effectRef idx="0">
+            <a:schemeClr val="accent1"/>
+          </a:effectRef>
+          <a:fontRef idx="minor">
+            <a:schemeClr val="lt1"/>
+          </a:fontRef>
+        </p:style>
+        <p:txBody>
+          <a:bodyPr rtlCol="0" anchor="ctr"/>
+          <a:lstStyle/>
+          <a:p>
+            <a:pPr algn="ctr"/>
+            <a:endParaRPr lang="zh-CN" altLang="en-US">
+              <a:solidFill>
+                <a:schemeClr val="bg1"/>
+              </a:solidFill>
+            </a:endParaRPr>
+          </a:p>
+        </p:txBody>
+      </p:sp>
+      <p:sp>
+        <p:nvSpPr>
+          <p:cNvPr id="4" name="矩形 3"/>
+          <p:cNvSpPr/>
+          <p:nvPr/>
+        </p:nvSpPr>
+        <p:spPr>
+          <a:xfrm>
+            <a:off x="811369" y="3774604"/>
+            <a:ext cx="5067837" cy="1506829"/>
+          </a:xfrm>
+          <a:prstGeom prst="rect">
+            <a:avLst/>
+          </a:prstGeom>
+          <a:solidFill>
+            <a:srgbClr val="6C92C0">
+              <a:alpha val="70000"/>
+            </a:srgbClr>
+          </a:solidFill>
+          <a:ln>
+            <a:noFill/>
+          </a:ln>
+        </p:spPr>
+        <p:style>
+          <a:lnRef idx="2">
+            <a:schemeClr val="accent1">
+              <a:shade val="50000"/>
+            </a:schemeClr>
+          </a:lnRef>
+          <a:fillRef idx="1">
+            <a:schemeClr val="accent1"/>
+          </a:fillRef>
+          <a:effectRef idx="0">
+            <a:schemeClr val="accent1"/>
+          </a:effectRef>
+          <a:fontRef idx="minor">
+            <a:schemeClr val="lt1"/>
+          </a:fontRef>
+        </p:style>
+        <p:txBody>
+          <a:bodyPr rtlCol="0" anchor="ctr"/>
+          <a:lstStyle/>
+          <a:p>
+            <a:pPr algn="ctr"/>
+            <a:endParaRPr lang="zh-CN" altLang="en-US">
+              <a:solidFill>
+                <a:schemeClr val="bg1"/>
+              </a:solidFill>
+            </a:endParaRPr>
+          </a:p>
+        </p:txBody>
+      </p:sp>
+      <p:sp>
+        <p:nvSpPr>
+          <p:cNvPr id="7" name="矩形 6"/>
+          <p:cNvSpPr/>
+          <p:nvPr/>
+        </p:nvSpPr>
+        <p:spPr>
+          <a:xfrm>
+            <a:off x="6304209" y="3774604"/>
+            <a:ext cx="5067837" cy="1506829"/>
+          </a:xfrm>
+          <a:prstGeom prst="rect">
+            <a:avLst/>
+          </a:prstGeom>
+          <a:solidFill>
+            <a:srgbClr val="48A2A0">
+              <a:alpha val="70000"/>
+            </a:srgbClr>
+          </a:solidFill>
+          <a:ln>
+            <a:noFill/>
+          </a:ln>
+        </p:spPr>
+        <p:style>
+          <a:lnRef idx="2">
+            <a:schemeClr val="accent1">
+              <a:shade val="50000"/>
+            </a:schemeClr>
+          </a:lnRef>
+          <a:fillRef idx="1">
+            <a:schemeClr val="accent1"/>
+          </a:fillRef>
+          <a:effectRef idx="0">
+            <a:schemeClr val="accent1"/>
+          </a:effectRef>
+          <a:fontRef idx="minor">
+            <a:schemeClr val="lt1"/>
+          </a:fontRef>
+        </p:style>
+        <p:txBody>
+          <a:bodyPr rtlCol="0" anchor="ctr"/>
+          <a:lstStyle/>
+          <a:p>
+            <a:pPr algn="ctr"/>
+            <a:endParaRPr lang="zh-CN" altLang="en-US"/>
+          </a:p>
+        </p:txBody>
+      </p:sp>
+      <p:sp>
+        <p:nvSpPr>
+          <p:cNvPr id="8" name="矩形 7"/>
+          <p:cNvSpPr/>
+          <p:nvPr/>
+        </p:nvSpPr>
+        <p:spPr>
+          <a:xfrm>
+            <a:off x="6304209" y="1899633"/>
+            <a:ext cx="5067837" cy="1506829"/>
+          </a:xfrm>
+          <a:prstGeom prst="rect">
+            <a:avLst/>
+          </a:prstGeom>
+          <a:solidFill>
+            <a:srgbClr val="6C92C0">
+              <a:alpha val="70000"/>
+            </a:srgbClr>
+          </a:solidFill>
+          <a:ln>
+            <a:noFill/>
+          </a:ln>
+        </p:spPr>
+        <p:style>
+          <a:lnRef idx="2">
+            <a:schemeClr val="accent1">
+              <a:shade val="50000"/>
+            </a:schemeClr>
+          </a:lnRef>
+          <a:fillRef idx="1">
+            <a:schemeClr val="accent1"/>
+          </a:fillRef>
+          <a:effectRef idx="0">
+            <a:schemeClr val="accent1"/>
+          </a:effectRef>
+          <a:fontRef idx="minor">
+            <a:schemeClr val="lt1"/>
+          </a:fontRef>
+        </p:style>
+        <p:txBody>
+          <a:bodyPr rtlCol="0" anchor="ctr"/>
+          <a:lstStyle/>
+          <a:p>
+            <a:pPr algn="ctr"/>
+            <a:endParaRPr lang="zh-CN" altLang="en-US"/>
+          </a:p>
+        </p:txBody>
+      </p:sp>
+      <p:sp>
+        <p:nvSpPr>
+          <p:cNvPr id="17" name="椭圆 16"/>
+          <p:cNvSpPr/>
+          <p:nvPr/>
+        </p:nvSpPr>
+        <p:spPr>
+          <a:xfrm>
+            <a:off x="-1226820" y="-1346917"/>
+            <a:ext cx="2453640" cy="2453640"/>
+          </a:xfrm>
+          <a:prstGeom prst="ellipse">
+            <a:avLst/>
+          </a:prstGeom>
+          <a:solidFill>
+            <a:srgbClr val="48A2A0">
+              <a:alpha val="70000"/>
+            </a:srgbClr>
+          </a:solidFill>
+          <a:ln>
+            <a:noFill/>
+          </a:ln>
+        </p:spPr>
+        <p:style>
+          <a:lnRef idx="2">
+            <a:schemeClr val="accent1">
+              <a:shade val="50000"/>
+            </a:schemeClr>
+          </a:lnRef>
+          <a:fillRef idx="1">
+            <a:schemeClr val="accent1"/>
+          </a:fillRef>
+          <a:effectRef idx="0">
+            <a:schemeClr val="accent1"/>
+          </a:effectRef>
+          <a:fontRef idx="minor">
+            <a:schemeClr val="lt1"/>
+          </a:fontRef>
+        </p:style>
+        <p:txBody>
+          <a:bodyPr rtlCol="0" anchor="ctr"/>
+          <a:lstStyle/>
+          <a:p>
+            <a:pPr algn="ctr"/>
+            <a:endParaRPr lang="zh-CN" altLang="en-US"/>
+          </a:p>
+        </p:txBody>
+      </p:sp>
+      <p:sp>
+        <p:nvSpPr>
+          <p:cNvPr id="18" name="椭圆 17"/>
+          <p:cNvSpPr/>
+          <p:nvPr/>
+        </p:nvSpPr>
+        <p:spPr>
+          <a:xfrm>
+            <a:off x="434235" y="314138"/>
+            <a:ext cx="792585" cy="792585"/>
+          </a:xfrm>
+          <a:prstGeom prst="ellipse">
+            <a:avLst/>
+          </a:prstGeom>
+          <a:solidFill>
+            <a:srgbClr val="6C92C0">
+              <a:alpha val="70000"/>
+            </a:srgbClr>
+          </a:solidFill>
+          <a:ln>
+            <a:noFill/>
+          </a:ln>
+        </p:spPr>
+        <p:style>
+          <a:lnRef idx="2">
+            <a:schemeClr val="accent1">
+              <a:shade val="50000"/>
+            </a:schemeClr>
+          </a:lnRef>
+          <a:fillRef idx="1">
+            <a:schemeClr val="accent1"/>
+          </a:fillRef>
+          <a:effectRef idx="0">
+            <a:schemeClr val="accent1"/>
+          </a:effectRef>
+          <a:fontRef idx="minor">
+            <a:schemeClr val="lt1"/>
+          </a:fontRef>
+        </p:style>
+        <p:txBody>
+          <a:bodyPr rtlCol="0" anchor="ctr"/>
+          <a:lstStyle/>
+          <a:p>
+            <a:pPr algn="ctr"/>
+            <a:endParaRPr lang="zh-CN" altLang="en-US"/>
+          </a:p>
+        </p:txBody>
+      </p:sp>
+      <p:sp>
+        <p:nvSpPr>
+          <p:cNvPr id="20" name="矩形 19"/>
+          <p:cNvSpPr/>
+          <p:nvPr/>
+        </p:nvSpPr>
+        <p:spPr>
+          <a:xfrm>
+            <a:off x="1344023" y="448348"/>
+            <a:ext cx="1701107" cy="400110"/>
+          </a:xfrm>
+          <a:prstGeom prst="rect">
+            <a:avLst/>
+          </a:prstGeom>
+        </p:spPr>
+        <p:txBody>
+          <a:bodyPr wrap="none">
+            <a:spAutoFit/>
+          </a:bodyPr>
+          <a:lstStyle/>
+          <a:p>
+            <a:r>
+              <a:rPr lang="en-US" altLang="zh-CN" sz="2000" b="1" dirty="0">
+                <a:solidFill>
+                  <a:schemeClr val="tx1">
+                    <a:lumMod val="75000"/>
+                    <a:lumOff val="25000"/>
+                  </a:schemeClr>
+                </a:solidFill>
+              </a:rPr>
+              <a:t>Lorem ipsum</a:t>
+            </a:r>
+            <a:endParaRPr lang="zh-CN" altLang="en-US" sz="2000" b="1" dirty="0">
+              <a:solidFill>
+                <a:schemeClr val="tx1">
+                  <a:lumMod val="75000"/>
+                  <a:lumOff val="25000"/>
+                </a:schemeClr>
+              </a:solidFill>
+            </a:endParaRPr>
+          </a:p>
+        </p:txBody>
+      </p:sp>
+      <p:sp>
+        <p:nvSpPr>
+          <p:cNvPr id="21" name="矩形 20"/>
+          <p:cNvSpPr/>
+          <p:nvPr/>
+        </p:nvSpPr>
+        <p:spPr>
+          <a:xfrm>
+            <a:off x="1344023" y="764961"/>
+            <a:ext cx="2196435" cy="261610"/>
+          </a:xfrm>
+          <a:prstGeom prst="rect">
+            <a:avLst/>
+          </a:prstGeom>
+        </p:spPr>
+        <p:txBody>
+          <a:bodyPr wrap="none">
+            <a:spAutoFit/>
+          </a:bodyPr>
+          <a:lstStyle/>
+          <a:p>
+            <a:r>
+              <a:rPr lang="en-US" altLang="zh-CN" sz="1100" dirty="0">
+                <a:solidFill>
+                  <a:schemeClr val="bg1">
+                    <a:lumMod val="50000"/>
+                  </a:schemeClr>
+                </a:solidFill>
+              </a:rPr>
+              <a:t>Lorem ipsum dolor sit </a:t>
+            </a:r>
+            <a:r>
+              <a:rPr lang="en-US" altLang="zh-CN" sz="1100" dirty="0" err="1">
+                <a:solidFill>
+                  <a:schemeClr val="bg1">
+                    <a:lumMod val="50000"/>
+                  </a:schemeClr>
+                </a:solidFill>
+              </a:rPr>
+              <a:t>amet</a:t>
+            </a:r>
+            <a:r>
+              <a:rPr lang="en-US" altLang="zh-CN" sz="1100" dirty="0">
+                <a:solidFill>
+                  <a:schemeClr val="bg1">
+                    <a:lumMod val="50000"/>
+                  </a:schemeClr>
+                </a:solidFill>
+              </a:rPr>
+              <a:t> </a:t>
+            </a:r>
+            <a:r>
+              <a:rPr lang="en-US" altLang="zh-CN" sz="1100" dirty="0" err="1">
+                <a:solidFill>
+                  <a:schemeClr val="bg1">
+                    <a:lumMod val="50000"/>
+                  </a:schemeClr>
+                </a:solidFill>
+              </a:rPr>
+              <a:t>kolor</a:t>
+            </a:r>
+            <a:endParaRPr lang="zh-CN" altLang="en-US" sz="1100" dirty="0">
+              <a:solidFill>
+                <a:schemeClr val="bg1">
+                  <a:lumMod val="50000"/>
+                </a:schemeClr>
+              </a:solidFill>
+            </a:endParaRPr>
+          </a:p>
+        </p:txBody>
+      </p:sp>
+    </p:spTree>
+    <p:extLst>
+      <p:ext uri="{BB962C8B-B14F-4D97-AF65-F5344CB8AC3E}">
         <p14:creationId xmlns:p14="http://schemas.microsoft.com/office/powerpoint/2010/main" val="724676345"/>
       </p:ext>
     </p:extLst>
@@ -3663,7 +3908,7 @@
 </p:sld>
 </file>
 
-<file path=ppt/slides/slide16.xml><?xml version="1.0" encoding="utf-8"?>
+<file path=ppt/slides/slide17.xml><?xml version="1.0" encoding="utf-8"?>
 <p:sld xmlns:a="http://schemas.openxmlformats.org/drawingml/2006/main" xmlns:r="http://schemas.openxmlformats.org/officeDocument/2006/relationships" xmlns:p="http://schemas.openxmlformats.org/presentationml/2006/main">
   <p:cSld>
     <p:spTree>
@@ -4135,7 +4380,7 @@
 </p:sld>
 </file>
 
-<file path=ppt/slides/slide17.xml><?xml version="1.0" encoding="utf-8"?>
+<file path=ppt/slides/slide18.xml><?xml version="1.0" encoding="utf-8"?>
 <p:sld xmlns:a="http://schemas.openxmlformats.org/drawingml/2006/main" xmlns:r="http://schemas.openxmlformats.org/officeDocument/2006/relationships" xmlns:p="http://schemas.openxmlformats.org/presentationml/2006/main">
   <p:cSld>
     <p:spTree>
@@ -6011,7 +6256,7 @@
           <a:lstStyle/>
           <a:p>
             <a:pPr algn="ctr"/>
-            <a:endParaRPr lang="zh-CN" altLang="en-US">
+            <a:endParaRPr lang="zh-CN" altLang="en-US" dirty="0">
               <a:solidFill>
                 <a:schemeClr val="bg1"/>
               </a:solidFill>
@@ -6162,8 +6407,7 @@
           <a:bodyPr rtlCol="0" anchor="ctr"/>
           <a:lstStyle/>
           <a:p>
-            <a:pPr algn="ctr"/>
-            <a:endParaRPr lang="zh-CN" altLang="en-US"/>
+            <a:endParaRPr lang="zh-CN" altLang="en-US" dirty="0"/>
           </a:p>
         </p:txBody>
       </p:sp>
@@ -6272,7 +6516,7 @@
         <p:spPr>
           <a:xfrm>
             <a:off x="1344023" y="448348"/>
-            <a:ext cx="1701107" cy="400110"/>
+            <a:ext cx="1210588" cy="400110"/>
           </a:xfrm>
           <a:prstGeom prst="rect">
             <a:avLst/>
@@ -6285,7 +6529,7 @@
           <a:lstStyle/>
           <a:p>
             <a:r>
-              <a:rPr lang="en-US" altLang="zh-CN" sz="2000" b="1" dirty="0">
+              <a:rPr lang="zh-CN" altLang="en-US" sz="2000" b="1" dirty="0">
                 <a:solidFill>
                   <a:schemeClr val="tx1">
                     <a:lumMod val="75000"/>
@@ -6293,16 +6537,8 @@
                   </a:schemeClr>
                 </a:solidFill>
               </a:rPr>
-              <a:t>Lorem ipsum</a:t>
-            </a:r>
-            <a:endParaRPr lang="zh-CN" altLang="en-US" sz="2000" b="1" dirty="0">
-              <a:solidFill>
-                <a:schemeClr val="tx1">
-                  <a:lumMod val="75000"/>
-                  <a:lumOff val="25000"/>
-                </a:schemeClr>
-              </a:solidFill>
-            </a:endParaRPr>
+              <a:t>误差分析</a:t>
+            </a:r>
           </a:p>
         </p:txBody>
       </p:sp>
@@ -6315,7 +6551,7 @@
         <p:spPr>
           <a:xfrm>
             <a:off x="1344023" y="764961"/>
-            <a:ext cx="2196435" cy="261610"/>
+            <a:ext cx="1313180" cy="261610"/>
           </a:xfrm>
           <a:prstGeom prst="rect">
             <a:avLst/>
@@ -6328,52 +6564,209 @@
           <a:lstStyle/>
           <a:p>
             <a:r>
-              <a:rPr lang="en-US" altLang="zh-CN" sz="1100" dirty="0">
+              <a:rPr lang="zh-CN" altLang="en-US" sz="1100" dirty="0">
                 <a:solidFill>
                   <a:schemeClr val="bg1">
                     <a:lumMod val="50000"/>
                   </a:schemeClr>
                 </a:solidFill>
               </a:rPr>
-              <a:t>Lorem ipsum dolor sit </a:t>
-            </a:r>
-            <a:r>
-              <a:rPr lang="en-US" altLang="zh-CN" sz="1100" dirty="0" err="1">
+              <a:t>误差的来源和分类</a:t>
+            </a:r>
+          </a:p>
+        </p:txBody>
+      </p:sp>
+      <p:sp>
+        <p:nvSpPr>
+          <p:cNvPr id="2" name="文本框 1">
+            <a:extLst>
+              <a:ext uri="{FF2B5EF4-FFF2-40B4-BE49-F238E27FC236}">
+                <a16:creationId xmlns:a16="http://schemas.microsoft.com/office/drawing/2014/main" id="{1EB19B50-4424-4DDF-9600-939FDFE3CAD3}"/>
+              </a:ext>
+            </a:extLst>
+          </p:cNvPr>
+          <p:cNvSpPr txBox="1"/>
+          <p:nvPr/>
+        </p:nvSpPr>
+        <p:spPr>
+          <a:xfrm>
+            <a:off x="811369" y="1899632"/>
+            <a:ext cx="5067837" cy="1400512"/>
+          </a:xfrm>
+          <a:prstGeom prst="rect">
+            <a:avLst/>
+          </a:prstGeom>
+          <a:noFill/>
+        </p:spPr>
+        <p:txBody>
+          <a:bodyPr wrap="square" rtlCol="0">
+            <a:spAutoFit/>
+          </a:bodyPr>
+          <a:lstStyle/>
+          <a:p>
+            <a:pPr algn="l" eaLnBrk="1" hangingPunct="1">
+              <a:lnSpc>
+                <a:spcPct val="120000"/>
+              </a:lnSpc>
+              <a:spcBef>
+                <a:spcPct val="20000"/>
+              </a:spcBef>
+            </a:pPr>
+            <a:r>
+              <a:rPr lang="zh-CN" altLang="en-US" dirty="0">
                 <a:solidFill>
-                  <a:schemeClr val="bg1">
-                    <a:lumMod val="50000"/>
-                  </a:schemeClr>
+                  <a:srgbClr val="FF0000"/>
                 </a:solidFill>
               </a:rPr>
-              <a:t>amet</a:t>
-            </a:r>
-            <a:r>
-              <a:rPr lang="en-US" altLang="zh-CN" sz="1100" dirty="0">
+              <a:t>模型误差</a:t>
+            </a:r>
+            <a:r>
+              <a:rPr lang="zh-CN" altLang="en-US" dirty="0"/>
+              <a:t>：</a:t>
+            </a:r>
+            <a:r>
+              <a:rPr lang="zh-CN" altLang="en-US" dirty="0">
+                <a:latin typeface="+mn-ea"/>
+              </a:rPr>
+              <a:t>在建立数学模型时，往往要忽视很多次要因素，把模型“简单化”，“理想化”，这时模型就与真实背景有了差距，即带入了误差。数学模型与实际问题之间出现的误差称为模型误差 。</a:t>
+            </a:r>
+          </a:p>
+        </p:txBody>
+      </p:sp>
+      <p:sp>
+        <p:nvSpPr>
+          <p:cNvPr id="12" name="文本框 11">
+            <a:extLst>
+              <a:ext uri="{FF2B5EF4-FFF2-40B4-BE49-F238E27FC236}">
+                <a16:creationId xmlns:a16="http://schemas.microsoft.com/office/drawing/2014/main" id="{71D03202-EC8C-4F11-8E17-B473C79D141F}"/>
+              </a:ext>
+            </a:extLst>
+          </p:cNvPr>
+          <p:cNvSpPr txBox="1"/>
+          <p:nvPr/>
+        </p:nvSpPr>
+        <p:spPr>
+          <a:xfrm>
+            <a:off x="6312796" y="1899632"/>
+            <a:ext cx="5067837" cy="1200329"/>
+          </a:xfrm>
+          <a:prstGeom prst="rect">
+            <a:avLst/>
+          </a:prstGeom>
+          <a:noFill/>
+        </p:spPr>
+        <p:txBody>
+          <a:bodyPr wrap="square" rtlCol="0">
+            <a:spAutoFit/>
+          </a:bodyPr>
+          <a:lstStyle/>
+          <a:p>
+            <a:r>
+              <a:rPr lang="zh-CN" altLang="en-US" dirty="0">
                 <a:solidFill>
-                  <a:schemeClr val="bg1">
-                    <a:lumMod val="50000"/>
-                  </a:schemeClr>
+                  <a:srgbClr val="FF0000"/>
                 </a:solidFill>
               </a:rPr>
-              <a:t> </a:t>
-            </a:r>
-            <a:r>
-              <a:rPr lang="en-US" altLang="zh-CN" sz="1100" dirty="0" err="1">
+              <a:t>观测误差（测量误差）：</a:t>
+            </a:r>
+            <a:r>
+              <a:rPr lang="zh-CN" altLang="en-US" dirty="0"/>
+              <a:t>数学模型中的已知参数，多数是通过测量得到。而测量过程受工具、方法、观察者的主观因素、不可预料的随机干扰等影响必然带入误差。</a:t>
+            </a:r>
+          </a:p>
+        </p:txBody>
+      </p:sp>
+      <p:sp>
+        <p:nvSpPr>
+          <p:cNvPr id="13" name="文本框 12">
+            <a:extLst>
+              <a:ext uri="{FF2B5EF4-FFF2-40B4-BE49-F238E27FC236}">
+                <a16:creationId xmlns:a16="http://schemas.microsoft.com/office/drawing/2014/main" id="{3E1ADF76-D96D-419C-B47C-21E7717C61E7}"/>
+              </a:ext>
+            </a:extLst>
+          </p:cNvPr>
+          <p:cNvSpPr txBox="1"/>
+          <p:nvPr/>
+        </p:nvSpPr>
+        <p:spPr>
+          <a:xfrm>
+            <a:off x="811368" y="3774604"/>
+            <a:ext cx="5067837" cy="923330"/>
+          </a:xfrm>
+          <a:prstGeom prst="rect">
+            <a:avLst/>
+          </a:prstGeom>
+          <a:noFill/>
+        </p:spPr>
+        <p:txBody>
+          <a:bodyPr wrap="square" rtlCol="0">
+            <a:spAutoFit/>
+          </a:bodyPr>
+          <a:lstStyle/>
+          <a:p>
+            <a:r>
+              <a:rPr lang="zh-CN" altLang="en-US" dirty="0">
                 <a:solidFill>
-                  <a:schemeClr val="bg1">
-                    <a:lumMod val="50000"/>
-                  </a:schemeClr>
+                  <a:srgbClr val="FF0000"/>
                 </a:solidFill>
               </a:rPr>
-              <a:t>kolor</a:t>
-            </a:r>
-            <a:endParaRPr lang="zh-CN" altLang="en-US" sz="1100" dirty="0">
-              <a:solidFill>
-                <a:schemeClr val="bg1">
-                  <a:lumMod val="50000"/>
-                </a:schemeClr>
-              </a:solidFill>
-            </a:endParaRPr>
+              <a:t>截断误差（方法误差）：</a:t>
+            </a:r>
+            <a:r>
+              <a:rPr lang="zh-CN" altLang="en-US" dirty="0"/>
+              <a:t>数学模型常难于直接求解，往往要用数值方法求近似解替代，这种简化带入误差称为方法误差或截断误差。</a:t>
+            </a:r>
+          </a:p>
+        </p:txBody>
+      </p:sp>
+      <p:sp>
+        <p:nvSpPr>
+          <p:cNvPr id="14" name="文本框 13">
+            <a:extLst>
+              <a:ext uri="{FF2B5EF4-FFF2-40B4-BE49-F238E27FC236}">
+                <a16:creationId xmlns:a16="http://schemas.microsoft.com/office/drawing/2014/main" id="{9E7656F3-E452-4D2B-9A7D-8EF2645922AE}"/>
+              </a:ext>
+            </a:extLst>
+          </p:cNvPr>
+          <p:cNvSpPr txBox="1"/>
+          <p:nvPr/>
+        </p:nvSpPr>
+        <p:spPr>
+          <a:xfrm>
+            <a:off x="6304208" y="3774604"/>
+            <a:ext cx="5067837" cy="1068113"/>
+          </a:xfrm>
+          <a:prstGeom prst="rect">
+            <a:avLst/>
+          </a:prstGeom>
+          <a:noFill/>
+        </p:spPr>
+        <p:txBody>
+          <a:bodyPr wrap="square" rtlCol="0">
+            <a:spAutoFit/>
+          </a:bodyPr>
+          <a:lstStyle/>
+          <a:p>
+            <a:pPr algn="l" eaLnBrk="1" hangingPunct="1">
+              <a:lnSpc>
+                <a:spcPct val="120000"/>
+              </a:lnSpc>
+              <a:spcBef>
+                <a:spcPct val="20000"/>
+              </a:spcBef>
+            </a:pPr>
+            <a:r>
+              <a:rPr lang="zh-CN" altLang="en-US" dirty="0">
+                <a:solidFill>
+                  <a:srgbClr val="FF0000"/>
+                </a:solidFill>
+              </a:rPr>
+              <a:t>舍入误差：</a:t>
+            </a:r>
+            <a:r>
+              <a:rPr lang="zh-CN" altLang="en-US" dirty="0"/>
+              <a:t>计算机只能处理有限数位的小数运算，初始参数或中间结果都必须进行四舍五入运算，这必然产生舍入误差。</a:t>
+            </a:r>
           </a:p>
         </p:txBody>
       </p:sp>
@@ -6409,13 +6802,13 @@
       </p:grpSpPr>
       <p:sp>
         <p:nvSpPr>
-          <p:cNvPr id="4" name="椭圆 3"/>
-          <p:cNvSpPr/>
-          <p:nvPr/>
-        </p:nvSpPr>
-        <p:spPr>
-          <a:xfrm>
-            <a:off x="1615440" y="2057400"/>
+          <p:cNvPr id="17" name="椭圆 16"/>
+          <p:cNvSpPr/>
+          <p:nvPr/>
+        </p:nvSpPr>
+        <p:spPr>
+          <a:xfrm>
+            <a:off x="-1226820" y="-1346917"/>
             <a:ext cx="2453640" cy="2453640"/>
           </a:xfrm>
           <a:prstGeom prst="ellipse">
@@ -6457,13 +6850,13 @@
       </p:sp>
       <p:sp>
         <p:nvSpPr>
-          <p:cNvPr id="5" name="椭圆 4"/>
-          <p:cNvSpPr/>
-          <p:nvPr/>
-        </p:nvSpPr>
-        <p:spPr>
-          <a:xfrm>
-            <a:off x="3276495" y="3718455"/>
+          <p:cNvPr id="18" name="椭圆 17"/>
+          <p:cNvSpPr/>
+          <p:nvPr/>
+        </p:nvSpPr>
+        <p:spPr>
+          <a:xfrm>
+            <a:off x="434235" y="314138"/>
             <a:ext cx="792585" cy="792585"/>
           </a:xfrm>
           <a:prstGeom prst="ellipse">
@@ -6505,104 +6898,14 @@
       </p:sp>
       <p:sp>
         <p:nvSpPr>
-          <p:cNvPr id="6" name="MH_Others_1"/>
-          <p:cNvSpPr txBox="1"/>
-          <p:nvPr>
-            <p:custDataLst>
-              <p:tags r:id="rId1"/>
-            </p:custDataLst>
-          </p:nvPr>
-        </p:nvSpPr>
-        <p:spPr>
-          <a:xfrm>
-            <a:off x="864526" y="2860251"/>
-            <a:ext cx="3955467" cy="847938"/>
-          </a:xfrm>
-          <a:prstGeom prst="rect">
-            <a:avLst/>
-          </a:prstGeom>
-          <a:noFill/>
-        </p:spPr>
-        <p:txBody>
-          <a:bodyPr wrap="square" rtlCol="0">
-            <a:noAutofit/>
-          </a:bodyPr>
-          <a:lstStyle/>
-          <a:p>
-            <a:pPr algn="ctr"/>
-            <a:r>
-              <a:rPr lang="en-US" altLang="zh-CN" sz="4400" dirty="0">
-                <a:solidFill>
-                  <a:schemeClr val="bg1"/>
-                </a:solidFill>
-                <a:effectLst>
-                  <a:outerShdw blurRad="38100" dist="38100" dir="2700000" algn="tl">
-                    <a:srgbClr val="000000">
-                      <a:alpha val="43137"/>
-                    </a:srgbClr>
-                  </a:outerShdw>
-                </a:effectLst>
-                <a:latin typeface="+mj-lt"/>
-                <a:cs typeface="Arial" pitchFamily="34" charset="0"/>
-              </a:rPr>
-              <a:t>PART 1</a:t>
-            </a:r>
-            <a:endParaRPr lang="zh-CN" altLang="en-US" sz="4400" dirty="0">
-              <a:solidFill>
-                <a:schemeClr val="bg1"/>
-              </a:solidFill>
-              <a:effectLst>
-                <a:outerShdw blurRad="38100" dist="38100" dir="2700000" algn="tl">
-                  <a:srgbClr val="000000">
-                    <a:alpha val="43137"/>
-                  </a:srgbClr>
-                </a:outerShdw>
-              </a:effectLst>
-              <a:latin typeface="+mj-lt"/>
-              <a:cs typeface="Arial" pitchFamily="34" charset="0"/>
-            </a:endParaRPr>
-          </a:p>
-        </p:txBody>
-      </p:sp>
-      <p:sp>
-        <p:nvSpPr>
-          <p:cNvPr id="8" name="文本框 7"/>
-          <p:cNvSpPr txBox="1"/>
-          <p:nvPr/>
-        </p:nvSpPr>
-        <p:spPr>
-          <a:xfrm>
-            <a:off x="4819992" y="3487622"/>
-            <a:ext cx="6318345" cy="461665"/>
-          </a:xfrm>
-          <a:prstGeom prst="rect">
-            <a:avLst/>
-          </a:prstGeom>
-          <a:noFill/>
-        </p:spPr>
-        <p:txBody>
-          <a:bodyPr wrap="square" rtlCol="0">
-            <a:spAutoFit/>
-          </a:bodyPr>
-          <a:lstStyle/>
-          <a:p>
-            <a:r>
-              <a:rPr lang="zh-CN" altLang="en-US" sz="1200" dirty="0"/>
-              <a:t>思考一下，你真的会解方程吗？至今为此你是否都是在无脑的套公式进行求根？本节内容带你学习如何利用各种奇技淫巧进行</a:t>
-            </a:r>
-          </a:p>
-        </p:txBody>
-      </p:sp>
-      <p:sp>
-        <p:nvSpPr>
-          <p:cNvPr id="2" name="矩形 1"/>
-          <p:cNvSpPr/>
-          <p:nvPr/>
-        </p:nvSpPr>
-        <p:spPr>
-          <a:xfrm>
-            <a:off x="4819993" y="3040204"/>
-            <a:ext cx="1723549" cy="400110"/>
+          <p:cNvPr id="20" name="矩形 19"/>
+          <p:cNvSpPr/>
+          <p:nvPr/>
+        </p:nvSpPr>
+        <p:spPr>
+          <a:xfrm>
+            <a:off x="1344023" y="448348"/>
+            <a:ext cx="1210588" cy="400110"/>
           </a:xfrm>
           <a:prstGeom prst="rect">
             <a:avLst/>
@@ -6615,16 +6918,64 @@
           <a:lstStyle/>
           <a:p>
             <a:r>
-              <a:rPr lang="zh-CN" altLang="en-US" sz="2000" b="1" dirty="0"/>
-              <a:t>任意方程求根</a:t>
-            </a:r>
+              <a:rPr lang="zh-CN" altLang="en-US" sz="2000" b="1" dirty="0">
+                <a:solidFill>
+                  <a:schemeClr val="tx1">
+                    <a:lumMod val="75000"/>
+                    <a:lumOff val="25000"/>
+                  </a:schemeClr>
+                </a:solidFill>
+              </a:rPr>
+              <a:t>误差分析</a:t>
+            </a:r>
+          </a:p>
+        </p:txBody>
+      </p:sp>
+      <p:sp>
+        <p:nvSpPr>
+          <p:cNvPr id="21" name="矩形 20"/>
+          <p:cNvSpPr/>
+          <p:nvPr/>
+        </p:nvSpPr>
+        <p:spPr>
+          <a:xfrm>
+            <a:off x="1344023" y="764961"/>
+            <a:ext cx="1031051" cy="261610"/>
+          </a:xfrm>
+          <a:prstGeom prst="rect">
+            <a:avLst/>
+          </a:prstGeom>
+        </p:spPr>
+        <p:txBody>
+          <a:bodyPr wrap="none">
+            <a:spAutoFit/>
+          </a:bodyPr>
+          <a:lstStyle/>
+          <a:p>
+            <a:r>
+              <a:rPr lang="zh-CN" altLang="en-US" sz="1100">
+                <a:solidFill>
+                  <a:schemeClr val="bg1">
+                    <a:lumMod val="50000"/>
+                  </a:schemeClr>
+                </a:solidFill>
+              </a:rPr>
+              <a:t>误差与误差限</a:t>
+            </a:r>
+            <a:endParaRPr lang="zh-CN" altLang="en-US" sz="1100" dirty="0">
+              <a:solidFill>
+                <a:schemeClr val="bg1">
+                  <a:lumMod val="50000"/>
+                </a:schemeClr>
+              </a:solidFill>
+            </a:endParaRPr>
           </a:p>
         </p:txBody>
       </p:sp>
     </p:spTree>
     <p:extLst>
       <p:ext uri="{BB962C8B-B14F-4D97-AF65-F5344CB8AC3E}">
-        <p14:creationId xmlns:p14="http://schemas.microsoft.com/office/powerpoint/2010/main" val="4223347247"/>
+        <p14:creationId xmlns:p14="http://schemas.microsoft.com/office/powerpoint/2010/main" val="2178433416"/>
       </p:ext>
     </p:extLst>
   </p:cSld>
@@ -6653,16 +7004,16 @@
       </p:grpSpPr>
       <p:sp>
         <p:nvSpPr>
-          <p:cNvPr id="3" name="矩形 2"/>
-          <p:cNvSpPr/>
-          <p:nvPr/>
-        </p:nvSpPr>
-        <p:spPr>
-          <a:xfrm>
-            <a:off x="811369" y="1899633"/>
-            <a:ext cx="5067837" cy="1506829"/>
-          </a:xfrm>
-          <a:prstGeom prst="rect">
+          <p:cNvPr id="4" name="椭圆 3"/>
+          <p:cNvSpPr/>
+          <p:nvPr/>
+        </p:nvSpPr>
+        <p:spPr>
+          <a:xfrm>
+            <a:off x="1615440" y="2057400"/>
+            <a:ext cx="2453640" cy="2453640"/>
+          </a:xfrm>
+          <a:prstGeom prst="ellipse">
             <a:avLst/>
           </a:prstGeom>
           <a:solidFill>
@@ -6695,26 +7046,22 @@
           <a:lstStyle/>
           <a:p>
             <a:pPr algn="ctr"/>
-            <a:endParaRPr lang="zh-CN" altLang="en-US">
-              <a:solidFill>
-                <a:schemeClr val="bg1"/>
-              </a:solidFill>
-            </a:endParaRPr>
-          </a:p>
-        </p:txBody>
-      </p:sp>
-      <p:sp>
-        <p:nvSpPr>
-          <p:cNvPr id="4" name="矩形 3"/>
-          <p:cNvSpPr/>
-          <p:nvPr/>
-        </p:nvSpPr>
-        <p:spPr>
-          <a:xfrm>
-            <a:off x="811369" y="3774604"/>
-            <a:ext cx="5067837" cy="1506829"/>
-          </a:xfrm>
-          <a:prstGeom prst="rect">
+            <a:endParaRPr lang="zh-CN" altLang="en-US"/>
+          </a:p>
+        </p:txBody>
+      </p:sp>
+      <p:sp>
+        <p:nvSpPr>
+          <p:cNvPr id="5" name="椭圆 4"/>
+          <p:cNvSpPr/>
+          <p:nvPr/>
+        </p:nvSpPr>
+        <p:spPr>
+          <a:xfrm>
+            <a:off x="3276495" y="3718455"/>
+            <a:ext cx="792585" cy="792585"/>
+          </a:xfrm>
+          <a:prstGeom prst="ellipse">
             <a:avLst/>
           </a:prstGeom>
           <a:solidFill>
@@ -6747,216 +7094,110 @@
           <a:lstStyle/>
           <a:p>
             <a:pPr algn="ctr"/>
-            <a:endParaRPr lang="zh-CN" altLang="en-US">
+            <a:endParaRPr lang="zh-CN" altLang="en-US"/>
+          </a:p>
+        </p:txBody>
+      </p:sp>
+      <p:sp>
+        <p:nvSpPr>
+          <p:cNvPr id="6" name="MH_Others_1"/>
+          <p:cNvSpPr txBox="1"/>
+          <p:nvPr>
+            <p:custDataLst>
+              <p:tags r:id="rId1"/>
+            </p:custDataLst>
+          </p:nvPr>
+        </p:nvSpPr>
+        <p:spPr>
+          <a:xfrm>
+            <a:off x="864526" y="2860251"/>
+            <a:ext cx="3955467" cy="847938"/>
+          </a:xfrm>
+          <a:prstGeom prst="rect">
+            <a:avLst/>
+          </a:prstGeom>
+          <a:noFill/>
+        </p:spPr>
+        <p:txBody>
+          <a:bodyPr wrap="square" rtlCol="0">
+            <a:noAutofit/>
+          </a:bodyPr>
+          <a:lstStyle/>
+          <a:p>
+            <a:pPr algn="ctr"/>
+            <a:r>
+              <a:rPr lang="en-US" altLang="zh-CN" sz="4400" dirty="0">
+                <a:solidFill>
+                  <a:schemeClr val="bg1"/>
+                </a:solidFill>
+                <a:effectLst>
+                  <a:outerShdw blurRad="38100" dist="38100" dir="2700000" algn="tl">
+                    <a:srgbClr val="000000">
+                      <a:alpha val="43137"/>
+                    </a:srgbClr>
+                  </a:outerShdw>
+                </a:effectLst>
+                <a:latin typeface="+mj-lt"/>
+                <a:cs typeface="Arial" pitchFamily="34" charset="0"/>
+              </a:rPr>
+              <a:t>PART 1</a:t>
+            </a:r>
+            <a:endParaRPr lang="zh-CN" altLang="en-US" sz="4400" dirty="0">
               <a:solidFill>
                 <a:schemeClr val="bg1"/>
               </a:solidFill>
+              <a:effectLst>
+                <a:outerShdw blurRad="38100" dist="38100" dir="2700000" algn="tl">
+                  <a:srgbClr val="000000">
+                    <a:alpha val="43137"/>
+                  </a:srgbClr>
+                </a:outerShdw>
+              </a:effectLst>
+              <a:latin typeface="+mj-lt"/>
+              <a:cs typeface="Arial" pitchFamily="34" charset="0"/>
             </a:endParaRPr>
           </a:p>
         </p:txBody>
       </p:sp>
       <p:sp>
         <p:nvSpPr>
-          <p:cNvPr id="7" name="矩形 6"/>
-          <p:cNvSpPr/>
-          <p:nvPr/>
-        </p:nvSpPr>
-        <p:spPr>
-          <a:xfrm>
-            <a:off x="6304209" y="3774604"/>
-            <a:ext cx="5067837" cy="1506829"/>
-          </a:xfrm>
-          <a:prstGeom prst="rect">
-            <a:avLst/>
-          </a:prstGeom>
-          <a:solidFill>
-            <a:srgbClr val="48A2A0">
-              <a:alpha val="70000"/>
-            </a:srgbClr>
-          </a:solidFill>
-          <a:ln>
-            <a:noFill/>
-          </a:ln>
-        </p:spPr>
-        <p:style>
-          <a:lnRef idx="2">
-            <a:schemeClr val="accent1">
-              <a:shade val="50000"/>
-            </a:schemeClr>
-          </a:lnRef>
-          <a:fillRef idx="1">
-            <a:schemeClr val="accent1"/>
-          </a:fillRef>
-          <a:effectRef idx="0">
-            <a:schemeClr val="accent1"/>
-          </a:effectRef>
-          <a:fontRef idx="minor">
-            <a:schemeClr val="lt1"/>
-          </a:fontRef>
-        </p:style>
-        <p:txBody>
-          <a:bodyPr rtlCol="0" anchor="ctr"/>
-          <a:lstStyle/>
-          <a:p>
-            <a:pPr algn="ctr"/>
-            <a:endParaRPr lang="zh-CN" altLang="en-US"/>
-          </a:p>
-        </p:txBody>
-      </p:sp>
-      <p:sp>
-        <p:nvSpPr>
-          <p:cNvPr id="8" name="矩形 7"/>
-          <p:cNvSpPr/>
-          <p:nvPr/>
-        </p:nvSpPr>
-        <p:spPr>
-          <a:xfrm>
-            <a:off x="6304209" y="1899633"/>
-            <a:ext cx="5067837" cy="1506829"/>
-          </a:xfrm>
-          <a:prstGeom prst="rect">
-            <a:avLst/>
-          </a:prstGeom>
-          <a:solidFill>
-            <a:srgbClr val="6C92C0">
-              <a:alpha val="70000"/>
-            </a:srgbClr>
-          </a:solidFill>
-          <a:ln>
-            <a:noFill/>
-          </a:ln>
-        </p:spPr>
-        <p:style>
-          <a:lnRef idx="2">
-            <a:schemeClr val="accent1">
-              <a:shade val="50000"/>
-            </a:schemeClr>
-          </a:lnRef>
-          <a:fillRef idx="1">
-            <a:schemeClr val="accent1"/>
-          </a:fillRef>
-          <a:effectRef idx="0">
-            <a:schemeClr val="accent1"/>
-          </a:effectRef>
-          <a:fontRef idx="minor">
-            <a:schemeClr val="lt1"/>
-          </a:fontRef>
-        </p:style>
-        <p:txBody>
-          <a:bodyPr rtlCol="0" anchor="ctr"/>
-          <a:lstStyle/>
-          <a:p>
-            <a:pPr algn="ctr"/>
-            <a:endParaRPr lang="zh-CN" altLang="en-US"/>
-          </a:p>
-        </p:txBody>
-      </p:sp>
-      <p:sp>
-        <p:nvSpPr>
-          <p:cNvPr id="17" name="椭圆 16"/>
-          <p:cNvSpPr/>
-          <p:nvPr/>
-        </p:nvSpPr>
-        <p:spPr>
-          <a:xfrm>
-            <a:off x="-1226820" y="-1346917"/>
-            <a:ext cx="2453640" cy="2453640"/>
-          </a:xfrm>
-          <a:prstGeom prst="ellipse">
-            <a:avLst/>
-          </a:prstGeom>
-          <a:solidFill>
-            <a:srgbClr val="48A2A0">
-              <a:alpha val="70000"/>
-            </a:srgbClr>
-          </a:solidFill>
-          <a:ln>
-            <a:noFill/>
-          </a:ln>
-        </p:spPr>
-        <p:style>
-          <a:lnRef idx="2">
-            <a:schemeClr val="accent1">
-              <a:shade val="50000"/>
-            </a:schemeClr>
-          </a:lnRef>
-          <a:fillRef idx="1">
-            <a:schemeClr val="accent1"/>
-          </a:fillRef>
-          <a:effectRef idx="0">
-            <a:schemeClr val="accent1"/>
-          </a:effectRef>
-          <a:fontRef idx="minor">
-            <a:schemeClr val="lt1"/>
-          </a:fontRef>
-        </p:style>
-        <p:txBody>
-          <a:bodyPr rtlCol="0" anchor="ctr"/>
-          <a:lstStyle/>
-          <a:p>
-            <a:pPr algn="ctr"/>
-            <a:endParaRPr lang="zh-CN" altLang="en-US"/>
-          </a:p>
-        </p:txBody>
-      </p:sp>
-      <p:sp>
-        <p:nvSpPr>
-          <p:cNvPr id="18" name="椭圆 17"/>
-          <p:cNvSpPr/>
-          <p:nvPr/>
-        </p:nvSpPr>
-        <p:spPr>
-          <a:xfrm>
-            <a:off x="434235" y="314138"/>
-            <a:ext cx="792585" cy="792585"/>
-          </a:xfrm>
-          <a:prstGeom prst="ellipse">
-            <a:avLst/>
-          </a:prstGeom>
-          <a:solidFill>
-            <a:srgbClr val="6C92C0">
-              <a:alpha val="70000"/>
-            </a:srgbClr>
-          </a:solidFill>
-          <a:ln>
-            <a:noFill/>
-          </a:ln>
-        </p:spPr>
-        <p:style>
-          <a:lnRef idx="2">
-            <a:schemeClr val="accent1">
-              <a:shade val="50000"/>
-            </a:schemeClr>
-          </a:lnRef>
-          <a:fillRef idx="1">
-            <a:schemeClr val="accent1"/>
-          </a:fillRef>
-          <a:effectRef idx="0">
-            <a:schemeClr val="accent1"/>
-          </a:effectRef>
-          <a:fontRef idx="minor">
-            <a:schemeClr val="lt1"/>
-          </a:fontRef>
-        </p:style>
-        <p:txBody>
-          <a:bodyPr rtlCol="0" anchor="ctr"/>
-          <a:lstStyle/>
-          <a:p>
-            <a:pPr algn="ctr"/>
-            <a:endParaRPr lang="zh-CN" altLang="en-US"/>
-          </a:p>
-        </p:txBody>
-      </p:sp>
-      <p:sp>
-        <p:nvSpPr>
-          <p:cNvPr id="20" name="矩形 19"/>
-          <p:cNvSpPr/>
-          <p:nvPr/>
-        </p:nvSpPr>
-        <p:spPr>
-          <a:xfrm>
-            <a:off x="1344023" y="448348"/>
-            <a:ext cx="1701107" cy="400110"/>
+          <p:cNvPr id="8" name="文本框 7"/>
+          <p:cNvSpPr txBox="1"/>
+          <p:nvPr/>
+        </p:nvSpPr>
+        <p:spPr>
+          <a:xfrm>
+            <a:off x="4819992" y="3487622"/>
+            <a:ext cx="6318345" cy="461665"/>
+          </a:xfrm>
+          <a:prstGeom prst="rect">
+            <a:avLst/>
+          </a:prstGeom>
+          <a:noFill/>
+        </p:spPr>
+        <p:txBody>
+          <a:bodyPr wrap="square" rtlCol="0">
+            <a:spAutoFit/>
+          </a:bodyPr>
+          <a:lstStyle/>
+          <a:p>
+            <a:r>
+              <a:rPr lang="zh-CN" altLang="en-US" sz="1200" dirty="0"/>
+              <a:t>思考一下，你真的会解方程吗？至今为此你是否都是在无脑的套公式进行求根？本节内容带你学习如何利用各种奇技淫巧进行</a:t>
+            </a:r>
+          </a:p>
+        </p:txBody>
+      </p:sp>
+      <p:sp>
+        <p:nvSpPr>
+          <p:cNvPr id="2" name="矩形 1"/>
+          <p:cNvSpPr/>
+          <p:nvPr/>
+        </p:nvSpPr>
+        <p:spPr>
+          <a:xfrm>
+            <a:off x="4819993" y="3040204"/>
+            <a:ext cx="1723549" cy="400110"/>
           </a:xfrm>
           <a:prstGeom prst="rect">
             <a:avLst/>
@@ -6969,102 +7210,16 @@
           <a:lstStyle/>
           <a:p>
             <a:r>
-              <a:rPr lang="en-US" altLang="zh-CN" sz="2000" b="1" dirty="0">
-                <a:solidFill>
-                  <a:schemeClr val="tx1">
-                    <a:lumMod val="75000"/>
-                    <a:lumOff val="25000"/>
-                  </a:schemeClr>
-                </a:solidFill>
-              </a:rPr>
-              <a:t>Lorem ipsum</a:t>
-            </a:r>
-            <a:endParaRPr lang="zh-CN" altLang="en-US" sz="2000" b="1" dirty="0">
-              <a:solidFill>
-                <a:schemeClr val="tx1">
-                  <a:lumMod val="75000"/>
-                  <a:lumOff val="25000"/>
-                </a:schemeClr>
-              </a:solidFill>
-            </a:endParaRPr>
-          </a:p>
-        </p:txBody>
-      </p:sp>
-      <p:sp>
-        <p:nvSpPr>
-          <p:cNvPr id="21" name="矩形 20"/>
-          <p:cNvSpPr/>
-          <p:nvPr/>
-        </p:nvSpPr>
-        <p:spPr>
-          <a:xfrm>
-            <a:off x="1344023" y="764961"/>
-            <a:ext cx="2196435" cy="261610"/>
-          </a:xfrm>
-          <a:prstGeom prst="rect">
-            <a:avLst/>
-          </a:prstGeom>
-        </p:spPr>
-        <p:txBody>
-          <a:bodyPr wrap="none">
-            <a:spAutoFit/>
-          </a:bodyPr>
-          <a:lstStyle/>
-          <a:p>
-            <a:r>
-              <a:rPr lang="en-US" altLang="zh-CN" sz="1100" dirty="0">
-                <a:solidFill>
-                  <a:schemeClr val="bg1">
-                    <a:lumMod val="50000"/>
-                  </a:schemeClr>
-                </a:solidFill>
-              </a:rPr>
-              <a:t>Lorem ipsum dolor sit </a:t>
-            </a:r>
-            <a:r>
-              <a:rPr lang="en-US" altLang="zh-CN" sz="1100" dirty="0" err="1">
-                <a:solidFill>
-                  <a:schemeClr val="bg1">
-                    <a:lumMod val="50000"/>
-                  </a:schemeClr>
-                </a:solidFill>
-              </a:rPr>
-              <a:t>amet</a:t>
-            </a:r>
-            <a:r>
-              <a:rPr lang="en-US" altLang="zh-CN" sz="1100" dirty="0">
-                <a:solidFill>
-                  <a:schemeClr val="bg1">
-                    <a:lumMod val="50000"/>
-                  </a:schemeClr>
-                </a:solidFill>
-              </a:rPr>
-              <a:t> </a:t>
-            </a:r>
-            <a:r>
-              <a:rPr lang="en-US" altLang="zh-CN" sz="1100" dirty="0" err="1">
-                <a:solidFill>
-                  <a:schemeClr val="bg1">
-                    <a:lumMod val="50000"/>
-                  </a:schemeClr>
-                </a:solidFill>
-              </a:rPr>
-              <a:t>kolor</a:t>
-            </a:r>
-            <a:endParaRPr lang="zh-CN" altLang="en-US" sz="1100" dirty="0">
-              <a:solidFill>
-                <a:schemeClr val="bg1">
-                  <a:lumMod val="50000"/>
-                </a:schemeClr>
-              </a:solidFill>
-            </a:endParaRPr>
+              <a:rPr lang="zh-CN" altLang="en-US" sz="2000" b="1" dirty="0"/>
+              <a:t>任意方程求根</a:t>
+            </a:r>
           </a:p>
         </p:txBody>
       </p:sp>
     </p:spTree>
     <p:extLst>
       <p:ext uri="{BB962C8B-B14F-4D97-AF65-F5344CB8AC3E}">
-        <p14:creationId xmlns:p14="http://schemas.microsoft.com/office/powerpoint/2010/main" val="2834950261"/>
+        <p14:creationId xmlns:p14="http://schemas.microsoft.com/office/powerpoint/2010/main" val="4223347247"/>
       </p:ext>
     </p:extLst>
   </p:cSld>
@@ -7093,16 +7248,16 @@
       </p:grpSpPr>
       <p:sp>
         <p:nvSpPr>
-          <p:cNvPr id="4" name="椭圆 3"/>
-          <p:cNvSpPr/>
-          <p:nvPr/>
-        </p:nvSpPr>
-        <p:spPr>
-          <a:xfrm>
-            <a:off x="1615440" y="2057400"/>
-            <a:ext cx="2453640" cy="2453640"/>
-          </a:xfrm>
-          <a:prstGeom prst="ellipse">
+          <p:cNvPr id="3" name="矩形 2"/>
+          <p:cNvSpPr/>
+          <p:nvPr/>
+        </p:nvSpPr>
+        <p:spPr>
+          <a:xfrm>
+            <a:off x="811369" y="1899633"/>
+            <a:ext cx="5067837" cy="1506829"/>
+          </a:xfrm>
+          <a:prstGeom prst="rect">
             <a:avLst/>
           </a:prstGeom>
           <a:solidFill>
@@ -7135,22 +7290,26 @@
           <a:lstStyle/>
           <a:p>
             <a:pPr algn="ctr"/>
-            <a:endParaRPr lang="zh-CN" altLang="en-US"/>
-          </a:p>
-        </p:txBody>
-      </p:sp>
-      <p:sp>
-        <p:nvSpPr>
-          <p:cNvPr id="5" name="椭圆 4"/>
-          <p:cNvSpPr/>
-          <p:nvPr/>
-        </p:nvSpPr>
-        <p:spPr>
-          <a:xfrm>
-            <a:off x="3276495" y="3718455"/>
-            <a:ext cx="792585" cy="792585"/>
-          </a:xfrm>
-          <a:prstGeom prst="ellipse">
+            <a:endParaRPr lang="zh-CN" altLang="en-US">
+              <a:solidFill>
+                <a:schemeClr val="bg1"/>
+              </a:solidFill>
+            </a:endParaRPr>
+          </a:p>
+        </p:txBody>
+      </p:sp>
+      <p:sp>
+        <p:nvSpPr>
+          <p:cNvPr id="4" name="矩形 3"/>
+          <p:cNvSpPr/>
+          <p:nvPr/>
+        </p:nvSpPr>
+        <p:spPr>
+          <a:xfrm>
+            <a:off x="811369" y="3774604"/>
+            <a:ext cx="5067837" cy="1506829"/>
+          </a:xfrm>
+          <a:prstGeom prst="rect">
             <a:avLst/>
           </a:prstGeom>
           <a:solidFill>
@@ -7183,110 +7342,216 @@
           <a:lstStyle/>
           <a:p>
             <a:pPr algn="ctr"/>
-            <a:endParaRPr lang="zh-CN" altLang="en-US"/>
-          </a:p>
-        </p:txBody>
-      </p:sp>
-      <p:sp>
-        <p:nvSpPr>
-          <p:cNvPr id="6" name="MH_Others_1"/>
-          <p:cNvSpPr txBox="1"/>
-          <p:nvPr>
-            <p:custDataLst>
-              <p:tags r:id="rId1"/>
-            </p:custDataLst>
-          </p:nvPr>
-        </p:nvSpPr>
-        <p:spPr>
-          <a:xfrm>
-            <a:off x="864526" y="2860251"/>
-            <a:ext cx="3955467" cy="847938"/>
-          </a:xfrm>
-          <a:prstGeom prst="rect">
-            <a:avLst/>
-          </a:prstGeom>
-          <a:noFill/>
-        </p:spPr>
-        <p:txBody>
-          <a:bodyPr wrap="square" rtlCol="0">
-            <a:noAutofit/>
-          </a:bodyPr>
-          <a:lstStyle/>
-          <a:p>
-            <a:pPr algn="ctr"/>
-            <a:r>
-              <a:rPr lang="en-US" altLang="zh-CN" sz="4400" dirty="0">
-                <a:solidFill>
-                  <a:schemeClr val="bg1"/>
-                </a:solidFill>
-                <a:effectLst>
-                  <a:outerShdw blurRad="38100" dist="38100" dir="2700000" algn="tl">
-                    <a:srgbClr val="000000">
-                      <a:alpha val="43137"/>
-                    </a:srgbClr>
-                  </a:outerShdw>
-                </a:effectLst>
-                <a:latin typeface="+mj-lt"/>
-                <a:cs typeface="Arial" pitchFamily="34" charset="0"/>
-              </a:rPr>
-              <a:t>PART 2</a:t>
-            </a:r>
-            <a:endParaRPr lang="zh-CN" altLang="en-US" sz="4400" dirty="0">
+            <a:endParaRPr lang="zh-CN" altLang="en-US">
               <a:solidFill>
                 <a:schemeClr val="bg1"/>
               </a:solidFill>
-              <a:effectLst>
-                <a:outerShdw blurRad="38100" dist="38100" dir="2700000" algn="tl">
-                  <a:srgbClr val="000000">
-                    <a:alpha val="43137"/>
-                  </a:srgbClr>
-                </a:outerShdw>
-              </a:effectLst>
-              <a:latin typeface="+mj-lt"/>
-              <a:cs typeface="Arial" pitchFamily="34" charset="0"/>
             </a:endParaRPr>
           </a:p>
         </p:txBody>
       </p:sp>
       <p:sp>
         <p:nvSpPr>
-          <p:cNvPr id="8" name="文本框 7"/>
-          <p:cNvSpPr txBox="1"/>
-          <p:nvPr/>
-        </p:nvSpPr>
-        <p:spPr>
-          <a:xfrm>
-            <a:off x="4819992" y="3487622"/>
-            <a:ext cx="6318345" cy="461665"/>
-          </a:xfrm>
-          <a:prstGeom prst="rect">
-            <a:avLst/>
-          </a:prstGeom>
-          <a:noFill/>
-        </p:spPr>
-        <p:txBody>
-          <a:bodyPr wrap="square" rtlCol="0">
-            <a:spAutoFit/>
-          </a:bodyPr>
-          <a:lstStyle/>
-          <a:p>
-            <a:r>
-              <a:rPr lang="zh-CN" altLang="en-US" sz="1200" dirty="0"/>
-              <a:t>思考一下，你真的会解方程吗？至今为此你是否都是在无脑的套公式进行求根？本节内容带你学习如何利用各种奇技淫巧进行</a:t>
-            </a:r>
-          </a:p>
-        </p:txBody>
-      </p:sp>
-      <p:sp>
-        <p:nvSpPr>
-          <p:cNvPr id="2" name="矩形 1"/>
-          <p:cNvSpPr/>
-          <p:nvPr/>
-        </p:nvSpPr>
-        <p:spPr>
-          <a:xfrm>
-            <a:off x="4819993" y="3040204"/>
-            <a:ext cx="1778051" cy="400110"/>
+          <p:cNvPr id="7" name="矩形 6"/>
+          <p:cNvSpPr/>
+          <p:nvPr/>
+        </p:nvSpPr>
+        <p:spPr>
+          <a:xfrm>
+            <a:off x="6304209" y="3774604"/>
+            <a:ext cx="5067837" cy="1506829"/>
+          </a:xfrm>
+          <a:prstGeom prst="rect">
+            <a:avLst/>
+          </a:prstGeom>
+          <a:solidFill>
+            <a:srgbClr val="48A2A0">
+              <a:alpha val="70000"/>
+            </a:srgbClr>
+          </a:solidFill>
+          <a:ln>
+            <a:noFill/>
+          </a:ln>
+        </p:spPr>
+        <p:style>
+          <a:lnRef idx="2">
+            <a:schemeClr val="accent1">
+              <a:shade val="50000"/>
+            </a:schemeClr>
+          </a:lnRef>
+          <a:fillRef idx="1">
+            <a:schemeClr val="accent1"/>
+          </a:fillRef>
+          <a:effectRef idx="0">
+            <a:schemeClr val="accent1"/>
+          </a:effectRef>
+          <a:fontRef idx="minor">
+            <a:schemeClr val="lt1"/>
+          </a:fontRef>
+        </p:style>
+        <p:txBody>
+          <a:bodyPr rtlCol="0" anchor="ctr"/>
+          <a:lstStyle/>
+          <a:p>
+            <a:pPr algn="ctr"/>
+            <a:endParaRPr lang="zh-CN" altLang="en-US"/>
+          </a:p>
+        </p:txBody>
+      </p:sp>
+      <p:sp>
+        <p:nvSpPr>
+          <p:cNvPr id="8" name="矩形 7"/>
+          <p:cNvSpPr/>
+          <p:nvPr/>
+        </p:nvSpPr>
+        <p:spPr>
+          <a:xfrm>
+            <a:off x="6304209" y="1899633"/>
+            <a:ext cx="5067837" cy="1506829"/>
+          </a:xfrm>
+          <a:prstGeom prst="rect">
+            <a:avLst/>
+          </a:prstGeom>
+          <a:solidFill>
+            <a:srgbClr val="6C92C0">
+              <a:alpha val="70000"/>
+            </a:srgbClr>
+          </a:solidFill>
+          <a:ln>
+            <a:noFill/>
+          </a:ln>
+        </p:spPr>
+        <p:style>
+          <a:lnRef idx="2">
+            <a:schemeClr val="accent1">
+              <a:shade val="50000"/>
+            </a:schemeClr>
+          </a:lnRef>
+          <a:fillRef idx="1">
+            <a:schemeClr val="accent1"/>
+          </a:fillRef>
+          <a:effectRef idx="0">
+            <a:schemeClr val="accent1"/>
+          </a:effectRef>
+          <a:fontRef idx="minor">
+            <a:schemeClr val="lt1"/>
+          </a:fontRef>
+        </p:style>
+        <p:txBody>
+          <a:bodyPr rtlCol="0" anchor="ctr"/>
+          <a:lstStyle/>
+          <a:p>
+            <a:pPr algn="ctr"/>
+            <a:endParaRPr lang="zh-CN" altLang="en-US"/>
+          </a:p>
+        </p:txBody>
+      </p:sp>
+      <p:sp>
+        <p:nvSpPr>
+          <p:cNvPr id="17" name="椭圆 16"/>
+          <p:cNvSpPr/>
+          <p:nvPr/>
+        </p:nvSpPr>
+        <p:spPr>
+          <a:xfrm>
+            <a:off x="-1226820" y="-1346917"/>
+            <a:ext cx="2453640" cy="2453640"/>
+          </a:xfrm>
+          <a:prstGeom prst="ellipse">
+            <a:avLst/>
+          </a:prstGeom>
+          <a:solidFill>
+            <a:srgbClr val="48A2A0">
+              <a:alpha val="70000"/>
+            </a:srgbClr>
+          </a:solidFill>
+          <a:ln>
+            <a:noFill/>
+          </a:ln>
+        </p:spPr>
+        <p:style>
+          <a:lnRef idx="2">
+            <a:schemeClr val="accent1">
+              <a:shade val="50000"/>
+            </a:schemeClr>
+          </a:lnRef>
+          <a:fillRef idx="1">
+            <a:schemeClr val="accent1"/>
+          </a:fillRef>
+          <a:effectRef idx="0">
+            <a:schemeClr val="accent1"/>
+          </a:effectRef>
+          <a:fontRef idx="minor">
+            <a:schemeClr val="lt1"/>
+          </a:fontRef>
+        </p:style>
+        <p:txBody>
+          <a:bodyPr rtlCol="0" anchor="ctr"/>
+          <a:lstStyle/>
+          <a:p>
+            <a:pPr algn="ctr"/>
+            <a:endParaRPr lang="zh-CN" altLang="en-US"/>
+          </a:p>
+        </p:txBody>
+      </p:sp>
+      <p:sp>
+        <p:nvSpPr>
+          <p:cNvPr id="18" name="椭圆 17"/>
+          <p:cNvSpPr/>
+          <p:nvPr/>
+        </p:nvSpPr>
+        <p:spPr>
+          <a:xfrm>
+            <a:off x="434235" y="314138"/>
+            <a:ext cx="792585" cy="792585"/>
+          </a:xfrm>
+          <a:prstGeom prst="ellipse">
+            <a:avLst/>
+          </a:prstGeom>
+          <a:solidFill>
+            <a:srgbClr val="6C92C0">
+              <a:alpha val="70000"/>
+            </a:srgbClr>
+          </a:solidFill>
+          <a:ln>
+            <a:noFill/>
+          </a:ln>
+        </p:spPr>
+        <p:style>
+          <a:lnRef idx="2">
+            <a:schemeClr val="accent1">
+              <a:shade val="50000"/>
+            </a:schemeClr>
+          </a:lnRef>
+          <a:fillRef idx="1">
+            <a:schemeClr val="accent1"/>
+          </a:fillRef>
+          <a:effectRef idx="0">
+            <a:schemeClr val="accent1"/>
+          </a:effectRef>
+          <a:fontRef idx="minor">
+            <a:schemeClr val="lt1"/>
+          </a:fontRef>
+        </p:style>
+        <p:txBody>
+          <a:bodyPr rtlCol="0" anchor="ctr"/>
+          <a:lstStyle/>
+          <a:p>
+            <a:pPr algn="ctr"/>
+            <a:endParaRPr lang="zh-CN" altLang="en-US"/>
+          </a:p>
+        </p:txBody>
+      </p:sp>
+      <p:sp>
+        <p:nvSpPr>
+          <p:cNvPr id="20" name="矩形 19"/>
+          <p:cNvSpPr/>
+          <p:nvPr/>
+        </p:nvSpPr>
+        <p:spPr>
+          <a:xfrm>
+            <a:off x="1344023" y="448348"/>
+            <a:ext cx="1701107" cy="400110"/>
           </a:xfrm>
           <a:prstGeom prst="rect">
             <a:avLst/>
@@ -7299,16 +7564,102 @@
           <a:lstStyle/>
           <a:p>
             <a:r>
-              <a:rPr lang="zh-CN" altLang="en-US" sz="2000" b="1" dirty="0"/>
-              <a:t>任意曲线拟合</a:t>
-            </a:r>
+              <a:rPr lang="en-US" altLang="zh-CN" sz="2000" b="1" dirty="0">
+                <a:solidFill>
+                  <a:schemeClr val="tx1">
+                    <a:lumMod val="75000"/>
+                    <a:lumOff val="25000"/>
+                  </a:schemeClr>
+                </a:solidFill>
+              </a:rPr>
+              <a:t>Lorem ipsum</a:t>
+            </a:r>
+            <a:endParaRPr lang="zh-CN" altLang="en-US" sz="2000" b="1" dirty="0">
+              <a:solidFill>
+                <a:schemeClr val="tx1">
+                  <a:lumMod val="75000"/>
+                  <a:lumOff val="25000"/>
+                </a:schemeClr>
+              </a:solidFill>
+            </a:endParaRPr>
+          </a:p>
+        </p:txBody>
+      </p:sp>
+      <p:sp>
+        <p:nvSpPr>
+          <p:cNvPr id="21" name="矩形 20"/>
+          <p:cNvSpPr/>
+          <p:nvPr/>
+        </p:nvSpPr>
+        <p:spPr>
+          <a:xfrm>
+            <a:off x="1344023" y="764961"/>
+            <a:ext cx="2196435" cy="261610"/>
+          </a:xfrm>
+          <a:prstGeom prst="rect">
+            <a:avLst/>
+          </a:prstGeom>
+        </p:spPr>
+        <p:txBody>
+          <a:bodyPr wrap="none">
+            <a:spAutoFit/>
+          </a:bodyPr>
+          <a:lstStyle/>
+          <a:p>
+            <a:r>
+              <a:rPr lang="en-US" altLang="zh-CN" sz="1100" dirty="0">
+                <a:solidFill>
+                  <a:schemeClr val="bg1">
+                    <a:lumMod val="50000"/>
+                  </a:schemeClr>
+                </a:solidFill>
+              </a:rPr>
+              <a:t>Lorem ipsum dolor sit </a:t>
+            </a:r>
+            <a:r>
+              <a:rPr lang="en-US" altLang="zh-CN" sz="1100" dirty="0" err="1">
+                <a:solidFill>
+                  <a:schemeClr val="bg1">
+                    <a:lumMod val="50000"/>
+                  </a:schemeClr>
+                </a:solidFill>
+              </a:rPr>
+              <a:t>amet</a:t>
+            </a:r>
+            <a:r>
+              <a:rPr lang="en-US" altLang="zh-CN" sz="1100" dirty="0">
+                <a:solidFill>
+                  <a:schemeClr val="bg1">
+                    <a:lumMod val="50000"/>
+                  </a:schemeClr>
+                </a:solidFill>
+              </a:rPr>
+              <a:t> </a:t>
+            </a:r>
+            <a:r>
+              <a:rPr lang="en-US" altLang="zh-CN" sz="1100" dirty="0" err="1">
+                <a:solidFill>
+                  <a:schemeClr val="bg1">
+                    <a:lumMod val="50000"/>
+                  </a:schemeClr>
+                </a:solidFill>
+              </a:rPr>
+              <a:t>kolor</a:t>
+            </a:r>
+            <a:endParaRPr lang="zh-CN" altLang="en-US" sz="1100" dirty="0">
+              <a:solidFill>
+                <a:schemeClr val="bg1">
+                  <a:lumMod val="50000"/>
+                </a:schemeClr>
+              </a:solidFill>
+            </a:endParaRPr>
           </a:p>
         </p:txBody>
       </p:sp>
     </p:spTree>
     <p:extLst>
       <p:ext uri="{BB962C8B-B14F-4D97-AF65-F5344CB8AC3E}">
-        <p14:creationId xmlns:p14="http://schemas.microsoft.com/office/powerpoint/2010/main" val="1983895934"/>
+        <p14:creationId xmlns:p14="http://schemas.microsoft.com/office/powerpoint/2010/main" val="2834950261"/>
       </p:ext>
     </p:extLst>
   </p:cSld>
@@ -7337,16 +7688,16 @@
       </p:grpSpPr>
       <p:sp>
         <p:nvSpPr>
-          <p:cNvPr id="3" name="矩形 2"/>
-          <p:cNvSpPr/>
-          <p:nvPr/>
-        </p:nvSpPr>
-        <p:spPr>
-          <a:xfrm>
-            <a:off x="811369" y="1899633"/>
-            <a:ext cx="5067837" cy="1506829"/>
-          </a:xfrm>
-          <a:prstGeom prst="rect">
+          <p:cNvPr id="4" name="椭圆 3"/>
+          <p:cNvSpPr/>
+          <p:nvPr/>
+        </p:nvSpPr>
+        <p:spPr>
+          <a:xfrm>
+            <a:off x="1615440" y="2057400"/>
+            <a:ext cx="2453640" cy="2453640"/>
+          </a:xfrm>
+          <a:prstGeom prst="ellipse">
             <a:avLst/>
           </a:prstGeom>
           <a:solidFill>
@@ -7379,26 +7730,22 @@
           <a:lstStyle/>
           <a:p>
             <a:pPr algn="ctr"/>
-            <a:endParaRPr lang="zh-CN" altLang="en-US">
-              <a:solidFill>
-                <a:schemeClr val="bg1"/>
-              </a:solidFill>
-            </a:endParaRPr>
-          </a:p>
-        </p:txBody>
-      </p:sp>
-      <p:sp>
-        <p:nvSpPr>
-          <p:cNvPr id="4" name="矩形 3"/>
-          <p:cNvSpPr/>
-          <p:nvPr/>
-        </p:nvSpPr>
-        <p:spPr>
-          <a:xfrm>
-            <a:off x="811369" y="3774604"/>
-            <a:ext cx="5067837" cy="1506829"/>
-          </a:xfrm>
-          <a:prstGeom prst="rect">
+            <a:endParaRPr lang="zh-CN" altLang="en-US"/>
+          </a:p>
+        </p:txBody>
+      </p:sp>
+      <p:sp>
+        <p:nvSpPr>
+          <p:cNvPr id="5" name="椭圆 4"/>
+          <p:cNvSpPr/>
+          <p:nvPr/>
+        </p:nvSpPr>
+        <p:spPr>
+          <a:xfrm>
+            <a:off x="3276495" y="3718455"/>
+            <a:ext cx="792585" cy="792585"/>
+          </a:xfrm>
+          <a:prstGeom prst="ellipse">
             <a:avLst/>
           </a:prstGeom>
           <a:solidFill>
@@ -7431,216 +7778,110 @@
           <a:lstStyle/>
           <a:p>
             <a:pPr algn="ctr"/>
-            <a:endParaRPr lang="zh-CN" altLang="en-US">
+            <a:endParaRPr lang="zh-CN" altLang="en-US"/>
+          </a:p>
+        </p:txBody>
+      </p:sp>
+      <p:sp>
+        <p:nvSpPr>
+          <p:cNvPr id="6" name="MH_Others_1"/>
+          <p:cNvSpPr txBox="1"/>
+          <p:nvPr>
+            <p:custDataLst>
+              <p:tags r:id="rId1"/>
+            </p:custDataLst>
+          </p:nvPr>
+        </p:nvSpPr>
+        <p:spPr>
+          <a:xfrm>
+            <a:off x="864526" y="2860251"/>
+            <a:ext cx="3955467" cy="847938"/>
+          </a:xfrm>
+          <a:prstGeom prst="rect">
+            <a:avLst/>
+          </a:prstGeom>
+          <a:noFill/>
+        </p:spPr>
+        <p:txBody>
+          <a:bodyPr wrap="square" rtlCol="0">
+            <a:noAutofit/>
+          </a:bodyPr>
+          <a:lstStyle/>
+          <a:p>
+            <a:pPr algn="ctr"/>
+            <a:r>
+              <a:rPr lang="en-US" altLang="zh-CN" sz="4400" dirty="0">
+                <a:solidFill>
+                  <a:schemeClr val="bg1"/>
+                </a:solidFill>
+                <a:effectLst>
+                  <a:outerShdw blurRad="38100" dist="38100" dir="2700000" algn="tl">
+                    <a:srgbClr val="000000">
+                      <a:alpha val="43137"/>
+                    </a:srgbClr>
+                  </a:outerShdw>
+                </a:effectLst>
+                <a:latin typeface="+mj-lt"/>
+                <a:cs typeface="Arial" pitchFamily="34" charset="0"/>
+              </a:rPr>
+              <a:t>PART 2</a:t>
+            </a:r>
+            <a:endParaRPr lang="zh-CN" altLang="en-US" sz="4400" dirty="0">
               <a:solidFill>
                 <a:schemeClr val="bg1"/>
               </a:solidFill>
+              <a:effectLst>
+                <a:outerShdw blurRad="38100" dist="38100" dir="2700000" algn="tl">
+                  <a:srgbClr val="000000">
+                    <a:alpha val="43137"/>
+                  </a:srgbClr>
+                </a:outerShdw>
+              </a:effectLst>
+              <a:latin typeface="+mj-lt"/>
+              <a:cs typeface="Arial" pitchFamily="34" charset="0"/>
             </a:endParaRPr>
           </a:p>
         </p:txBody>
       </p:sp>
       <p:sp>
         <p:nvSpPr>
-          <p:cNvPr id="7" name="矩形 6"/>
-          <p:cNvSpPr/>
-          <p:nvPr/>
-        </p:nvSpPr>
-        <p:spPr>
-          <a:xfrm>
-            <a:off x="6304209" y="3774604"/>
-            <a:ext cx="5067837" cy="1506829"/>
-          </a:xfrm>
-          <a:prstGeom prst="rect">
-            <a:avLst/>
-          </a:prstGeom>
-          <a:solidFill>
-            <a:srgbClr val="48A2A0">
-              <a:alpha val="70000"/>
-            </a:srgbClr>
-          </a:solidFill>
-          <a:ln>
-            <a:noFill/>
-          </a:ln>
-        </p:spPr>
-        <p:style>
-          <a:lnRef idx="2">
-            <a:schemeClr val="accent1">
-              <a:shade val="50000"/>
-            </a:schemeClr>
-          </a:lnRef>
-          <a:fillRef idx="1">
-            <a:schemeClr val="accent1"/>
-          </a:fillRef>
-          <a:effectRef idx="0">
-            <a:schemeClr val="accent1"/>
-          </a:effectRef>
-          <a:fontRef idx="minor">
-            <a:schemeClr val="lt1"/>
-          </a:fontRef>
-        </p:style>
-        <p:txBody>
-          <a:bodyPr rtlCol="0" anchor="ctr"/>
-          <a:lstStyle/>
-          <a:p>
-            <a:pPr algn="ctr"/>
-            <a:endParaRPr lang="zh-CN" altLang="en-US"/>
-          </a:p>
-        </p:txBody>
-      </p:sp>
-      <p:sp>
-        <p:nvSpPr>
-          <p:cNvPr id="8" name="矩形 7"/>
-          <p:cNvSpPr/>
-          <p:nvPr/>
-        </p:nvSpPr>
-        <p:spPr>
-          <a:xfrm>
-            <a:off x="6304209" y="1899633"/>
-            <a:ext cx="5067837" cy="1506829"/>
-          </a:xfrm>
-          <a:prstGeom prst="rect">
-            <a:avLst/>
-          </a:prstGeom>
-          <a:solidFill>
-            <a:srgbClr val="6C92C0">
-              <a:alpha val="70000"/>
-            </a:srgbClr>
-          </a:solidFill>
-          <a:ln>
-            <a:noFill/>
-          </a:ln>
-        </p:spPr>
-        <p:style>
-          <a:lnRef idx="2">
-            <a:schemeClr val="accent1">
-              <a:shade val="50000"/>
-            </a:schemeClr>
-          </a:lnRef>
-          <a:fillRef idx="1">
-            <a:schemeClr val="accent1"/>
-          </a:fillRef>
-          <a:effectRef idx="0">
-            <a:schemeClr val="accent1"/>
-          </a:effectRef>
-          <a:fontRef idx="minor">
-            <a:schemeClr val="lt1"/>
-          </a:fontRef>
-        </p:style>
-        <p:txBody>
-          <a:bodyPr rtlCol="0" anchor="ctr"/>
-          <a:lstStyle/>
-          <a:p>
-            <a:pPr algn="ctr"/>
-            <a:endParaRPr lang="zh-CN" altLang="en-US"/>
-          </a:p>
-        </p:txBody>
-      </p:sp>
-      <p:sp>
-        <p:nvSpPr>
-          <p:cNvPr id="17" name="椭圆 16"/>
-          <p:cNvSpPr/>
-          <p:nvPr/>
-        </p:nvSpPr>
-        <p:spPr>
-          <a:xfrm>
-            <a:off x="-1226820" y="-1346917"/>
-            <a:ext cx="2453640" cy="2453640"/>
-          </a:xfrm>
-          <a:prstGeom prst="ellipse">
-            <a:avLst/>
-          </a:prstGeom>
-          <a:solidFill>
-            <a:srgbClr val="48A2A0">
-              <a:alpha val="70000"/>
-            </a:srgbClr>
-          </a:solidFill>
-          <a:ln>
-            <a:noFill/>
-          </a:ln>
-        </p:spPr>
-        <p:style>
-          <a:lnRef idx="2">
-            <a:schemeClr val="accent1">
-              <a:shade val="50000"/>
-            </a:schemeClr>
-          </a:lnRef>
-          <a:fillRef idx="1">
-            <a:schemeClr val="accent1"/>
-          </a:fillRef>
-          <a:effectRef idx="0">
-            <a:schemeClr val="accent1"/>
-          </a:effectRef>
-          <a:fontRef idx="minor">
-            <a:schemeClr val="lt1"/>
-          </a:fontRef>
-        </p:style>
-        <p:txBody>
-          <a:bodyPr rtlCol="0" anchor="ctr"/>
-          <a:lstStyle/>
-          <a:p>
-            <a:pPr algn="ctr"/>
-            <a:endParaRPr lang="zh-CN" altLang="en-US"/>
-          </a:p>
-        </p:txBody>
-      </p:sp>
-      <p:sp>
-        <p:nvSpPr>
-          <p:cNvPr id="18" name="椭圆 17"/>
-          <p:cNvSpPr/>
-          <p:nvPr/>
-        </p:nvSpPr>
-        <p:spPr>
-          <a:xfrm>
-            <a:off x="434235" y="314138"/>
-            <a:ext cx="792585" cy="792585"/>
-          </a:xfrm>
-          <a:prstGeom prst="ellipse">
-            <a:avLst/>
-          </a:prstGeom>
-          <a:solidFill>
-            <a:srgbClr val="6C92C0">
-              <a:alpha val="70000"/>
-            </a:srgbClr>
-          </a:solidFill>
-          <a:ln>
-            <a:noFill/>
-          </a:ln>
-        </p:spPr>
-        <p:style>
-          <a:lnRef idx="2">
-            <a:schemeClr val="accent1">
-              <a:shade val="50000"/>
-            </a:schemeClr>
-          </a:lnRef>
-          <a:fillRef idx="1">
-            <a:schemeClr val="accent1"/>
-          </a:fillRef>
-          <a:effectRef idx="0">
-            <a:schemeClr val="accent1"/>
-          </a:effectRef>
-          <a:fontRef idx="minor">
-            <a:schemeClr val="lt1"/>
-          </a:fontRef>
-        </p:style>
-        <p:txBody>
-          <a:bodyPr rtlCol="0" anchor="ctr"/>
-          <a:lstStyle/>
-          <a:p>
-            <a:pPr algn="ctr"/>
-            <a:endParaRPr lang="zh-CN" altLang="en-US"/>
-          </a:p>
-        </p:txBody>
-      </p:sp>
-      <p:sp>
-        <p:nvSpPr>
-          <p:cNvPr id="20" name="矩形 19"/>
-          <p:cNvSpPr/>
-          <p:nvPr/>
-        </p:nvSpPr>
-        <p:spPr>
-          <a:xfrm>
-            <a:off x="1344023" y="448348"/>
-            <a:ext cx="1701107" cy="400110"/>
+          <p:cNvPr id="8" name="文本框 7"/>
+          <p:cNvSpPr txBox="1"/>
+          <p:nvPr/>
+        </p:nvSpPr>
+        <p:spPr>
+          <a:xfrm>
+            <a:off x="4819992" y="3487622"/>
+            <a:ext cx="6318345" cy="461665"/>
+          </a:xfrm>
+          <a:prstGeom prst="rect">
+            <a:avLst/>
+          </a:prstGeom>
+          <a:noFill/>
+        </p:spPr>
+        <p:txBody>
+          <a:bodyPr wrap="square" rtlCol="0">
+            <a:spAutoFit/>
+          </a:bodyPr>
+          <a:lstStyle/>
+          <a:p>
+            <a:r>
+              <a:rPr lang="zh-CN" altLang="en-US" sz="1200" dirty="0"/>
+              <a:t>思考一下，你真的会解方程吗？至今为此你是否都是在无脑的套公式进行求根？本节内容带你学习如何利用各种奇技淫巧进行</a:t>
+            </a:r>
+          </a:p>
+        </p:txBody>
+      </p:sp>
+      <p:sp>
+        <p:nvSpPr>
+          <p:cNvPr id="2" name="矩形 1"/>
+          <p:cNvSpPr/>
+          <p:nvPr/>
+        </p:nvSpPr>
+        <p:spPr>
+          <a:xfrm>
+            <a:off x="4819993" y="3040204"/>
+            <a:ext cx="1778051" cy="400110"/>
           </a:xfrm>
           <a:prstGeom prst="rect">
             <a:avLst/>
@@ -7653,102 +7894,16 @@
           <a:lstStyle/>
           <a:p>
             <a:r>
-              <a:rPr lang="en-US" altLang="zh-CN" sz="2000" b="1" dirty="0">
-                <a:solidFill>
-                  <a:schemeClr val="tx1">
-                    <a:lumMod val="75000"/>
-                    <a:lumOff val="25000"/>
-                  </a:schemeClr>
-                </a:solidFill>
-              </a:rPr>
-              <a:t>Lorem ipsum</a:t>
-            </a:r>
-            <a:endParaRPr lang="zh-CN" altLang="en-US" sz="2000" b="1" dirty="0">
-              <a:solidFill>
-                <a:schemeClr val="tx1">
-                  <a:lumMod val="75000"/>
-                  <a:lumOff val="25000"/>
-                </a:schemeClr>
-              </a:solidFill>
-            </a:endParaRPr>
-          </a:p>
-        </p:txBody>
-      </p:sp>
-      <p:sp>
-        <p:nvSpPr>
-          <p:cNvPr id="21" name="矩形 20"/>
-          <p:cNvSpPr/>
-          <p:nvPr/>
-        </p:nvSpPr>
-        <p:spPr>
-          <a:xfrm>
-            <a:off x="1344023" y="764961"/>
-            <a:ext cx="2196435" cy="261610"/>
-          </a:xfrm>
-          <a:prstGeom prst="rect">
-            <a:avLst/>
-          </a:prstGeom>
-        </p:spPr>
-        <p:txBody>
-          <a:bodyPr wrap="none">
-            <a:spAutoFit/>
-          </a:bodyPr>
-          <a:lstStyle/>
-          <a:p>
-            <a:r>
-              <a:rPr lang="en-US" altLang="zh-CN" sz="1100" dirty="0">
-                <a:solidFill>
-                  <a:schemeClr val="bg1">
-                    <a:lumMod val="50000"/>
-                  </a:schemeClr>
-                </a:solidFill>
-              </a:rPr>
-              <a:t>Lorem ipsum dolor sit </a:t>
-            </a:r>
-            <a:r>
-              <a:rPr lang="en-US" altLang="zh-CN" sz="1100" dirty="0" err="1">
-                <a:solidFill>
-                  <a:schemeClr val="bg1">
-                    <a:lumMod val="50000"/>
-                  </a:schemeClr>
-                </a:solidFill>
-              </a:rPr>
-              <a:t>amet</a:t>
-            </a:r>
-            <a:r>
-              <a:rPr lang="en-US" altLang="zh-CN" sz="1100" dirty="0">
-                <a:solidFill>
-                  <a:schemeClr val="bg1">
-                    <a:lumMod val="50000"/>
-                  </a:schemeClr>
-                </a:solidFill>
-              </a:rPr>
-              <a:t> </a:t>
-            </a:r>
-            <a:r>
-              <a:rPr lang="en-US" altLang="zh-CN" sz="1100" dirty="0" err="1">
-                <a:solidFill>
-                  <a:schemeClr val="bg1">
-                    <a:lumMod val="50000"/>
-                  </a:schemeClr>
-                </a:solidFill>
-              </a:rPr>
-              <a:t>kolor</a:t>
-            </a:r>
-            <a:endParaRPr lang="zh-CN" altLang="en-US" sz="1100" dirty="0">
-              <a:solidFill>
-                <a:schemeClr val="bg1">
-                  <a:lumMod val="50000"/>
-                </a:schemeClr>
-              </a:solidFill>
-            </a:endParaRPr>
+              <a:rPr lang="zh-CN" altLang="en-US" sz="2000" b="1" dirty="0"/>
+              <a:t>任意曲线拟合</a:t>
+            </a:r>
           </a:p>
         </p:txBody>
       </p:sp>
     </p:spTree>
     <p:extLst>
       <p:ext uri="{BB962C8B-B14F-4D97-AF65-F5344CB8AC3E}">
-        <p14:creationId xmlns:p14="http://schemas.microsoft.com/office/powerpoint/2010/main" val="403233064"/>
+        <p14:creationId xmlns:p14="http://schemas.microsoft.com/office/powerpoint/2010/main" val="1983895934"/>
       </p:ext>
     </p:extLst>
   </p:cSld>
@@ -7777,16 +7932,16 @@
       </p:grpSpPr>
       <p:sp>
         <p:nvSpPr>
-          <p:cNvPr id="4" name="椭圆 3"/>
-          <p:cNvSpPr/>
-          <p:nvPr/>
-        </p:nvSpPr>
-        <p:spPr>
-          <a:xfrm>
-            <a:off x="1615440" y="2057400"/>
-            <a:ext cx="2453640" cy="2453640"/>
-          </a:xfrm>
-          <a:prstGeom prst="ellipse">
+          <p:cNvPr id="3" name="矩形 2"/>
+          <p:cNvSpPr/>
+          <p:nvPr/>
+        </p:nvSpPr>
+        <p:spPr>
+          <a:xfrm>
+            <a:off x="811369" y="1899633"/>
+            <a:ext cx="5067837" cy="1506829"/>
+          </a:xfrm>
+          <a:prstGeom prst="rect">
             <a:avLst/>
           </a:prstGeom>
           <a:solidFill>
@@ -7819,22 +7974,26 @@
           <a:lstStyle/>
           <a:p>
             <a:pPr algn="ctr"/>
-            <a:endParaRPr lang="zh-CN" altLang="en-US"/>
-          </a:p>
-        </p:txBody>
-      </p:sp>
-      <p:sp>
-        <p:nvSpPr>
-          <p:cNvPr id="5" name="椭圆 4"/>
-          <p:cNvSpPr/>
-          <p:nvPr/>
-        </p:nvSpPr>
-        <p:spPr>
-          <a:xfrm>
-            <a:off x="3276495" y="3718455"/>
-            <a:ext cx="792585" cy="792585"/>
-          </a:xfrm>
-          <a:prstGeom prst="ellipse">
+            <a:endParaRPr lang="zh-CN" altLang="en-US">
+              <a:solidFill>
+                <a:schemeClr val="bg1"/>
+              </a:solidFill>
+            </a:endParaRPr>
+          </a:p>
+        </p:txBody>
+      </p:sp>
+      <p:sp>
+        <p:nvSpPr>
+          <p:cNvPr id="4" name="矩形 3"/>
+          <p:cNvSpPr/>
+          <p:nvPr/>
+        </p:nvSpPr>
+        <p:spPr>
+          <a:xfrm>
+            <a:off x="811369" y="3774604"/>
+            <a:ext cx="5067837" cy="1506829"/>
+          </a:xfrm>
+          <a:prstGeom prst="rect">
             <a:avLst/>
           </a:prstGeom>
           <a:solidFill>
@@ -7867,110 +8026,216 @@
           <a:lstStyle/>
           <a:p>
             <a:pPr algn="ctr"/>
-            <a:endParaRPr lang="zh-CN" altLang="en-US"/>
-          </a:p>
-        </p:txBody>
-      </p:sp>
-      <p:sp>
-        <p:nvSpPr>
-          <p:cNvPr id="6" name="MH_Others_1"/>
-          <p:cNvSpPr txBox="1"/>
-          <p:nvPr>
-            <p:custDataLst>
-              <p:tags r:id="rId1"/>
-            </p:custDataLst>
-          </p:nvPr>
-        </p:nvSpPr>
-        <p:spPr>
-          <a:xfrm>
-            <a:off x="864526" y="2860251"/>
-            <a:ext cx="3955467" cy="847938"/>
-          </a:xfrm>
-          <a:prstGeom prst="rect">
-            <a:avLst/>
-          </a:prstGeom>
-          <a:noFill/>
-        </p:spPr>
-        <p:txBody>
-          <a:bodyPr wrap="square" rtlCol="0">
-            <a:noAutofit/>
-          </a:bodyPr>
-          <a:lstStyle/>
-          <a:p>
-            <a:pPr algn="ctr"/>
-            <a:r>
-              <a:rPr lang="en-US" altLang="zh-CN" sz="4400" dirty="0">
-                <a:solidFill>
-                  <a:schemeClr val="bg1"/>
-                </a:solidFill>
-                <a:effectLst>
-                  <a:outerShdw blurRad="38100" dist="38100" dir="2700000" algn="tl">
-                    <a:srgbClr val="000000">
-                      <a:alpha val="43137"/>
-                    </a:srgbClr>
-                  </a:outerShdw>
-                </a:effectLst>
-                <a:latin typeface="+mj-lt"/>
-                <a:cs typeface="Arial" pitchFamily="34" charset="0"/>
-              </a:rPr>
-              <a:t>PART 3</a:t>
-            </a:r>
-            <a:endParaRPr lang="zh-CN" altLang="en-US" sz="4400" dirty="0">
+            <a:endParaRPr lang="zh-CN" altLang="en-US">
               <a:solidFill>
                 <a:schemeClr val="bg1"/>
               </a:solidFill>
-              <a:effectLst>
-                <a:outerShdw blurRad="38100" dist="38100" dir="2700000" algn="tl">
-                  <a:srgbClr val="000000">
-                    <a:alpha val="43137"/>
-                  </a:srgbClr>
-                </a:outerShdw>
-              </a:effectLst>
-              <a:latin typeface="+mj-lt"/>
-              <a:cs typeface="Arial" pitchFamily="34" charset="0"/>
             </a:endParaRPr>
           </a:p>
         </p:txBody>
       </p:sp>
       <p:sp>
         <p:nvSpPr>
-          <p:cNvPr id="8" name="文本框 7"/>
-          <p:cNvSpPr txBox="1"/>
-          <p:nvPr/>
-        </p:nvSpPr>
-        <p:spPr>
-          <a:xfrm>
-            <a:off x="4819992" y="3487622"/>
-            <a:ext cx="6318345" cy="461665"/>
-          </a:xfrm>
-          <a:prstGeom prst="rect">
-            <a:avLst/>
-          </a:prstGeom>
-          <a:noFill/>
-        </p:spPr>
-        <p:txBody>
-          <a:bodyPr wrap="square" rtlCol="0">
-            <a:spAutoFit/>
-          </a:bodyPr>
-          <a:lstStyle/>
-          <a:p>
-            <a:r>
-              <a:rPr lang="zh-CN" altLang="en-US" sz="1200" dirty="0"/>
-              <a:t>思考一下，你真的会解方程吗？至今为此你是否都是在无脑的套公式进行求根？本节内容带你学习如何利用各种奇技淫巧进行</a:t>
-            </a:r>
-          </a:p>
-        </p:txBody>
-      </p:sp>
-      <p:sp>
-        <p:nvSpPr>
-          <p:cNvPr id="2" name="矩形 1"/>
-          <p:cNvSpPr/>
-          <p:nvPr/>
-        </p:nvSpPr>
-        <p:spPr>
-          <a:xfrm>
-            <a:off x="4819993" y="3040204"/>
-            <a:ext cx="1723549" cy="400110"/>
+          <p:cNvPr id="7" name="矩形 6"/>
+          <p:cNvSpPr/>
+          <p:nvPr/>
+        </p:nvSpPr>
+        <p:spPr>
+          <a:xfrm>
+            <a:off x="6304209" y="3774604"/>
+            <a:ext cx="5067837" cy="1506829"/>
+          </a:xfrm>
+          <a:prstGeom prst="rect">
+            <a:avLst/>
+          </a:prstGeom>
+          <a:solidFill>
+            <a:srgbClr val="48A2A0">
+              <a:alpha val="70000"/>
+            </a:srgbClr>
+          </a:solidFill>
+          <a:ln>
+            <a:noFill/>
+          </a:ln>
+        </p:spPr>
+        <p:style>
+          <a:lnRef idx="2">
+            <a:schemeClr val="accent1">
+              <a:shade val="50000"/>
+            </a:schemeClr>
+          </a:lnRef>
+          <a:fillRef idx="1">
+            <a:schemeClr val="accent1"/>
+          </a:fillRef>
+          <a:effectRef idx="0">
+            <a:schemeClr val="accent1"/>
+          </a:effectRef>
+          <a:fontRef idx="minor">
+            <a:schemeClr val="lt1"/>
+          </a:fontRef>
+        </p:style>
+        <p:txBody>
+          <a:bodyPr rtlCol="0" anchor="ctr"/>
+          <a:lstStyle/>
+          <a:p>
+            <a:pPr algn="ctr"/>
+            <a:endParaRPr lang="zh-CN" altLang="en-US"/>
+          </a:p>
+        </p:txBody>
+      </p:sp>
+      <p:sp>
+        <p:nvSpPr>
+          <p:cNvPr id="8" name="矩形 7"/>
+          <p:cNvSpPr/>
+          <p:nvPr/>
+        </p:nvSpPr>
+        <p:spPr>
+          <a:xfrm>
+            <a:off x="6304209" y="1899633"/>
+            <a:ext cx="5067837" cy="1506829"/>
+          </a:xfrm>
+          <a:prstGeom prst="rect">
+            <a:avLst/>
+          </a:prstGeom>
+          <a:solidFill>
+            <a:srgbClr val="6C92C0">
+              <a:alpha val="70000"/>
+            </a:srgbClr>
+          </a:solidFill>
+          <a:ln>
+            <a:noFill/>
+          </a:ln>
+        </p:spPr>
+        <p:style>
+          <a:lnRef idx="2">
+            <a:schemeClr val="accent1">
+              <a:shade val="50000"/>
+            </a:schemeClr>
+          </a:lnRef>
+          <a:fillRef idx="1">
+            <a:schemeClr val="accent1"/>
+          </a:fillRef>
+          <a:effectRef idx="0">
+            <a:schemeClr val="accent1"/>
+          </a:effectRef>
+          <a:fontRef idx="minor">
+            <a:schemeClr val="lt1"/>
+          </a:fontRef>
+        </p:style>
+        <p:txBody>
+          <a:bodyPr rtlCol="0" anchor="ctr"/>
+          <a:lstStyle/>
+          <a:p>
+            <a:pPr algn="ctr"/>
+            <a:endParaRPr lang="zh-CN" altLang="en-US"/>
+          </a:p>
+        </p:txBody>
+      </p:sp>
+      <p:sp>
+        <p:nvSpPr>
+          <p:cNvPr id="17" name="椭圆 16"/>
+          <p:cNvSpPr/>
+          <p:nvPr/>
+        </p:nvSpPr>
+        <p:spPr>
+          <a:xfrm>
+            <a:off x="-1226820" y="-1346917"/>
+            <a:ext cx="2453640" cy="2453640"/>
+          </a:xfrm>
+          <a:prstGeom prst="ellipse">
+            <a:avLst/>
+          </a:prstGeom>
+          <a:solidFill>
+            <a:srgbClr val="48A2A0">
+              <a:alpha val="70000"/>
+            </a:srgbClr>
+          </a:solidFill>
+          <a:ln>
+            <a:noFill/>
+          </a:ln>
+        </p:spPr>
+        <p:style>
+          <a:lnRef idx="2">
+            <a:schemeClr val="accent1">
+              <a:shade val="50000"/>
+            </a:schemeClr>
+          </a:lnRef>
+          <a:fillRef idx="1">
+            <a:schemeClr val="accent1"/>
+          </a:fillRef>
+          <a:effectRef idx="0">
+            <a:schemeClr val="accent1"/>
+          </a:effectRef>
+          <a:fontRef idx="minor">
+            <a:schemeClr val="lt1"/>
+          </a:fontRef>
+        </p:style>
+        <p:txBody>
+          <a:bodyPr rtlCol="0" anchor="ctr"/>
+          <a:lstStyle/>
+          <a:p>
+            <a:pPr algn="ctr"/>
+            <a:endParaRPr lang="zh-CN" altLang="en-US"/>
+          </a:p>
+        </p:txBody>
+      </p:sp>
+      <p:sp>
+        <p:nvSpPr>
+          <p:cNvPr id="18" name="椭圆 17"/>
+          <p:cNvSpPr/>
+          <p:nvPr/>
+        </p:nvSpPr>
+        <p:spPr>
+          <a:xfrm>
+            <a:off x="434235" y="314138"/>
+            <a:ext cx="792585" cy="792585"/>
+          </a:xfrm>
+          <a:prstGeom prst="ellipse">
+            <a:avLst/>
+          </a:prstGeom>
+          <a:solidFill>
+            <a:srgbClr val="6C92C0">
+              <a:alpha val="70000"/>
+            </a:srgbClr>
+          </a:solidFill>
+          <a:ln>
+            <a:noFill/>
+          </a:ln>
+        </p:spPr>
+        <p:style>
+          <a:lnRef idx="2">
+            <a:schemeClr val="accent1">
+              <a:shade val="50000"/>
+            </a:schemeClr>
+          </a:lnRef>
+          <a:fillRef idx="1">
+            <a:schemeClr val="accent1"/>
+          </a:fillRef>
+          <a:effectRef idx="0">
+            <a:schemeClr val="accent1"/>
+          </a:effectRef>
+          <a:fontRef idx="minor">
+            <a:schemeClr val="lt1"/>
+          </a:fontRef>
+        </p:style>
+        <p:txBody>
+          <a:bodyPr rtlCol="0" anchor="ctr"/>
+          <a:lstStyle/>
+          <a:p>
+            <a:pPr algn="ctr"/>
+            <a:endParaRPr lang="zh-CN" altLang="en-US"/>
+          </a:p>
+        </p:txBody>
+      </p:sp>
+      <p:sp>
+        <p:nvSpPr>
+          <p:cNvPr id="20" name="矩形 19"/>
+          <p:cNvSpPr/>
+          <p:nvPr/>
+        </p:nvSpPr>
+        <p:spPr>
+          <a:xfrm>
+            <a:off x="1344023" y="448348"/>
+            <a:ext cx="1701107" cy="400110"/>
           </a:xfrm>
           <a:prstGeom prst="rect">
             <a:avLst/>
@@ -7983,16 +8248,102 @@
           <a:lstStyle/>
           <a:p>
             <a:r>
-              <a:rPr lang="zh-CN" altLang="en-US" sz="2000" b="1" dirty="0"/>
-              <a:t>任意函数求积</a:t>
-            </a:r>
+              <a:rPr lang="en-US" altLang="zh-CN" sz="2000" b="1" dirty="0">
+                <a:solidFill>
+                  <a:schemeClr val="tx1">
+                    <a:lumMod val="75000"/>
+                    <a:lumOff val="25000"/>
+                  </a:schemeClr>
+                </a:solidFill>
+              </a:rPr>
+              <a:t>Lorem ipsum</a:t>
+            </a:r>
+            <a:endParaRPr lang="zh-CN" altLang="en-US" sz="2000" b="1" dirty="0">
+              <a:solidFill>
+                <a:schemeClr val="tx1">
+                  <a:lumMod val="75000"/>
+                  <a:lumOff val="25000"/>
+                </a:schemeClr>
+              </a:solidFill>
+            </a:endParaRPr>
+          </a:p>
+        </p:txBody>
+      </p:sp>
+      <p:sp>
+        <p:nvSpPr>
+          <p:cNvPr id="21" name="矩形 20"/>
+          <p:cNvSpPr/>
+          <p:nvPr/>
+        </p:nvSpPr>
+        <p:spPr>
+          <a:xfrm>
+            <a:off x="1344023" y="764961"/>
+            <a:ext cx="2196435" cy="261610"/>
+          </a:xfrm>
+          <a:prstGeom prst="rect">
+            <a:avLst/>
+          </a:prstGeom>
+        </p:spPr>
+        <p:txBody>
+          <a:bodyPr wrap="none">
+            <a:spAutoFit/>
+          </a:bodyPr>
+          <a:lstStyle/>
+          <a:p>
+            <a:r>
+              <a:rPr lang="en-US" altLang="zh-CN" sz="1100" dirty="0">
+                <a:solidFill>
+                  <a:schemeClr val="bg1">
+                    <a:lumMod val="50000"/>
+                  </a:schemeClr>
+                </a:solidFill>
+              </a:rPr>
+              <a:t>Lorem ipsum dolor sit </a:t>
+            </a:r>
+            <a:r>
+              <a:rPr lang="en-US" altLang="zh-CN" sz="1100" dirty="0" err="1">
+                <a:solidFill>
+                  <a:schemeClr val="bg1">
+                    <a:lumMod val="50000"/>
+                  </a:schemeClr>
+                </a:solidFill>
+              </a:rPr>
+              <a:t>amet</a:t>
+            </a:r>
+            <a:r>
+              <a:rPr lang="en-US" altLang="zh-CN" sz="1100" dirty="0">
+                <a:solidFill>
+                  <a:schemeClr val="bg1">
+                    <a:lumMod val="50000"/>
+                  </a:schemeClr>
+                </a:solidFill>
+              </a:rPr>
+              <a:t> </a:t>
+            </a:r>
+            <a:r>
+              <a:rPr lang="en-US" altLang="zh-CN" sz="1100" dirty="0" err="1">
+                <a:solidFill>
+                  <a:schemeClr val="bg1">
+                    <a:lumMod val="50000"/>
+                  </a:schemeClr>
+                </a:solidFill>
+              </a:rPr>
+              <a:t>kolor</a:t>
+            </a:r>
+            <a:endParaRPr lang="zh-CN" altLang="en-US" sz="1100" dirty="0">
+              <a:solidFill>
+                <a:schemeClr val="bg1">
+                  <a:lumMod val="50000"/>
+                </a:schemeClr>
+              </a:solidFill>
+            </a:endParaRPr>
           </a:p>
         </p:txBody>
       </p:sp>
     </p:spTree>
     <p:extLst>
       <p:ext uri="{BB962C8B-B14F-4D97-AF65-F5344CB8AC3E}">
-        <p14:creationId xmlns:p14="http://schemas.microsoft.com/office/powerpoint/2010/main" val="1017150627"/>
+        <p14:creationId xmlns:p14="http://schemas.microsoft.com/office/powerpoint/2010/main" val="403233064"/>
       </p:ext>
     </p:extLst>
   </p:cSld>

--- a/PPT/Numerical Analysis.pptx
+++ b/PPT/Numerical Analysis.pptx
@@ -5,7 +5,7 @@
     <p:sldMasterId id="2147483648" r:id="rId1"/>
   </p:sldMasterIdLst>
   <p:notesMasterIdLst>
-    <p:notesMasterId r:id="rId20"/>
+    <p:notesMasterId r:id="rId23"/>
   </p:notesMasterIdLst>
   <p:sldIdLst>
     <p:sldId id="258" r:id="rId2"/>
@@ -13,47 +13,54 @@
     <p:sldId id="277" r:id="rId4"/>
     <p:sldId id="282" r:id="rId5"/>
     <p:sldId id="289" r:id="rId6"/>
-    <p:sldId id="260" r:id="rId7"/>
-    <p:sldId id="283" r:id="rId8"/>
-    <p:sldId id="278" r:id="rId9"/>
-    <p:sldId id="284" r:id="rId10"/>
-    <p:sldId id="279" r:id="rId11"/>
-    <p:sldId id="285" r:id="rId12"/>
-    <p:sldId id="280" r:id="rId13"/>
-    <p:sldId id="286" r:id="rId14"/>
-    <p:sldId id="281" r:id="rId15"/>
-    <p:sldId id="287" r:id="rId16"/>
-    <p:sldId id="274" r:id="rId17"/>
-    <p:sldId id="259" r:id="rId18"/>
-    <p:sldId id="276" r:id="rId19"/>
+    <p:sldId id="292" r:id="rId7"/>
+    <p:sldId id="260" r:id="rId8"/>
+    <p:sldId id="290" r:id="rId9"/>
+    <p:sldId id="291" r:id="rId10"/>
+    <p:sldId id="283" r:id="rId11"/>
+    <p:sldId id="278" r:id="rId12"/>
+    <p:sldId id="284" r:id="rId13"/>
+    <p:sldId id="279" r:id="rId14"/>
+    <p:sldId id="285" r:id="rId15"/>
+    <p:sldId id="280" r:id="rId16"/>
+    <p:sldId id="286" r:id="rId17"/>
+    <p:sldId id="281" r:id="rId18"/>
+    <p:sldId id="287" r:id="rId19"/>
+    <p:sldId id="274" r:id="rId20"/>
+    <p:sldId id="259" r:id="rId21"/>
+    <p:sldId id="276" r:id="rId22"/>
   </p:sldIdLst>
   <p:sldSz cx="12192000" cy="6858000"/>
   <p:notesSz cx="6858000" cy="9144000"/>
   <p:embeddedFontLst>
     <p:embeddedFont>
+      <p:font typeface="Cambria Math" panose="02040503050406030204" pitchFamily="18" charset="0"/>
+      <p:regular r:id="rId24"/>
+    </p:embeddedFont>
+    <p:embeddedFont>
       <p:font typeface="Comic Sans MS" panose="030F0702030302020204" pitchFamily="66" charset="0"/>
-      <p:regular r:id="rId21"/>
-      <p:bold r:id="rId22"/>
-      <p:italic r:id="rId23"/>
-      <p:boldItalic r:id="rId24"/>
+      <p:regular r:id="rId25"/>
+      <p:bold r:id="rId26"/>
+      <p:italic r:id="rId27"/>
+      <p:boldItalic r:id="rId28"/>
     </p:embeddedFont>
     <p:embeddedFont>
       <p:font typeface="等线" panose="02010600030101010101" pitchFamily="2" charset="-122"/>
-      <p:regular r:id="rId25"/>
-      <p:bold r:id="rId26"/>
+      <p:regular r:id="rId29"/>
+      <p:bold r:id="rId30"/>
     </p:embeddedFont>
     <p:embeddedFont>
       <p:font typeface="等线 Light" panose="02010600030101010101" pitchFamily="2" charset="-122"/>
-      <p:regular r:id="rId27"/>
+      <p:regular r:id="rId31"/>
     </p:embeddedFont>
     <p:embeddedFont>
       <p:font typeface="手写字体" panose="02000600000000000000" pitchFamily="2" charset="-122"/>
-      <p:regular r:id="rId28"/>
+      <p:regular r:id="rId32"/>
     </p:embeddedFont>
     <p:embeddedFont>
       <p:font typeface="微软雅黑" panose="020B0503020204020204" pitchFamily="34" charset="-122"/>
-      <p:regular r:id="rId29"/>
-      <p:bold r:id="rId30"/>
+      <p:regular r:id="rId33"/>
+      <p:bold r:id="rId34"/>
     </p:embeddedFont>
   </p:embeddedFontLst>
   <p:defaultTextStyle>
@@ -1435,16 +1442,16 @@
       </p:grpSpPr>
       <p:sp>
         <p:nvSpPr>
-          <p:cNvPr id="4" name="椭圆 3"/>
-          <p:cNvSpPr/>
-          <p:nvPr/>
-        </p:nvSpPr>
-        <p:spPr>
-          <a:xfrm>
-            <a:off x="1615440" y="2057400"/>
-            <a:ext cx="2453640" cy="2453640"/>
-          </a:xfrm>
-          <a:prstGeom prst="ellipse">
+          <p:cNvPr id="3" name="矩形 2"/>
+          <p:cNvSpPr/>
+          <p:nvPr/>
+        </p:nvSpPr>
+        <p:spPr>
+          <a:xfrm>
+            <a:off x="811369" y="1899633"/>
+            <a:ext cx="5067837" cy="1506829"/>
+          </a:xfrm>
+          <a:prstGeom prst="rect">
             <a:avLst/>
           </a:prstGeom>
           <a:solidFill>
@@ -1477,22 +1484,26 @@
           <a:lstStyle/>
           <a:p>
             <a:pPr algn="ctr"/>
-            <a:endParaRPr lang="zh-CN" altLang="en-US"/>
-          </a:p>
-        </p:txBody>
-      </p:sp>
-      <p:sp>
-        <p:nvSpPr>
-          <p:cNvPr id="5" name="椭圆 4"/>
-          <p:cNvSpPr/>
-          <p:nvPr/>
-        </p:nvSpPr>
-        <p:spPr>
-          <a:xfrm>
-            <a:off x="3276495" y="3718455"/>
-            <a:ext cx="792585" cy="792585"/>
-          </a:xfrm>
-          <a:prstGeom prst="ellipse">
+            <a:endParaRPr lang="zh-CN" altLang="en-US">
+              <a:solidFill>
+                <a:schemeClr val="bg1"/>
+              </a:solidFill>
+            </a:endParaRPr>
+          </a:p>
+        </p:txBody>
+      </p:sp>
+      <p:sp>
+        <p:nvSpPr>
+          <p:cNvPr id="4" name="矩形 3"/>
+          <p:cNvSpPr/>
+          <p:nvPr/>
+        </p:nvSpPr>
+        <p:spPr>
+          <a:xfrm>
+            <a:off x="811369" y="3774604"/>
+            <a:ext cx="5067837" cy="1506829"/>
+          </a:xfrm>
+          <a:prstGeom prst="rect">
             <a:avLst/>
           </a:prstGeom>
           <a:solidFill>
@@ -1525,110 +1536,216 @@
           <a:lstStyle/>
           <a:p>
             <a:pPr algn="ctr"/>
-            <a:endParaRPr lang="zh-CN" altLang="en-US"/>
-          </a:p>
-        </p:txBody>
-      </p:sp>
-      <p:sp>
-        <p:nvSpPr>
-          <p:cNvPr id="6" name="MH_Others_1"/>
-          <p:cNvSpPr txBox="1"/>
-          <p:nvPr>
-            <p:custDataLst>
-              <p:tags r:id="rId1"/>
-            </p:custDataLst>
-          </p:nvPr>
-        </p:nvSpPr>
-        <p:spPr>
-          <a:xfrm>
-            <a:off x="864526" y="2860251"/>
-            <a:ext cx="3955467" cy="847938"/>
-          </a:xfrm>
-          <a:prstGeom prst="rect">
-            <a:avLst/>
-          </a:prstGeom>
-          <a:noFill/>
-        </p:spPr>
-        <p:txBody>
-          <a:bodyPr wrap="square" rtlCol="0">
-            <a:noAutofit/>
-          </a:bodyPr>
-          <a:lstStyle/>
-          <a:p>
-            <a:pPr algn="ctr"/>
-            <a:r>
-              <a:rPr lang="en-US" altLang="zh-CN" sz="4400" dirty="0">
-                <a:solidFill>
-                  <a:schemeClr val="bg1"/>
-                </a:solidFill>
-                <a:effectLst>
-                  <a:outerShdw blurRad="38100" dist="38100" dir="2700000" algn="tl">
-                    <a:srgbClr val="000000">
-                      <a:alpha val="43137"/>
-                    </a:srgbClr>
-                  </a:outerShdw>
-                </a:effectLst>
-                <a:latin typeface="+mj-lt"/>
-                <a:cs typeface="Arial" pitchFamily="34" charset="0"/>
-              </a:rPr>
-              <a:t>PART 3</a:t>
-            </a:r>
-            <a:endParaRPr lang="zh-CN" altLang="en-US" sz="4400" dirty="0">
+            <a:endParaRPr lang="zh-CN" altLang="en-US">
               <a:solidFill>
                 <a:schemeClr val="bg1"/>
               </a:solidFill>
-              <a:effectLst>
-                <a:outerShdw blurRad="38100" dist="38100" dir="2700000" algn="tl">
-                  <a:srgbClr val="000000">
-                    <a:alpha val="43137"/>
-                  </a:srgbClr>
-                </a:outerShdw>
-              </a:effectLst>
-              <a:latin typeface="+mj-lt"/>
-              <a:cs typeface="Arial" pitchFamily="34" charset="0"/>
             </a:endParaRPr>
           </a:p>
         </p:txBody>
       </p:sp>
       <p:sp>
         <p:nvSpPr>
-          <p:cNvPr id="8" name="文本框 7"/>
-          <p:cNvSpPr txBox="1"/>
-          <p:nvPr/>
-        </p:nvSpPr>
-        <p:spPr>
-          <a:xfrm>
-            <a:off x="4819992" y="3487622"/>
-            <a:ext cx="6318345" cy="461665"/>
-          </a:xfrm>
-          <a:prstGeom prst="rect">
-            <a:avLst/>
-          </a:prstGeom>
-          <a:noFill/>
-        </p:spPr>
-        <p:txBody>
-          <a:bodyPr wrap="square" rtlCol="0">
-            <a:spAutoFit/>
-          </a:bodyPr>
-          <a:lstStyle/>
-          <a:p>
-            <a:r>
-              <a:rPr lang="zh-CN" altLang="en-US" sz="1200" dirty="0"/>
-              <a:t>思考一下，你真的会解方程吗？至今为此你是否都是在无脑的套公式进行求根？本节内容带你学习如何利用各种奇技淫巧进行</a:t>
-            </a:r>
-          </a:p>
-        </p:txBody>
-      </p:sp>
-      <p:sp>
-        <p:nvSpPr>
-          <p:cNvPr id="2" name="矩形 1"/>
-          <p:cNvSpPr/>
-          <p:nvPr/>
-        </p:nvSpPr>
-        <p:spPr>
-          <a:xfrm>
-            <a:off x="4819993" y="3040204"/>
-            <a:ext cx="1723549" cy="400110"/>
+          <p:cNvPr id="7" name="矩形 6"/>
+          <p:cNvSpPr/>
+          <p:nvPr/>
+        </p:nvSpPr>
+        <p:spPr>
+          <a:xfrm>
+            <a:off x="6304209" y="3774604"/>
+            <a:ext cx="5067837" cy="1506829"/>
+          </a:xfrm>
+          <a:prstGeom prst="rect">
+            <a:avLst/>
+          </a:prstGeom>
+          <a:solidFill>
+            <a:srgbClr val="48A2A0">
+              <a:alpha val="70000"/>
+            </a:srgbClr>
+          </a:solidFill>
+          <a:ln>
+            <a:noFill/>
+          </a:ln>
+        </p:spPr>
+        <p:style>
+          <a:lnRef idx="2">
+            <a:schemeClr val="accent1">
+              <a:shade val="50000"/>
+            </a:schemeClr>
+          </a:lnRef>
+          <a:fillRef idx="1">
+            <a:schemeClr val="accent1"/>
+          </a:fillRef>
+          <a:effectRef idx="0">
+            <a:schemeClr val="accent1"/>
+          </a:effectRef>
+          <a:fontRef idx="minor">
+            <a:schemeClr val="lt1"/>
+          </a:fontRef>
+        </p:style>
+        <p:txBody>
+          <a:bodyPr rtlCol="0" anchor="ctr"/>
+          <a:lstStyle/>
+          <a:p>
+            <a:pPr algn="ctr"/>
+            <a:endParaRPr lang="zh-CN" altLang="en-US"/>
+          </a:p>
+        </p:txBody>
+      </p:sp>
+      <p:sp>
+        <p:nvSpPr>
+          <p:cNvPr id="8" name="矩形 7"/>
+          <p:cNvSpPr/>
+          <p:nvPr/>
+        </p:nvSpPr>
+        <p:spPr>
+          <a:xfrm>
+            <a:off x="6304209" y="1899633"/>
+            <a:ext cx="5067837" cy="1506829"/>
+          </a:xfrm>
+          <a:prstGeom prst="rect">
+            <a:avLst/>
+          </a:prstGeom>
+          <a:solidFill>
+            <a:srgbClr val="6C92C0">
+              <a:alpha val="70000"/>
+            </a:srgbClr>
+          </a:solidFill>
+          <a:ln>
+            <a:noFill/>
+          </a:ln>
+        </p:spPr>
+        <p:style>
+          <a:lnRef idx="2">
+            <a:schemeClr val="accent1">
+              <a:shade val="50000"/>
+            </a:schemeClr>
+          </a:lnRef>
+          <a:fillRef idx="1">
+            <a:schemeClr val="accent1"/>
+          </a:fillRef>
+          <a:effectRef idx="0">
+            <a:schemeClr val="accent1"/>
+          </a:effectRef>
+          <a:fontRef idx="minor">
+            <a:schemeClr val="lt1"/>
+          </a:fontRef>
+        </p:style>
+        <p:txBody>
+          <a:bodyPr rtlCol="0" anchor="ctr"/>
+          <a:lstStyle/>
+          <a:p>
+            <a:pPr algn="ctr"/>
+            <a:endParaRPr lang="zh-CN" altLang="en-US"/>
+          </a:p>
+        </p:txBody>
+      </p:sp>
+      <p:sp>
+        <p:nvSpPr>
+          <p:cNvPr id="17" name="椭圆 16"/>
+          <p:cNvSpPr/>
+          <p:nvPr/>
+        </p:nvSpPr>
+        <p:spPr>
+          <a:xfrm>
+            <a:off x="-1226820" y="-1346917"/>
+            <a:ext cx="2453640" cy="2453640"/>
+          </a:xfrm>
+          <a:prstGeom prst="ellipse">
+            <a:avLst/>
+          </a:prstGeom>
+          <a:solidFill>
+            <a:srgbClr val="48A2A0">
+              <a:alpha val="70000"/>
+            </a:srgbClr>
+          </a:solidFill>
+          <a:ln>
+            <a:noFill/>
+          </a:ln>
+        </p:spPr>
+        <p:style>
+          <a:lnRef idx="2">
+            <a:schemeClr val="accent1">
+              <a:shade val="50000"/>
+            </a:schemeClr>
+          </a:lnRef>
+          <a:fillRef idx="1">
+            <a:schemeClr val="accent1"/>
+          </a:fillRef>
+          <a:effectRef idx="0">
+            <a:schemeClr val="accent1"/>
+          </a:effectRef>
+          <a:fontRef idx="minor">
+            <a:schemeClr val="lt1"/>
+          </a:fontRef>
+        </p:style>
+        <p:txBody>
+          <a:bodyPr rtlCol="0" anchor="ctr"/>
+          <a:lstStyle/>
+          <a:p>
+            <a:pPr algn="ctr"/>
+            <a:endParaRPr lang="zh-CN" altLang="en-US"/>
+          </a:p>
+        </p:txBody>
+      </p:sp>
+      <p:sp>
+        <p:nvSpPr>
+          <p:cNvPr id="18" name="椭圆 17"/>
+          <p:cNvSpPr/>
+          <p:nvPr/>
+        </p:nvSpPr>
+        <p:spPr>
+          <a:xfrm>
+            <a:off x="434235" y="314138"/>
+            <a:ext cx="792585" cy="792585"/>
+          </a:xfrm>
+          <a:prstGeom prst="ellipse">
+            <a:avLst/>
+          </a:prstGeom>
+          <a:solidFill>
+            <a:srgbClr val="6C92C0">
+              <a:alpha val="70000"/>
+            </a:srgbClr>
+          </a:solidFill>
+          <a:ln>
+            <a:noFill/>
+          </a:ln>
+        </p:spPr>
+        <p:style>
+          <a:lnRef idx="2">
+            <a:schemeClr val="accent1">
+              <a:shade val="50000"/>
+            </a:schemeClr>
+          </a:lnRef>
+          <a:fillRef idx="1">
+            <a:schemeClr val="accent1"/>
+          </a:fillRef>
+          <a:effectRef idx="0">
+            <a:schemeClr val="accent1"/>
+          </a:effectRef>
+          <a:fontRef idx="minor">
+            <a:schemeClr val="lt1"/>
+          </a:fontRef>
+        </p:style>
+        <p:txBody>
+          <a:bodyPr rtlCol="0" anchor="ctr"/>
+          <a:lstStyle/>
+          <a:p>
+            <a:pPr algn="ctr"/>
+            <a:endParaRPr lang="zh-CN" altLang="en-US"/>
+          </a:p>
+        </p:txBody>
+      </p:sp>
+      <p:sp>
+        <p:nvSpPr>
+          <p:cNvPr id="20" name="矩形 19"/>
+          <p:cNvSpPr/>
+          <p:nvPr/>
+        </p:nvSpPr>
+        <p:spPr>
+          <a:xfrm>
+            <a:off x="1344023" y="448348"/>
+            <a:ext cx="1701107" cy="400110"/>
           </a:xfrm>
           <a:prstGeom prst="rect">
             <a:avLst/>
@@ -1641,16 +1758,102 @@
           <a:lstStyle/>
           <a:p>
             <a:r>
-              <a:rPr lang="zh-CN" altLang="en-US" sz="2000" b="1" dirty="0"/>
-              <a:t>任意函数求积</a:t>
-            </a:r>
+              <a:rPr lang="en-US" altLang="zh-CN" sz="2000" b="1" dirty="0">
+                <a:solidFill>
+                  <a:schemeClr val="tx1">
+                    <a:lumMod val="75000"/>
+                    <a:lumOff val="25000"/>
+                  </a:schemeClr>
+                </a:solidFill>
+              </a:rPr>
+              <a:t>Lorem ipsum</a:t>
+            </a:r>
+            <a:endParaRPr lang="zh-CN" altLang="en-US" sz="2000" b="1" dirty="0">
+              <a:solidFill>
+                <a:schemeClr val="tx1">
+                  <a:lumMod val="75000"/>
+                  <a:lumOff val="25000"/>
+                </a:schemeClr>
+              </a:solidFill>
+            </a:endParaRPr>
+          </a:p>
+        </p:txBody>
+      </p:sp>
+      <p:sp>
+        <p:nvSpPr>
+          <p:cNvPr id="21" name="矩形 20"/>
+          <p:cNvSpPr/>
+          <p:nvPr/>
+        </p:nvSpPr>
+        <p:spPr>
+          <a:xfrm>
+            <a:off x="1344023" y="764961"/>
+            <a:ext cx="2196435" cy="261610"/>
+          </a:xfrm>
+          <a:prstGeom prst="rect">
+            <a:avLst/>
+          </a:prstGeom>
+        </p:spPr>
+        <p:txBody>
+          <a:bodyPr wrap="none">
+            <a:spAutoFit/>
+          </a:bodyPr>
+          <a:lstStyle/>
+          <a:p>
+            <a:r>
+              <a:rPr lang="en-US" altLang="zh-CN" sz="1100" dirty="0">
+                <a:solidFill>
+                  <a:schemeClr val="bg1">
+                    <a:lumMod val="50000"/>
+                  </a:schemeClr>
+                </a:solidFill>
+              </a:rPr>
+              <a:t>Lorem ipsum dolor sit </a:t>
+            </a:r>
+            <a:r>
+              <a:rPr lang="en-US" altLang="zh-CN" sz="1100" dirty="0" err="1">
+                <a:solidFill>
+                  <a:schemeClr val="bg1">
+                    <a:lumMod val="50000"/>
+                  </a:schemeClr>
+                </a:solidFill>
+              </a:rPr>
+              <a:t>amet</a:t>
+            </a:r>
+            <a:r>
+              <a:rPr lang="en-US" altLang="zh-CN" sz="1100" dirty="0">
+                <a:solidFill>
+                  <a:schemeClr val="bg1">
+                    <a:lumMod val="50000"/>
+                  </a:schemeClr>
+                </a:solidFill>
+              </a:rPr>
+              <a:t> </a:t>
+            </a:r>
+            <a:r>
+              <a:rPr lang="en-US" altLang="zh-CN" sz="1100" dirty="0" err="1">
+                <a:solidFill>
+                  <a:schemeClr val="bg1">
+                    <a:lumMod val="50000"/>
+                  </a:schemeClr>
+                </a:solidFill>
+              </a:rPr>
+              <a:t>kolor</a:t>
+            </a:r>
+            <a:endParaRPr lang="zh-CN" altLang="en-US" sz="1100" dirty="0">
+              <a:solidFill>
+                <a:schemeClr val="bg1">
+                  <a:lumMod val="50000"/>
+                </a:schemeClr>
+              </a:solidFill>
+            </a:endParaRPr>
           </a:p>
         </p:txBody>
       </p:sp>
     </p:spTree>
     <p:extLst>
       <p:ext uri="{BB962C8B-B14F-4D97-AF65-F5344CB8AC3E}">
-        <p14:creationId xmlns:p14="http://schemas.microsoft.com/office/powerpoint/2010/main" val="1017150627"/>
+        <p14:creationId xmlns:p14="http://schemas.microsoft.com/office/powerpoint/2010/main" val="2834950261"/>
       </p:ext>
     </p:extLst>
   </p:cSld>
@@ -1679,16 +1882,16 @@
       </p:grpSpPr>
       <p:sp>
         <p:nvSpPr>
-          <p:cNvPr id="3" name="矩形 2"/>
-          <p:cNvSpPr/>
-          <p:nvPr/>
-        </p:nvSpPr>
-        <p:spPr>
-          <a:xfrm>
-            <a:off x="811369" y="1899633"/>
-            <a:ext cx="5067837" cy="1506829"/>
-          </a:xfrm>
-          <a:prstGeom prst="rect">
+          <p:cNvPr id="4" name="椭圆 3"/>
+          <p:cNvSpPr/>
+          <p:nvPr/>
+        </p:nvSpPr>
+        <p:spPr>
+          <a:xfrm>
+            <a:off x="1615440" y="2057400"/>
+            <a:ext cx="2453640" cy="2453640"/>
+          </a:xfrm>
+          <a:prstGeom prst="ellipse">
             <a:avLst/>
           </a:prstGeom>
           <a:solidFill>
@@ -1721,26 +1924,22 @@
           <a:lstStyle/>
           <a:p>
             <a:pPr algn="ctr"/>
-            <a:endParaRPr lang="zh-CN" altLang="en-US">
-              <a:solidFill>
-                <a:schemeClr val="bg1"/>
-              </a:solidFill>
-            </a:endParaRPr>
-          </a:p>
-        </p:txBody>
-      </p:sp>
-      <p:sp>
-        <p:nvSpPr>
-          <p:cNvPr id="4" name="矩形 3"/>
-          <p:cNvSpPr/>
-          <p:nvPr/>
-        </p:nvSpPr>
-        <p:spPr>
-          <a:xfrm>
-            <a:off x="811369" y="3774604"/>
-            <a:ext cx="5067837" cy="1506829"/>
-          </a:xfrm>
-          <a:prstGeom prst="rect">
+            <a:endParaRPr lang="zh-CN" altLang="en-US"/>
+          </a:p>
+        </p:txBody>
+      </p:sp>
+      <p:sp>
+        <p:nvSpPr>
+          <p:cNvPr id="5" name="椭圆 4"/>
+          <p:cNvSpPr/>
+          <p:nvPr/>
+        </p:nvSpPr>
+        <p:spPr>
+          <a:xfrm>
+            <a:off x="3276495" y="3718455"/>
+            <a:ext cx="792585" cy="792585"/>
+          </a:xfrm>
+          <a:prstGeom prst="ellipse">
             <a:avLst/>
           </a:prstGeom>
           <a:solidFill>
@@ -1773,216 +1972,110 @@
           <a:lstStyle/>
           <a:p>
             <a:pPr algn="ctr"/>
-            <a:endParaRPr lang="zh-CN" altLang="en-US">
+            <a:endParaRPr lang="zh-CN" altLang="en-US"/>
+          </a:p>
+        </p:txBody>
+      </p:sp>
+      <p:sp>
+        <p:nvSpPr>
+          <p:cNvPr id="6" name="MH_Others_1"/>
+          <p:cNvSpPr txBox="1"/>
+          <p:nvPr>
+            <p:custDataLst>
+              <p:tags r:id="rId1"/>
+            </p:custDataLst>
+          </p:nvPr>
+        </p:nvSpPr>
+        <p:spPr>
+          <a:xfrm>
+            <a:off x="864526" y="2860251"/>
+            <a:ext cx="3955467" cy="847938"/>
+          </a:xfrm>
+          <a:prstGeom prst="rect">
+            <a:avLst/>
+          </a:prstGeom>
+          <a:noFill/>
+        </p:spPr>
+        <p:txBody>
+          <a:bodyPr wrap="square" rtlCol="0">
+            <a:noAutofit/>
+          </a:bodyPr>
+          <a:lstStyle/>
+          <a:p>
+            <a:pPr algn="ctr"/>
+            <a:r>
+              <a:rPr lang="en-US" altLang="zh-CN" sz="4400" dirty="0">
+                <a:solidFill>
+                  <a:schemeClr val="bg1"/>
+                </a:solidFill>
+                <a:effectLst>
+                  <a:outerShdw blurRad="38100" dist="38100" dir="2700000" algn="tl">
+                    <a:srgbClr val="000000">
+                      <a:alpha val="43137"/>
+                    </a:srgbClr>
+                  </a:outerShdw>
+                </a:effectLst>
+                <a:latin typeface="+mj-lt"/>
+                <a:cs typeface="Arial" pitchFamily="34" charset="0"/>
+              </a:rPr>
+              <a:t>PART 2</a:t>
+            </a:r>
+            <a:endParaRPr lang="zh-CN" altLang="en-US" sz="4400" dirty="0">
               <a:solidFill>
                 <a:schemeClr val="bg1"/>
               </a:solidFill>
+              <a:effectLst>
+                <a:outerShdw blurRad="38100" dist="38100" dir="2700000" algn="tl">
+                  <a:srgbClr val="000000">
+                    <a:alpha val="43137"/>
+                  </a:srgbClr>
+                </a:outerShdw>
+              </a:effectLst>
+              <a:latin typeface="+mj-lt"/>
+              <a:cs typeface="Arial" pitchFamily="34" charset="0"/>
             </a:endParaRPr>
           </a:p>
         </p:txBody>
       </p:sp>
       <p:sp>
         <p:nvSpPr>
-          <p:cNvPr id="7" name="矩形 6"/>
-          <p:cNvSpPr/>
-          <p:nvPr/>
-        </p:nvSpPr>
-        <p:spPr>
-          <a:xfrm>
-            <a:off x="6304209" y="3774604"/>
-            <a:ext cx="5067837" cy="1506829"/>
-          </a:xfrm>
-          <a:prstGeom prst="rect">
-            <a:avLst/>
-          </a:prstGeom>
-          <a:solidFill>
-            <a:srgbClr val="48A2A0">
-              <a:alpha val="70000"/>
-            </a:srgbClr>
-          </a:solidFill>
-          <a:ln>
-            <a:noFill/>
-          </a:ln>
-        </p:spPr>
-        <p:style>
-          <a:lnRef idx="2">
-            <a:schemeClr val="accent1">
-              <a:shade val="50000"/>
-            </a:schemeClr>
-          </a:lnRef>
-          <a:fillRef idx="1">
-            <a:schemeClr val="accent1"/>
-          </a:fillRef>
-          <a:effectRef idx="0">
-            <a:schemeClr val="accent1"/>
-          </a:effectRef>
-          <a:fontRef idx="minor">
-            <a:schemeClr val="lt1"/>
-          </a:fontRef>
-        </p:style>
-        <p:txBody>
-          <a:bodyPr rtlCol="0" anchor="ctr"/>
-          <a:lstStyle/>
-          <a:p>
-            <a:pPr algn="ctr"/>
-            <a:endParaRPr lang="zh-CN" altLang="en-US"/>
-          </a:p>
-        </p:txBody>
-      </p:sp>
-      <p:sp>
-        <p:nvSpPr>
-          <p:cNvPr id="8" name="矩形 7"/>
-          <p:cNvSpPr/>
-          <p:nvPr/>
-        </p:nvSpPr>
-        <p:spPr>
-          <a:xfrm>
-            <a:off x="6304209" y="1899633"/>
-            <a:ext cx="5067837" cy="1506829"/>
-          </a:xfrm>
-          <a:prstGeom prst="rect">
-            <a:avLst/>
-          </a:prstGeom>
-          <a:solidFill>
-            <a:srgbClr val="6C92C0">
-              <a:alpha val="70000"/>
-            </a:srgbClr>
-          </a:solidFill>
-          <a:ln>
-            <a:noFill/>
-          </a:ln>
-        </p:spPr>
-        <p:style>
-          <a:lnRef idx="2">
-            <a:schemeClr val="accent1">
-              <a:shade val="50000"/>
-            </a:schemeClr>
-          </a:lnRef>
-          <a:fillRef idx="1">
-            <a:schemeClr val="accent1"/>
-          </a:fillRef>
-          <a:effectRef idx="0">
-            <a:schemeClr val="accent1"/>
-          </a:effectRef>
-          <a:fontRef idx="minor">
-            <a:schemeClr val="lt1"/>
-          </a:fontRef>
-        </p:style>
-        <p:txBody>
-          <a:bodyPr rtlCol="0" anchor="ctr"/>
-          <a:lstStyle/>
-          <a:p>
-            <a:pPr algn="ctr"/>
-            <a:endParaRPr lang="zh-CN" altLang="en-US"/>
-          </a:p>
-        </p:txBody>
-      </p:sp>
-      <p:sp>
-        <p:nvSpPr>
-          <p:cNvPr id="17" name="椭圆 16"/>
-          <p:cNvSpPr/>
-          <p:nvPr/>
-        </p:nvSpPr>
-        <p:spPr>
-          <a:xfrm>
-            <a:off x="-1226820" y="-1346917"/>
-            <a:ext cx="2453640" cy="2453640"/>
-          </a:xfrm>
-          <a:prstGeom prst="ellipse">
-            <a:avLst/>
-          </a:prstGeom>
-          <a:solidFill>
-            <a:srgbClr val="48A2A0">
-              <a:alpha val="70000"/>
-            </a:srgbClr>
-          </a:solidFill>
-          <a:ln>
-            <a:noFill/>
-          </a:ln>
-        </p:spPr>
-        <p:style>
-          <a:lnRef idx="2">
-            <a:schemeClr val="accent1">
-              <a:shade val="50000"/>
-            </a:schemeClr>
-          </a:lnRef>
-          <a:fillRef idx="1">
-            <a:schemeClr val="accent1"/>
-          </a:fillRef>
-          <a:effectRef idx="0">
-            <a:schemeClr val="accent1"/>
-          </a:effectRef>
-          <a:fontRef idx="minor">
-            <a:schemeClr val="lt1"/>
-          </a:fontRef>
-        </p:style>
-        <p:txBody>
-          <a:bodyPr rtlCol="0" anchor="ctr"/>
-          <a:lstStyle/>
-          <a:p>
-            <a:pPr algn="ctr"/>
-            <a:endParaRPr lang="zh-CN" altLang="en-US"/>
-          </a:p>
-        </p:txBody>
-      </p:sp>
-      <p:sp>
-        <p:nvSpPr>
-          <p:cNvPr id="18" name="椭圆 17"/>
-          <p:cNvSpPr/>
-          <p:nvPr/>
-        </p:nvSpPr>
-        <p:spPr>
-          <a:xfrm>
-            <a:off x="434235" y="314138"/>
-            <a:ext cx="792585" cy="792585"/>
-          </a:xfrm>
-          <a:prstGeom prst="ellipse">
-            <a:avLst/>
-          </a:prstGeom>
-          <a:solidFill>
-            <a:srgbClr val="6C92C0">
-              <a:alpha val="70000"/>
-            </a:srgbClr>
-          </a:solidFill>
-          <a:ln>
-            <a:noFill/>
-          </a:ln>
-        </p:spPr>
-        <p:style>
-          <a:lnRef idx="2">
-            <a:schemeClr val="accent1">
-              <a:shade val="50000"/>
-            </a:schemeClr>
-          </a:lnRef>
-          <a:fillRef idx="1">
-            <a:schemeClr val="accent1"/>
-          </a:fillRef>
-          <a:effectRef idx="0">
-            <a:schemeClr val="accent1"/>
-          </a:effectRef>
-          <a:fontRef idx="minor">
-            <a:schemeClr val="lt1"/>
-          </a:fontRef>
-        </p:style>
-        <p:txBody>
-          <a:bodyPr rtlCol="0" anchor="ctr"/>
-          <a:lstStyle/>
-          <a:p>
-            <a:pPr algn="ctr"/>
-            <a:endParaRPr lang="zh-CN" altLang="en-US"/>
-          </a:p>
-        </p:txBody>
-      </p:sp>
-      <p:sp>
-        <p:nvSpPr>
-          <p:cNvPr id="20" name="矩形 19"/>
-          <p:cNvSpPr/>
-          <p:nvPr/>
-        </p:nvSpPr>
-        <p:spPr>
-          <a:xfrm>
-            <a:off x="1344023" y="448348"/>
-            <a:ext cx="1701107" cy="400110"/>
+          <p:cNvPr id="8" name="文本框 7"/>
+          <p:cNvSpPr txBox="1"/>
+          <p:nvPr/>
+        </p:nvSpPr>
+        <p:spPr>
+          <a:xfrm>
+            <a:off x="4819992" y="3487622"/>
+            <a:ext cx="6318345" cy="461665"/>
+          </a:xfrm>
+          <a:prstGeom prst="rect">
+            <a:avLst/>
+          </a:prstGeom>
+          <a:noFill/>
+        </p:spPr>
+        <p:txBody>
+          <a:bodyPr wrap="square" rtlCol="0">
+            <a:spAutoFit/>
+          </a:bodyPr>
+          <a:lstStyle/>
+          <a:p>
+            <a:r>
+              <a:rPr lang="zh-CN" altLang="en-US" sz="1200" dirty="0"/>
+              <a:t>思考一下，你真的会解方程吗？至今为此你是否都是在无脑的套公式进行求根？本节内容带你学习如何利用各种奇技淫巧进行</a:t>
+            </a:r>
+          </a:p>
+        </p:txBody>
+      </p:sp>
+      <p:sp>
+        <p:nvSpPr>
+          <p:cNvPr id="2" name="矩形 1"/>
+          <p:cNvSpPr/>
+          <p:nvPr/>
+        </p:nvSpPr>
+        <p:spPr>
+          <a:xfrm>
+            <a:off x="4819993" y="3040204"/>
+            <a:ext cx="1778051" cy="400110"/>
           </a:xfrm>
           <a:prstGeom prst="rect">
             <a:avLst/>
@@ -1995,102 +2088,16 @@
           <a:lstStyle/>
           <a:p>
             <a:r>
-              <a:rPr lang="en-US" altLang="zh-CN" sz="2000" b="1" dirty="0">
-                <a:solidFill>
-                  <a:schemeClr val="tx1">
-                    <a:lumMod val="75000"/>
-                    <a:lumOff val="25000"/>
-                  </a:schemeClr>
-                </a:solidFill>
-              </a:rPr>
-              <a:t>Lorem ipsum</a:t>
-            </a:r>
-            <a:endParaRPr lang="zh-CN" altLang="en-US" sz="2000" b="1" dirty="0">
-              <a:solidFill>
-                <a:schemeClr val="tx1">
-                  <a:lumMod val="75000"/>
-                  <a:lumOff val="25000"/>
-                </a:schemeClr>
-              </a:solidFill>
-            </a:endParaRPr>
-          </a:p>
-        </p:txBody>
-      </p:sp>
-      <p:sp>
-        <p:nvSpPr>
-          <p:cNvPr id="21" name="矩形 20"/>
-          <p:cNvSpPr/>
-          <p:nvPr/>
-        </p:nvSpPr>
-        <p:spPr>
-          <a:xfrm>
-            <a:off x="1344023" y="764961"/>
-            <a:ext cx="2196435" cy="261610"/>
-          </a:xfrm>
-          <a:prstGeom prst="rect">
-            <a:avLst/>
-          </a:prstGeom>
-        </p:spPr>
-        <p:txBody>
-          <a:bodyPr wrap="none">
-            <a:spAutoFit/>
-          </a:bodyPr>
-          <a:lstStyle/>
-          <a:p>
-            <a:r>
-              <a:rPr lang="en-US" altLang="zh-CN" sz="1100" dirty="0">
-                <a:solidFill>
-                  <a:schemeClr val="bg1">
-                    <a:lumMod val="50000"/>
-                  </a:schemeClr>
-                </a:solidFill>
-              </a:rPr>
-              <a:t>Lorem ipsum dolor sit </a:t>
-            </a:r>
-            <a:r>
-              <a:rPr lang="en-US" altLang="zh-CN" sz="1100" dirty="0" err="1">
-                <a:solidFill>
-                  <a:schemeClr val="bg1">
-                    <a:lumMod val="50000"/>
-                  </a:schemeClr>
-                </a:solidFill>
-              </a:rPr>
-              <a:t>amet</a:t>
-            </a:r>
-            <a:r>
-              <a:rPr lang="en-US" altLang="zh-CN" sz="1100" dirty="0">
-                <a:solidFill>
-                  <a:schemeClr val="bg1">
-                    <a:lumMod val="50000"/>
-                  </a:schemeClr>
-                </a:solidFill>
-              </a:rPr>
-              <a:t> </a:t>
-            </a:r>
-            <a:r>
-              <a:rPr lang="en-US" altLang="zh-CN" sz="1100" dirty="0" err="1">
-                <a:solidFill>
-                  <a:schemeClr val="bg1">
-                    <a:lumMod val="50000"/>
-                  </a:schemeClr>
-                </a:solidFill>
-              </a:rPr>
-              <a:t>kolor</a:t>
-            </a:r>
-            <a:endParaRPr lang="zh-CN" altLang="en-US" sz="1100" dirty="0">
-              <a:solidFill>
-                <a:schemeClr val="bg1">
-                  <a:lumMod val="50000"/>
-                </a:schemeClr>
-              </a:solidFill>
-            </a:endParaRPr>
+              <a:rPr lang="zh-CN" altLang="en-US" sz="2000" b="1" dirty="0"/>
+              <a:t>任意曲线拟合</a:t>
+            </a:r>
           </a:p>
         </p:txBody>
       </p:sp>
     </p:spTree>
     <p:extLst>
       <p:ext uri="{BB962C8B-B14F-4D97-AF65-F5344CB8AC3E}">
-        <p14:creationId xmlns:p14="http://schemas.microsoft.com/office/powerpoint/2010/main" val="3225602479"/>
+        <p14:creationId xmlns:p14="http://schemas.microsoft.com/office/powerpoint/2010/main" val="1983895934"/>
       </p:ext>
     </p:extLst>
   </p:cSld>
@@ -2119,16 +2126,16 @@
       </p:grpSpPr>
       <p:sp>
         <p:nvSpPr>
-          <p:cNvPr id="4" name="椭圆 3"/>
-          <p:cNvSpPr/>
-          <p:nvPr/>
-        </p:nvSpPr>
-        <p:spPr>
-          <a:xfrm>
-            <a:off x="1615440" y="2057400"/>
-            <a:ext cx="2453640" cy="2453640"/>
-          </a:xfrm>
-          <a:prstGeom prst="ellipse">
+          <p:cNvPr id="3" name="矩形 2"/>
+          <p:cNvSpPr/>
+          <p:nvPr/>
+        </p:nvSpPr>
+        <p:spPr>
+          <a:xfrm>
+            <a:off x="811369" y="1899633"/>
+            <a:ext cx="5067837" cy="1506829"/>
+          </a:xfrm>
+          <a:prstGeom prst="rect">
             <a:avLst/>
           </a:prstGeom>
           <a:solidFill>
@@ -2161,22 +2168,26 @@
           <a:lstStyle/>
           <a:p>
             <a:pPr algn="ctr"/>
-            <a:endParaRPr lang="zh-CN" altLang="en-US"/>
-          </a:p>
-        </p:txBody>
-      </p:sp>
-      <p:sp>
-        <p:nvSpPr>
-          <p:cNvPr id="5" name="椭圆 4"/>
-          <p:cNvSpPr/>
-          <p:nvPr/>
-        </p:nvSpPr>
-        <p:spPr>
-          <a:xfrm>
-            <a:off x="3276495" y="3718455"/>
-            <a:ext cx="792585" cy="792585"/>
-          </a:xfrm>
-          <a:prstGeom prst="ellipse">
+            <a:endParaRPr lang="zh-CN" altLang="en-US">
+              <a:solidFill>
+                <a:schemeClr val="bg1"/>
+              </a:solidFill>
+            </a:endParaRPr>
+          </a:p>
+        </p:txBody>
+      </p:sp>
+      <p:sp>
+        <p:nvSpPr>
+          <p:cNvPr id="4" name="矩形 3"/>
+          <p:cNvSpPr/>
+          <p:nvPr/>
+        </p:nvSpPr>
+        <p:spPr>
+          <a:xfrm>
+            <a:off x="811369" y="3774604"/>
+            <a:ext cx="5067837" cy="1506829"/>
+          </a:xfrm>
+          <a:prstGeom prst="rect">
             <a:avLst/>
           </a:prstGeom>
           <a:solidFill>
@@ -2209,110 +2220,216 @@
           <a:lstStyle/>
           <a:p>
             <a:pPr algn="ctr"/>
-            <a:endParaRPr lang="zh-CN" altLang="en-US"/>
-          </a:p>
-        </p:txBody>
-      </p:sp>
-      <p:sp>
-        <p:nvSpPr>
-          <p:cNvPr id="6" name="MH_Others_1"/>
-          <p:cNvSpPr txBox="1"/>
-          <p:nvPr>
-            <p:custDataLst>
-              <p:tags r:id="rId1"/>
-            </p:custDataLst>
-          </p:nvPr>
-        </p:nvSpPr>
-        <p:spPr>
-          <a:xfrm>
-            <a:off x="864526" y="2860251"/>
-            <a:ext cx="3955467" cy="847938"/>
-          </a:xfrm>
-          <a:prstGeom prst="rect">
-            <a:avLst/>
-          </a:prstGeom>
-          <a:noFill/>
-        </p:spPr>
-        <p:txBody>
-          <a:bodyPr wrap="square" rtlCol="0">
-            <a:noAutofit/>
-          </a:bodyPr>
-          <a:lstStyle/>
-          <a:p>
-            <a:pPr algn="ctr"/>
-            <a:r>
-              <a:rPr lang="en-US" altLang="zh-CN" sz="4400" dirty="0">
-                <a:solidFill>
-                  <a:schemeClr val="bg1"/>
-                </a:solidFill>
-                <a:effectLst>
-                  <a:outerShdw blurRad="38100" dist="38100" dir="2700000" algn="tl">
-                    <a:srgbClr val="000000">
-                      <a:alpha val="43137"/>
-                    </a:srgbClr>
-                  </a:outerShdw>
-                </a:effectLst>
-                <a:latin typeface="+mj-lt"/>
-                <a:cs typeface="Arial" pitchFamily="34" charset="0"/>
-              </a:rPr>
-              <a:t>PART 4</a:t>
-            </a:r>
-            <a:endParaRPr lang="zh-CN" altLang="en-US" sz="4400" dirty="0">
+            <a:endParaRPr lang="zh-CN" altLang="en-US">
               <a:solidFill>
                 <a:schemeClr val="bg1"/>
               </a:solidFill>
-              <a:effectLst>
-                <a:outerShdw blurRad="38100" dist="38100" dir="2700000" algn="tl">
-                  <a:srgbClr val="000000">
-                    <a:alpha val="43137"/>
-                  </a:srgbClr>
-                </a:outerShdw>
-              </a:effectLst>
-              <a:latin typeface="+mj-lt"/>
-              <a:cs typeface="Arial" pitchFamily="34" charset="0"/>
             </a:endParaRPr>
           </a:p>
         </p:txBody>
       </p:sp>
       <p:sp>
         <p:nvSpPr>
-          <p:cNvPr id="8" name="文本框 7"/>
-          <p:cNvSpPr txBox="1"/>
-          <p:nvPr/>
-        </p:nvSpPr>
-        <p:spPr>
-          <a:xfrm>
-            <a:off x="4819992" y="3487622"/>
-            <a:ext cx="6318345" cy="461665"/>
-          </a:xfrm>
-          <a:prstGeom prst="rect">
-            <a:avLst/>
-          </a:prstGeom>
-          <a:noFill/>
-        </p:spPr>
-        <p:txBody>
-          <a:bodyPr wrap="square" rtlCol="0">
-            <a:spAutoFit/>
-          </a:bodyPr>
-          <a:lstStyle/>
-          <a:p>
-            <a:r>
-              <a:rPr lang="zh-CN" altLang="en-US" sz="1200" dirty="0"/>
-              <a:t>思考一下，你真的会解方程吗？至今为此你是否都是在无脑的套公式进行求根？本节内容带你学习如何利用各种奇技淫巧进行</a:t>
-            </a:r>
-          </a:p>
-        </p:txBody>
-      </p:sp>
-      <p:sp>
-        <p:nvSpPr>
-          <p:cNvPr id="2" name="矩形 1"/>
-          <p:cNvSpPr/>
-          <p:nvPr/>
-        </p:nvSpPr>
-        <p:spPr>
-          <a:xfrm>
-            <a:off x="4819993" y="3040204"/>
-            <a:ext cx="1723549" cy="400110"/>
+          <p:cNvPr id="7" name="矩形 6"/>
+          <p:cNvSpPr/>
+          <p:nvPr/>
+        </p:nvSpPr>
+        <p:spPr>
+          <a:xfrm>
+            <a:off x="6304209" y="3774604"/>
+            <a:ext cx="5067837" cy="1506829"/>
+          </a:xfrm>
+          <a:prstGeom prst="rect">
+            <a:avLst/>
+          </a:prstGeom>
+          <a:solidFill>
+            <a:srgbClr val="48A2A0">
+              <a:alpha val="70000"/>
+            </a:srgbClr>
+          </a:solidFill>
+          <a:ln>
+            <a:noFill/>
+          </a:ln>
+        </p:spPr>
+        <p:style>
+          <a:lnRef idx="2">
+            <a:schemeClr val="accent1">
+              <a:shade val="50000"/>
+            </a:schemeClr>
+          </a:lnRef>
+          <a:fillRef idx="1">
+            <a:schemeClr val="accent1"/>
+          </a:fillRef>
+          <a:effectRef idx="0">
+            <a:schemeClr val="accent1"/>
+          </a:effectRef>
+          <a:fontRef idx="minor">
+            <a:schemeClr val="lt1"/>
+          </a:fontRef>
+        </p:style>
+        <p:txBody>
+          <a:bodyPr rtlCol="0" anchor="ctr"/>
+          <a:lstStyle/>
+          <a:p>
+            <a:pPr algn="ctr"/>
+            <a:endParaRPr lang="zh-CN" altLang="en-US"/>
+          </a:p>
+        </p:txBody>
+      </p:sp>
+      <p:sp>
+        <p:nvSpPr>
+          <p:cNvPr id="8" name="矩形 7"/>
+          <p:cNvSpPr/>
+          <p:nvPr/>
+        </p:nvSpPr>
+        <p:spPr>
+          <a:xfrm>
+            <a:off x="6304209" y="1899633"/>
+            <a:ext cx="5067837" cy="1506829"/>
+          </a:xfrm>
+          <a:prstGeom prst="rect">
+            <a:avLst/>
+          </a:prstGeom>
+          <a:solidFill>
+            <a:srgbClr val="6C92C0">
+              <a:alpha val="70000"/>
+            </a:srgbClr>
+          </a:solidFill>
+          <a:ln>
+            <a:noFill/>
+          </a:ln>
+        </p:spPr>
+        <p:style>
+          <a:lnRef idx="2">
+            <a:schemeClr val="accent1">
+              <a:shade val="50000"/>
+            </a:schemeClr>
+          </a:lnRef>
+          <a:fillRef idx="1">
+            <a:schemeClr val="accent1"/>
+          </a:fillRef>
+          <a:effectRef idx="0">
+            <a:schemeClr val="accent1"/>
+          </a:effectRef>
+          <a:fontRef idx="minor">
+            <a:schemeClr val="lt1"/>
+          </a:fontRef>
+        </p:style>
+        <p:txBody>
+          <a:bodyPr rtlCol="0" anchor="ctr"/>
+          <a:lstStyle/>
+          <a:p>
+            <a:pPr algn="ctr"/>
+            <a:endParaRPr lang="zh-CN" altLang="en-US"/>
+          </a:p>
+        </p:txBody>
+      </p:sp>
+      <p:sp>
+        <p:nvSpPr>
+          <p:cNvPr id="17" name="椭圆 16"/>
+          <p:cNvSpPr/>
+          <p:nvPr/>
+        </p:nvSpPr>
+        <p:spPr>
+          <a:xfrm>
+            <a:off x="-1226820" y="-1346917"/>
+            <a:ext cx="2453640" cy="2453640"/>
+          </a:xfrm>
+          <a:prstGeom prst="ellipse">
+            <a:avLst/>
+          </a:prstGeom>
+          <a:solidFill>
+            <a:srgbClr val="48A2A0">
+              <a:alpha val="70000"/>
+            </a:srgbClr>
+          </a:solidFill>
+          <a:ln>
+            <a:noFill/>
+          </a:ln>
+        </p:spPr>
+        <p:style>
+          <a:lnRef idx="2">
+            <a:schemeClr val="accent1">
+              <a:shade val="50000"/>
+            </a:schemeClr>
+          </a:lnRef>
+          <a:fillRef idx="1">
+            <a:schemeClr val="accent1"/>
+          </a:fillRef>
+          <a:effectRef idx="0">
+            <a:schemeClr val="accent1"/>
+          </a:effectRef>
+          <a:fontRef idx="minor">
+            <a:schemeClr val="lt1"/>
+          </a:fontRef>
+        </p:style>
+        <p:txBody>
+          <a:bodyPr rtlCol="0" anchor="ctr"/>
+          <a:lstStyle/>
+          <a:p>
+            <a:pPr algn="ctr"/>
+            <a:endParaRPr lang="zh-CN" altLang="en-US"/>
+          </a:p>
+        </p:txBody>
+      </p:sp>
+      <p:sp>
+        <p:nvSpPr>
+          <p:cNvPr id="18" name="椭圆 17"/>
+          <p:cNvSpPr/>
+          <p:nvPr/>
+        </p:nvSpPr>
+        <p:spPr>
+          <a:xfrm>
+            <a:off x="434235" y="314138"/>
+            <a:ext cx="792585" cy="792585"/>
+          </a:xfrm>
+          <a:prstGeom prst="ellipse">
+            <a:avLst/>
+          </a:prstGeom>
+          <a:solidFill>
+            <a:srgbClr val="6C92C0">
+              <a:alpha val="70000"/>
+            </a:srgbClr>
+          </a:solidFill>
+          <a:ln>
+            <a:noFill/>
+          </a:ln>
+        </p:spPr>
+        <p:style>
+          <a:lnRef idx="2">
+            <a:schemeClr val="accent1">
+              <a:shade val="50000"/>
+            </a:schemeClr>
+          </a:lnRef>
+          <a:fillRef idx="1">
+            <a:schemeClr val="accent1"/>
+          </a:fillRef>
+          <a:effectRef idx="0">
+            <a:schemeClr val="accent1"/>
+          </a:effectRef>
+          <a:fontRef idx="minor">
+            <a:schemeClr val="lt1"/>
+          </a:fontRef>
+        </p:style>
+        <p:txBody>
+          <a:bodyPr rtlCol="0" anchor="ctr"/>
+          <a:lstStyle/>
+          <a:p>
+            <a:pPr algn="ctr"/>
+            <a:endParaRPr lang="zh-CN" altLang="en-US"/>
+          </a:p>
+        </p:txBody>
+      </p:sp>
+      <p:sp>
+        <p:nvSpPr>
+          <p:cNvPr id="20" name="矩形 19"/>
+          <p:cNvSpPr/>
+          <p:nvPr/>
+        </p:nvSpPr>
+        <p:spPr>
+          <a:xfrm>
+            <a:off x="1344023" y="448348"/>
+            <a:ext cx="1701107" cy="400110"/>
           </a:xfrm>
           <a:prstGeom prst="rect">
             <a:avLst/>
@@ -2325,16 +2442,102 @@
           <a:lstStyle/>
           <a:p>
             <a:r>
-              <a:rPr lang="zh-CN" altLang="en-US" sz="2000" b="1" dirty="0"/>
-              <a:t>解线性方程组</a:t>
-            </a:r>
+              <a:rPr lang="en-US" altLang="zh-CN" sz="2000" b="1" dirty="0">
+                <a:solidFill>
+                  <a:schemeClr val="tx1">
+                    <a:lumMod val="75000"/>
+                    <a:lumOff val="25000"/>
+                  </a:schemeClr>
+                </a:solidFill>
+              </a:rPr>
+              <a:t>Lorem ipsum</a:t>
+            </a:r>
+            <a:endParaRPr lang="zh-CN" altLang="en-US" sz="2000" b="1" dirty="0">
+              <a:solidFill>
+                <a:schemeClr val="tx1">
+                  <a:lumMod val="75000"/>
+                  <a:lumOff val="25000"/>
+                </a:schemeClr>
+              </a:solidFill>
+            </a:endParaRPr>
+          </a:p>
+        </p:txBody>
+      </p:sp>
+      <p:sp>
+        <p:nvSpPr>
+          <p:cNvPr id="21" name="矩形 20"/>
+          <p:cNvSpPr/>
+          <p:nvPr/>
+        </p:nvSpPr>
+        <p:spPr>
+          <a:xfrm>
+            <a:off x="1344023" y="764961"/>
+            <a:ext cx="2196435" cy="261610"/>
+          </a:xfrm>
+          <a:prstGeom prst="rect">
+            <a:avLst/>
+          </a:prstGeom>
+        </p:spPr>
+        <p:txBody>
+          <a:bodyPr wrap="none">
+            <a:spAutoFit/>
+          </a:bodyPr>
+          <a:lstStyle/>
+          <a:p>
+            <a:r>
+              <a:rPr lang="en-US" altLang="zh-CN" sz="1100" dirty="0">
+                <a:solidFill>
+                  <a:schemeClr val="bg1">
+                    <a:lumMod val="50000"/>
+                  </a:schemeClr>
+                </a:solidFill>
+              </a:rPr>
+              <a:t>Lorem ipsum dolor sit </a:t>
+            </a:r>
+            <a:r>
+              <a:rPr lang="en-US" altLang="zh-CN" sz="1100" dirty="0" err="1">
+                <a:solidFill>
+                  <a:schemeClr val="bg1">
+                    <a:lumMod val="50000"/>
+                  </a:schemeClr>
+                </a:solidFill>
+              </a:rPr>
+              <a:t>amet</a:t>
+            </a:r>
+            <a:r>
+              <a:rPr lang="en-US" altLang="zh-CN" sz="1100" dirty="0">
+                <a:solidFill>
+                  <a:schemeClr val="bg1">
+                    <a:lumMod val="50000"/>
+                  </a:schemeClr>
+                </a:solidFill>
+              </a:rPr>
+              <a:t> </a:t>
+            </a:r>
+            <a:r>
+              <a:rPr lang="en-US" altLang="zh-CN" sz="1100" dirty="0" err="1">
+                <a:solidFill>
+                  <a:schemeClr val="bg1">
+                    <a:lumMod val="50000"/>
+                  </a:schemeClr>
+                </a:solidFill>
+              </a:rPr>
+              <a:t>kolor</a:t>
+            </a:r>
+            <a:endParaRPr lang="zh-CN" altLang="en-US" sz="1100" dirty="0">
+              <a:solidFill>
+                <a:schemeClr val="bg1">
+                  <a:lumMod val="50000"/>
+                </a:schemeClr>
+              </a:solidFill>
+            </a:endParaRPr>
           </a:p>
         </p:txBody>
       </p:sp>
     </p:spTree>
     <p:extLst>
       <p:ext uri="{BB962C8B-B14F-4D97-AF65-F5344CB8AC3E}">
-        <p14:creationId xmlns:p14="http://schemas.microsoft.com/office/powerpoint/2010/main" val="823880490"/>
+        <p14:creationId xmlns:p14="http://schemas.microsoft.com/office/powerpoint/2010/main" val="403233064"/>
       </p:ext>
     </p:extLst>
   </p:cSld>
@@ -2363,16 +2566,16 @@
       </p:grpSpPr>
       <p:sp>
         <p:nvSpPr>
-          <p:cNvPr id="3" name="矩形 2"/>
-          <p:cNvSpPr/>
-          <p:nvPr/>
-        </p:nvSpPr>
-        <p:spPr>
-          <a:xfrm>
-            <a:off x="811369" y="1899633"/>
-            <a:ext cx="5067837" cy="1506829"/>
-          </a:xfrm>
-          <a:prstGeom prst="rect">
+          <p:cNvPr id="4" name="椭圆 3"/>
+          <p:cNvSpPr/>
+          <p:nvPr/>
+        </p:nvSpPr>
+        <p:spPr>
+          <a:xfrm>
+            <a:off x="1615440" y="2057400"/>
+            <a:ext cx="2453640" cy="2453640"/>
+          </a:xfrm>
+          <a:prstGeom prst="ellipse">
             <a:avLst/>
           </a:prstGeom>
           <a:solidFill>
@@ -2405,26 +2608,22 @@
           <a:lstStyle/>
           <a:p>
             <a:pPr algn="ctr"/>
-            <a:endParaRPr lang="zh-CN" altLang="en-US">
-              <a:solidFill>
-                <a:schemeClr val="bg1"/>
-              </a:solidFill>
-            </a:endParaRPr>
-          </a:p>
-        </p:txBody>
-      </p:sp>
-      <p:sp>
-        <p:nvSpPr>
-          <p:cNvPr id="4" name="矩形 3"/>
-          <p:cNvSpPr/>
-          <p:nvPr/>
-        </p:nvSpPr>
-        <p:spPr>
-          <a:xfrm>
-            <a:off x="811369" y="3774604"/>
-            <a:ext cx="5067837" cy="1506829"/>
-          </a:xfrm>
-          <a:prstGeom prst="rect">
+            <a:endParaRPr lang="zh-CN" altLang="en-US"/>
+          </a:p>
+        </p:txBody>
+      </p:sp>
+      <p:sp>
+        <p:nvSpPr>
+          <p:cNvPr id="5" name="椭圆 4"/>
+          <p:cNvSpPr/>
+          <p:nvPr/>
+        </p:nvSpPr>
+        <p:spPr>
+          <a:xfrm>
+            <a:off x="3276495" y="3718455"/>
+            <a:ext cx="792585" cy="792585"/>
+          </a:xfrm>
+          <a:prstGeom prst="ellipse">
             <a:avLst/>
           </a:prstGeom>
           <a:solidFill>
@@ -2457,216 +2656,110 @@
           <a:lstStyle/>
           <a:p>
             <a:pPr algn="ctr"/>
-            <a:endParaRPr lang="zh-CN" altLang="en-US">
+            <a:endParaRPr lang="zh-CN" altLang="en-US"/>
+          </a:p>
+        </p:txBody>
+      </p:sp>
+      <p:sp>
+        <p:nvSpPr>
+          <p:cNvPr id="6" name="MH_Others_1"/>
+          <p:cNvSpPr txBox="1"/>
+          <p:nvPr>
+            <p:custDataLst>
+              <p:tags r:id="rId1"/>
+            </p:custDataLst>
+          </p:nvPr>
+        </p:nvSpPr>
+        <p:spPr>
+          <a:xfrm>
+            <a:off x="864526" y="2860251"/>
+            <a:ext cx="3955467" cy="847938"/>
+          </a:xfrm>
+          <a:prstGeom prst="rect">
+            <a:avLst/>
+          </a:prstGeom>
+          <a:noFill/>
+        </p:spPr>
+        <p:txBody>
+          <a:bodyPr wrap="square" rtlCol="0">
+            <a:noAutofit/>
+          </a:bodyPr>
+          <a:lstStyle/>
+          <a:p>
+            <a:pPr algn="ctr"/>
+            <a:r>
+              <a:rPr lang="en-US" altLang="zh-CN" sz="4400" dirty="0">
+                <a:solidFill>
+                  <a:schemeClr val="bg1"/>
+                </a:solidFill>
+                <a:effectLst>
+                  <a:outerShdw blurRad="38100" dist="38100" dir="2700000" algn="tl">
+                    <a:srgbClr val="000000">
+                      <a:alpha val="43137"/>
+                    </a:srgbClr>
+                  </a:outerShdw>
+                </a:effectLst>
+                <a:latin typeface="+mj-lt"/>
+                <a:cs typeface="Arial" pitchFamily="34" charset="0"/>
+              </a:rPr>
+              <a:t>PART 3</a:t>
+            </a:r>
+            <a:endParaRPr lang="zh-CN" altLang="en-US" sz="4400" dirty="0">
               <a:solidFill>
                 <a:schemeClr val="bg1"/>
               </a:solidFill>
+              <a:effectLst>
+                <a:outerShdw blurRad="38100" dist="38100" dir="2700000" algn="tl">
+                  <a:srgbClr val="000000">
+                    <a:alpha val="43137"/>
+                  </a:srgbClr>
+                </a:outerShdw>
+              </a:effectLst>
+              <a:latin typeface="+mj-lt"/>
+              <a:cs typeface="Arial" pitchFamily="34" charset="0"/>
             </a:endParaRPr>
           </a:p>
         </p:txBody>
       </p:sp>
       <p:sp>
         <p:nvSpPr>
-          <p:cNvPr id="7" name="矩形 6"/>
-          <p:cNvSpPr/>
-          <p:nvPr/>
-        </p:nvSpPr>
-        <p:spPr>
-          <a:xfrm>
-            <a:off x="6304209" y="3774604"/>
-            <a:ext cx="5067837" cy="1506829"/>
-          </a:xfrm>
-          <a:prstGeom prst="rect">
-            <a:avLst/>
-          </a:prstGeom>
-          <a:solidFill>
-            <a:srgbClr val="48A2A0">
-              <a:alpha val="70000"/>
-            </a:srgbClr>
-          </a:solidFill>
-          <a:ln>
-            <a:noFill/>
-          </a:ln>
-        </p:spPr>
-        <p:style>
-          <a:lnRef idx="2">
-            <a:schemeClr val="accent1">
-              <a:shade val="50000"/>
-            </a:schemeClr>
-          </a:lnRef>
-          <a:fillRef idx="1">
-            <a:schemeClr val="accent1"/>
-          </a:fillRef>
-          <a:effectRef idx="0">
-            <a:schemeClr val="accent1"/>
-          </a:effectRef>
-          <a:fontRef idx="minor">
-            <a:schemeClr val="lt1"/>
-          </a:fontRef>
-        </p:style>
-        <p:txBody>
-          <a:bodyPr rtlCol="0" anchor="ctr"/>
-          <a:lstStyle/>
-          <a:p>
-            <a:pPr algn="ctr"/>
-            <a:endParaRPr lang="zh-CN" altLang="en-US"/>
-          </a:p>
-        </p:txBody>
-      </p:sp>
-      <p:sp>
-        <p:nvSpPr>
-          <p:cNvPr id="8" name="矩形 7"/>
-          <p:cNvSpPr/>
-          <p:nvPr/>
-        </p:nvSpPr>
-        <p:spPr>
-          <a:xfrm>
-            <a:off x="6304209" y="1899633"/>
-            <a:ext cx="5067837" cy="1506829"/>
-          </a:xfrm>
-          <a:prstGeom prst="rect">
-            <a:avLst/>
-          </a:prstGeom>
-          <a:solidFill>
-            <a:srgbClr val="6C92C0">
-              <a:alpha val="70000"/>
-            </a:srgbClr>
-          </a:solidFill>
-          <a:ln>
-            <a:noFill/>
-          </a:ln>
-        </p:spPr>
-        <p:style>
-          <a:lnRef idx="2">
-            <a:schemeClr val="accent1">
-              <a:shade val="50000"/>
-            </a:schemeClr>
-          </a:lnRef>
-          <a:fillRef idx="1">
-            <a:schemeClr val="accent1"/>
-          </a:fillRef>
-          <a:effectRef idx="0">
-            <a:schemeClr val="accent1"/>
-          </a:effectRef>
-          <a:fontRef idx="minor">
-            <a:schemeClr val="lt1"/>
-          </a:fontRef>
-        </p:style>
-        <p:txBody>
-          <a:bodyPr rtlCol="0" anchor="ctr"/>
-          <a:lstStyle/>
-          <a:p>
-            <a:pPr algn="ctr"/>
-            <a:endParaRPr lang="zh-CN" altLang="en-US"/>
-          </a:p>
-        </p:txBody>
-      </p:sp>
-      <p:sp>
-        <p:nvSpPr>
-          <p:cNvPr id="17" name="椭圆 16"/>
-          <p:cNvSpPr/>
-          <p:nvPr/>
-        </p:nvSpPr>
-        <p:spPr>
-          <a:xfrm>
-            <a:off x="-1226820" y="-1346917"/>
-            <a:ext cx="2453640" cy="2453640"/>
-          </a:xfrm>
-          <a:prstGeom prst="ellipse">
-            <a:avLst/>
-          </a:prstGeom>
-          <a:solidFill>
-            <a:srgbClr val="48A2A0">
-              <a:alpha val="70000"/>
-            </a:srgbClr>
-          </a:solidFill>
-          <a:ln>
-            <a:noFill/>
-          </a:ln>
-        </p:spPr>
-        <p:style>
-          <a:lnRef idx="2">
-            <a:schemeClr val="accent1">
-              <a:shade val="50000"/>
-            </a:schemeClr>
-          </a:lnRef>
-          <a:fillRef idx="1">
-            <a:schemeClr val="accent1"/>
-          </a:fillRef>
-          <a:effectRef idx="0">
-            <a:schemeClr val="accent1"/>
-          </a:effectRef>
-          <a:fontRef idx="minor">
-            <a:schemeClr val="lt1"/>
-          </a:fontRef>
-        </p:style>
-        <p:txBody>
-          <a:bodyPr rtlCol="0" anchor="ctr"/>
-          <a:lstStyle/>
-          <a:p>
-            <a:pPr algn="ctr"/>
-            <a:endParaRPr lang="zh-CN" altLang="en-US"/>
-          </a:p>
-        </p:txBody>
-      </p:sp>
-      <p:sp>
-        <p:nvSpPr>
-          <p:cNvPr id="18" name="椭圆 17"/>
-          <p:cNvSpPr/>
-          <p:nvPr/>
-        </p:nvSpPr>
-        <p:spPr>
-          <a:xfrm>
-            <a:off x="434235" y="314138"/>
-            <a:ext cx="792585" cy="792585"/>
-          </a:xfrm>
-          <a:prstGeom prst="ellipse">
-            <a:avLst/>
-          </a:prstGeom>
-          <a:solidFill>
-            <a:srgbClr val="6C92C0">
-              <a:alpha val="70000"/>
-            </a:srgbClr>
-          </a:solidFill>
-          <a:ln>
-            <a:noFill/>
-          </a:ln>
-        </p:spPr>
-        <p:style>
-          <a:lnRef idx="2">
-            <a:schemeClr val="accent1">
-              <a:shade val="50000"/>
-            </a:schemeClr>
-          </a:lnRef>
-          <a:fillRef idx="1">
-            <a:schemeClr val="accent1"/>
-          </a:fillRef>
-          <a:effectRef idx="0">
-            <a:schemeClr val="accent1"/>
-          </a:effectRef>
-          <a:fontRef idx="minor">
-            <a:schemeClr val="lt1"/>
-          </a:fontRef>
-        </p:style>
-        <p:txBody>
-          <a:bodyPr rtlCol="0" anchor="ctr"/>
-          <a:lstStyle/>
-          <a:p>
-            <a:pPr algn="ctr"/>
-            <a:endParaRPr lang="zh-CN" altLang="en-US"/>
-          </a:p>
-        </p:txBody>
-      </p:sp>
-      <p:sp>
-        <p:nvSpPr>
-          <p:cNvPr id="20" name="矩形 19"/>
-          <p:cNvSpPr/>
-          <p:nvPr/>
-        </p:nvSpPr>
-        <p:spPr>
-          <a:xfrm>
-            <a:off x="1344023" y="448348"/>
-            <a:ext cx="1701107" cy="400110"/>
+          <p:cNvPr id="8" name="文本框 7"/>
+          <p:cNvSpPr txBox="1"/>
+          <p:nvPr/>
+        </p:nvSpPr>
+        <p:spPr>
+          <a:xfrm>
+            <a:off x="4819992" y="3487622"/>
+            <a:ext cx="6318345" cy="461665"/>
+          </a:xfrm>
+          <a:prstGeom prst="rect">
+            <a:avLst/>
+          </a:prstGeom>
+          <a:noFill/>
+        </p:spPr>
+        <p:txBody>
+          <a:bodyPr wrap="square" rtlCol="0">
+            <a:spAutoFit/>
+          </a:bodyPr>
+          <a:lstStyle/>
+          <a:p>
+            <a:r>
+              <a:rPr lang="zh-CN" altLang="en-US" sz="1200" dirty="0"/>
+              <a:t>思考一下，你真的会解方程吗？至今为此你是否都是在无脑的套公式进行求根？本节内容带你学习如何利用各种奇技淫巧进行</a:t>
+            </a:r>
+          </a:p>
+        </p:txBody>
+      </p:sp>
+      <p:sp>
+        <p:nvSpPr>
+          <p:cNvPr id="2" name="矩形 1"/>
+          <p:cNvSpPr/>
+          <p:nvPr/>
+        </p:nvSpPr>
+        <p:spPr>
+          <a:xfrm>
+            <a:off x="4819993" y="3040204"/>
+            <a:ext cx="1723549" cy="400110"/>
           </a:xfrm>
           <a:prstGeom prst="rect">
             <a:avLst/>
@@ -2679,102 +2772,16 @@
           <a:lstStyle/>
           <a:p>
             <a:r>
-              <a:rPr lang="en-US" altLang="zh-CN" sz="2000" b="1" dirty="0">
-                <a:solidFill>
-                  <a:schemeClr val="tx1">
-                    <a:lumMod val="75000"/>
-                    <a:lumOff val="25000"/>
-                  </a:schemeClr>
-                </a:solidFill>
-              </a:rPr>
-              <a:t>Lorem ipsum</a:t>
-            </a:r>
-            <a:endParaRPr lang="zh-CN" altLang="en-US" sz="2000" b="1" dirty="0">
-              <a:solidFill>
-                <a:schemeClr val="tx1">
-                  <a:lumMod val="75000"/>
-                  <a:lumOff val="25000"/>
-                </a:schemeClr>
-              </a:solidFill>
-            </a:endParaRPr>
-          </a:p>
-        </p:txBody>
-      </p:sp>
-      <p:sp>
-        <p:nvSpPr>
-          <p:cNvPr id="21" name="矩形 20"/>
-          <p:cNvSpPr/>
-          <p:nvPr/>
-        </p:nvSpPr>
-        <p:spPr>
-          <a:xfrm>
-            <a:off x="1344023" y="764961"/>
-            <a:ext cx="2196435" cy="261610"/>
-          </a:xfrm>
-          <a:prstGeom prst="rect">
-            <a:avLst/>
-          </a:prstGeom>
-        </p:spPr>
-        <p:txBody>
-          <a:bodyPr wrap="none">
-            <a:spAutoFit/>
-          </a:bodyPr>
-          <a:lstStyle/>
-          <a:p>
-            <a:r>
-              <a:rPr lang="en-US" altLang="zh-CN" sz="1100" dirty="0">
-                <a:solidFill>
-                  <a:schemeClr val="bg1">
-                    <a:lumMod val="50000"/>
-                  </a:schemeClr>
-                </a:solidFill>
-              </a:rPr>
-              <a:t>Lorem ipsum dolor sit </a:t>
-            </a:r>
-            <a:r>
-              <a:rPr lang="en-US" altLang="zh-CN" sz="1100" dirty="0" err="1">
-                <a:solidFill>
-                  <a:schemeClr val="bg1">
-                    <a:lumMod val="50000"/>
-                  </a:schemeClr>
-                </a:solidFill>
-              </a:rPr>
-              <a:t>amet</a:t>
-            </a:r>
-            <a:r>
-              <a:rPr lang="en-US" altLang="zh-CN" sz="1100" dirty="0">
-                <a:solidFill>
-                  <a:schemeClr val="bg1">
-                    <a:lumMod val="50000"/>
-                  </a:schemeClr>
-                </a:solidFill>
-              </a:rPr>
-              <a:t> </a:t>
-            </a:r>
-            <a:r>
-              <a:rPr lang="en-US" altLang="zh-CN" sz="1100" dirty="0" err="1">
-                <a:solidFill>
-                  <a:schemeClr val="bg1">
-                    <a:lumMod val="50000"/>
-                  </a:schemeClr>
-                </a:solidFill>
-              </a:rPr>
-              <a:t>kolor</a:t>
-            </a:r>
-            <a:endParaRPr lang="zh-CN" altLang="en-US" sz="1100" dirty="0">
-              <a:solidFill>
-                <a:schemeClr val="bg1">
-                  <a:lumMod val="50000"/>
-                </a:schemeClr>
-              </a:solidFill>
-            </a:endParaRPr>
+              <a:rPr lang="zh-CN" altLang="en-US" sz="2000" b="1" dirty="0"/>
+              <a:t>任意函数求积</a:t>
+            </a:r>
           </a:p>
         </p:txBody>
       </p:sp>
     </p:spTree>
     <p:extLst>
       <p:ext uri="{BB962C8B-B14F-4D97-AF65-F5344CB8AC3E}">
-        <p14:creationId xmlns:p14="http://schemas.microsoft.com/office/powerpoint/2010/main" val="287143242"/>
+        <p14:creationId xmlns:p14="http://schemas.microsoft.com/office/powerpoint/2010/main" val="1017150627"/>
       </p:ext>
     </p:extLst>
   </p:cSld>
@@ -2803,16 +2810,16 @@
       </p:grpSpPr>
       <p:sp>
         <p:nvSpPr>
-          <p:cNvPr id="4" name="椭圆 3"/>
-          <p:cNvSpPr/>
-          <p:nvPr/>
-        </p:nvSpPr>
-        <p:spPr>
-          <a:xfrm>
-            <a:off x="1615440" y="2057400"/>
-            <a:ext cx="2453640" cy="2453640"/>
-          </a:xfrm>
-          <a:prstGeom prst="ellipse">
+          <p:cNvPr id="3" name="矩形 2"/>
+          <p:cNvSpPr/>
+          <p:nvPr/>
+        </p:nvSpPr>
+        <p:spPr>
+          <a:xfrm>
+            <a:off x="811369" y="1899633"/>
+            <a:ext cx="5067837" cy="1506829"/>
+          </a:xfrm>
+          <a:prstGeom prst="rect">
             <a:avLst/>
           </a:prstGeom>
           <a:solidFill>
@@ -2845,22 +2852,26 @@
           <a:lstStyle/>
           <a:p>
             <a:pPr algn="ctr"/>
-            <a:endParaRPr lang="zh-CN" altLang="en-US"/>
-          </a:p>
-        </p:txBody>
-      </p:sp>
-      <p:sp>
-        <p:nvSpPr>
-          <p:cNvPr id="5" name="椭圆 4"/>
-          <p:cNvSpPr/>
-          <p:nvPr/>
-        </p:nvSpPr>
-        <p:spPr>
-          <a:xfrm>
-            <a:off x="3276495" y="3718455"/>
-            <a:ext cx="792585" cy="792585"/>
-          </a:xfrm>
-          <a:prstGeom prst="ellipse">
+            <a:endParaRPr lang="zh-CN" altLang="en-US">
+              <a:solidFill>
+                <a:schemeClr val="bg1"/>
+              </a:solidFill>
+            </a:endParaRPr>
+          </a:p>
+        </p:txBody>
+      </p:sp>
+      <p:sp>
+        <p:nvSpPr>
+          <p:cNvPr id="4" name="矩形 3"/>
+          <p:cNvSpPr/>
+          <p:nvPr/>
+        </p:nvSpPr>
+        <p:spPr>
+          <a:xfrm>
+            <a:off x="811369" y="3774604"/>
+            <a:ext cx="5067837" cy="1506829"/>
+          </a:xfrm>
+          <a:prstGeom prst="rect">
             <a:avLst/>
           </a:prstGeom>
           <a:solidFill>
@@ -2893,110 +2904,216 @@
           <a:lstStyle/>
           <a:p>
             <a:pPr algn="ctr"/>
-            <a:endParaRPr lang="zh-CN" altLang="en-US"/>
-          </a:p>
-        </p:txBody>
-      </p:sp>
-      <p:sp>
-        <p:nvSpPr>
-          <p:cNvPr id="6" name="MH_Others_1"/>
-          <p:cNvSpPr txBox="1"/>
-          <p:nvPr>
-            <p:custDataLst>
-              <p:tags r:id="rId1"/>
-            </p:custDataLst>
-          </p:nvPr>
-        </p:nvSpPr>
-        <p:spPr>
-          <a:xfrm>
-            <a:off x="864526" y="2860251"/>
-            <a:ext cx="3955467" cy="847938"/>
-          </a:xfrm>
-          <a:prstGeom prst="rect">
-            <a:avLst/>
-          </a:prstGeom>
-          <a:noFill/>
-        </p:spPr>
-        <p:txBody>
-          <a:bodyPr wrap="square" rtlCol="0">
-            <a:noAutofit/>
-          </a:bodyPr>
-          <a:lstStyle/>
-          <a:p>
-            <a:pPr algn="ctr"/>
-            <a:r>
-              <a:rPr lang="en-US" altLang="zh-CN" sz="4400" dirty="0">
-                <a:solidFill>
-                  <a:schemeClr val="bg1"/>
-                </a:solidFill>
-                <a:effectLst>
-                  <a:outerShdw blurRad="38100" dist="38100" dir="2700000" algn="tl">
-                    <a:srgbClr val="000000">
-                      <a:alpha val="43137"/>
-                    </a:srgbClr>
-                  </a:outerShdw>
-                </a:effectLst>
-                <a:latin typeface="+mj-lt"/>
-                <a:cs typeface="Arial" pitchFamily="34" charset="0"/>
-              </a:rPr>
-              <a:t>PART 5</a:t>
-            </a:r>
-            <a:endParaRPr lang="zh-CN" altLang="en-US" sz="4400" dirty="0">
+            <a:endParaRPr lang="zh-CN" altLang="en-US">
               <a:solidFill>
                 <a:schemeClr val="bg1"/>
               </a:solidFill>
-              <a:effectLst>
-                <a:outerShdw blurRad="38100" dist="38100" dir="2700000" algn="tl">
-                  <a:srgbClr val="000000">
-                    <a:alpha val="43137"/>
-                  </a:srgbClr>
-                </a:outerShdw>
-              </a:effectLst>
-              <a:latin typeface="+mj-lt"/>
-              <a:cs typeface="Arial" pitchFamily="34" charset="0"/>
             </a:endParaRPr>
           </a:p>
         </p:txBody>
       </p:sp>
       <p:sp>
         <p:nvSpPr>
-          <p:cNvPr id="8" name="文本框 7"/>
-          <p:cNvSpPr txBox="1"/>
-          <p:nvPr/>
-        </p:nvSpPr>
-        <p:spPr>
-          <a:xfrm>
-            <a:off x="4819992" y="3487622"/>
-            <a:ext cx="6318345" cy="461665"/>
-          </a:xfrm>
-          <a:prstGeom prst="rect">
-            <a:avLst/>
-          </a:prstGeom>
-          <a:noFill/>
-        </p:spPr>
-        <p:txBody>
-          <a:bodyPr wrap="square" rtlCol="0">
-            <a:spAutoFit/>
-          </a:bodyPr>
-          <a:lstStyle/>
-          <a:p>
-            <a:r>
-              <a:rPr lang="zh-CN" altLang="en-US" sz="1200" dirty="0"/>
-              <a:t>思考一下，你真的会解方程吗？至今为此你是否都是在无脑的套公式进行求根？本节内容带你学习如何利用各种奇技淫巧进行</a:t>
-            </a:r>
-          </a:p>
-        </p:txBody>
-      </p:sp>
-      <p:sp>
-        <p:nvSpPr>
-          <p:cNvPr id="2" name="矩形 1"/>
-          <p:cNvSpPr/>
-          <p:nvPr/>
-        </p:nvSpPr>
-        <p:spPr>
-          <a:xfrm>
-            <a:off x="4819993" y="3040204"/>
-            <a:ext cx="1467068" cy="400110"/>
+          <p:cNvPr id="7" name="矩形 6"/>
+          <p:cNvSpPr/>
+          <p:nvPr/>
+        </p:nvSpPr>
+        <p:spPr>
+          <a:xfrm>
+            <a:off x="6304209" y="3774604"/>
+            <a:ext cx="5067837" cy="1506829"/>
+          </a:xfrm>
+          <a:prstGeom prst="rect">
+            <a:avLst/>
+          </a:prstGeom>
+          <a:solidFill>
+            <a:srgbClr val="48A2A0">
+              <a:alpha val="70000"/>
+            </a:srgbClr>
+          </a:solidFill>
+          <a:ln>
+            <a:noFill/>
+          </a:ln>
+        </p:spPr>
+        <p:style>
+          <a:lnRef idx="2">
+            <a:schemeClr val="accent1">
+              <a:shade val="50000"/>
+            </a:schemeClr>
+          </a:lnRef>
+          <a:fillRef idx="1">
+            <a:schemeClr val="accent1"/>
+          </a:fillRef>
+          <a:effectRef idx="0">
+            <a:schemeClr val="accent1"/>
+          </a:effectRef>
+          <a:fontRef idx="minor">
+            <a:schemeClr val="lt1"/>
+          </a:fontRef>
+        </p:style>
+        <p:txBody>
+          <a:bodyPr rtlCol="0" anchor="ctr"/>
+          <a:lstStyle/>
+          <a:p>
+            <a:pPr algn="ctr"/>
+            <a:endParaRPr lang="zh-CN" altLang="en-US"/>
+          </a:p>
+        </p:txBody>
+      </p:sp>
+      <p:sp>
+        <p:nvSpPr>
+          <p:cNvPr id="8" name="矩形 7"/>
+          <p:cNvSpPr/>
+          <p:nvPr/>
+        </p:nvSpPr>
+        <p:spPr>
+          <a:xfrm>
+            <a:off x="6304209" y="1899633"/>
+            <a:ext cx="5067837" cy="1506829"/>
+          </a:xfrm>
+          <a:prstGeom prst="rect">
+            <a:avLst/>
+          </a:prstGeom>
+          <a:solidFill>
+            <a:srgbClr val="6C92C0">
+              <a:alpha val="70000"/>
+            </a:srgbClr>
+          </a:solidFill>
+          <a:ln>
+            <a:noFill/>
+          </a:ln>
+        </p:spPr>
+        <p:style>
+          <a:lnRef idx="2">
+            <a:schemeClr val="accent1">
+              <a:shade val="50000"/>
+            </a:schemeClr>
+          </a:lnRef>
+          <a:fillRef idx="1">
+            <a:schemeClr val="accent1"/>
+          </a:fillRef>
+          <a:effectRef idx="0">
+            <a:schemeClr val="accent1"/>
+          </a:effectRef>
+          <a:fontRef idx="minor">
+            <a:schemeClr val="lt1"/>
+          </a:fontRef>
+        </p:style>
+        <p:txBody>
+          <a:bodyPr rtlCol="0" anchor="ctr"/>
+          <a:lstStyle/>
+          <a:p>
+            <a:pPr algn="ctr"/>
+            <a:endParaRPr lang="zh-CN" altLang="en-US"/>
+          </a:p>
+        </p:txBody>
+      </p:sp>
+      <p:sp>
+        <p:nvSpPr>
+          <p:cNvPr id="17" name="椭圆 16"/>
+          <p:cNvSpPr/>
+          <p:nvPr/>
+        </p:nvSpPr>
+        <p:spPr>
+          <a:xfrm>
+            <a:off x="-1226820" y="-1346917"/>
+            <a:ext cx="2453640" cy="2453640"/>
+          </a:xfrm>
+          <a:prstGeom prst="ellipse">
+            <a:avLst/>
+          </a:prstGeom>
+          <a:solidFill>
+            <a:srgbClr val="48A2A0">
+              <a:alpha val="70000"/>
+            </a:srgbClr>
+          </a:solidFill>
+          <a:ln>
+            <a:noFill/>
+          </a:ln>
+        </p:spPr>
+        <p:style>
+          <a:lnRef idx="2">
+            <a:schemeClr val="accent1">
+              <a:shade val="50000"/>
+            </a:schemeClr>
+          </a:lnRef>
+          <a:fillRef idx="1">
+            <a:schemeClr val="accent1"/>
+          </a:fillRef>
+          <a:effectRef idx="0">
+            <a:schemeClr val="accent1"/>
+          </a:effectRef>
+          <a:fontRef idx="minor">
+            <a:schemeClr val="lt1"/>
+          </a:fontRef>
+        </p:style>
+        <p:txBody>
+          <a:bodyPr rtlCol="0" anchor="ctr"/>
+          <a:lstStyle/>
+          <a:p>
+            <a:pPr algn="ctr"/>
+            <a:endParaRPr lang="zh-CN" altLang="en-US"/>
+          </a:p>
+        </p:txBody>
+      </p:sp>
+      <p:sp>
+        <p:nvSpPr>
+          <p:cNvPr id="18" name="椭圆 17"/>
+          <p:cNvSpPr/>
+          <p:nvPr/>
+        </p:nvSpPr>
+        <p:spPr>
+          <a:xfrm>
+            <a:off x="434235" y="314138"/>
+            <a:ext cx="792585" cy="792585"/>
+          </a:xfrm>
+          <a:prstGeom prst="ellipse">
+            <a:avLst/>
+          </a:prstGeom>
+          <a:solidFill>
+            <a:srgbClr val="6C92C0">
+              <a:alpha val="70000"/>
+            </a:srgbClr>
+          </a:solidFill>
+          <a:ln>
+            <a:noFill/>
+          </a:ln>
+        </p:spPr>
+        <p:style>
+          <a:lnRef idx="2">
+            <a:schemeClr val="accent1">
+              <a:shade val="50000"/>
+            </a:schemeClr>
+          </a:lnRef>
+          <a:fillRef idx="1">
+            <a:schemeClr val="accent1"/>
+          </a:fillRef>
+          <a:effectRef idx="0">
+            <a:schemeClr val="accent1"/>
+          </a:effectRef>
+          <a:fontRef idx="minor">
+            <a:schemeClr val="lt1"/>
+          </a:fontRef>
+        </p:style>
+        <p:txBody>
+          <a:bodyPr rtlCol="0" anchor="ctr"/>
+          <a:lstStyle/>
+          <a:p>
+            <a:pPr algn="ctr"/>
+            <a:endParaRPr lang="zh-CN" altLang="en-US"/>
+          </a:p>
+        </p:txBody>
+      </p:sp>
+      <p:sp>
+        <p:nvSpPr>
+          <p:cNvPr id="20" name="矩形 19"/>
+          <p:cNvSpPr/>
+          <p:nvPr/>
+        </p:nvSpPr>
+        <p:spPr>
+          <a:xfrm>
+            <a:off x="1344023" y="448348"/>
+            <a:ext cx="1701107" cy="400110"/>
           </a:xfrm>
           <a:prstGeom prst="rect">
             <a:avLst/>
@@ -3009,16 +3126,102 @@
           <a:lstStyle/>
           <a:p>
             <a:r>
-              <a:rPr lang="zh-CN" altLang="en-US" sz="2000" b="1" dirty="0"/>
-              <a:t>解微分方程</a:t>
-            </a:r>
+              <a:rPr lang="en-US" altLang="zh-CN" sz="2000" b="1" dirty="0">
+                <a:solidFill>
+                  <a:schemeClr val="tx1">
+                    <a:lumMod val="75000"/>
+                    <a:lumOff val="25000"/>
+                  </a:schemeClr>
+                </a:solidFill>
+              </a:rPr>
+              <a:t>Lorem ipsum</a:t>
+            </a:r>
+            <a:endParaRPr lang="zh-CN" altLang="en-US" sz="2000" b="1" dirty="0">
+              <a:solidFill>
+                <a:schemeClr val="tx1">
+                  <a:lumMod val="75000"/>
+                  <a:lumOff val="25000"/>
+                </a:schemeClr>
+              </a:solidFill>
+            </a:endParaRPr>
+          </a:p>
+        </p:txBody>
+      </p:sp>
+      <p:sp>
+        <p:nvSpPr>
+          <p:cNvPr id="21" name="矩形 20"/>
+          <p:cNvSpPr/>
+          <p:nvPr/>
+        </p:nvSpPr>
+        <p:spPr>
+          <a:xfrm>
+            <a:off x="1344023" y="764961"/>
+            <a:ext cx="2196435" cy="261610"/>
+          </a:xfrm>
+          <a:prstGeom prst="rect">
+            <a:avLst/>
+          </a:prstGeom>
+        </p:spPr>
+        <p:txBody>
+          <a:bodyPr wrap="none">
+            <a:spAutoFit/>
+          </a:bodyPr>
+          <a:lstStyle/>
+          <a:p>
+            <a:r>
+              <a:rPr lang="en-US" altLang="zh-CN" sz="1100" dirty="0">
+                <a:solidFill>
+                  <a:schemeClr val="bg1">
+                    <a:lumMod val="50000"/>
+                  </a:schemeClr>
+                </a:solidFill>
+              </a:rPr>
+              <a:t>Lorem ipsum dolor sit </a:t>
+            </a:r>
+            <a:r>
+              <a:rPr lang="en-US" altLang="zh-CN" sz="1100" dirty="0" err="1">
+                <a:solidFill>
+                  <a:schemeClr val="bg1">
+                    <a:lumMod val="50000"/>
+                  </a:schemeClr>
+                </a:solidFill>
+              </a:rPr>
+              <a:t>amet</a:t>
+            </a:r>
+            <a:r>
+              <a:rPr lang="en-US" altLang="zh-CN" sz="1100" dirty="0">
+                <a:solidFill>
+                  <a:schemeClr val="bg1">
+                    <a:lumMod val="50000"/>
+                  </a:schemeClr>
+                </a:solidFill>
+              </a:rPr>
+              <a:t> </a:t>
+            </a:r>
+            <a:r>
+              <a:rPr lang="en-US" altLang="zh-CN" sz="1100" dirty="0" err="1">
+                <a:solidFill>
+                  <a:schemeClr val="bg1">
+                    <a:lumMod val="50000"/>
+                  </a:schemeClr>
+                </a:solidFill>
+              </a:rPr>
+              <a:t>kolor</a:t>
+            </a:r>
+            <a:endParaRPr lang="zh-CN" altLang="en-US" sz="1100" dirty="0">
+              <a:solidFill>
+                <a:schemeClr val="bg1">
+                  <a:lumMod val="50000"/>
+                </a:schemeClr>
+              </a:solidFill>
+            </a:endParaRPr>
           </a:p>
         </p:txBody>
       </p:sp>
     </p:spTree>
     <p:extLst>
       <p:ext uri="{BB962C8B-B14F-4D97-AF65-F5344CB8AC3E}">
-        <p14:creationId xmlns:p14="http://schemas.microsoft.com/office/powerpoint/2010/main" val="1695620384"/>
+        <p14:creationId xmlns:p14="http://schemas.microsoft.com/office/powerpoint/2010/main" val="3225602479"/>
       </p:ext>
     </p:extLst>
   </p:cSld>
@@ -3047,16 +3250,16 @@
       </p:grpSpPr>
       <p:sp>
         <p:nvSpPr>
-          <p:cNvPr id="3" name="矩形 2"/>
-          <p:cNvSpPr/>
-          <p:nvPr/>
-        </p:nvSpPr>
-        <p:spPr>
-          <a:xfrm>
-            <a:off x="811369" y="1899633"/>
-            <a:ext cx="5067837" cy="1506829"/>
-          </a:xfrm>
-          <a:prstGeom prst="rect">
+          <p:cNvPr id="4" name="椭圆 3"/>
+          <p:cNvSpPr/>
+          <p:nvPr/>
+        </p:nvSpPr>
+        <p:spPr>
+          <a:xfrm>
+            <a:off x="1615440" y="2057400"/>
+            <a:ext cx="2453640" cy="2453640"/>
+          </a:xfrm>
+          <a:prstGeom prst="ellipse">
             <a:avLst/>
           </a:prstGeom>
           <a:solidFill>
@@ -3089,26 +3292,22 @@
           <a:lstStyle/>
           <a:p>
             <a:pPr algn="ctr"/>
-            <a:endParaRPr lang="zh-CN" altLang="en-US">
-              <a:solidFill>
-                <a:schemeClr val="bg1"/>
-              </a:solidFill>
-            </a:endParaRPr>
-          </a:p>
-        </p:txBody>
-      </p:sp>
-      <p:sp>
-        <p:nvSpPr>
-          <p:cNvPr id="4" name="矩形 3"/>
-          <p:cNvSpPr/>
-          <p:nvPr/>
-        </p:nvSpPr>
-        <p:spPr>
-          <a:xfrm>
-            <a:off x="811369" y="3774604"/>
-            <a:ext cx="5067837" cy="1506829"/>
-          </a:xfrm>
-          <a:prstGeom prst="rect">
+            <a:endParaRPr lang="zh-CN" altLang="en-US"/>
+          </a:p>
+        </p:txBody>
+      </p:sp>
+      <p:sp>
+        <p:nvSpPr>
+          <p:cNvPr id="5" name="椭圆 4"/>
+          <p:cNvSpPr/>
+          <p:nvPr/>
+        </p:nvSpPr>
+        <p:spPr>
+          <a:xfrm>
+            <a:off x="3276495" y="3718455"/>
+            <a:ext cx="792585" cy="792585"/>
+          </a:xfrm>
+          <a:prstGeom prst="ellipse">
             <a:avLst/>
           </a:prstGeom>
           <a:solidFill>
@@ -3141,216 +3340,110 @@
           <a:lstStyle/>
           <a:p>
             <a:pPr algn="ctr"/>
-            <a:endParaRPr lang="zh-CN" altLang="en-US">
+            <a:endParaRPr lang="zh-CN" altLang="en-US"/>
+          </a:p>
+        </p:txBody>
+      </p:sp>
+      <p:sp>
+        <p:nvSpPr>
+          <p:cNvPr id="6" name="MH_Others_1"/>
+          <p:cNvSpPr txBox="1"/>
+          <p:nvPr>
+            <p:custDataLst>
+              <p:tags r:id="rId1"/>
+            </p:custDataLst>
+          </p:nvPr>
+        </p:nvSpPr>
+        <p:spPr>
+          <a:xfrm>
+            <a:off x="864526" y="2860251"/>
+            <a:ext cx="3955467" cy="847938"/>
+          </a:xfrm>
+          <a:prstGeom prst="rect">
+            <a:avLst/>
+          </a:prstGeom>
+          <a:noFill/>
+        </p:spPr>
+        <p:txBody>
+          <a:bodyPr wrap="square" rtlCol="0">
+            <a:noAutofit/>
+          </a:bodyPr>
+          <a:lstStyle/>
+          <a:p>
+            <a:pPr algn="ctr"/>
+            <a:r>
+              <a:rPr lang="en-US" altLang="zh-CN" sz="4400" dirty="0">
+                <a:solidFill>
+                  <a:schemeClr val="bg1"/>
+                </a:solidFill>
+                <a:effectLst>
+                  <a:outerShdw blurRad="38100" dist="38100" dir="2700000" algn="tl">
+                    <a:srgbClr val="000000">
+                      <a:alpha val="43137"/>
+                    </a:srgbClr>
+                  </a:outerShdw>
+                </a:effectLst>
+                <a:latin typeface="+mj-lt"/>
+                <a:cs typeface="Arial" pitchFamily="34" charset="0"/>
+              </a:rPr>
+              <a:t>PART 4</a:t>
+            </a:r>
+            <a:endParaRPr lang="zh-CN" altLang="en-US" sz="4400" dirty="0">
               <a:solidFill>
                 <a:schemeClr val="bg1"/>
               </a:solidFill>
+              <a:effectLst>
+                <a:outerShdw blurRad="38100" dist="38100" dir="2700000" algn="tl">
+                  <a:srgbClr val="000000">
+                    <a:alpha val="43137"/>
+                  </a:srgbClr>
+                </a:outerShdw>
+              </a:effectLst>
+              <a:latin typeface="+mj-lt"/>
+              <a:cs typeface="Arial" pitchFamily="34" charset="0"/>
             </a:endParaRPr>
           </a:p>
         </p:txBody>
       </p:sp>
       <p:sp>
         <p:nvSpPr>
-          <p:cNvPr id="7" name="矩形 6"/>
-          <p:cNvSpPr/>
-          <p:nvPr/>
-        </p:nvSpPr>
-        <p:spPr>
-          <a:xfrm>
-            <a:off x="6304209" y="3774604"/>
-            <a:ext cx="5067837" cy="1506829"/>
-          </a:xfrm>
-          <a:prstGeom prst="rect">
-            <a:avLst/>
-          </a:prstGeom>
-          <a:solidFill>
-            <a:srgbClr val="48A2A0">
-              <a:alpha val="70000"/>
-            </a:srgbClr>
-          </a:solidFill>
-          <a:ln>
-            <a:noFill/>
-          </a:ln>
-        </p:spPr>
-        <p:style>
-          <a:lnRef idx="2">
-            <a:schemeClr val="accent1">
-              <a:shade val="50000"/>
-            </a:schemeClr>
-          </a:lnRef>
-          <a:fillRef idx="1">
-            <a:schemeClr val="accent1"/>
-          </a:fillRef>
-          <a:effectRef idx="0">
-            <a:schemeClr val="accent1"/>
-          </a:effectRef>
-          <a:fontRef idx="minor">
-            <a:schemeClr val="lt1"/>
-          </a:fontRef>
-        </p:style>
-        <p:txBody>
-          <a:bodyPr rtlCol="0" anchor="ctr"/>
-          <a:lstStyle/>
-          <a:p>
-            <a:pPr algn="ctr"/>
-            <a:endParaRPr lang="zh-CN" altLang="en-US"/>
-          </a:p>
-        </p:txBody>
-      </p:sp>
-      <p:sp>
-        <p:nvSpPr>
-          <p:cNvPr id="8" name="矩形 7"/>
-          <p:cNvSpPr/>
-          <p:nvPr/>
-        </p:nvSpPr>
-        <p:spPr>
-          <a:xfrm>
-            <a:off x="6304209" y="1899633"/>
-            <a:ext cx="5067837" cy="1506829"/>
-          </a:xfrm>
-          <a:prstGeom prst="rect">
-            <a:avLst/>
-          </a:prstGeom>
-          <a:solidFill>
-            <a:srgbClr val="6C92C0">
-              <a:alpha val="70000"/>
-            </a:srgbClr>
-          </a:solidFill>
-          <a:ln>
-            <a:noFill/>
-          </a:ln>
-        </p:spPr>
-        <p:style>
-          <a:lnRef idx="2">
-            <a:schemeClr val="accent1">
-              <a:shade val="50000"/>
-            </a:schemeClr>
-          </a:lnRef>
-          <a:fillRef idx="1">
-            <a:schemeClr val="accent1"/>
-          </a:fillRef>
-          <a:effectRef idx="0">
-            <a:schemeClr val="accent1"/>
-          </a:effectRef>
-          <a:fontRef idx="minor">
-            <a:schemeClr val="lt1"/>
-          </a:fontRef>
-        </p:style>
-        <p:txBody>
-          <a:bodyPr rtlCol="0" anchor="ctr"/>
-          <a:lstStyle/>
-          <a:p>
-            <a:pPr algn="ctr"/>
-            <a:endParaRPr lang="zh-CN" altLang="en-US"/>
-          </a:p>
-        </p:txBody>
-      </p:sp>
-      <p:sp>
-        <p:nvSpPr>
-          <p:cNvPr id="17" name="椭圆 16"/>
-          <p:cNvSpPr/>
-          <p:nvPr/>
-        </p:nvSpPr>
-        <p:spPr>
-          <a:xfrm>
-            <a:off x="-1226820" y="-1346917"/>
-            <a:ext cx="2453640" cy="2453640"/>
-          </a:xfrm>
-          <a:prstGeom prst="ellipse">
-            <a:avLst/>
-          </a:prstGeom>
-          <a:solidFill>
-            <a:srgbClr val="48A2A0">
-              <a:alpha val="70000"/>
-            </a:srgbClr>
-          </a:solidFill>
-          <a:ln>
-            <a:noFill/>
-          </a:ln>
-        </p:spPr>
-        <p:style>
-          <a:lnRef idx="2">
-            <a:schemeClr val="accent1">
-              <a:shade val="50000"/>
-            </a:schemeClr>
-          </a:lnRef>
-          <a:fillRef idx="1">
-            <a:schemeClr val="accent1"/>
-          </a:fillRef>
-          <a:effectRef idx="0">
-            <a:schemeClr val="accent1"/>
-          </a:effectRef>
-          <a:fontRef idx="minor">
-            <a:schemeClr val="lt1"/>
-          </a:fontRef>
-        </p:style>
-        <p:txBody>
-          <a:bodyPr rtlCol="0" anchor="ctr"/>
-          <a:lstStyle/>
-          <a:p>
-            <a:pPr algn="ctr"/>
-            <a:endParaRPr lang="zh-CN" altLang="en-US"/>
-          </a:p>
-        </p:txBody>
-      </p:sp>
-      <p:sp>
-        <p:nvSpPr>
-          <p:cNvPr id="18" name="椭圆 17"/>
-          <p:cNvSpPr/>
-          <p:nvPr/>
-        </p:nvSpPr>
-        <p:spPr>
-          <a:xfrm>
-            <a:off x="434235" y="314138"/>
-            <a:ext cx="792585" cy="792585"/>
-          </a:xfrm>
-          <a:prstGeom prst="ellipse">
-            <a:avLst/>
-          </a:prstGeom>
-          <a:solidFill>
-            <a:srgbClr val="6C92C0">
-              <a:alpha val="70000"/>
-            </a:srgbClr>
-          </a:solidFill>
-          <a:ln>
-            <a:noFill/>
-          </a:ln>
-        </p:spPr>
-        <p:style>
-          <a:lnRef idx="2">
-            <a:schemeClr val="accent1">
-              <a:shade val="50000"/>
-            </a:schemeClr>
-          </a:lnRef>
-          <a:fillRef idx="1">
-            <a:schemeClr val="accent1"/>
-          </a:fillRef>
-          <a:effectRef idx="0">
-            <a:schemeClr val="accent1"/>
-          </a:effectRef>
-          <a:fontRef idx="minor">
-            <a:schemeClr val="lt1"/>
-          </a:fontRef>
-        </p:style>
-        <p:txBody>
-          <a:bodyPr rtlCol="0" anchor="ctr"/>
-          <a:lstStyle/>
-          <a:p>
-            <a:pPr algn="ctr"/>
-            <a:endParaRPr lang="zh-CN" altLang="en-US"/>
-          </a:p>
-        </p:txBody>
-      </p:sp>
-      <p:sp>
-        <p:nvSpPr>
-          <p:cNvPr id="20" name="矩形 19"/>
-          <p:cNvSpPr/>
-          <p:nvPr/>
-        </p:nvSpPr>
-        <p:spPr>
-          <a:xfrm>
-            <a:off x="1344023" y="448348"/>
-            <a:ext cx="1701107" cy="400110"/>
+          <p:cNvPr id="8" name="文本框 7"/>
+          <p:cNvSpPr txBox="1"/>
+          <p:nvPr/>
+        </p:nvSpPr>
+        <p:spPr>
+          <a:xfrm>
+            <a:off x="4819992" y="3487622"/>
+            <a:ext cx="6318345" cy="461665"/>
+          </a:xfrm>
+          <a:prstGeom prst="rect">
+            <a:avLst/>
+          </a:prstGeom>
+          <a:noFill/>
+        </p:spPr>
+        <p:txBody>
+          <a:bodyPr wrap="square" rtlCol="0">
+            <a:spAutoFit/>
+          </a:bodyPr>
+          <a:lstStyle/>
+          <a:p>
+            <a:r>
+              <a:rPr lang="zh-CN" altLang="en-US" sz="1200" dirty="0"/>
+              <a:t>思考一下，你真的会解方程吗？至今为此你是否都是在无脑的套公式进行求根？本节内容带你学习如何利用各种奇技淫巧进行</a:t>
+            </a:r>
+          </a:p>
+        </p:txBody>
+      </p:sp>
+      <p:sp>
+        <p:nvSpPr>
+          <p:cNvPr id="2" name="矩形 1"/>
+          <p:cNvSpPr/>
+          <p:nvPr/>
+        </p:nvSpPr>
+        <p:spPr>
+          <a:xfrm>
+            <a:off x="4819993" y="3040204"/>
+            <a:ext cx="1723549" cy="400110"/>
           </a:xfrm>
           <a:prstGeom prst="rect">
             <a:avLst/>
@@ -3363,102 +3456,16 @@
           <a:lstStyle/>
           <a:p>
             <a:r>
-              <a:rPr lang="en-US" altLang="zh-CN" sz="2000" b="1" dirty="0">
-                <a:solidFill>
-                  <a:schemeClr val="tx1">
-                    <a:lumMod val="75000"/>
-                    <a:lumOff val="25000"/>
-                  </a:schemeClr>
-                </a:solidFill>
-              </a:rPr>
-              <a:t>Lorem ipsum</a:t>
-            </a:r>
-            <a:endParaRPr lang="zh-CN" altLang="en-US" sz="2000" b="1" dirty="0">
-              <a:solidFill>
-                <a:schemeClr val="tx1">
-                  <a:lumMod val="75000"/>
-                  <a:lumOff val="25000"/>
-                </a:schemeClr>
-              </a:solidFill>
-            </a:endParaRPr>
-          </a:p>
-        </p:txBody>
-      </p:sp>
-      <p:sp>
-        <p:nvSpPr>
-          <p:cNvPr id="21" name="矩形 20"/>
-          <p:cNvSpPr/>
-          <p:nvPr/>
-        </p:nvSpPr>
-        <p:spPr>
-          <a:xfrm>
-            <a:off x="1344023" y="764961"/>
-            <a:ext cx="2196435" cy="261610"/>
-          </a:xfrm>
-          <a:prstGeom prst="rect">
-            <a:avLst/>
-          </a:prstGeom>
-        </p:spPr>
-        <p:txBody>
-          <a:bodyPr wrap="none">
-            <a:spAutoFit/>
-          </a:bodyPr>
-          <a:lstStyle/>
-          <a:p>
-            <a:r>
-              <a:rPr lang="en-US" altLang="zh-CN" sz="1100" dirty="0">
-                <a:solidFill>
-                  <a:schemeClr val="bg1">
-                    <a:lumMod val="50000"/>
-                  </a:schemeClr>
-                </a:solidFill>
-              </a:rPr>
-              <a:t>Lorem ipsum dolor sit </a:t>
-            </a:r>
-            <a:r>
-              <a:rPr lang="en-US" altLang="zh-CN" sz="1100" dirty="0" err="1">
-                <a:solidFill>
-                  <a:schemeClr val="bg1">
-                    <a:lumMod val="50000"/>
-                  </a:schemeClr>
-                </a:solidFill>
-              </a:rPr>
-              <a:t>amet</a:t>
-            </a:r>
-            <a:r>
-              <a:rPr lang="en-US" altLang="zh-CN" sz="1100" dirty="0">
-                <a:solidFill>
-                  <a:schemeClr val="bg1">
-                    <a:lumMod val="50000"/>
-                  </a:schemeClr>
-                </a:solidFill>
-              </a:rPr>
-              <a:t> </a:t>
-            </a:r>
-            <a:r>
-              <a:rPr lang="en-US" altLang="zh-CN" sz="1100" dirty="0" err="1">
-                <a:solidFill>
-                  <a:schemeClr val="bg1">
-                    <a:lumMod val="50000"/>
-                  </a:schemeClr>
-                </a:solidFill>
-              </a:rPr>
-              <a:t>kolor</a:t>
-            </a:r>
-            <a:endParaRPr lang="zh-CN" altLang="en-US" sz="1100" dirty="0">
-              <a:solidFill>
-                <a:schemeClr val="bg1">
-                  <a:lumMod val="50000"/>
-                </a:schemeClr>
-              </a:solidFill>
-            </a:endParaRPr>
+              <a:rPr lang="zh-CN" altLang="en-US" sz="2000" b="1" dirty="0"/>
+              <a:t>解线性方程组</a:t>
+            </a:r>
           </a:p>
         </p:txBody>
       </p:sp>
     </p:spTree>
     <p:extLst>
       <p:ext uri="{BB962C8B-B14F-4D97-AF65-F5344CB8AC3E}">
-        <p14:creationId xmlns:p14="http://schemas.microsoft.com/office/powerpoint/2010/main" val="4185198318"/>
+        <p14:creationId xmlns:p14="http://schemas.microsoft.com/office/powerpoint/2010/main" val="823880490"/>
       </p:ext>
     </p:extLst>
   </p:cSld>
@@ -3898,6 +3905,1130 @@
     </p:spTree>
     <p:extLst>
       <p:ext uri="{BB962C8B-B14F-4D97-AF65-F5344CB8AC3E}">
+        <p14:creationId xmlns:p14="http://schemas.microsoft.com/office/powerpoint/2010/main" val="287143242"/>
+      </p:ext>
+    </p:extLst>
+  </p:cSld>
+  <p:clrMapOvr>
+    <a:masterClrMapping/>
+  </p:clrMapOvr>
+</p:sld>
+</file>
+
+<file path=ppt/slides/slide17.xml><?xml version="1.0" encoding="utf-8"?>
+<p:sld xmlns:a="http://schemas.openxmlformats.org/drawingml/2006/main" xmlns:r="http://schemas.openxmlformats.org/officeDocument/2006/relationships" xmlns:p="http://schemas.openxmlformats.org/presentationml/2006/main">
+  <p:cSld>
+    <p:spTree>
+      <p:nvGrpSpPr>
+        <p:cNvPr id="1" name=""/>
+        <p:cNvGrpSpPr/>
+        <p:nvPr/>
+      </p:nvGrpSpPr>
+      <p:grpSpPr>
+        <a:xfrm>
+          <a:off x="0" y="0"/>
+          <a:ext cx="0" cy="0"/>
+          <a:chOff x="0" y="0"/>
+          <a:chExt cx="0" cy="0"/>
+        </a:xfrm>
+      </p:grpSpPr>
+      <p:sp>
+        <p:nvSpPr>
+          <p:cNvPr id="4" name="椭圆 3"/>
+          <p:cNvSpPr/>
+          <p:nvPr/>
+        </p:nvSpPr>
+        <p:spPr>
+          <a:xfrm>
+            <a:off x="1615440" y="2057400"/>
+            <a:ext cx="2453640" cy="2453640"/>
+          </a:xfrm>
+          <a:prstGeom prst="ellipse">
+            <a:avLst/>
+          </a:prstGeom>
+          <a:solidFill>
+            <a:srgbClr val="48A2A0">
+              <a:alpha val="70000"/>
+            </a:srgbClr>
+          </a:solidFill>
+          <a:ln>
+            <a:noFill/>
+          </a:ln>
+        </p:spPr>
+        <p:style>
+          <a:lnRef idx="2">
+            <a:schemeClr val="accent1">
+              <a:shade val="50000"/>
+            </a:schemeClr>
+          </a:lnRef>
+          <a:fillRef idx="1">
+            <a:schemeClr val="accent1"/>
+          </a:fillRef>
+          <a:effectRef idx="0">
+            <a:schemeClr val="accent1"/>
+          </a:effectRef>
+          <a:fontRef idx="minor">
+            <a:schemeClr val="lt1"/>
+          </a:fontRef>
+        </p:style>
+        <p:txBody>
+          <a:bodyPr rtlCol="0" anchor="ctr"/>
+          <a:lstStyle/>
+          <a:p>
+            <a:pPr algn="ctr"/>
+            <a:endParaRPr lang="zh-CN" altLang="en-US"/>
+          </a:p>
+        </p:txBody>
+      </p:sp>
+      <p:sp>
+        <p:nvSpPr>
+          <p:cNvPr id="5" name="椭圆 4"/>
+          <p:cNvSpPr/>
+          <p:nvPr/>
+        </p:nvSpPr>
+        <p:spPr>
+          <a:xfrm>
+            <a:off x="3276495" y="3718455"/>
+            <a:ext cx="792585" cy="792585"/>
+          </a:xfrm>
+          <a:prstGeom prst="ellipse">
+            <a:avLst/>
+          </a:prstGeom>
+          <a:solidFill>
+            <a:srgbClr val="6C92C0">
+              <a:alpha val="70000"/>
+            </a:srgbClr>
+          </a:solidFill>
+          <a:ln>
+            <a:noFill/>
+          </a:ln>
+        </p:spPr>
+        <p:style>
+          <a:lnRef idx="2">
+            <a:schemeClr val="accent1">
+              <a:shade val="50000"/>
+            </a:schemeClr>
+          </a:lnRef>
+          <a:fillRef idx="1">
+            <a:schemeClr val="accent1"/>
+          </a:fillRef>
+          <a:effectRef idx="0">
+            <a:schemeClr val="accent1"/>
+          </a:effectRef>
+          <a:fontRef idx="minor">
+            <a:schemeClr val="lt1"/>
+          </a:fontRef>
+        </p:style>
+        <p:txBody>
+          <a:bodyPr rtlCol="0" anchor="ctr"/>
+          <a:lstStyle/>
+          <a:p>
+            <a:pPr algn="ctr"/>
+            <a:endParaRPr lang="zh-CN" altLang="en-US"/>
+          </a:p>
+        </p:txBody>
+      </p:sp>
+      <p:sp>
+        <p:nvSpPr>
+          <p:cNvPr id="6" name="MH_Others_1"/>
+          <p:cNvSpPr txBox="1"/>
+          <p:nvPr>
+            <p:custDataLst>
+              <p:tags r:id="rId1"/>
+            </p:custDataLst>
+          </p:nvPr>
+        </p:nvSpPr>
+        <p:spPr>
+          <a:xfrm>
+            <a:off x="864526" y="2860251"/>
+            <a:ext cx="3955467" cy="847938"/>
+          </a:xfrm>
+          <a:prstGeom prst="rect">
+            <a:avLst/>
+          </a:prstGeom>
+          <a:noFill/>
+        </p:spPr>
+        <p:txBody>
+          <a:bodyPr wrap="square" rtlCol="0">
+            <a:noAutofit/>
+          </a:bodyPr>
+          <a:lstStyle/>
+          <a:p>
+            <a:pPr algn="ctr"/>
+            <a:r>
+              <a:rPr lang="en-US" altLang="zh-CN" sz="4400" dirty="0">
+                <a:solidFill>
+                  <a:schemeClr val="bg1"/>
+                </a:solidFill>
+                <a:effectLst>
+                  <a:outerShdw blurRad="38100" dist="38100" dir="2700000" algn="tl">
+                    <a:srgbClr val="000000">
+                      <a:alpha val="43137"/>
+                    </a:srgbClr>
+                  </a:outerShdw>
+                </a:effectLst>
+                <a:latin typeface="+mj-lt"/>
+                <a:cs typeface="Arial" pitchFamily="34" charset="0"/>
+              </a:rPr>
+              <a:t>PART 5</a:t>
+            </a:r>
+            <a:endParaRPr lang="zh-CN" altLang="en-US" sz="4400" dirty="0">
+              <a:solidFill>
+                <a:schemeClr val="bg1"/>
+              </a:solidFill>
+              <a:effectLst>
+                <a:outerShdw blurRad="38100" dist="38100" dir="2700000" algn="tl">
+                  <a:srgbClr val="000000">
+                    <a:alpha val="43137"/>
+                  </a:srgbClr>
+                </a:outerShdw>
+              </a:effectLst>
+              <a:latin typeface="+mj-lt"/>
+              <a:cs typeface="Arial" pitchFamily="34" charset="0"/>
+            </a:endParaRPr>
+          </a:p>
+        </p:txBody>
+      </p:sp>
+      <p:sp>
+        <p:nvSpPr>
+          <p:cNvPr id="8" name="文本框 7"/>
+          <p:cNvSpPr txBox="1"/>
+          <p:nvPr/>
+        </p:nvSpPr>
+        <p:spPr>
+          <a:xfrm>
+            <a:off x="4819992" y="3487622"/>
+            <a:ext cx="6318345" cy="461665"/>
+          </a:xfrm>
+          <a:prstGeom prst="rect">
+            <a:avLst/>
+          </a:prstGeom>
+          <a:noFill/>
+        </p:spPr>
+        <p:txBody>
+          <a:bodyPr wrap="square" rtlCol="0">
+            <a:spAutoFit/>
+          </a:bodyPr>
+          <a:lstStyle/>
+          <a:p>
+            <a:r>
+              <a:rPr lang="zh-CN" altLang="en-US" sz="1200" dirty="0"/>
+              <a:t>思考一下，你真的会解方程吗？至今为此你是否都是在无脑的套公式进行求根？本节内容带你学习如何利用各种奇技淫巧进行</a:t>
+            </a:r>
+          </a:p>
+        </p:txBody>
+      </p:sp>
+      <p:sp>
+        <p:nvSpPr>
+          <p:cNvPr id="2" name="矩形 1"/>
+          <p:cNvSpPr/>
+          <p:nvPr/>
+        </p:nvSpPr>
+        <p:spPr>
+          <a:xfrm>
+            <a:off x="4819993" y="3040204"/>
+            <a:ext cx="1467068" cy="400110"/>
+          </a:xfrm>
+          <a:prstGeom prst="rect">
+            <a:avLst/>
+          </a:prstGeom>
+        </p:spPr>
+        <p:txBody>
+          <a:bodyPr wrap="none">
+            <a:spAutoFit/>
+          </a:bodyPr>
+          <a:lstStyle/>
+          <a:p>
+            <a:r>
+              <a:rPr lang="zh-CN" altLang="en-US" sz="2000" b="1" dirty="0"/>
+              <a:t>解微分方程</a:t>
+            </a:r>
+          </a:p>
+        </p:txBody>
+      </p:sp>
+    </p:spTree>
+    <p:extLst>
+      <p:ext uri="{BB962C8B-B14F-4D97-AF65-F5344CB8AC3E}">
+        <p14:creationId xmlns:p14="http://schemas.microsoft.com/office/powerpoint/2010/main" val="1695620384"/>
+      </p:ext>
+    </p:extLst>
+  </p:cSld>
+  <p:clrMapOvr>
+    <a:masterClrMapping/>
+  </p:clrMapOvr>
+</p:sld>
+</file>
+
+<file path=ppt/slides/slide18.xml><?xml version="1.0" encoding="utf-8"?>
+<p:sld xmlns:a="http://schemas.openxmlformats.org/drawingml/2006/main" xmlns:r="http://schemas.openxmlformats.org/officeDocument/2006/relationships" xmlns:p="http://schemas.openxmlformats.org/presentationml/2006/main">
+  <p:cSld>
+    <p:spTree>
+      <p:nvGrpSpPr>
+        <p:cNvPr id="1" name=""/>
+        <p:cNvGrpSpPr/>
+        <p:nvPr/>
+      </p:nvGrpSpPr>
+      <p:grpSpPr>
+        <a:xfrm>
+          <a:off x="0" y="0"/>
+          <a:ext cx="0" cy="0"/>
+          <a:chOff x="0" y="0"/>
+          <a:chExt cx="0" cy="0"/>
+        </a:xfrm>
+      </p:grpSpPr>
+      <p:sp>
+        <p:nvSpPr>
+          <p:cNvPr id="3" name="矩形 2"/>
+          <p:cNvSpPr/>
+          <p:nvPr/>
+        </p:nvSpPr>
+        <p:spPr>
+          <a:xfrm>
+            <a:off x="811369" y="1899633"/>
+            <a:ext cx="5067837" cy="1506829"/>
+          </a:xfrm>
+          <a:prstGeom prst="rect">
+            <a:avLst/>
+          </a:prstGeom>
+          <a:solidFill>
+            <a:srgbClr val="48A2A0">
+              <a:alpha val="70000"/>
+            </a:srgbClr>
+          </a:solidFill>
+          <a:ln>
+            <a:noFill/>
+          </a:ln>
+        </p:spPr>
+        <p:style>
+          <a:lnRef idx="2">
+            <a:schemeClr val="accent1">
+              <a:shade val="50000"/>
+            </a:schemeClr>
+          </a:lnRef>
+          <a:fillRef idx="1">
+            <a:schemeClr val="accent1"/>
+          </a:fillRef>
+          <a:effectRef idx="0">
+            <a:schemeClr val="accent1"/>
+          </a:effectRef>
+          <a:fontRef idx="minor">
+            <a:schemeClr val="lt1"/>
+          </a:fontRef>
+        </p:style>
+        <p:txBody>
+          <a:bodyPr rtlCol="0" anchor="ctr"/>
+          <a:lstStyle/>
+          <a:p>
+            <a:pPr algn="ctr"/>
+            <a:endParaRPr lang="zh-CN" altLang="en-US">
+              <a:solidFill>
+                <a:schemeClr val="bg1"/>
+              </a:solidFill>
+            </a:endParaRPr>
+          </a:p>
+        </p:txBody>
+      </p:sp>
+      <p:sp>
+        <p:nvSpPr>
+          <p:cNvPr id="4" name="矩形 3"/>
+          <p:cNvSpPr/>
+          <p:nvPr/>
+        </p:nvSpPr>
+        <p:spPr>
+          <a:xfrm>
+            <a:off x="811369" y="3774604"/>
+            <a:ext cx="5067837" cy="1506829"/>
+          </a:xfrm>
+          <a:prstGeom prst="rect">
+            <a:avLst/>
+          </a:prstGeom>
+          <a:solidFill>
+            <a:srgbClr val="6C92C0">
+              <a:alpha val="70000"/>
+            </a:srgbClr>
+          </a:solidFill>
+          <a:ln>
+            <a:noFill/>
+          </a:ln>
+        </p:spPr>
+        <p:style>
+          <a:lnRef idx="2">
+            <a:schemeClr val="accent1">
+              <a:shade val="50000"/>
+            </a:schemeClr>
+          </a:lnRef>
+          <a:fillRef idx="1">
+            <a:schemeClr val="accent1"/>
+          </a:fillRef>
+          <a:effectRef idx="0">
+            <a:schemeClr val="accent1"/>
+          </a:effectRef>
+          <a:fontRef idx="minor">
+            <a:schemeClr val="lt1"/>
+          </a:fontRef>
+        </p:style>
+        <p:txBody>
+          <a:bodyPr rtlCol="0" anchor="ctr"/>
+          <a:lstStyle/>
+          <a:p>
+            <a:pPr algn="ctr"/>
+            <a:endParaRPr lang="zh-CN" altLang="en-US">
+              <a:solidFill>
+                <a:schemeClr val="bg1"/>
+              </a:solidFill>
+            </a:endParaRPr>
+          </a:p>
+        </p:txBody>
+      </p:sp>
+      <p:sp>
+        <p:nvSpPr>
+          <p:cNvPr id="7" name="矩形 6"/>
+          <p:cNvSpPr/>
+          <p:nvPr/>
+        </p:nvSpPr>
+        <p:spPr>
+          <a:xfrm>
+            <a:off x="6304209" y="3774604"/>
+            <a:ext cx="5067837" cy="1506829"/>
+          </a:xfrm>
+          <a:prstGeom prst="rect">
+            <a:avLst/>
+          </a:prstGeom>
+          <a:solidFill>
+            <a:srgbClr val="48A2A0">
+              <a:alpha val="70000"/>
+            </a:srgbClr>
+          </a:solidFill>
+          <a:ln>
+            <a:noFill/>
+          </a:ln>
+        </p:spPr>
+        <p:style>
+          <a:lnRef idx="2">
+            <a:schemeClr val="accent1">
+              <a:shade val="50000"/>
+            </a:schemeClr>
+          </a:lnRef>
+          <a:fillRef idx="1">
+            <a:schemeClr val="accent1"/>
+          </a:fillRef>
+          <a:effectRef idx="0">
+            <a:schemeClr val="accent1"/>
+          </a:effectRef>
+          <a:fontRef idx="minor">
+            <a:schemeClr val="lt1"/>
+          </a:fontRef>
+        </p:style>
+        <p:txBody>
+          <a:bodyPr rtlCol="0" anchor="ctr"/>
+          <a:lstStyle/>
+          <a:p>
+            <a:pPr algn="ctr"/>
+            <a:endParaRPr lang="zh-CN" altLang="en-US"/>
+          </a:p>
+        </p:txBody>
+      </p:sp>
+      <p:sp>
+        <p:nvSpPr>
+          <p:cNvPr id="8" name="矩形 7"/>
+          <p:cNvSpPr/>
+          <p:nvPr/>
+        </p:nvSpPr>
+        <p:spPr>
+          <a:xfrm>
+            <a:off x="6304209" y="1899633"/>
+            <a:ext cx="5067837" cy="1506829"/>
+          </a:xfrm>
+          <a:prstGeom prst="rect">
+            <a:avLst/>
+          </a:prstGeom>
+          <a:solidFill>
+            <a:srgbClr val="6C92C0">
+              <a:alpha val="70000"/>
+            </a:srgbClr>
+          </a:solidFill>
+          <a:ln>
+            <a:noFill/>
+          </a:ln>
+        </p:spPr>
+        <p:style>
+          <a:lnRef idx="2">
+            <a:schemeClr val="accent1">
+              <a:shade val="50000"/>
+            </a:schemeClr>
+          </a:lnRef>
+          <a:fillRef idx="1">
+            <a:schemeClr val="accent1"/>
+          </a:fillRef>
+          <a:effectRef idx="0">
+            <a:schemeClr val="accent1"/>
+          </a:effectRef>
+          <a:fontRef idx="minor">
+            <a:schemeClr val="lt1"/>
+          </a:fontRef>
+        </p:style>
+        <p:txBody>
+          <a:bodyPr rtlCol="0" anchor="ctr"/>
+          <a:lstStyle/>
+          <a:p>
+            <a:pPr algn="ctr"/>
+            <a:endParaRPr lang="zh-CN" altLang="en-US"/>
+          </a:p>
+        </p:txBody>
+      </p:sp>
+      <p:sp>
+        <p:nvSpPr>
+          <p:cNvPr id="17" name="椭圆 16"/>
+          <p:cNvSpPr/>
+          <p:nvPr/>
+        </p:nvSpPr>
+        <p:spPr>
+          <a:xfrm>
+            <a:off x="-1226820" y="-1346917"/>
+            <a:ext cx="2453640" cy="2453640"/>
+          </a:xfrm>
+          <a:prstGeom prst="ellipse">
+            <a:avLst/>
+          </a:prstGeom>
+          <a:solidFill>
+            <a:srgbClr val="48A2A0">
+              <a:alpha val="70000"/>
+            </a:srgbClr>
+          </a:solidFill>
+          <a:ln>
+            <a:noFill/>
+          </a:ln>
+        </p:spPr>
+        <p:style>
+          <a:lnRef idx="2">
+            <a:schemeClr val="accent1">
+              <a:shade val="50000"/>
+            </a:schemeClr>
+          </a:lnRef>
+          <a:fillRef idx="1">
+            <a:schemeClr val="accent1"/>
+          </a:fillRef>
+          <a:effectRef idx="0">
+            <a:schemeClr val="accent1"/>
+          </a:effectRef>
+          <a:fontRef idx="minor">
+            <a:schemeClr val="lt1"/>
+          </a:fontRef>
+        </p:style>
+        <p:txBody>
+          <a:bodyPr rtlCol="0" anchor="ctr"/>
+          <a:lstStyle/>
+          <a:p>
+            <a:pPr algn="ctr"/>
+            <a:endParaRPr lang="zh-CN" altLang="en-US"/>
+          </a:p>
+        </p:txBody>
+      </p:sp>
+      <p:sp>
+        <p:nvSpPr>
+          <p:cNvPr id="18" name="椭圆 17"/>
+          <p:cNvSpPr/>
+          <p:nvPr/>
+        </p:nvSpPr>
+        <p:spPr>
+          <a:xfrm>
+            <a:off x="434235" y="314138"/>
+            <a:ext cx="792585" cy="792585"/>
+          </a:xfrm>
+          <a:prstGeom prst="ellipse">
+            <a:avLst/>
+          </a:prstGeom>
+          <a:solidFill>
+            <a:srgbClr val="6C92C0">
+              <a:alpha val="70000"/>
+            </a:srgbClr>
+          </a:solidFill>
+          <a:ln>
+            <a:noFill/>
+          </a:ln>
+        </p:spPr>
+        <p:style>
+          <a:lnRef idx="2">
+            <a:schemeClr val="accent1">
+              <a:shade val="50000"/>
+            </a:schemeClr>
+          </a:lnRef>
+          <a:fillRef idx="1">
+            <a:schemeClr val="accent1"/>
+          </a:fillRef>
+          <a:effectRef idx="0">
+            <a:schemeClr val="accent1"/>
+          </a:effectRef>
+          <a:fontRef idx="minor">
+            <a:schemeClr val="lt1"/>
+          </a:fontRef>
+        </p:style>
+        <p:txBody>
+          <a:bodyPr rtlCol="0" anchor="ctr"/>
+          <a:lstStyle/>
+          <a:p>
+            <a:pPr algn="ctr"/>
+            <a:endParaRPr lang="zh-CN" altLang="en-US"/>
+          </a:p>
+        </p:txBody>
+      </p:sp>
+      <p:sp>
+        <p:nvSpPr>
+          <p:cNvPr id="20" name="矩形 19"/>
+          <p:cNvSpPr/>
+          <p:nvPr/>
+        </p:nvSpPr>
+        <p:spPr>
+          <a:xfrm>
+            <a:off x="1344023" y="448348"/>
+            <a:ext cx="1701107" cy="400110"/>
+          </a:xfrm>
+          <a:prstGeom prst="rect">
+            <a:avLst/>
+          </a:prstGeom>
+        </p:spPr>
+        <p:txBody>
+          <a:bodyPr wrap="none">
+            <a:spAutoFit/>
+          </a:bodyPr>
+          <a:lstStyle/>
+          <a:p>
+            <a:r>
+              <a:rPr lang="en-US" altLang="zh-CN" sz="2000" b="1" dirty="0">
+                <a:solidFill>
+                  <a:schemeClr val="tx1">
+                    <a:lumMod val="75000"/>
+                    <a:lumOff val="25000"/>
+                  </a:schemeClr>
+                </a:solidFill>
+              </a:rPr>
+              <a:t>Lorem ipsum</a:t>
+            </a:r>
+            <a:endParaRPr lang="zh-CN" altLang="en-US" sz="2000" b="1" dirty="0">
+              <a:solidFill>
+                <a:schemeClr val="tx1">
+                  <a:lumMod val="75000"/>
+                  <a:lumOff val="25000"/>
+                </a:schemeClr>
+              </a:solidFill>
+            </a:endParaRPr>
+          </a:p>
+        </p:txBody>
+      </p:sp>
+      <p:sp>
+        <p:nvSpPr>
+          <p:cNvPr id="21" name="矩形 20"/>
+          <p:cNvSpPr/>
+          <p:nvPr/>
+        </p:nvSpPr>
+        <p:spPr>
+          <a:xfrm>
+            <a:off x="1344023" y="764961"/>
+            <a:ext cx="2196435" cy="261610"/>
+          </a:xfrm>
+          <a:prstGeom prst="rect">
+            <a:avLst/>
+          </a:prstGeom>
+        </p:spPr>
+        <p:txBody>
+          <a:bodyPr wrap="none">
+            <a:spAutoFit/>
+          </a:bodyPr>
+          <a:lstStyle/>
+          <a:p>
+            <a:r>
+              <a:rPr lang="en-US" altLang="zh-CN" sz="1100" dirty="0">
+                <a:solidFill>
+                  <a:schemeClr val="bg1">
+                    <a:lumMod val="50000"/>
+                  </a:schemeClr>
+                </a:solidFill>
+              </a:rPr>
+              <a:t>Lorem ipsum dolor sit </a:t>
+            </a:r>
+            <a:r>
+              <a:rPr lang="en-US" altLang="zh-CN" sz="1100" dirty="0" err="1">
+                <a:solidFill>
+                  <a:schemeClr val="bg1">
+                    <a:lumMod val="50000"/>
+                  </a:schemeClr>
+                </a:solidFill>
+              </a:rPr>
+              <a:t>amet</a:t>
+            </a:r>
+            <a:r>
+              <a:rPr lang="en-US" altLang="zh-CN" sz="1100" dirty="0">
+                <a:solidFill>
+                  <a:schemeClr val="bg1">
+                    <a:lumMod val="50000"/>
+                  </a:schemeClr>
+                </a:solidFill>
+              </a:rPr>
+              <a:t> </a:t>
+            </a:r>
+            <a:r>
+              <a:rPr lang="en-US" altLang="zh-CN" sz="1100" dirty="0" err="1">
+                <a:solidFill>
+                  <a:schemeClr val="bg1">
+                    <a:lumMod val="50000"/>
+                  </a:schemeClr>
+                </a:solidFill>
+              </a:rPr>
+              <a:t>kolor</a:t>
+            </a:r>
+            <a:endParaRPr lang="zh-CN" altLang="en-US" sz="1100" dirty="0">
+              <a:solidFill>
+                <a:schemeClr val="bg1">
+                  <a:lumMod val="50000"/>
+                </a:schemeClr>
+              </a:solidFill>
+            </a:endParaRPr>
+          </a:p>
+        </p:txBody>
+      </p:sp>
+    </p:spTree>
+    <p:extLst>
+      <p:ext uri="{BB962C8B-B14F-4D97-AF65-F5344CB8AC3E}">
+        <p14:creationId xmlns:p14="http://schemas.microsoft.com/office/powerpoint/2010/main" val="4185198318"/>
+      </p:ext>
+    </p:extLst>
+  </p:cSld>
+  <p:clrMapOvr>
+    <a:masterClrMapping/>
+  </p:clrMapOvr>
+</p:sld>
+</file>
+
+<file path=ppt/slides/slide19.xml><?xml version="1.0" encoding="utf-8"?>
+<p:sld xmlns:a="http://schemas.openxmlformats.org/drawingml/2006/main" xmlns:r="http://schemas.openxmlformats.org/officeDocument/2006/relationships" xmlns:p="http://schemas.openxmlformats.org/presentationml/2006/main">
+  <p:cSld>
+    <p:spTree>
+      <p:nvGrpSpPr>
+        <p:cNvPr id="1" name=""/>
+        <p:cNvGrpSpPr/>
+        <p:nvPr/>
+      </p:nvGrpSpPr>
+      <p:grpSpPr>
+        <a:xfrm>
+          <a:off x="0" y="0"/>
+          <a:ext cx="0" cy="0"/>
+          <a:chOff x="0" y="0"/>
+          <a:chExt cx="0" cy="0"/>
+        </a:xfrm>
+      </p:grpSpPr>
+      <p:sp>
+        <p:nvSpPr>
+          <p:cNvPr id="3" name="矩形 2"/>
+          <p:cNvSpPr/>
+          <p:nvPr/>
+        </p:nvSpPr>
+        <p:spPr>
+          <a:xfrm>
+            <a:off x="811369" y="1899633"/>
+            <a:ext cx="5067837" cy="1506829"/>
+          </a:xfrm>
+          <a:prstGeom prst="rect">
+            <a:avLst/>
+          </a:prstGeom>
+          <a:solidFill>
+            <a:srgbClr val="48A2A0">
+              <a:alpha val="70000"/>
+            </a:srgbClr>
+          </a:solidFill>
+          <a:ln>
+            <a:noFill/>
+          </a:ln>
+        </p:spPr>
+        <p:style>
+          <a:lnRef idx="2">
+            <a:schemeClr val="accent1">
+              <a:shade val="50000"/>
+            </a:schemeClr>
+          </a:lnRef>
+          <a:fillRef idx="1">
+            <a:schemeClr val="accent1"/>
+          </a:fillRef>
+          <a:effectRef idx="0">
+            <a:schemeClr val="accent1"/>
+          </a:effectRef>
+          <a:fontRef idx="minor">
+            <a:schemeClr val="lt1"/>
+          </a:fontRef>
+        </p:style>
+        <p:txBody>
+          <a:bodyPr rtlCol="0" anchor="ctr"/>
+          <a:lstStyle/>
+          <a:p>
+            <a:pPr algn="ctr"/>
+            <a:endParaRPr lang="zh-CN" altLang="en-US">
+              <a:solidFill>
+                <a:schemeClr val="bg1"/>
+              </a:solidFill>
+            </a:endParaRPr>
+          </a:p>
+        </p:txBody>
+      </p:sp>
+      <p:sp>
+        <p:nvSpPr>
+          <p:cNvPr id="4" name="矩形 3"/>
+          <p:cNvSpPr/>
+          <p:nvPr/>
+        </p:nvSpPr>
+        <p:spPr>
+          <a:xfrm>
+            <a:off x="811369" y="3774604"/>
+            <a:ext cx="5067837" cy="1506829"/>
+          </a:xfrm>
+          <a:prstGeom prst="rect">
+            <a:avLst/>
+          </a:prstGeom>
+          <a:solidFill>
+            <a:srgbClr val="6C92C0">
+              <a:alpha val="70000"/>
+            </a:srgbClr>
+          </a:solidFill>
+          <a:ln>
+            <a:noFill/>
+          </a:ln>
+        </p:spPr>
+        <p:style>
+          <a:lnRef idx="2">
+            <a:schemeClr val="accent1">
+              <a:shade val="50000"/>
+            </a:schemeClr>
+          </a:lnRef>
+          <a:fillRef idx="1">
+            <a:schemeClr val="accent1"/>
+          </a:fillRef>
+          <a:effectRef idx="0">
+            <a:schemeClr val="accent1"/>
+          </a:effectRef>
+          <a:fontRef idx="minor">
+            <a:schemeClr val="lt1"/>
+          </a:fontRef>
+        </p:style>
+        <p:txBody>
+          <a:bodyPr rtlCol="0" anchor="ctr"/>
+          <a:lstStyle/>
+          <a:p>
+            <a:pPr algn="ctr"/>
+            <a:endParaRPr lang="zh-CN" altLang="en-US">
+              <a:solidFill>
+                <a:schemeClr val="bg1"/>
+              </a:solidFill>
+            </a:endParaRPr>
+          </a:p>
+        </p:txBody>
+      </p:sp>
+      <p:sp>
+        <p:nvSpPr>
+          <p:cNvPr id="7" name="矩形 6"/>
+          <p:cNvSpPr/>
+          <p:nvPr/>
+        </p:nvSpPr>
+        <p:spPr>
+          <a:xfrm>
+            <a:off x="6304209" y="3774604"/>
+            <a:ext cx="5067837" cy="1506829"/>
+          </a:xfrm>
+          <a:prstGeom prst="rect">
+            <a:avLst/>
+          </a:prstGeom>
+          <a:solidFill>
+            <a:srgbClr val="48A2A0">
+              <a:alpha val="70000"/>
+            </a:srgbClr>
+          </a:solidFill>
+          <a:ln>
+            <a:noFill/>
+          </a:ln>
+        </p:spPr>
+        <p:style>
+          <a:lnRef idx="2">
+            <a:schemeClr val="accent1">
+              <a:shade val="50000"/>
+            </a:schemeClr>
+          </a:lnRef>
+          <a:fillRef idx="1">
+            <a:schemeClr val="accent1"/>
+          </a:fillRef>
+          <a:effectRef idx="0">
+            <a:schemeClr val="accent1"/>
+          </a:effectRef>
+          <a:fontRef idx="minor">
+            <a:schemeClr val="lt1"/>
+          </a:fontRef>
+        </p:style>
+        <p:txBody>
+          <a:bodyPr rtlCol="0" anchor="ctr"/>
+          <a:lstStyle/>
+          <a:p>
+            <a:pPr algn="ctr"/>
+            <a:endParaRPr lang="zh-CN" altLang="en-US"/>
+          </a:p>
+        </p:txBody>
+      </p:sp>
+      <p:sp>
+        <p:nvSpPr>
+          <p:cNvPr id="8" name="矩形 7"/>
+          <p:cNvSpPr/>
+          <p:nvPr/>
+        </p:nvSpPr>
+        <p:spPr>
+          <a:xfrm>
+            <a:off x="6304209" y="1899633"/>
+            <a:ext cx="5067837" cy="1506829"/>
+          </a:xfrm>
+          <a:prstGeom prst="rect">
+            <a:avLst/>
+          </a:prstGeom>
+          <a:solidFill>
+            <a:srgbClr val="6C92C0">
+              <a:alpha val="70000"/>
+            </a:srgbClr>
+          </a:solidFill>
+          <a:ln>
+            <a:noFill/>
+          </a:ln>
+        </p:spPr>
+        <p:style>
+          <a:lnRef idx="2">
+            <a:schemeClr val="accent1">
+              <a:shade val="50000"/>
+            </a:schemeClr>
+          </a:lnRef>
+          <a:fillRef idx="1">
+            <a:schemeClr val="accent1"/>
+          </a:fillRef>
+          <a:effectRef idx="0">
+            <a:schemeClr val="accent1"/>
+          </a:effectRef>
+          <a:fontRef idx="minor">
+            <a:schemeClr val="lt1"/>
+          </a:fontRef>
+        </p:style>
+        <p:txBody>
+          <a:bodyPr rtlCol="0" anchor="ctr"/>
+          <a:lstStyle/>
+          <a:p>
+            <a:pPr algn="ctr"/>
+            <a:endParaRPr lang="zh-CN" altLang="en-US"/>
+          </a:p>
+        </p:txBody>
+      </p:sp>
+      <p:sp>
+        <p:nvSpPr>
+          <p:cNvPr id="17" name="椭圆 16"/>
+          <p:cNvSpPr/>
+          <p:nvPr/>
+        </p:nvSpPr>
+        <p:spPr>
+          <a:xfrm>
+            <a:off x="-1226820" y="-1346917"/>
+            <a:ext cx="2453640" cy="2453640"/>
+          </a:xfrm>
+          <a:prstGeom prst="ellipse">
+            <a:avLst/>
+          </a:prstGeom>
+          <a:solidFill>
+            <a:srgbClr val="48A2A0">
+              <a:alpha val="70000"/>
+            </a:srgbClr>
+          </a:solidFill>
+          <a:ln>
+            <a:noFill/>
+          </a:ln>
+        </p:spPr>
+        <p:style>
+          <a:lnRef idx="2">
+            <a:schemeClr val="accent1">
+              <a:shade val="50000"/>
+            </a:schemeClr>
+          </a:lnRef>
+          <a:fillRef idx="1">
+            <a:schemeClr val="accent1"/>
+          </a:fillRef>
+          <a:effectRef idx="0">
+            <a:schemeClr val="accent1"/>
+          </a:effectRef>
+          <a:fontRef idx="minor">
+            <a:schemeClr val="lt1"/>
+          </a:fontRef>
+        </p:style>
+        <p:txBody>
+          <a:bodyPr rtlCol="0" anchor="ctr"/>
+          <a:lstStyle/>
+          <a:p>
+            <a:pPr algn="ctr"/>
+            <a:endParaRPr lang="zh-CN" altLang="en-US"/>
+          </a:p>
+        </p:txBody>
+      </p:sp>
+      <p:sp>
+        <p:nvSpPr>
+          <p:cNvPr id="18" name="椭圆 17"/>
+          <p:cNvSpPr/>
+          <p:nvPr/>
+        </p:nvSpPr>
+        <p:spPr>
+          <a:xfrm>
+            <a:off x="434235" y="314138"/>
+            <a:ext cx="792585" cy="792585"/>
+          </a:xfrm>
+          <a:prstGeom prst="ellipse">
+            <a:avLst/>
+          </a:prstGeom>
+          <a:solidFill>
+            <a:srgbClr val="6C92C0">
+              <a:alpha val="70000"/>
+            </a:srgbClr>
+          </a:solidFill>
+          <a:ln>
+            <a:noFill/>
+          </a:ln>
+        </p:spPr>
+        <p:style>
+          <a:lnRef idx="2">
+            <a:schemeClr val="accent1">
+              <a:shade val="50000"/>
+            </a:schemeClr>
+          </a:lnRef>
+          <a:fillRef idx="1">
+            <a:schemeClr val="accent1"/>
+          </a:fillRef>
+          <a:effectRef idx="0">
+            <a:schemeClr val="accent1"/>
+          </a:effectRef>
+          <a:fontRef idx="minor">
+            <a:schemeClr val="lt1"/>
+          </a:fontRef>
+        </p:style>
+        <p:txBody>
+          <a:bodyPr rtlCol="0" anchor="ctr"/>
+          <a:lstStyle/>
+          <a:p>
+            <a:pPr algn="ctr"/>
+            <a:endParaRPr lang="zh-CN" altLang="en-US"/>
+          </a:p>
+        </p:txBody>
+      </p:sp>
+      <p:sp>
+        <p:nvSpPr>
+          <p:cNvPr id="20" name="矩形 19"/>
+          <p:cNvSpPr/>
+          <p:nvPr/>
+        </p:nvSpPr>
+        <p:spPr>
+          <a:xfrm>
+            <a:off x="1344023" y="448348"/>
+            <a:ext cx="1701107" cy="400110"/>
+          </a:xfrm>
+          <a:prstGeom prst="rect">
+            <a:avLst/>
+          </a:prstGeom>
+        </p:spPr>
+        <p:txBody>
+          <a:bodyPr wrap="none">
+            <a:spAutoFit/>
+          </a:bodyPr>
+          <a:lstStyle/>
+          <a:p>
+            <a:r>
+              <a:rPr lang="en-US" altLang="zh-CN" sz="2000" b="1" dirty="0">
+                <a:solidFill>
+                  <a:schemeClr val="tx1">
+                    <a:lumMod val="75000"/>
+                    <a:lumOff val="25000"/>
+                  </a:schemeClr>
+                </a:solidFill>
+              </a:rPr>
+              <a:t>Lorem ipsum</a:t>
+            </a:r>
+            <a:endParaRPr lang="zh-CN" altLang="en-US" sz="2000" b="1" dirty="0">
+              <a:solidFill>
+                <a:schemeClr val="tx1">
+                  <a:lumMod val="75000"/>
+                  <a:lumOff val="25000"/>
+                </a:schemeClr>
+              </a:solidFill>
+            </a:endParaRPr>
+          </a:p>
+        </p:txBody>
+      </p:sp>
+      <p:sp>
+        <p:nvSpPr>
+          <p:cNvPr id="21" name="矩形 20"/>
+          <p:cNvSpPr/>
+          <p:nvPr/>
+        </p:nvSpPr>
+        <p:spPr>
+          <a:xfrm>
+            <a:off x="1344023" y="764961"/>
+            <a:ext cx="2196435" cy="261610"/>
+          </a:xfrm>
+          <a:prstGeom prst="rect">
+            <a:avLst/>
+          </a:prstGeom>
+        </p:spPr>
+        <p:txBody>
+          <a:bodyPr wrap="none">
+            <a:spAutoFit/>
+          </a:bodyPr>
+          <a:lstStyle/>
+          <a:p>
+            <a:r>
+              <a:rPr lang="en-US" altLang="zh-CN" sz="1100" dirty="0">
+                <a:solidFill>
+                  <a:schemeClr val="bg1">
+                    <a:lumMod val="50000"/>
+                  </a:schemeClr>
+                </a:solidFill>
+              </a:rPr>
+              <a:t>Lorem ipsum dolor sit </a:t>
+            </a:r>
+            <a:r>
+              <a:rPr lang="en-US" altLang="zh-CN" sz="1100" dirty="0" err="1">
+                <a:solidFill>
+                  <a:schemeClr val="bg1">
+                    <a:lumMod val="50000"/>
+                  </a:schemeClr>
+                </a:solidFill>
+              </a:rPr>
+              <a:t>amet</a:t>
+            </a:r>
+            <a:r>
+              <a:rPr lang="en-US" altLang="zh-CN" sz="1100" dirty="0">
+                <a:solidFill>
+                  <a:schemeClr val="bg1">
+                    <a:lumMod val="50000"/>
+                  </a:schemeClr>
+                </a:solidFill>
+              </a:rPr>
+              <a:t> </a:t>
+            </a:r>
+            <a:r>
+              <a:rPr lang="en-US" altLang="zh-CN" sz="1100" dirty="0" err="1">
+                <a:solidFill>
+                  <a:schemeClr val="bg1">
+                    <a:lumMod val="50000"/>
+                  </a:schemeClr>
+                </a:solidFill>
+              </a:rPr>
+              <a:t>kolor</a:t>
+            </a:r>
+            <a:endParaRPr lang="zh-CN" altLang="en-US" sz="1100" dirty="0">
+              <a:solidFill>
+                <a:schemeClr val="bg1">
+                  <a:lumMod val="50000"/>
+                </a:schemeClr>
+              </a:solidFill>
+            </a:endParaRPr>
+          </a:p>
+        </p:txBody>
+      </p:sp>
+    </p:spTree>
+    <p:extLst>
+      <p:ext uri="{BB962C8B-B14F-4D97-AF65-F5344CB8AC3E}">
         <p14:creationId xmlns:p14="http://schemas.microsoft.com/office/powerpoint/2010/main" val="724676345"/>
       </p:ext>
     </p:extLst>
@@ -3908,7 +5039,1362 @@
 </p:sld>
 </file>
 
-<file path=ppt/slides/slide17.xml><?xml version="1.0" encoding="utf-8"?>
+<file path=ppt/slides/slide2.xml><?xml version="1.0" encoding="utf-8"?>
+<p:sld xmlns:a="http://schemas.openxmlformats.org/drawingml/2006/main" xmlns:r="http://schemas.openxmlformats.org/officeDocument/2006/relationships" xmlns:p="http://schemas.openxmlformats.org/presentationml/2006/main">
+  <p:cSld>
+    <p:spTree>
+      <p:nvGrpSpPr>
+        <p:cNvPr id="1" name=""/>
+        <p:cNvGrpSpPr/>
+        <p:nvPr/>
+      </p:nvGrpSpPr>
+      <p:grpSpPr>
+        <a:xfrm>
+          <a:off x="0" y="0"/>
+          <a:ext cx="0" cy="0"/>
+          <a:chOff x="0" y="0"/>
+          <a:chExt cx="0" cy="0"/>
+        </a:xfrm>
+      </p:grpSpPr>
+      <p:sp>
+        <p:nvSpPr>
+          <p:cNvPr id="31" name="椭圆 30">
+            <a:extLst>
+              <a:ext uri="{FF2B5EF4-FFF2-40B4-BE49-F238E27FC236}">
+                <a16:creationId xmlns:a16="http://schemas.microsoft.com/office/drawing/2014/main" id="{6CCE0D84-52CE-4626-9918-27F47A773357}"/>
+              </a:ext>
+            </a:extLst>
+          </p:cNvPr>
+          <p:cNvSpPr/>
+          <p:nvPr/>
+        </p:nvSpPr>
+        <p:spPr>
+          <a:xfrm>
+            <a:off x="10284244" y="3409898"/>
+            <a:ext cx="952500" cy="952500"/>
+          </a:xfrm>
+          <a:prstGeom prst="ellipse">
+            <a:avLst/>
+          </a:prstGeom>
+          <a:solidFill>
+            <a:srgbClr val="48A2A0">
+              <a:alpha val="70000"/>
+            </a:srgbClr>
+          </a:solidFill>
+          <a:ln>
+            <a:noFill/>
+          </a:ln>
+        </p:spPr>
+        <p:style>
+          <a:lnRef idx="2">
+            <a:schemeClr val="accent1">
+              <a:shade val="50000"/>
+            </a:schemeClr>
+          </a:lnRef>
+          <a:fillRef idx="1">
+            <a:schemeClr val="accent1"/>
+          </a:fillRef>
+          <a:effectRef idx="0">
+            <a:schemeClr val="accent1"/>
+          </a:effectRef>
+          <a:fontRef idx="minor">
+            <a:schemeClr val="lt1"/>
+          </a:fontRef>
+        </p:style>
+        <p:txBody>
+          <a:bodyPr rtlCol="0" anchor="ctr"/>
+          <a:lstStyle/>
+          <a:p>
+            <a:pPr algn="ctr"/>
+            <a:endParaRPr lang="zh-CN" altLang="en-US"/>
+          </a:p>
+        </p:txBody>
+      </p:sp>
+      <p:sp>
+        <p:nvSpPr>
+          <p:cNvPr id="24" name="椭圆 23"/>
+          <p:cNvSpPr/>
+          <p:nvPr/>
+        </p:nvSpPr>
+        <p:spPr>
+          <a:xfrm>
+            <a:off x="4758074" y="753893"/>
+            <a:ext cx="713428" cy="713428"/>
+          </a:xfrm>
+          <a:prstGeom prst="ellipse">
+            <a:avLst/>
+          </a:prstGeom>
+          <a:solidFill>
+            <a:srgbClr val="6C92C0">
+              <a:alpha val="70000"/>
+            </a:srgbClr>
+          </a:solidFill>
+          <a:ln>
+            <a:noFill/>
+          </a:ln>
+        </p:spPr>
+        <p:style>
+          <a:lnRef idx="2">
+            <a:schemeClr val="accent1">
+              <a:shade val="50000"/>
+            </a:schemeClr>
+          </a:lnRef>
+          <a:fillRef idx="1">
+            <a:schemeClr val="accent1"/>
+          </a:fillRef>
+          <a:effectRef idx="0">
+            <a:schemeClr val="accent1"/>
+          </a:effectRef>
+          <a:fontRef idx="minor">
+            <a:schemeClr val="lt1"/>
+          </a:fontRef>
+        </p:style>
+        <p:txBody>
+          <a:bodyPr rtlCol="0" anchor="ctr"/>
+          <a:lstStyle/>
+          <a:p>
+            <a:pPr algn="ctr"/>
+            <a:endParaRPr lang="zh-CN" altLang="en-US"/>
+          </a:p>
+        </p:txBody>
+      </p:sp>
+      <p:sp>
+        <p:nvSpPr>
+          <p:cNvPr id="25" name="椭圆 24"/>
+          <p:cNvSpPr/>
+          <p:nvPr/>
+        </p:nvSpPr>
+        <p:spPr>
+          <a:xfrm>
+            <a:off x="1754343" y="4151758"/>
+            <a:ext cx="191910" cy="191910"/>
+          </a:xfrm>
+          <a:prstGeom prst="ellipse">
+            <a:avLst/>
+          </a:prstGeom>
+          <a:solidFill>
+            <a:srgbClr val="6C92C0">
+              <a:alpha val="70000"/>
+            </a:srgbClr>
+          </a:solidFill>
+          <a:ln>
+            <a:noFill/>
+          </a:ln>
+        </p:spPr>
+        <p:style>
+          <a:lnRef idx="2">
+            <a:schemeClr val="accent1">
+              <a:shade val="50000"/>
+            </a:schemeClr>
+          </a:lnRef>
+          <a:fillRef idx="1">
+            <a:schemeClr val="accent1"/>
+          </a:fillRef>
+          <a:effectRef idx="0">
+            <a:schemeClr val="accent1"/>
+          </a:effectRef>
+          <a:fontRef idx="minor">
+            <a:schemeClr val="lt1"/>
+          </a:fontRef>
+        </p:style>
+        <p:txBody>
+          <a:bodyPr rtlCol="0" anchor="ctr"/>
+          <a:lstStyle/>
+          <a:p>
+            <a:pPr algn="ctr"/>
+            <a:endParaRPr lang="zh-CN" altLang="en-US"/>
+          </a:p>
+        </p:txBody>
+      </p:sp>
+      <p:sp>
+        <p:nvSpPr>
+          <p:cNvPr id="4" name="椭圆 3"/>
+          <p:cNvSpPr/>
+          <p:nvPr/>
+        </p:nvSpPr>
+        <p:spPr>
+          <a:xfrm>
+            <a:off x="1060450" y="3425976"/>
+            <a:ext cx="952500" cy="952500"/>
+          </a:xfrm>
+          <a:prstGeom prst="ellipse">
+            <a:avLst/>
+          </a:prstGeom>
+          <a:solidFill>
+            <a:srgbClr val="48A2A0">
+              <a:alpha val="70000"/>
+            </a:srgbClr>
+          </a:solidFill>
+          <a:ln>
+            <a:noFill/>
+          </a:ln>
+        </p:spPr>
+        <p:style>
+          <a:lnRef idx="2">
+            <a:schemeClr val="accent1">
+              <a:shade val="50000"/>
+            </a:schemeClr>
+          </a:lnRef>
+          <a:fillRef idx="1">
+            <a:schemeClr val="accent1"/>
+          </a:fillRef>
+          <a:effectRef idx="0">
+            <a:schemeClr val="accent1"/>
+          </a:effectRef>
+          <a:fontRef idx="minor">
+            <a:schemeClr val="lt1"/>
+          </a:fontRef>
+        </p:style>
+        <p:txBody>
+          <a:bodyPr rtlCol="0" anchor="ctr"/>
+          <a:lstStyle/>
+          <a:p>
+            <a:pPr algn="ctr"/>
+            <a:endParaRPr lang="zh-CN" altLang="en-US"/>
+          </a:p>
+        </p:txBody>
+      </p:sp>
+      <p:sp>
+        <p:nvSpPr>
+          <p:cNvPr id="5" name="文本框 4"/>
+          <p:cNvSpPr txBox="1"/>
+          <p:nvPr/>
+        </p:nvSpPr>
+        <p:spPr>
+          <a:xfrm>
+            <a:off x="1162189" y="3517505"/>
+            <a:ext cx="771365" cy="769441"/>
+          </a:xfrm>
+          <a:prstGeom prst="rect">
+            <a:avLst/>
+          </a:prstGeom>
+          <a:noFill/>
+        </p:spPr>
+        <p:txBody>
+          <a:bodyPr wrap="none" rtlCol="0">
+            <a:spAutoFit/>
+          </a:bodyPr>
+          <a:lstStyle/>
+          <a:p>
+            <a:pPr algn="ctr"/>
+            <a:r>
+              <a:rPr lang="en-US" altLang="zh-CN" sz="4400" b="1" dirty="0">
+                <a:solidFill>
+                  <a:schemeClr val="bg1"/>
+                </a:solidFill>
+              </a:rPr>
+              <a:t>01</a:t>
+            </a:r>
+            <a:endParaRPr lang="zh-CN" altLang="en-US" sz="4400" b="1" dirty="0">
+              <a:solidFill>
+                <a:schemeClr val="bg1"/>
+              </a:solidFill>
+            </a:endParaRPr>
+          </a:p>
+        </p:txBody>
+      </p:sp>
+      <p:sp>
+        <p:nvSpPr>
+          <p:cNvPr id="6" name="文本框 5"/>
+          <p:cNvSpPr txBox="1"/>
+          <p:nvPr/>
+        </p:nvSpPr>
+        <p:spPr>
+          <a:xfrm>
+            <a:off x="994786" y="4470005"/>
+            <a:ext cx="1002197" cy="369332"/>
+          </a:xfrm>
+          <a:prstGeom prst="rect">
+            <a:avLst/>
+          </a:prstGeom>
+          <a:noFill/>
+        </p:spPr>
+        <p:txBody>
+          <a:bodyPr wrap="none" rtlCol="0">
+            <a:spAutoFit/>
+          </a:bodyPr>
+          <a:lstStyle/>
+          <a:p>
+            <a:pPr algn="ctr"/>
+            <a:r>
+              <a:rPr lang="en-US" altLang="zh-CN" dirty="0">
+                <a:latin typeface="+mj-lt"/>
+              </a:rPr>
+              <a:t>Part one</a:t>
+            </a:r>
+            <a:endParaRPr lang="zh-CN" altLang="en-US" dirty="0">
+              <a:latin typeface="+mj-lt"/>
+            </a:endParaRPr>
+          </a:p>
+        </p:txBody>
+      </p:sp>
+      <p:sp>
+        <p:nvSpPr>
+          <p:cNvPr id="7" name="文本框 6"/>
+          <p:cNvSpPr txBox="1"/>
+          <p:nvPr/>
+        </p:nvSpPr>
+        <p:spPr>
+          <a:xfrm>
+            <a:off x="487833" y="4809015"/>
+            <a:ext cx="2016104" cy="830997"/>
+          </a:xfrm>
+          <a:prstGeom prst="rect">
+            <a:avLst/>
+          </a:prstGeom>
+          <a:noFill/>
+        </p:spPr>
+        <p:txBody>
+          <a:bodyPr wrap="square" rtlCol="0">
+            <a:spAutoFit/>
+          </a:bodyPr>
+          <a:lstStyle/>
+          <a:p>
+            <a:pPr algn="ctr"/>
+            <a:r>
+              <a:rPr lang="zh-CN" altLang="en-US" sz="1200" b="1" dirty="0">
+                <a:solidFill>
+                  <a:srgbClr val="FF0000"/>
+                </a:solidFill>
+                <a:latin typeface="微软雅黑" panose="020B0503020204020204" pitchFamily="34" charset="-122"/>
+                <a:ea typeface="微软雅黑" panose="020B0503020204020204" pitchFamily="34" charset="-122"/>
+              </a:rPr>
+              <a:t>任意方程求根</a:t>
+            </a:r>
+            <a:endParaRPr lang="en-US" altLang="zh-CN" sz="1200" b="1" dirty="0">
+              <a:solidFill>
+                <a:srgbClr val="FF0000"/>
+              </a:solidFill>
+              <a:latin typeface="微软雅黑" panose="020B0503020204020204" pitchFamily="34" charset="-122"/>
+              <a:ea typeface="微软雅黑" panose="020B0503020204020204" pitchFamily="34" charset="-122"/>
+            </a:endParaRPr>
+          </a:p>
+          <a:p>
+            <a:pPr algn="ctr"/>
+            <a:r>
+              <a:rPr lang="zh-CN" altLang="en-US" sz="1200" dirty="0">
+                <a:latin typeface="微软雅黑" panose="020B0503020204020204" pitchFamily="34" charset="-122"/>
+                <a:ea typeface="微软雅黑" panose="020B0503020204020204" pitchFamily="34" charset="-122"/>
+              </a:rPr>
+              <a:t>该节内容将针对各种奇怪无法通过普通方式求解的方程进行求根计算</a:t>
+            </a:r>
+          </a:p>
+        </p:txBody>
+      </p:sp>
+      <p:sp>
+        <p:nvSpPr>
+          <p:cNvPr id="11" name="文本框 10"/>
+          <p:cNvSpPr txBox="1"/>
+          <p:nvPr/>
+        </p:nvSpPr>
+        <p:spPr>
+          <a:xfrm>
+            <a:off x="3359096" y="4451270"/>
+            <a:ext cx="986167" cy="369332"/>
+          </a:xfrm>
+          <a:prstGeom prst="rect">
+            <a:avLst/>
+          </a:prstGeom>
+          <a:noFill/>
+        </p:spPr>
+        <p:txBody>
+          <a:bodyPr wrap="none" rtlCol="0">
+            <a:spAutoFit/>
+          </a:bodyPr>
+          <a:lstStyle/>
+          <a:p>
+            <a:pPr algn="ctr"/>
+            <a:r>
+              <a:rPr lang="en-US" altLang="zh-CN" dirty="0">
+                <a:latin typeface="+mj-lt"/>
+              </a:rPr>
+              <a:t>Part two</a:t>
+            </a:r>
+            <a:endParaRPr lang="zh-CN" altLang="en-US" dirty="0">
+              <a:latin typeface="+mj-lt"/>
+            </a:endParaRPr>
+          </a:p>
+        </p:txBody>
+      </p:sp>
+      <p:sp>
+        <p:nvSpPr>
+          <p:cNvPr id="12" name="文本框 11"/>
+          <p:cNvSpPr txBox="1"/>
+          <p:nvPr/>
+        </p:nvSpPr>
+        <p:spPr>
+          <a:xfrm>
+            <a:off x="2839703" y="4790280"/>
+            <a:ext cx="2016104" cy="830997"/>
+          </a:xfrm>
+          <a:prstGeom prst="rect">
+            <a:avLst/>
+          </a:prstGeom>
+          <a:noFill/>
+        </p:spPr>
+        <p:txBody>
+          <a:bodyPr wrap="square" rtlCol="0">
+            <a:spAutoFit/>
+          </a:bodyPr>
+          <a:lstStyle/>
+          <a:p>
+            <a:pPr algn="ctr"/>
+            <a:r>
+              <a:rPr lang="zh-CN" altLang="en-US" sz="1200" b="1" dirty="0">
+                <a:solidFill>
+                  <a:srgbClr val="FF0000"/>
+                </a:solidFill>
+                <a:latin typeface="微软雅黑" panose="020B0503020204020204" pitchFamily="34" charset="-122"/>
+                <a:ea typeface="微软雅黑" panose="020B0503020204020204" pitchFamily="34" charset="-122"/>
+              </a:rPr>
+              <a:t>任意曲线拟合</a:t>
+            </a:r>
+            <a:endParaRPr lang="en-US" altLang="zh-CN" sz="1200" b="1" dirty="0">
+              <a:solidFill>
+                <a:srgbClr val="FF0000"/>
+              </a:solidFill>
+              <a:latin typeface="微软雅黑" panose="020B0503020204020204" pitchFamily="34" charset="-122"/>
+              <a:ea typeface="微软雅黑" panose="020B0503020204020204" pitchFamily="34" charset="-122"/>
+            </a:endParaRPr>
+          </a:p>
+          <a:p>
+            <a:pPr algn="ctr"/>
+            <a:r>
+              <a:rPr lang="zh-CN" altLang="en-US" sz="1200" dirty="0">
+                <a:latin typeface="微软雅黑" panose="020B0503020204020204" pitchFamily="34" charset="-122"/>
+                <a:ea typeface="微软雅黑" panose="020B0503020204020204" pitchFamily="34" charset="-122"/>
+              </a:rPr>
+              <a:t>用于给出任意的一个数据集或者是图像，我们都可以轻松的用一根曲线拟合</a:t>
+            </a:r>
+          </a:p>
+        </p:txBody>
+      </p:sp>
+      <p:sp>
+        <p:nvSpPr>
+          <p:cNvPr id="16" name="文本框 15"/>
+          <p:cNvSpPr txBox="1"/>
+          <p:nvPr/>
+        </p:nvSpPr>
+        <p:spPr>
+          <a:xfrm>
+            <a:off x="5580231" y="4465287"/>
+            <a:ext cx="1135246" cy="369332"/>
+          </a:xfrm>
+          <a:prstGeom prst="rect">
+            <a:avLst/>
+          </a:prstGeom>
+          <a:noFill/>
+        </p:spPr>
+        <p:txBody>
+          <a:bodyPr wrap="none" rtlCol="0">
+            <a:spAutoFit/>
+          </a:bodyPr>
+          <a:lstStyle/>
+          <a:p>
+            <a:pPr algn="ctr"/>
+            <a:r>
+              <a:rPr lang="en-US" altLang="zh-CN" dirty="0">
+                <a:latin typeface="+mj-lt"/>
+              </a:rPr>
+              <a:t>Part three</a:t>
+            </a:r>
+            <a:endParaRPr lang="zh-CN" altLang="en-US" dirty="0">
+              <a:latin typeface="+mj-lt"/>
+            </a:endParaRPr>
+          </a:p>
+        </p:txBody>
+      </p:sp>
+      <p:sp>
+        <p:nvSpPr>
+          <p:cNvPr id="17" name="文本框 16"/>
+          <p:cNvSpPr txBox="1"/>
+          <p:nvPr/>
+        </p:nvSpPr>
+        <p:spPr>
+          <a:xfrm>
+            <a:off x="5191573" y="4790280"/>
+            <a:ext cx="2016104" cy="830997"/>
+          </a:xfrm>
+          <a:prstGeom prst="rect">
+            <a:avLst/>
+          </a:prstGeom>
+          <a:noFill/>
+        </p:spPr>
+        <p:txBody>
+          <a:bodyPr wrap="square" rtlCol="0">
+            <a:spAutoFit/>
+          </a:bodyPr>
+          <a:lstStyle/>
+          <a:p>
+            <a:pPr algn="ctr"/>
+            <a:r>
+              <a:rPr lang="zh-CN" altLang="en-US" sz="1200" b="1" dirty="0">
+                <a:solidFill>
+                  <a:srgbClr val="FF0000"/>
+                </a:solidFill>
+                <a:latin typeface="微软雅黑" panose="020B0503020204020204" pitchFamily="34" charset="-122"/>
+                <a:ea typeface="微软雅黑" panose="020B0503020204020204" pitchFamily="34" charset="-122"/>
+              </a:rPr>
+              <a:t>任意函数求积</a:t>
+            </a:r>
+            <a:endParaRPr lang="en-US" altLang="zh-CN" sz="1200" b="1" dirty="0">
+              <a:solidFill>
+                <a:srgbClr val="FF0000"/>
+              </a:solidFill>
+              <a:latin typeface="微软雅黑" panose="020B0503020204020204" pitchFamily="34" charset="-122"/>
+              <a:ea typeface="微软雅黑" panose="020B0503020204020204" pitchFamily="34" charset="-122"/>
+            </a:endParaRPr>
+          </a:p>
+          <a:p>
+            <a:pPr algn="ctr"/>
+            <a:r>
+              <a:rPr lang="zh-CN" altLang="en-US" sz="1200" dirty="0">
+                <a:latin typeface="微软雅黑" panose="020B0503020204020204" pitchFamily="34" charset="-122"/>
+                <a:ea typeface="微软雅黑" panose="020B0503020204020204" pitchFamily="34" charset="-122"/>
+              </a:rPr>
+              <a:t>任意给出一个函数，我们都可以利用一些方法计算它的积分</a:t>
+            </a:r>
+          </a:p>
+        </p:txBody>
+      </p:sp>
+      <p:sp>
+        <p:nvSpPr>
+          <p:cNvPr id="21" name="文本框 20"/>
+          <p:cNvSpPr txBox="1"/>
+          <p:nvPr/>
+        </p:nvSpPr>
+        <p:spPr>
+          <a:xfrm>
+            <a:off x="7899400" y="4490372"/>
+            <a:ext cx="1026243" cy="369332"/>
+          </a:xfrm>
+          <a:prstGeom prst="rect">
+            <a:avLst/>
+          </a:prstGeom>
+          <a:noFill/>
+        </p:spPr>
+        <p:txBody>
+          <a:bodyPr wrap="none" rtlCol="0">
+            <a:spAutoFit/>
+          </a:bodyPr>
+          <a:lstStyle/>
+          <a:p>
+            <a:pPr algn="ctr"/>
+            <a:r>
+              <a:rPr lang="en-US" altLang="zh-CN" dirty="0">
+                <a:latin typeface="+mj-lt"/>
+              </a:rPr>
+              <a:t>Part four</a:t>
+            </a:r>
+            <a:endParaRPr lang="zh-CN" altLang="en-US" dirty="0">
+              <a:latin typeface="+mj-lt"/>
+            </a:endParaRPr>
+          </a:p>
+        </p:txBody>
+      </p:sp>
+      <p:sp>
+        <p:nvSpPr>
+          <p:cNvPr id="22" name="文本框 21"/>
+          <p:cNvSpPr txBox="1"/>
+          <p:nvPr/>
+        </p:nvSpPr>
+        <p:spPr>
+          <a:xfrm>
+            <a:off x="7543444" y="4815365"/>
+            <a:ext cx="2016104" cy="830997"/>
+          </a:xfrm>
+          <a:prstGeom prst="rect">
+            <a:avLst/>
+          </a:prstGeom>
+          <a:noFill/>
+        </p:spPr>
+        <p:txBody>
+          <a:bodyPr wrap="square" rtlCol="0">
+            <a:spAutoFit/>
+          </a:bodyPr>
+          <a:lstStyle/>
+          <a:p>
+            <a:pPr algn="ctr"/>
+            <a:r>
+              <a:rPr lang="zh-CN" altLang="en-US" sz="1200" b="1" dirty="0">
+                <a:solidFill>
+                  <a:srgbClr val="FF0000"/>
+                </a:solidFill>
+                <a:latin typeface="微软雅黑" panose="020B0503020204020204" pitchFamily="34" charset="-122"/>
+                <a:ea typeface="微软雅黑" panose="020B0503020204020204" pitchFamily="34" charset="-122"/>
+              </a:rPr>
+              <a:t>解任意线性方程</a:t>
+            </a:r>
+            <a:r>
+              <a:rPr lang="en-US" altLang="zh-CN" sz="1200" b="1" dirty="0">
+                <a:solidFill>
+                  <a:srgbClr val="FF0000"/>
+                </a:solidFill>
+                <a:latin typeface="微软雅黑" panose="020B0503020204020204" pitchFamily="34" charset="-122"/>
+                <a:ea typeface="微软雅黑" panose="020B0503020204020204" pitchFamily="34" charset="-122"/>
+              </a:rPr>
+              <a:t>(</a:t>
+            </a:r>
+            <a:r>
+              <a:rPr lang="zh-CN" altLang="en-US" sz="1200" b="1" dirty="0">
+                <a:solidFill>
+                  <a:srgbClr val="FF0000"/>
+                </a:solidFill>
+                <a:latin typeface="微软雅黑" panose="020B0503020204020204" pitchFamily="34" charset="-122"/>
+                <a:ea typeface="微软雅黑" panose="020B0503020204020204" pitchFamily="34" charset="-122"/>
+              </a:rPr>
+              <a:t>组</a:t>
+            </a:r>
+            <a:r>
+              <a:rPr lang="en-US" altLang="zh-CN" sz="1200" b="1" dirty="0">
+                <a:solidFill>
+                  <a:srgbClr val="FF0000"/>
+                </a:solidFill>
+                <a:latin typeface="微软雅黑" panose="020B0503020204020204" pitchFamily="34" charset="-122"/>
+                <a:ea typeface="微软雅黑" panose="020B0503020204020204" pitchFamily="34" charset="-122"/>
+              </a:rPr>
+              <a:t>)</a:t>
+            </a:r>
+          </a:p>
+          <a:p>
+            <a:pPr algn="ctr"/>
+            <a:r>
+              <a:rPr lang="zh-CN" altLang="en-US" sz="1200" dirty="0">
+                <a:latin typeface="微软雅黑" panose="020B0503020204020204" pitchFamily="34" charset="-122"/>
+                <a:ea typeface="微软雅黑" panose="020B0503020204020204" pitchFamily="34" charset="-122"/>
+              </a:rPr>
+              <a:t>该节内容将细致的讲解如何快速的解开难以计算的线性方程组</a:t>
+            </a:r>
+          </a:p>
+        </p:txBody>
+      </p:sp>
+      <p:sp>
+        <p:nvSpPr>
+          <p:cNvPr id="23" name="椭圆 22"/>
+          <p:cNvSpPr/>
+          <p:nvPr/>
+        </p:nvSpPr>
+        <p:spPr>
+          <a:xfrm>
+            <a:off x="4869180" y="686969"/>
+            <a:ext cx="2453640" cy="2453640"/>
+          </a:xfrm>
+          <a:prstGeom prst="ellipse">
+            <a:avLst/>
+          </a:prstGeom>
+          <a:solidFill>
+            <a:srgbClr val="48A2A0">
+              <a:alpha val="70000"/>
+            </a:srgbClr>
+          </a:solidFill>
+          <a:ln>
+            <a:noFill/>
+          </a:ln>
+        </p:spPr>
+        <p:style>
+          <a:lnRef idx="2">
+            <a:schemeClr val="accent1">
+              <a:shade val="50000"/>
+            </a:schemeClr>
+          </a:lnRef>
+          <a:fillRef idx="1">
+            <a:schemeClr val="accent1"/>
+          </a:fillRef>
+          <a:effectRef idx="0">
+            <a:schemeClr val="accent1"/>
+          </a:effectRef>
+          <a:fontRef idx="minor">
+            <a:schemeClr val="lt1"/>
+          </a:fontRef>
+        </p:style>
+        <p:txBody>
+          <a:bodyPr rtlCol="0" anchor="ctr"/>
+          <a:lstStyle/>
+          <a:p>
+            <a:pPr algn="ctr"/>
+            <a:endParaRPr lang="zh-CN" altLang="en-US"/>
+          </a:p>
+        </p:txBody>
+      </p:sp>
+      <p:sp>
+        <p:nvSpPr>
+          <p:cNvPr id="2" name="MH_Others_1"/>
+          <p:cNvSpPr txBox="1"/>
+          <p:nvPr>
+            <p:custDataLst>
+              <p:tags r:id="rId1"/>
+            </p:custDataLst>
+          </p:nvPr>
+        </p:nvSpPr>
+        <p:spPr>
+          <a:xfrm>
+            <a:off x="4160902" y="1467321"/>
+            <a:ext cx="3955467" cy="847938"/>
+          </a:xfrm>
+          <a:prstGeom prst="rect">
+            <a:avLst/>
+          </a:prstGeom>
+          <a:noFill/>
+        </p:spPr>
+        <p:txBody>
+          <a:bodyPr wrap="square" rtlCol="0">
+            <a:noAutofit/>
+          </a:bodyPr>
+          <a:lstStyle/>
+          <a:p>
+            <a:pPr algn="ctr"/>
+            <a:r>
+              <a:rPr lang="en-US" altLang="zh-CN" sz="4400" dirty="0">
+                <a:solidFill>
+                  <a:schemeClr val="bg1"/>
+                </a:solidFill>
+                <a:effectLst>
+                  <a:outerShdw blurRad="38100" dist="38100" dir="2700000" algn="tl">
+                    <a:srgbClr val="000000">
+                      <a:alpha val="43137"/>
+                    </a:srgbClr>
+                  </a:outerShdw>
+                </a:effectLst>
+                <a:latin typeface="+mj-lt"/>
+                <a:cs typeface="Arial" pitchFamily="34" charset="0"/>
+              </a:rPr>
+              <a:t>Contents</a:t>
+            </a:r>
+            <a:endParaRPr lang="zh-CN" altLang="en-US" sz="4400" dirty="0">
+              <a:solidFill>
+                <a:schemeClr val="bg1"/>
+              </a:solidFill>
+              <a:effectLst>
+                <a:outerShdw blurRad="38100" dist="38100" dir="2700000" algn="tl">
+                  <a:srgbClr val="000000">
+                    <a:alpha val="43137"/>
+                  </a:srgbClr>
+                </a:outerShdw>
+              </a:effectLst>
+              <a:latin typeface="+mj-lt"/>
+              <a:cs typeface="Arial" pitchFamily="34" charset="0"/>
+            </a:endParaRPr>
+          </a:p>
+        </p:txBody>
+      </p:sp>
+      <p:sp>
+        <p:nvSpPr>
+          <p:cNvPr id="9" name="椭圆 8"/>
+          <p:cNvSpPr/>
+          <p:nvPr/>
+        </p:nvSpPr>
+        <p:spPr>
+          <a:xfrm>
+            <a:off x="3340100" y="3444711"/>
+            <a:ext cx="952500" cy="952500"/>
+          </a:xfrm>
+          <a:prstGeom prst="ellipse">
+            <a:avLst/>
+          </a:prstGeom>
+          <a:solidFill>
+            <a:srgbClr val="6C92C0">
+              <a:alpha val="70000"/>
+            </a:srgbClr>
+          </a:solidFill>
+          <a:ln>
+            <a:noFill/>
+          </a:ln>
+        </p:spPr>
+        <p:style>
+          <a:lnRef idx="2">
+            <a:schemeClr val="accent1">
+              <a:shade val="50000"/>
+            </a:schemeClr>
+          </a:lnRef>
+          <a:fillRef idx="1">
+            <a:schemeClr val="accent1"/>
+          </a:fillRef>
+          <a:effectRef idx="0">
+            <a:schemeClr val="accent1"/>
+          </a:effectRef>
+          <a:fontRef idx="minor">
+            <a:schemeClr val="lt1"/>
+          </a:fontRef>
+        </p:style>
+        <p:txBody>
+          <a:bodyPr rtlCol="0" anchor="ctr"/>
+          <a:lstStyle/>
+          <a:p>
+            <a:pPr algn="ctr"/>
+            <a:endParaRPr lang="zh-CN" altLang="en-US"/>
+          </a:p>
+        </p:txBody>
+      </p:sp>
+      <p:sp>
+        <p:nvSpPr>
+          <p:cNvPr id="10" name="文本框 9"/>
+          <p:cNvSpPr txBox="1"/>
+          <p:nvPr/>
+        </p:nvSpPr>
+        <p:spPr>
+          <a:xfrm>
+            <a:off x="3430667" y="3536240"/>
+            <a:ext cx="771365" cy="769441"/>
+          </a:xfrm>
+          <a:prstGeom prst="rect">
+            <a:avLst/>
+          </a:prstGeom>
+          <a:noFill/>
+        </p:spPr>
+        <p:txBody>
+          <a:bodyPr wrap="none" rtlCol="0">
+            <a:spAutoFit/>
+          </a:bodyPr>
+          <a:lstStyle/>
+          <a:p>
+            <a:pPr algn="ctr"/>
+            <a:r>
+              <a:rPr lang="en-US" altLang="zh-CN" sz="4400" b="1" dirty="0">
+                <a:solidFill>
+                  <a:schemeClr val="bg1"/>
+                </a:solidFill>
+              </a:rPr>
+              <a:t>02</a:t>
+            </a:r>
+            <a:endParaRPr lang="zh-CN" altLang="en-US" sz="4400" b="1" dirty="0">
+              <a:solidFill>
+                <a:schemeClr val="bg1"/>
+              </a:solidFill>
+            </a:endParaRPr>
+          </a:p>
+        </p:txBody>
+      </p:sp>
+      <p:sp>
+        <p:nvSpPr>
+          <p:cNvPr id="33" name="椭圆 32"/>
+          <p:cNvSpPr/>
+          <p:nvPr/>
+        </p:nvSpPr>
+        <p:spPr>
+          <a:xfrm>
+            <a:off x="4048140" y="4151758"/>
+            <a:ext cx="191910" cy="191910"/>
+          </a:xfrm>
+          <a:prstGeom prst="ellipse">
+            <a:avLst/>
+          </a:prstGeom>
+          <a:solidFill>
+            <a:srgbClr val="48A2A0">
+              <a:alpha val="70000"/>
+            </a:srgbClr>
+          </a:solidFill>
+          <a:ln>
+            <a:noFill/>
+          </a:ln>
+        </p:spPr>
+        <p:style>
+          <a:lnRef idx="2">
+            <a:schemeClr val="accent1">
+              <a:shade val="50000"/>
+            </a:schemeClr>
+          </a:lnRef>
+          <a:fillRef idx="1">
+            <a:schemeClr val="accent1"/>
+          </a:fillRef>
+          <a:effectRef idx="0">
+            <a:schemeClr val="accent1"/>
+          </a:effectRef>
+          <a:fontRef idx="minor">
+            <a:schemeClr val="lt1"/>
+          </a:fontRef>
+        </p:style>
+        <p:txBody>
+          <a:bodyPr rtlCol="0" anchor="ctr"/>
+          <a:lstStyle/>
+          <a:p>
+            <a:pPr algn="ctr"/>
+            <a:endParaRPr lang="zh-CN" altLang="en-US"/>
+          </a:p>
+        </p:txBody>
+      </p:sp>
+      <p:sp>
+        <p:nvSpPr>
+          <p:cNvPr id="14" name="椭圆 13"/>
+          <p:cNvSpPr/>
+          <p:nvPr/>
+        </p:nvSpPr>
+        <p:spPr>
+          <a:xfrm>
+            <a:off x="5619750" y="3444711"/>
+            <a:ext cx="952500" cy="952500"/>
+          </a:xfrm>
+          <a:prstGeom prst="ellipse">
+            <a:avLst/>
+          </a:prstGeom>
+          <a:solidFill>
+            <a:srgbClr val="48A2A0">
+              <a:alpha val="70000"/>
+            </a:srgbClr>
+          </a:solidFill>
+          <a:ln>
+            <a:noFill/>
+          </a:ln>
+        </p:spPr>
+        <p:style>
+          <a:lnRef idx="2">
+            <a:schemeClr val="accent1">
+              <a:shade val="50000"/>
+            </a:schemeClr>
+          </a:lnRef>
+          <a:fillRef idx="1">
+            <a:schemeClr val="accent1"/>
+          </a:fillRef>
+          <a:effectRef idx="0">
+            <a:schemeClr val="accent1"/>
+          </a:effectRef>
+          <a:fontRef idx="minor">
+            <a:schemeClr val="lt1"/>
+          </a:fontRef>
+        </p:style>
+        <p:txBody>
+          <a:bodyPr rtlCol="0" anchor="ctr"/>
+          <a:lstStyle/>
+          <a:p>
+            <a:pPr algn="ctr"/>
+            <a:endParaRPr lang="zh-CN" altLang="en-US"/>
+          </a:p>
+        </p:txBody>
+      </p:sp>
+      <p:sp>
+        <p:nvSpPr>
+          <p:cNvPr id="15" name="文本框 14"/>
+          <p:cNvSpPr txBox="1"/>
+          <p:nvPr/>
+        </p:nvSpPr>
+        <p:spPr>
+          <a:xfrm>
+            <a:off x="5681494" y="3536240"/>
+            <a:ext cx="771365" cy="769441"/>
+          </a:xfrm>
+          <a:prstGeom prst="rect">
+            <a:avLst/>
+          </a:prstGeom>
+          <a:noFill/>
+        </p:spPr>
+        <p:txBody>
+          <a:bodyPr wrap="none" rtlCol="0">
+            <a:spAutoFit/>
+          </a:bodyPr>
+          <a:lstStyle/>
+          <a:p>
+            <a:pPr algn="ctr"/>
+            <a:r>
+              <a:rPr lang="en-US" altLang="zh-CN" sz="4400" b="1" dirty="0">
+                <a:solidFill>
+                  <a:schemeClr val="bg1"/>
+                </a:solidFill>
+              </a:rPr>
+              <a:t>03</a:t>
+            </a:r>
+            <a:endParaRPr lang="zh-CN" altLang="en-US" sz="4400" b="1" dirty="0">
+              <a:solidFill>
+                <a:schemeClr val="bg1"/>
+              </a:solidFill>
+            </a:endParaRPr>
+          </a:p>
+        </p:txBody>
+      </p:sp>
+      <p:sp>
+        <p:nvSpPr>
+          <p:cNvPr id="34" name="椭圆 33"/>
+          <p:cNvSpPr/>
+          <p:nvPr/>
+        </p:nvSpPr>
+        <p:spPr>
+          <a:xfrm>
+            <a:off x="6360972" y="4151758"/>
+            <a:ext cx="191910" cy="191910"/>
+          </a:xfrm>
+          <a:prstGeom prst="ellipse">
+            <a:avLst/>
+          </a:prstGeom>
+          <a:solidFill>
+            <a:srgbClr val="6C92C0">
+              <a:alpha val="70000"/>
+            </a:srgbClr>
+          </a:solidFill>
+          <a:ln>
+            <a:noFill/>
+          </a:ln>
+        </p:spPr>
+        <p:style>
+          <a:lnRef idx="2">
+            <a:schemeClr val="accent1">
+              <a:shade val="50000"/>
+            </a:schemeClr>
+          </a:lnRef>
+          <a:fillRef idx="1">
+            <a:schemeClr val="accent1"/>
+          </a:fillRef>
+          <a:effectRef idx="0">
+            <a:schemeClr val="accent1"/>
+          </a:effectRef>
+          <a:fontRef idx="minor">
+            <a:schemeClr val="lt1"/>
+          </a:fontRef>
+        </p:style>
+        <p:txBody>
+          <a:bodyPr rtlCol="0" anchor="ctr"/>
+          <a:lstStyle/>
+          <a:p>
+            <a:pPr algn="ctr"/>
+            <a:endParaRPr lang="zh-CN" altLang="en-US"/>
+          </a:p>
+        </p:txBody>
+      </p:sp>
+      <p:sp>
+        <p:nvSpPr>
+          <p:cNvPr id="19" name="椭圆 18"/>
+          <p:cNvSpPr/>
+          <p:nvPr/>
+        </p:nvSpPr>
+        <p:spPr>
+          <a:xfrm>
+            <a:off x="7899400" y="3419627"/>
+            <a:ext cx="952500" cy="952500"/>
+          </a:xfrm>
+          <a:prstGeom prst="ellipse">
+            <a:avLst/>
+          </a:prstGeom>
+          <a:solidFill>
+            <a:srgbClr val="6C92C0">
+              <a:alpha val="70000"/>
+            </a:srgbClr>
+          </a:solidFill>
+          <a:ln>
+            <a:noFill/>
+          </a:ln>
+        </p:spPr>
+        <p:style>
+          <a:lnRef idx="2">
+            <a:schemeClr val="accent1">
+              <a:shade val="50000"/>
+            </a:schemeClr>
+          </a:lnRef>
+          <a:fillRef idx="1">
+            <a:schemeClr val="accent1"/>
+          </a:fillRef>
+          <a:effectRef idx="0">
+            <a:schemeClr val="accent1"/>
+          </a:effectRef>
+          <a:fontRef idx="minor">
+            <a:schemeClr val="lt1"/>
+          </a:fontRef>
+        </p:style>
+        <p:txBody>
+          <a:bodyPr rtlCol="0" anchor="ctr"/>
+          <a:lstStyle/>
+          <a:p>
+            <a:pPr algn="ctr"/>
+            <a:endParaRPr lang="zh-CN" altLang="en-US"/>
+          </a:p>
+        </p:txBody>
+      </p:sp>
+      <p:sp>
+        <p:nvSpPr>
+          <p:cNvPr id="20" name="文本框 19"/>
+          <p:cNvSpPr txBox="1"/>
+          <p:nvPr/>
+        </p:nvSpPr>
+        <p:spPr>
+          <a:xfrm>
+            <a:off x="7989967" y="3511156"/>
+            <a:ext cx="771365" cy="769441"/>
+          </a:xfrm>
+          <a:prstGeom prst="rect">
+            <a:avLst/>
+          </a:prstGeom>
+          <a:noFill/>
+        </p:spPr>
+        <p:txBody>
+          <a:bodyPr wrap="none" rtlCol="0">
+            <a:spAutoFit/>
+          </a:bodyPr>
+          <a:lstStyle/>
+          <a:p>
+            <a:pPr algn="ctr"/>
+            <a:r>
+              <a:rPr lang="en-US" altLang="zh-CN" sz="4400" b="1" dirty="0">
+                <a:solidFill>
+                  <a:schemeClr val="bg1"/>
+                </a:solidFill>
+              </a:rPr>
+              <a:t>04</a:t>
+            </a:r>
+            <a:endParaRPr lang="zh-CN" altLang="en-US" sz="4400" b="1" dirty="0">
+              <a:solidFill>
+                <a:schemeClr val="bg1"/>
+              </a:solidFill>
+            </a:endParaRPr>
+          </a:p>
+        </p:txBody>
+      </p:sp>
+      <p:sp>
+        <p:nvSpPr>
+          <p:cNvPr id="35" name="椭圆 34"/>
+          <p:cNvSpPr/>
+          <p:nvPr/>
+        </p:nvSpPr>
+        <p:spPr>
+          <a:xfrm>
+            <a:off x="8614706" y="4151758"/>
+            <a:ext cx="191910" cy="191910"/>
+          </a:xfrm>
+          <a:prstGeom prst="ellipse">
+            <a:avLst/>
+          </a:prstGeom>
+          <a:solidFill>
+            <a:srgbClr val="48A2A0">
+              <a:alpha val="70000"/>
+            </a:srgbClr>
+          </a:solidFill>
+          <a:ln>
+            <a:noFill/>
+          </a:ln>
+        </p:spPr>
+        <p:style>
+          <a:lnRef idx="2">
+            <a:schemeClr val="accent1">
+              <a:shade val="50000"/>
+            </a:schemeClr>
+          </a:lnRef>
+          <a:fillRef idx="1">
+            <a:schemeClr val="accent1"/>
+          </a:fillRef>
+          <a:effectRef idx="0">
+            <a:schemeClr val="accent1"/>
+          </a:effectRef>
+          <a:fontRef idx="minor">
+            <a:schemeClr val="lt1"/>
+          </a:fontRef>
+        </p:style>
+        <p:txBody>
+          <a:bodyPr rtlCol="0" anchor="ctr"/>
+          <a:lstStyle/>
+          <a:p>
+            <a:pPr algn="ctr"/>
+            <a:endParaRPr lang="zh-CN" altLang="en-US"/>
+          </a:p>
+        </p:txBody>
+      </p:sp>
+      <p:sp>
+        <p:nvSpPr>
+          <p:cNvPr id="26" name="文本框 25">
+            <a:extLst>
+              <a:ext uri="{FF2B5EF4-FFF2-40B4-BE49-F238E27FC236}">
+                <a16:creationId xmlns:a16="http://schemas.microsoft.com/office/drawing/2014/main" id="{BBA7A5AE-46E3-49D9-95A3-353DA0BAF1B3}"/>
+              </a:ext>
+            </a:extLst>
+          </p:cNvPr>
+          <p:cNvSpPr txBox="1"/>
+          <p:nvPr/>
+        </p:nvSpPr>
+        <p:spPr>
+          <a:xfrm>
+            <a:off x="10281728" y="4467285"/>
+            <a:ext cx="965329" cy="369332"/>
+          </a:xfrm>
+          <a:prstGeom prst="rect">
+            <a:avLst/>
+          </a:prstGeom>
+          <a:noFill/>
+        </p:spPr>
+        <p:txBody>
+          <a:bodyPr wrap="none" rtlCol="0">
+            <a:spAutoFit/>
+          </a:bodyPr>
+          <a:lstStyle/>
+          <a:p>
+            <a:pPr algn="ctr"/>
+            <a:r>
+              <a:rPr lang="en-US" altLang="zh-CN" dirty="0">
+                <a:latin typeface="+mj-lt"/>
+              </a:rPr>
+              <a:t>Part five</a:t>
+            </a:r>
+            <a:endParaRPr lang="zh-CN" altLang="en-US" dirty="0">
+              <a:latin typeface="+mj-lt"/>
+            </a:endParaRPr>
+          </a:p>
+        </p:txBody>
+      </p:sp>
+      <p:sp>
+        <p:nvSpPr>
+          <p:cNvPr id="27" name="文本框 26">
+            <a:extLst>
+              <a:ext uri="{FF2B5EF4-FFF2-40B4-BE49-F238E27FC236}">
+                <a16:creationId xmlns:a16="http://schemas.microsoft.com/office/drawing/2014/main" id="{75EB995B-ECAC-4343-B56E-A997030B1933}"/>
+              </a:ext>
+            </a:extLst>
+          </p:cNvPr>
+          <p:cNvSpPr txBox="1"/>
+          <p:nvPr/>
+        </p:nvSpPr>
+        <p:spPr>
+          <a:xfrm>
+            <a:off x="9895315" y="4792278"/>
+            <a:ext cx="2016104" cy="830997"/>
+          </a:xfrm>
+          <a:prstGeom prst="rect">
+            <a:avLst/>
+          </a:prstGeom>
+          <a:noFill/>
+        </p:spPr>
+        <p:txBody>
+          <a:bodyPr wrap="square" rtlCol="0">
+            <a:spAutoFit/>
+          </a:bodyPr>
+          <a:lstStyle/>
+          <a:p>
+            <a:pPr algn="ctr"/>
+            <a:r>
+              <a:rPr lang="zh-CN" altLang="en-US" sz="1200" b="1" dirty="0">
+                <a:solidFill>
+                  <a:srgbClr val="FF0000"/>
+                </a:solidFill>
+                <a:latin typeface="微软雅黑" panose="020B0503020204020204" pitchFamily="34" charset="-122"/>
+                <a:ea typeface="微软雅黑" panose="020B0503020204020204" pitchFamily="34" charset="-122"/>
+              </a:rPr>
+              <a:t>任意常微分方程求解</a:t>
+            </a:r>
+            <a:endParaRPr lang="en-US" altLang="zh-CN" sz="1200" b="1" dirty="0">
+              <a:solidFill>
+                <a:srgbClr val="FF0000"/>
+              </a:solidFill>
+              <a:latin typeface="微软雅黑" panose="020B0503020204020204" pitchFamily="34" charset="-122"/>
+              <a:ea typeface="微软雅黑" panose="020B0503020204020204" pitchFamily="34" charset="-122"/>
+            </a:endParaRPr>
+          </a:p>
+          <a:p>
+            <a:pPr algn="ctr"/>
+            <a:r>
+              <a:rPr lang="zh-CN" altLang="en-US" sz="1200" dirty="0">
+                <a:latin typeface="微软雅黑" panose="020B0503020204020204" pitchFamily="34" charset="-122"/>
+                <a:ea typeface="微软雅黑" panose="020B0503020204020204" pitchFamily="34" charset="-122"/>
+              </a:rPr>
+              <a:t>通过该节内容的知识，我们可以轻易的解开任意一个难以解答的微分方程</a:t>
+            </a:r>
+          </a:p>
+        </p:txBody>
+      </p:sp>
+      <p:sp>
+        <p:nvSpPr>
+          <p:cNvPr id="29" name="文本框 28">
+            <a:extLst>
+              <a:ext uri="{FF2B5EF4-FFF2-40B4-BE49-F238E27FC236}">
+                <a16:creationId xmlns:a16="http://schemas.microsoft.com/office/drawing/2014/main" id="{376CF86B-7B19-45CC-AF36-69D3251223F7}"/>
+              </a:ext>
+            </a:extLst>
+          </p:cNvPr>
+          <p:cNvSpPr txBox="1"/>
+          <p:nvPr/>
+        </p:nvSpPr>
+        <p:spPr>
+          <a:xfrm>
+            <a:off x="10322602" y="3488069"/>
+            <a:ext cx="809837" cy="769441"/>
+          </a:xfrm>
+          <a:prstGeom prst="rect">
+            <a:avLst/>
+          </a:prstGeom>
+          <a:noFill/>
+        </p:spPr>
+        <p:txBody>
+          <a:bodyPr wrap="none" rtlCol="0">
+            <a:spAutoFit/>
+          </a:bodyPr>
+          <a:lstStyle/>
+          <a:p>
+            <a:pPr algn="ctr"/>
+            <a:r>
+              <a:rPr lang="en-US" altLang="zh-CN" sz="4400" b="1" dirty="0">
+                <a:solidFill>
+                  <a:schemeClr val="bg1"/>
+                </a:solidFill>
+              </a:rPr>
+              <a:t>05</a:t>
+            </a:r>
+            <a:endParaRPr lang="zh-CN" altLang="en-US" sz="4400" b="1" dirty="0">
+              <a:solidFill>
+                <a:schemeClr val="bg1"/>
+              </a:solidFill>
+            </a:endParaRPr>
+          </a:p>
+        </p:txBody>
+      </p:sp>
+      <p:sp>
+        <p:nvSpPr>
+          <p:cNvPr id="32" name="椭圆 31">
+            <a:extLst>
+              <a:ext uri="{FF2B5EF4-FFF2-40B4-BE49-F238E27FC236}">
+                <a16:creationId xmlns:a16="http://schemas.microsoft.com/office/drawing/2014/main" id="{A1847A3F-D814-457A-97FB-555A4E537B58}"/>
+              </a:ext>
+            </a:extLst>
+          </p:cNvPr>
+          <p:cNvSpPr/>
+          <p:nvPr/>
+        </p:nvSpPr>
+        <p:spPr>
+          <a:xfrm>
+            <a:off x="10977617" y="4151758"/>
+            <a:ext cx="191910" cy="191910"/>
+          </a:xfrm>
+          <a:prstGeom prst="ellipse">
+            <a:avLst/>
+          </a:prstGeom>
+          <a:solidFill>
+            <a:srgbClr val="6C92C0">
+              <a:alpha val="70000"/>
+            </a:srgbClr>
+          </a:solidFill>
+          <a:ln>
+            <a:noFill/>
+          </a:ln>
+        </p:spPr>
+        <p:style>
+          <a:lnRef idx="2">
+            <a:schemeClr val="accent1">
+              <a:shade val="50000"/>
+            </a:schemeClr>
+          </a:lnRef>
+          <a:fillRef idx="1">
+            <a:schemeClr val="accent1"/>
+          </a:fillRef>
+          <a:effectRef idx="0">
+            <a:schemeClr val="accent1"/>
+          </a:effectRef>
+          <a:fontRef idx="minor">
+            <a:schemeClr val="lt1"/>
+          </a:fontRef>
+        </p:style>
+        <p:txBody>
+          <a:bodyPr rtlCol="0" anchor="ctr"/>
+          <a:lstStyle/>
+          <a:p>
+            <a:pPr algn="ctr"/>
+            <a:endParaRPr lang="zh-CN" altLang="en-US"/>
+          </a:p>
+        </p:txBody>
+      </p:sp>
+    </p:spTree>
+    <p:extLst>
+      <p:ext uri="{BB962C8B-B14F-4D97-AF65-F5344CB8AC3E}">
+        <p14:creationId xmlns:p14="http://schemas.microsoft.com/office/powerpoint/2010/main" val="3126879123"/>
+      </p:ext>
+    </p:extLst>
+  </p:cSld>
+  <p:clrMapOvr>
+    <a:masterClrMapping/>
+  </p:clrMapOvr>
+</p:sld>
+</file>
+
+<file path=ppt/slides/slide20.xml><?xml version="1.0" encoding="utf-8"?>
 <p:sld xmlns:a="http://schemas.openxmlformats.org/drawingml/2006/main" xmlns:r="http://schemas.openxmlformats.org/officeDocument/2006/relationships" xmlns:p="http://schemas.openxmlformats.org/presentationml/2006/main">
   <p:cSld>
     <p:spTree>
@@ -4380,7 +6866,7 @@
 </p:sld>
 </file>
 
-<file path=ppt/slides/slide18.xml><?xml version="1.0" encoding="utf-8"?>
+<file path=ppt/slides/slide21.xml><?xml version="1.0" encoding="utf-8"?>
 <p:sld xmlns:a="http://schemas.openxmlformats.org/drawingml/2006/main" xmlns:r="http://schemas.openxmlformats.org/officeDocument/2006/relationships" xmlns:p="http://schemas.openxmlformats.org/presentationml/2006/main">
   <p:cSld>
     <p:spTree>
@@ -4579,1361 +7065,6 @@
     <p:extLst>
       <p:ext uri="{BB962C8B-B14F-4D97-AF65-F5344CB8AC3E}">
         <p14:creationId xmlns:p14="http://schemas.microsoft.com/office/powerpoint/2010/main" val="2770161350"/>
-      </p:ext>
-    </p:extLst>
-  </p:cSld>
-  <p:clrMapOvr>
-    <a:masterClrMapping/>
-  </p:clrMapOvr>
-</p:sld>
-</file>
-
-<file path=ppt/slides/slide2.xml><?xml version="1.0" encoding="utf-8"?>
-<p:sld xmlns:a="http://schemas.openxmlformats.org/drawingml/2006/main" xmlns:r="http://schemas.openxmlformats.org/officeDocument/2006/relationships" xmlns:p="http://schemas.openxmlformats.org/presentationml/2006/main">
-  <p:cSld>
-    <p:spTree>
-      <p:nvGrpSpPr>
-        <p:cNvPr id="1" name=""/>
-        <p:cNvGrpSpPr/>
-        <p:nvPr/>
-      </p:nvGrpSpPr>
-      <p:grpSpPr>
-        <a:xfrm>
-          <a:off x="0" y="0"/>
-          <a:ext cx="0" cy="0"/>
-          <a:chOff x="0" y="0"/>
-          <a:chExt cx="0" cy="0"/>
-        </a:xfrm>
-      </p:grpSpPr>
-      <p:sp>
-        <p:nvSpPr>
-          <p:cNvPr id="31" name="椭圆 30">
-            <a:extLst>
-              <a:ext uri="{FF2B5EF4-FFF2-40B4-BE49-F238E27FC236}">
-                <a16:creationId xmlns:a16="http://schemas.microsoft.com/office/drawing/2014/main" id="{6CCE0D84-52CE-4626-9918-27F47A773357}"/>
-              </a:ext>
-            </a:extLst>
-          </p:cNvPr>
-          <p:cNvSpPr/>
-          <p:nvPr/>
-        </p:nvSpPr>
-        <p:spPr>
-          <a:xfrm>
-            <a:off x="10284244" y="3409898"/>
-            <a:ext cx="952500" cy="952500"/>
-          </a:xfrm>
-          <a:prstGeom prst="ellipse">
-            <a:avLst/>
-          </a:prstGeom>
-          <a:solidFill>
-            <a:srgbClr val="48A2A0">
-              <a:alpha val="70000"/>
-            </a:srgbClr>
-          </a:solidFill>
-          <a:ln>
-            <a:noFill/>
-          </a:ln>
-        </p:spPr>
-        <p:style>
-          <a:lnRef idx="2">
-            <a:schemeClr val="accent1">
-              <a:shade val="50000"/>
-            </a:schemeClr>
-          </a:lnRef>
-          <a:fillRef idx="1">
-            <a:schemeClr val="accent1"/>
-          </a:fillRef>
-          <a:effectRef idx="0">
-            <a:schemeClr val="accent1"/>
-          </a:effectRef>
-          <a:fontRef idx="minor">
-            <a:schemeClr val="lt1"/>
-          </a:fontRef>
-        </p:style>
-        <p:txBody>
-          <a:bodyPr rtlCol="0" anchor="ctr"/>
-          <a:lstStyle/>
-          <a:p>
-            <a:pPr algn="ctr"/>
-            <a:endParaRPr lang="zh-CN" altLang="en-US"/>
-          </a:p>
-        </p:txBody>
-      </p:sp>
-      <p:sp>
-        <p:nvSpPr>
-          <p:cNvPr id="24" name="椭圆 23"/>
-          <p:cNvSpPr/>
-          <p:nvPr/>
-        </p:nvSpPr>
-        <p:spPr>
-          <a:xfrm>
-            <a:off x="4758074" y="753893"/>
-            <a:ext cx="713428" cy="713428"/>
-          </a:xfrm>
-          <a:prstGeom prst="ellipse">
-            <a:avLst/>
-          </a:prstGeom>
-          <a:solidFill>
-            <a:srgbClr val="6C92C0">
-              <a:alpha val="70000"/>
-            </a:srgbClr>
-          </a:solidFill>
-          <a:ln>
-            <a:noFill/>
-          </a:ln>
-        </p:spPr>
-        <p:style>
-          <a:lnRef idx="2">
-            <a:schemeClr val="accent1">
-              <a:shade val="50000"/>
-            </a:schemeClr>
-          </a:lnRef>
-          <a:fillRef idx="1">
-            <a:schemeClr val="accent1"/>
-          </a:fillRef>
-          <a:effectRef idx="0">
-            <a:schemeClr val="accent1"/>
-          </a:effectRef>
-          <a:fontRef idx="minor">
-            <a:schemeClr val="lt1"/>
-          </a:fontRef>
-        </p:style>
-        <p:txBody>
-          <a:bodyPr rtlCol="0" anchor="ctr"/>
-          <a:lstStyle/>
-          <a:p>
-            <a:pPr algn="ctr"/>
-            <a:endParaRPr lang="zh-CN" altLang="en-US"/>
-          </a:p>
-        </p:txBody>
-      </p:sp>
-      <p:sp>
-        <p:nvSpPr>
-          <p:cNvPr id="25" name="椭圆 24"/>
-          <p:cNvSpPr/>
-          <p:nvPr/>
-        </p:nvSpPr>
-        <p:spPr>
-          <a:xfrm>
-            <a:off x="1754343" y="4151758"/>
-            <a:ext cx="191910" cy="191910"/>
-          </a:xfrm>
-          <a:prstGeom prst="ellipse">
-            <a:avLst/>
-          </a:prstGeom>
-          <a:solidFill>
-            <a:srgbClr val="6C92C0">
-              <a:alpha val="70000"/>
-            </a:srgbClr>
-          </a:solidFill>
-          <a:ln>
-            <a:noFill/>
-          </a:ln>
-        </p:spPr>
-        <p:style>
-          <a:lnRef idx="2">
-            <a:schemeClr val="accent1">
-              <a:shade val="50000"/>
-            </a:schemeClr>
-          </a:lnRef>
-          <a:fillRef idx="1">
-            <a:schemeClr val="accent1"/>
-          </a:fillRef>
-          <a:effectRef idx="0">
-            <a:schemeClr val="accent1"/>
-          </a:effectRef>
-          <a:fontRef idx="minor">
-            <a:schemeClr val="lt1"/>
-          </a:fontRef>
-        </p:style>
-        <p:txBody>
-          <a:bodyPr rtlCol="0" anchor="ctr"/>
-          <a:lstStyle/>
-          <a:p>
-            <a:pPr algn="ctr"/>
-            <a:endParaRPr lang="zh-CN" altLang="en-US"/>
-          </a:p>
-        </p:txBody>
-      </p:sp>
-      <p:sp>
-        <p:nvSpPr>
-          <p:cNvPr id="4" name="椭圆 3"/>
-          <p:cNvSpPr/>
-          <p:nvPr/>
-        </p:nvSpPr>
-        <p:spPr>
-          <a:xfrm>
-            <a:off x="1060450" y="3425976"/>
-            <a:ext cx="952500" cy="952500"/>
-          </a:xfrm>
-          <a:prstGeom prst="ellipse">
-            <a:avLst/>
-          </a:prstGeom>
-          <a:solidFill>
-            <a:srgbClr val="48A2A0">
-              <a:alpha val="70000"/>
-            </a:srgbClr>
-          </a:solidFill>
-          <a:ln>
-            <a:noFill/>
-          </a:ln>
-        </p:spPr>
-        <p:style>
-          <a:lnRef idx="2">
-            <a:schemeClr val="accent1">
-              <a:shade val="50000"/>
-            </a:schemeClr>
-          </a:lnRef>
-          <a:fillRef idx="1">
-            <a:schemeClr val="accent1"/>
-          </a:fillRef>
-          <a:effectRef idx="0">
-            <a:schemeClr val="accent1"/>
-          </a:effectRef>
-          <a:fontRef idx="minor">
-            <a:schemeClr val="lt1"/>
-          </a:fontRef>
-        </p:style>
-        <p:txBody>
-          <a:bodyPr rtlCol="0" anchor="ctr"/>
-          <a:lstStyle/>
-          <a:p>
-            <a:pPr algn="ctr"/>
-            <a:endParaRPr lang="zh-CN" altLang="en-US"/>
-          </a:p>
-        </p:txBody>
-      </p:sp>
-      <p:sp>
-        <p:nvSpPr>
-          <p:cNvPr id="5" name="文本框 4"/>
-          <p:cNvSpPr txBox="1"/>
-          <p:nvPr/>
-        </p:nvSpPr>
-        <p:spPr>
-          <a:xfrm>
-            <a:off x="1162189" y="3517505"/>
-            <a:ext cx="771365" cy="769441"/>
-          </a:xfrm>
-          <a:prstGeom prst="rect">
-            <a:avLst/>
-          </a:prstGeom>
-          <a:noFill/>
-        </p:spPr>
-        <p:txBody>
-          <a:bodyPr wrap="none" rtlCol="0">
-            <a:spAutoFit/>
-          </a:bodyPr>
-          <a:lstStyle/>
-          <a:p>
-            <a:pPr algn="ctr"/>
-            <a:r>
-              <a:rPr lang="en-US" altLang="zh-CN" sz="4400" b="1" dirty="0">
-                <a:solidFill>
-                  <a:schemeClr val="bg1"/>
-                </a:solidFill>
-              </a:rPr>
-              <a:t>01</a:t>
-            </a:r>
-            <a:endParaRPr lang="zh-CN" altLang="en-US" sz="4400" b="1" dirty="0">
-              <a:solidFill>
-                <a:schemeClr val="bg1"/>
-              </a:solidFill>
-            </a:endParaRPr>
-          </a:p>
-        </p:txBody>
-      </p:sp>
-      <p:sp>
-        <p:nvSpPr>
-          <p:cNvPr id="6" name="文本框 5"/>
-          <p:cNvSpPr txBox="1"/>
-          <p:nvPr/>
-        </p:nvSpPr>
-        <p:spPr>
-          <a:xfrm>
-            <a:off x="994786" y="4470005"/>
-            <a:ext cx="1002197" cy="369332"/>
-          </a:xfrm>
-          <a:prstGeom prst="rect">
-            <a:avLst/>
-          </a:prstGeom>
-          <a:noFill/>
-        </p:spPr>
-        <p:txBody>
-          <a:bodyPr wrap="none" rtlCol="0">
-            <a:spAutoFit/>
-          </a:bodyPr>
-          <a:lstStyle/>
-          <a:p>
-            <a:pPr algn="ctr"/>
-            <a:r>
-              <a:rPr lang="en-US" altLang="zh-CN" dirty="0">
-                <a:latin typeface="+mj-lt"/>
-              </a:rPr>
-              <a:t>Part one</a:t>
-            </a:r>
-            <a:endParaRPr lang="zh-CN" altLang="en-US" dirty="0">
-              <a:latin typeface="+mj-lt"/>
-            </a:endParaRPr>
-          </a:p>
-        </p:txBody>
-      </p:sp>
-      <p:sp>
-        <p:nvSpPr>
-          <p:cNvPr id="7" name="文本框 6"/>
-          <p:cNvSpPr txBox="1"/>
-          <p:nvPr/>
-        </p:nvSpPr>
-        <p:spPr>
-          <a:xfrm>
-            <a:off x="487833" y="4809015"/>
-            <a:ext cx="2016104" cy="830997"/>
-          </a:xfrm>
-          <a:prstGeom prst="rect">
-            <a:avLst/>
-          </a:prstGeom>
-          <a:noFill/>
-        </p:spPr>
-        <p:txBody>
-          <a:bodyPr wrap="square" rtlCol="0">
-            <a:spAutoFit/>
-          </a:bodyPr>
-          <a:lstStyle/>
-          <a:p>
-            <a:pPr algn="ctr"/>
-            <a:r>
-              <a:rPr lang="zh-CN" altLang="en-US" sz="1200" b="1" dirty="0">
-                <a:solidFill>
-                  <a:srgbClr val="FF0000"/>
-                </a:solidFill>
-                <a:latin typeface="微软雅黑" panose="020B0503020204020204" pitchFamily="34" charset="-122"/>
-                <a:ea typeface="微软雅黑" panose="020B0503020204020204" pitchFamily="34" charset="-122"/>
-              </a:rPr>
-              <a:t>任意方程求根</a:t>
-            </a:r>
-            <a:endParaRPr lang="en-US" altLang="zh-CN" sz="1200" b="1" dirty="0">
-              <a:solidFill>
-                <a:srgbClr val="FF0000"/>
-              </a:solidFill>
-              <a:latin typeface="微软雅黑" panose="020B0503020204020204" pitchFamily="34" charset="-122"/>
-              <a:ea typeface="微软雅黑" panose="020B0503020204020204" pitchFamily="34" charset="-122"/>
-            </a:endParaRPr>
-          </a:p>
-          <a:p>
-            <a:pPr algn="ctr"/>
-            <a:r>
-              <a:rPr lang="zh-CN" altLang="en-US" sz="1200" dirty="0">
-                <a:latin typeface="微软雅黑" panose="020B0503020204020204" pitchFamily="34" charset="-122"/>
-                <a:ea typeface="微软雅黑" panose="020B0503020204020204" pitchFamily="34" charset="-122"/>
-              </a:rPr>
-              <a:t>该节内容将针对各种奇怪无法通过普通方式求解的方程进行求根计算</a:t>
-            </a:r>
-          </a:p>
-        </p:txBody>
-      </p:sp>
-      <p:sp>
-        <p:nvSpPr>
-          <p:cNvPr id="11" name="文本框 10"/>
-          <p:cNvSpPr txBox="1"/>
-          <p:nvPr/>
-        </p:nvSpPr>
-        <p:spPr>
-          <a:xfrm>
-            <a:off x="3359096" y="4451270"/>
-            <a:ext cx="986167" cy="369332"/>
-          </a:xfrm>
-          <a:prstGeom prst="rect">
-            <a:avLst/>
-          </a:prstGeom>
-          <a:noFill/>
-        </p:spPr>
-        <p:txBody>
-          <a:bodyPr wrap="none" rtlCol="0">
-            <a:spAutoFit/>
-          </a:bodyPr>
-          <a:lstStyle/>
-          <a:p>
-            <a:pPr algn="ctr"/>
-            <a:r>
-              <a:rPr lang="en-US" altLang="zh-CN" dirty="0">
-                <a:latin typeface="+mj-lt"/>
-              </a:rPr>
-              <a:t>Part two</a:t>
-            </a:r>
-            <a:endParaRPr lang="zh-CN" altLang="en-US" dirty="0">
-              <a:latin typeface="+mj-lt"/>
-            </a:endParaRPr>
-          </a:p>
-        </p:txBody>
-      </p:sp>
-      <p:sp>
-        <p:nvSpPr>
-          <p:cNvPr id="12" name="文本框 11"/>
-          <p:cNvSpPr txBox="1"/>
-          <p:nvPr/>
-        </p:nvSpPr>
-        <p:spPr>
-          <a:xfrm>
-            <a:off x="2839703" y="4790280"/>
-            <a:ext cx="2016104" cy="830997"/>
-          </a:xfrm>
-          <a:prstGeom prst="rect">
-            <a:avLst/>
-          </a:prstGeom>
-          <a:noFill/>
-        </p:spPr>
-        <p:txBody>
-          <a:bodyPr wrap="square" rtlCol="0">
-            <a:spAutoFit/>
-          </a:bodyPr>
-          <a:lstStyle/>
-          <a:p>
-            <a:pPr algn="ctr"/>
-            <a:r>
-              <a:rPr lang="zh-CN" altLang="en-US" sz="1200" b="1" dirty="0">
-                <a:solidFill>
-                  <a:srgbClr val="FF0000"/>
-                </a:solidFill>
-                <a:latin typeface="微软雅黑" panose="020B0503020204020204" pitchFamily="34" charset="-122"/>
-                <a:ea typeface="微软雅黑" panose="020B0503020204020204" pitchFamily="34" charset="-122"/>
-              </a:rPr>
-              <a:t>任意曲线拟合</a:t>
-            </a:r>
-            <a:endParaRPr lang="en-US" altLang="zh-CN" sz="1200" b="1" dirty="0">
-              <a:solidFill>
-                <a:srgbClr val="FF0000"/>
-              </a:solidFill>
-              <a:latin typeface="微软雅黑" panose="020B0503020204020204" pitchFamily="34" charset="-122"/>
-              <a:ea typeface="微软雅黑" panose="020B0503020204020204" pitchFamily="34" charset="-122"/>
-            </a:endParaRPr>
-          </a:p>
-          <a:p>
-            <a:pPr algn="ctr"/>
-            <a:r>
-              <a:rPr lang="zh-CN" altLang="en-US" sz="1200" dirty="0">
-                <a:latin typeface="微软雅黑" panose="020B0503020204020204" pitchFamily="34" charset="-122"/>
-                <a:ea typeface="微软雅黑" panose="020B0503020204020204" pitchFamily="34" charset="-122"/>
-              </a:rPr>
-              <a:t>用于给出任意的一个数据集或者是图像，我们都可以轻松的用一根曲线拟合</a:t>
-            </a:r>
-          </a:p>
-        </p:txBody>
-      </p:sp>
-      <p:sp>
-        <p:nvSpPr>
-          <p:cNvPr id="16" name="文本框 15"/>
-          <p:cNvSpPr txBox="1"/>
-          <p:nvPr/>
-        </p:nvSpPr>
-        <p:spPr>
-          <a:xfrm>
-            <a:off x="5580231" y="4465287"/>
-            <a:ext cx="1135246" cy="369332"/>
-          </a:xfrm>
-          <a:prstGeom prst="rect">
-            <a:avLst/>
-          </a:prstGeom>
-          <a:noFill/>
-        </p:spPr>
-        <p:txBody>
-          <a:bodyPr wrap="none" rtlCol="0">
-            <a:spAutoFit/>
-          </a:bodyPr>
-          <a:lstStyle/>
-          <a:p>
-            <a:pPr algn="ctr"/>
-            <a:r>
-              <a:rPr lang="en-US" altLang="zh-CN" dirty="0">
-                <a:latin typeface="+mj-lt"/>
-              </a:rPr>
-              <a:t>Part three</a:t>
-            </a:r>
-            <a:endParaRPr lang="zh-CN" altLang="en-US" dirty="0">
-              <a:latin typeface="+mj-lt"/>
-            </a:endParaRPr>
-          </a:p>
-        </p:txBody>
-      </p:sp>
-      <p:sp>
-        <p:nvSpPr>
-          <p:cNvPr id="17" name="文本框 16"/>
-          <p:cNvSpPr txBox="1"/>
-          <p:nvPr/>
-        </p:nvSpPr>
-        <p:spPr>
-          <a:xfrm>
-            <a:off x="5191573" y="4790280"/>
-            <a:ext cx="2016104" cy="830997"/>
-          </a:xfrm>
-          <a:prstGeom prst="rect">
-            <a:avLst/>
-          </a:prstGeom>
-          <a:noFill/>
-        </p:spPr>
-        <p:txBody>
-          <a:bodyPr wrap="square" rtlCol="0">
-            <a:spAutoFit/>
-          </a:bodyPr>
-          <a:lstStyle/>
-          <a:p>
-            <a:pPr algn="ctr"/>
-            <a:r>
-              <a:rPr lang="zh-CN" altLang="en-US" sz="1200" b="1" dirty="0">
-                <a:solidFill>
-                  <a:srgbClr val="FF0000"/>
-                </a:solidFill>
-                <a:latin typeface="微软雅黑" panose="020B0503020204020204" pitchFamily="34" charset="-122"/>
-                <a:ea typeface="微软雅黑" panose="020B0503020204020204" pitchFamily="34" charset="-122"/>
-              </a:rPr>
-              <a:t>任意函数求积</a:t>
-            </a:r>
-            <a:endParaRPr lang="en-US" altLang="zh-CN" sz="1200" b="1" dirty="0">
-              <a:solidFill>
-                <a:srgbClr val="FF0000"/>
-              </a:solidFill>
-              <a:latin typeface="微软雅黑" panose="020B0503020204020204" pitchFamily="34" charset="-122"/>
-              <a:ea typeface="微软雅黑" panose="020B0503020204020204" pitchFamily="34" charset="-122"/>
-            </a:endParaRPr>
-          </a:p>
-          <a:p>
-            <a:pPr algn="ctr"/>
-            <a:r>
-              <a:rPr lang="zh-CN" altLang="en-US" sz="1200" dirty="0">
-                <a:latin typeface="微软雅黑" panose="020B0503020204020204" pitchFamily="34" charset="-122"/>
-                <a:ea typeface="微软雅黑" panose="020B0503020204020204" pitchFamily="34" charset="-122"/>
-              </a:rPr>
-              <a:t>任意给出一个函数，我们都可以利用一些方法计算它的积分</a:t>
-            </a:r>
-          </a:p>
-        </p:txBody>
-      </p:sp>
-      <p:sp>
-        <p:nvSpPr>
-          <p:cNvPr id="21" name="文本框 20"/>
-          <p:cNvSpPr txBox="1"/>
-          <p:nvPr/>
-        </p:nvSpPr>
-        <p:spPr>
-          <a:xfrm>
-            <a:off x="7899400" y="4490372"/>
-            <a:ext cx="1026243" cy="369332"/>
-          </a:xfrm>
-          <a:prstGeom prst="rect">
-            <a:avLst/>
-          </a:prstGeom>
-          <a:noFill/>
-        </p:spPr>
-        <p:txBody>
-          <a:bodyPr wrap="none" rtlCol="0">
-            <a:spAutoFit/>
-          </a:bodyPr>
-          <a:lstStyle/>
-          <a:p>
-            <a:pPr algn="ctr"/>
-            <a:r>
-              <a:rPr lang="en-US" altLang="zh-CN" dirty="0">
-                <a:latin typeface="+mj-lt"/>
-              </a:rPr>
-              <a:t>Part four</a:t>
-            </a:r>
-            <a:endParaRPr lang="zh-CN" altLang="en-US" dirty="0">
-              <a:latin typeface="+mj-lt"/>
-            </a:endParaRPr>
-          </a:p>
-        </p:txBody>
-      </p:sp>
-      <p:sp>
-        <p:nvSpPr>
-          <p:cNvPr id="22" name="文本框 21"/>
-          <p:cNvSpPr txBox="1"/>
-          <p:nvPr/>
-        </p:nvSpPr>
-        <p:spPr>
-          <a:xfrm>
-            <a:off x="7543444" y="4815365"/>
-            <a:ext cx="2016104" cy="830997"/>
-          </a:xfrm>
-          <a:prstGeom prst="rect">
-            <a:avLst/>
-          </a:prstGeom>
-          <a:noFill/>
-        </p:spPr>
-        <p:txBody>
-          <a:bodyPr wrap="square" rtlCol="0">
-            <a:spAutoFit/>
-          </a:bodyPr>
-          <a:lstStyle/>
-          <a:p>
-            <a:pPr algn="ctr"/>
-            <a:r>
-              <a:rPr lang="zh-CN" altLang="en-US" sz="1200" b="1" dirty="0">
-                <a:solidFill>
-                  <a:srgbClr val="FF0000"/>
-                </a:solidFill>
-                <a:latin typeface="微软雅黑" panose="020B0503020204020204" pitchFamily="34" charset="-122"/>
-                <a:ea typeface="微软雅黑" panose="020B0503020204020204" pitchFamily="34" charset="-122"/>
-              </a:rPr>
-              <a:t>解任意线性方程</a:t>
-            </a:r>
-            <a:r>
-              <a:rPr lang="en-US" altLang="zh-CN" sz="1200" b="1" dirty="0">
-                <a:solidFill>
-                  <a:srgbClr val="FF0000"/>
-                </a:solidFill>
-                <a:latin typeface="微软雅黑" panose="020B0503020204020204" pitchFamily="34" charset="-122"/>
-                <a:ea typeface="微软雅黑" panose="020B0503020204020204" pitchFamily="34" charset="-122"/>
-              </a:rPr>
-              <a:t>(</a:t>
-            </a:r>
-            <a:r>
-              <a:rPr lang="zh-CN" altLang="en-US" sz="1200" b="1" dirty="0">
-                <a:solidFill>
-                  <a:srgbClr val="FF0000"/>
-                </a:solidFill>
-                <a:latin typeface="微软雅黑" panose="020B0503020204020204" pitchFamily="34" charset="-122"/>
-                <a:ea typeface="微软雅黑" panose="020B0503020204020204" pitchFamily="34" charset="-122"/>
-              </a:rPr>
-              <a:t>组</a:t>
-            </a:r>
-            <a:r>
-              <a:rPr lang="en-US" altLang="zh-CN" sz="1200" b="1" dirty="0">
-                <a:solidFill>
-                  <a:srgbClr val="FF0000"/>
-                </a:solidFill>
-                <a:latin typeface="微软雅黑" panose="020B0503020204020204" pitchFamily="34" charset="-122"/>
-                <a:ea typeface="微软雅黑" panose="020B0503020204020204" pitchFamily="34" charset="-122"/>
-              </a:rPr>
-              <a:t>)</a:t>
-            </a:r>
-          </a:p>
-          <a:p>
-            <a:pPr algn="ctr"/>
-            <a:r>
-              <a:rPr lang="zh-CN" altLang="en-US" sz="1200" dirty="0">
-                <a:latin typeface="微软雅黑" panose="020B0503020204020204" pitchFamily="34" charset="-122"/>
-                <a:ea typeface="微软雅黑" panose="020B0503020204020204" pitchFamily="34" charset="-122"/>
-              </a:rPr>
-              <a:t>该节内容将细致的讲解如何快速的解开难以计算的线性方程组</a:t>
-            </a:r>
-          </a:p>
-        </p:txBody>
-      </p:sp>
-      <p:sp>
-        <p:nvSpPr>
-          <p:cNvPr id="23" name="椭圆 22"/>
-          <p:cNvSpPr/>
-          <p:nvPr/>
-        </p:nvSpPr>
-        <p:spPr>
-          <a:xfrm>
-            <a:off x="4869180" y="686969"/>
-            <a:ext cx="2453640" cy="2453640"/>
-          </a:xfrm>
-          <a:prstGeom prst="ellipse">
-            <a:avLst/>
-          </a:prstGeom>
-          <a:solidFill>
-            <a:srgbClr val="48A2A0">
-              <a:alpha val="70000"/>
-            </a:srgbClr>
-          </a:solidFill>
-          <a:ln>
-            <a:noFill/>
-          </a:ln>
-        </p:spPr>
-        <p:style>
-          <a:lnRef idx="2">
-            <a:schemeClr val="accent1">
-              <a:shade val="50000"/>
-            </a:schemeClr>
-          </a:lnRef>
-          <a:fillRef idx="1">
-            <a:schemeClr val="accent1"/>
-          </a:fillRef>
-          <a:effectRef idx="0">
-            <a:schemeClr val="accent1"/>
-          </a:effectRef>
-          <a:fontRef idx="minor">
-            <a:schemeClr val="lt1"/>
-          </a:fontRef>
-        </p:style>
-        <p:txBody>
-          <a:bodyPr rtlCol="0" anchor="ctr"/>
-          <a:lstStyle/>
-          <a:p>
-            <a:pPr algn="ctr"/>
-            <a:endParaRPr lang="zh-CN" altLang="en-US"/>
-          </a:p>
-        </p:txBody>
-      </p:sp>
-      <p:sp>
-        <p:nvSpPr>
-          <p:cNvPr id="2" name="MH_Others_1"/>
-          <p:cNvSpPr txBox="1"/>
-          <p:nvPr>
-            <p:custDataLst>
-              <p:tags r:id="rId1"/>
-            </p:custDataLst>
-          </p:nvPr>
-        </p:nvSpPr>
-        <p:spPr>
-          <a:xfrm>
-            <a:off x="4160902" y="1467321"/>
-            <a:ext cx="3955467" cy="847938"/>
-          </a:xfrm>
-          <a:prstGeom prst="rect">
-            <a:avLst/>
-          </a:prstGeom>
-          <a:noFill/>
-        </p:spPr>
-        <p:txBody>
-          <a:bodyPr wrap="square" rtlCol="0">
-            <a:noAutofit/>
-          </a:bodyPr>
-          <a:lstStyle/>
-          <a:p>
-            <a:pPr algn="ctr"/>
-            <a:r>
-              <a:rPr lang="en-US" altLang="zh-CN" sz="4400" dirty="0">
-                <a:solidFill>
-                  <a:schemeClr val="bg1"/>
-                </a:solidFill>
-                <a:effectLst>
-                  <a:outerShdw blurRad="38100" dist="38100" dir="2700000" algn="tl">
-                    <a:srgbClr val="000000">
-                      <a:alpha val="43137"/>
-                    </a:srgbClr>
-                  </a:outerShdw>
-                </a:effectLst>
-                <a:latin typeface="+mj-lt"/>
-                <a:cs typeface="Arial" pitchFamily="34" charset="0"/>
-              </a:rPr>
-              <a:t>Contents</a:t>
-            </a:r>
-            <a:endParaRPr lang="zh-CN" altLang="en-US" sz="4400" dirty="0">
-              <a:solidFill>
-                <a:schemeClr val="bg1"/>
-              </a:solidFill>
-              <a:effectLst>
-                <a:outerShdw blurRad="38100" dist="38100" dir="2700000" algn="tl">
-                  <a:srgbClr val="000000">
-                    <a:alpha val="43137"/>
-                  </a:srgbClr>
-                </a:outerShdw>
-              </a:effectLst>
-              <a:latin typeface="+mj-lt"/>
-              <a:cs typeface="Arial" pitchFamily="34" charset="0"/>
-            </a:endParaRPr>
-          </a:p>
-        </p:txBody>
-      </p:sp>
-      <p:sp>
-        <p:nvSpPr>
-          <p:cNvPr id="9" name="椭圆 8"/>
-          <p:cNvSpPr/>
-          <p:nvPr/>
-        </p:nvSpPr>
-        <p:spPr>
-          <a:xfrm>
-            <a:off x="3340100" y="3444711"/>
-            <a:ext cx="952500" cy="952500"/>
-          </a:xfrm>
-          <a:prstGeom prst="ellipse">
-            <a:avLst/>
-          </a:prstGeom>
-          <a:solidFill>
-            <a:srgbClr val="6C92C0">
-              <a:alpha val="70000"/>
-            </a:srgbClr>
-          </a:solidFill>
-          <a:ln>
-            <a:noFill/>
-          </a:ln>
-        </p:spPr>
-        <p:style>
-          <a:lnRef idx="2">
-            <a:schemeClr val="accent1">
-              <a:shade val="50000"/>
-            </a:schemeClr>
-          </a:lnRef>
-          <a:fillRef idx="1">
-            <a:schemeClr val="accent1"/>
-          </a:fillRef>
-          <a:effectRef idx="0">
-            <a:schemeClr val="accent1"/>
-          </a:effectRef>
-          <a:fontRef idx="minor">
-            <a:schemeClr val="lt1"/>
-          </a:fontRef>
-        </p:style>
-        <p:txBody>
-          <a:bodyPr rtlCol="0" anchor="ctr"/>
-          <a:lstStyle/>
-          <a:p>
-            <a:pPr algn="ctr"/>
-            <a:endParaRPr lang="zh-CN" altLang="en-US"/>
-          </a:p>
-        </p:txBody>
-      </p:sp>
-      <p:sp>
-        <p:nvSpPr>
-          <p:cNvPr id="10" name="文本框 9"/>
-          <p:cNvSpPr txBox="1"/>
-          <p:nvPr/>
-        </p:nvSpPr>
-        <p:spPr>
-          <a:xfrm>
-            <a:off x="3430667" y="3536240"/>
-            <a:ext cx="771365" cy="769441"/>
-          </a:xfrm>
-          <a:prstGeom prst="rect">
-            <a:avLst/>
-          </a:prstGeom>
-          <a:noFill/>
-        </p:spPr>
-        <p:txBody>
-          <a:bodyPr wrap="none" rtlCol="0">
-            <a:spAutoFit/>
-          </a:bodyPr>
-          <a:lstStyle/>
-          <a:p>
-            <a:pPr algn="ctr"/>
-            <a:r>
-              <a:rPr lang="en-US" altLang="zh-CN" sz="4400" b="1" dirty="0">
-                <a:solidFill>
-                  <a:schemeClr val="bg1"/>
-                </a:solidFill>
-              </a:rPr>
-              <a:t>02</a:t>
-            </a:r>
-            <a:endParaRPr lang="zh-CN" altLang="en-US" sz="4400" b="1" dirty="0">
-              <a:solidFill>
-                <a:schemeClr val="bg1"/>
-              </a:solidFill>
-            </a:endParaRPr>
-          </a:p>
-        </p:txBody>
-      </p:sp>
-      <p:sp>
-        <p:nvSpPr>
-          <p:cNvPr id="33" name="椭圆 32"/>
-          <p:cNvSpPr/>
-          <p:nvPr/>
-        </p:nvSpPr>
-        <p:spPr>
-          <a:xfrm>
-            <a:off x="4048140" y="4151758"/>
-            <a:ext cx="191910" cy="191910"/>
-          </a:xfrm>
-          <a:prstGeom prst="ellipse">
-            <a:avLst/>
-          </a:prstGeom>
-          <a:solidFill>
-            <a:srgbClr val="48A2A0">
-              <a:alpha val="70000"/>
-            </a:srgbClr>
-          </a:solidFill>
-          <a:ln>
-            <a:noFill/>
-          </a:ln>
-        </p:spPr>
-        <p:style>
-          <a:lnRef idx="2">
-            <a:schemeClr val="accent1">
-              <a:shade val="50000"/>
-            </a:schemeClr>
-          </a:lnRef>
-          <a:fillRef idx="1">
-            <a:schemeClr val="accent1"/>
-          </a:fillRef>
-          <a:effectRef idx="0">
-            <a:schemeClr val="accent1"/>
-          </a:effectRef>
-          <a:fontRef idx="minor">
-            <a:schemeClr val="lt1"/>
-          </a:fontRef>
-        </p:style>
-        <p:txBody>
-          <a:bodyPr rtlCol="0" anchor="ctr"/>
-          <a:lstStyle/>
-          <a:p>
-            <a:pPr algn="ctr"/>
-            <a:endParaRPr lang="zh-CN" altLang="en-US"/>
-          </a:p>
-        </p:txBody>
-      </p:sp>
-      <p:sp>
-        <p:nvSpPr>
-          <p:cNvPr id="14" name="椭圆 13"/>
-          <p:cNvSpPr/>
-          <p:nvPr/>
-        </p:nvSpPr>
-        <p:spPr>
-          <a:xfrm>
-            <a:off x="5619750" y="3444711"/>
-            <a:ext cx="952500" cy="952500"/>
-          </a:xfrm>
-          <a:prstGeom prst="ellipse">
-            <a:avLst/>
-          </a:prstGeom>
-          <a:solidFill>
-            <a:srgbClr val="48A2A0">
-              <a:alpha val="70000"/>
-            </a:srgbClr>
-          </a:solidFill>
-          <a:ln>
-            <a:noFill/>
-          </a:ln>
-        </p:spPr>
-        <p:style>
-          <a:lnRef idx="2">
-            <a:schemeClr val="accent1">
-              <a:shade val="50000"/>
-            </a:schemeClr>
-          </a:lnRef>
-          <a:fillRef idx="1">
-            <a:schemeClr val="accent1"/>
-          </a:fillRef>
-          <a:effectRef idx="0">
-            <a:schemeClr val="accent1"/>
-          </a:effectRef>
-          <a:fontRef idx="minor">
-            <a:schemeClr val="lt1"/>
-          </a:fontRef>
-        </p:style>
-        <p:txBody>
-          <a:bodyPr rtlCol="0" anchor="ctr"/>
-          <a:lstStyle/>
-          <a:p>
-            <a:pPr algn="ctr"/>
-            <a:endParaRPr lang="zh-CN" altLang="en-US"/>
-          </a:p>
-        </p:txBody>
-      </p:sp>
-      <p:sp>
-        <p:nvSpPr>
-          <p:cNvPr id="15" name="文本框 14"/>
-          <p:cNvSpPr txBox="1"/>
-          <p:nvPr/>
-        </p:nvSpPr>
-        <p:spPr>
-          <a:xfrm>
-            <a:off x="5681494" y="3536240"/>
-            <a:ext cx="771365" cy="769441"/>
-          </a:xfrm>
-          <a:prstGeom prst="rect">
-            <a:avLst/>
-          </a:prstGeom>
-          <a:noFill/>
-        </p:spPr>
-        <p:txBody>
-          <a:bodyPr wrap="none" rtlCol="0">
-            <a:spAutoFit/>
-          </a:bodyPr>
-          <a:lstStyle/>
-          <a:p>
-            <a:pPr algn="ctr"/>
-            <a:r>
-              <a:rPr lang="en-US" altLang="zh-CN" sz="4400" b="1" dirty="0">
-                <a:solidFill>
-                  <a:schemeClr val="bg1"/>
-                </a:solidFill>
-              </a:rPr>
-              <a:t>03</a:t>
-            </a:r>
-            <a:endParaRPr lang="zh-CN" altLang="en-US" sz="4400" b="1" dirty="0">
-              <a:solidFill>
-                <a:schemeClr val="bg1"/>
-              </a:solidFill>
-            </a:endParaRPr>
-          </a:p>
-        </p:txBody>
-      </p:sp>
-      <p:sp>
-        <p:nvSpPr>
-          <p:cNvPr id="34" name="椭圆 33"/>
-          <p:cNvSpPr/>
-          <p:nvPr/>
-        </p:nvSpPr>
-        <p:spPr>
-          <a:xfrm>
-            <a:off x="6360972" y="4151758"/>
-            <a:ext cx="191910" cy="191910"/>
-          </a:xfrm>
-          <a:prstGeom prst="ellipse">
-            <a:avLst/>
-          </a:prstGeom>
-          <a:solidFill>
-            <a:srgbClr val="6C92C0">
-              <a:alpha val="70000"/>
-            </a:srgbClr>
-          </a:solidFill>
-          <a:ln>
-            <a:noFill/>
-          </a:ln>
-        </p:spPr>
-        <p:style>
-          <a:lnRef idx="2">
-            <a:schemeClr val="accent1">
-              <a:shade val="50000"/>
-            </a:schemeClr>
-          </a:lnRef>
-          <a:fillRef idx="1">
-            <a:schemeClr val="accent1"/>
-          </a:fillRef>
-          <a:effectRef idx="0">
-            <a:schemeClr val="accent1"/>
-          </a:effectRef>
-          <a:fontRef idx="minor">
-            <a:schemeClr val="lt1"/>
-          </a:fontRef>
-        </p:style>
-        <p:txBody>
-          <a:bodyPr rtlCol="0" anchor="ctr"/>
-          <a:lstStyle/>
-          <a:p>
-            <a:pPr algn="ctr"/>
-            <a:endParaRPr lang="zh-CN" altLang="en-US"/>
-          </a:p>
-        </p:txBody>
-      </p:sp>
-      <p:sp>
-        <p:nvSpPr>
-          <p:cNvPr id="19" name="椭圆 18"/>
-          <p:cNvSpPr/>
-          <p:nvPr/>
-        </p:nvSpPr>
-        <p:spPr>
-          <a:xfrm>
-            <a:off x="7899400" y="3419627"/>
-            <a:ext cx="952500" cy="952500"/>
-          </a:xfrm>
-          <a:prstGeom prst="ellipse">
-            <a:avLst/>
-          </a:prstGeom>
-          <a:solidFill>
-            <a:srgbClr val="6C92C0">
-              <a:alpha val="70000"/>
-            </a:srgbClr>
-          </a:solidFill>
-          <a:ln>
-            <a:noFill/>
-          </a:ln>
-        </p:spPr>
-        <p:style>
-          <a:lnRef idx="2">
-            <a:schemeClr val="accent1">
-              <a:shade val="50000"/>
-            </a:schemeClr>
-          </a:lnRef>
-          <a:fillRef idx="1">
-            <a:schemeClr val="accent1"/>
-          </a:fillRef>
-          <a:effectRef idx="0">
-            <a:schemeClr val="accent1"/>
-          </a:effectRef>
-          <a:fontRef idx="minor">
-            <a:schemeClr val="lt1"/>
-          </a:fontRef>
-        </p:style>
-        <p:txBody>
-          <a:bodyPr rtlCol="0" anchor="ctr"/>
-          <a:lstStyle/>
-          <a:p>
-            <a:pPr algn="ctr"/>
-            <a:endParaRPr lang="zh-CN" altLang="en-US"/>
-          </a:p>
-        </p:txBody>
-      </p:sp>
-      <p:sp>
-        <p:nvSpPr>
-          <p:cNvPr id="20" name="文本框 19"/>
-          <p:cNvSpPr txBox="1"/>
-          <p:nvPr/>
-        </p:nvSpPr>
-        <p:spPr>
-          <a:xfrm>
-            <a:off x="7989967" y="3511156"/>
-            <a:ext cx="771365" cy="769441"/>
-          </a:xfrm>
-          <a:prstGeom prst="rect">
-            <a:avLst/>
-          </a:prstGeom>
-          <a:noFill/>
-        </p:spPr>
-        <p:txBody>
-          <a:bodyPr wrap="none" rtlCol="0">
-            <a:spAutoFit/>
-          </a:bodyPr>
-          <a:lstStyle/>
-          <a:p>
-            <a:pPr algn="ctr"/>
-            <a:r>
-              <a:rPr lang="en-US" altLang="zh-CN" sz="4400" b="1" dirty="0">
-                <a:solidFill>
-                  <a:schemeClr val="bg1"/>
-                </a:solidFill>
-              </a:rPr>
-              <a:t>04</a:t>
-            </a:r>
-            <a:endParaRPr lang="zh-CN" altLang="en-US" sz="4400" b="1" dirty="0">
-              <a:solidFill>
-                <a:schemeClr val="bg1"/>
-              </a:solidFill>
-            </a:endParaRPr>
-          </a:p>
-        </p:txBody>
-      </p:sp>
-      <p:sp>
-        <p:nvSpPr>
-          <p:cNvPr id="35" name="椭圆 34"/>
-          <p:cNvSpPr/>
-          <p:nvPr/>
-        </p:nvSpPr>
-        <p:spPr>
-          <a:xfrm>
-            <a:off x="8614706" y="4151758"/>
-            <a:ext cx="191910" cy="191910"/>
-          </a:xfrm>
-          <a:prstGeom prst="ellipse">
-            <a:avLst/>
-          </a:prstGeom>
-          <a:solidFill>
-            <a:srgbClr val="48A2A0">
-              <a:alpha val="70000"/>
-            </a:srgbClr>
-          </a:solidFill>
-          <a:ln>
-            <a:noFill/>
-          </a:ln>
-        </p:spPr>
-        <p:style>
-          <a:lnRef idx="2">
-            <a:schemeClr val="accent1">
-              <a:shade val="50000"/>
-            </a:schemeClr>
-          </a:lnRef>
-          <a:fillRef idx="1">
-            <a:schemeClr val="accent1"/>
-          </a:fillRef>
-          <a:effectRef idx="0">
-            <a:schemeClr val="accent1"/>
-          </a:effectRef>
-          <a:fontRef idx="minor">
-            <a:schemeClr val="lt1"/>
-          </a:fontRef>
-        </p:style>
-        <p:txBody>
-          <a:bodyPr rtlCol="0" anchor="ctr"/>
-          <a:lstStyle/>
-          <a:p>
-            <a:pPr algn="ctr"/>
-            <a:endParaRPr lang="zh-CN" altLang="en-US"/>
-          </a:p>
-        </p:txBody>
-      </p:sp>
-      <p:sp>
-        <p:nvSpPr>
-          <p:cNvPr id="26" name="文本框 25">
-            <a:extLst>
-              <a:ext uri="{FF2B5EF4-FFF2-40B4-BE49-F238E27FC236}">
-                <a16:creationId xmlns:a16="http://schemas.microsoft.com/office/drawing/2014/main" id="{BBA7A5AE-46E3-49D9-95A3-353DA0BAF1B3}"/>
-              </a:ext>
-            </a:extLst>
-          </p:cNvPr>
-          <p:cNvSpPr txBox="1"/>
-          <p:nvPr/>
-        </p:nvSpPr>
-        <p:spPr>
-          <a:xfrm>
-            <a:off x="10281728" y="4467285"/>
-            <a:ext cx="965329" cy="369332"/>
-          </a:xfrm>
-          <a:prstGeom prst="rect">
-            <a:avLst/>
-          </a:prstGeom>
-          <a:noFill/>
-        </p:spPr>
-        <p:txBody>
-          <a:bodyPr wrap="none" rtlCol="0">
-            <a:spAutoFit/>
-          </a:bodyPr>
-          <a:lstStyle/>
-          <a:p>
-            <a:pPr algn="ctr"/>
-            <a:r>
-              <a:rPr lang="en-US" altLang="zh-CN" dirty="0">
-                <a:latin typeface="+mj-lt"/>
-              </a:rPr>
-              <a:t>Part five</a:t>
-            </a:r>
-            <a:endParaRPr lang="zh-CN" altLang="en-US" dirty="0">
-              <a:latin typeface="+mj-lt"/>
-            </a:endParaRPr>
-          </a:p>
-        </p:txBody>
-      </p:sp>
-      <p:sp>
-        <p:nvSpPr>
-          <p:cNvPr id="27" name="文本框 26">
-            <a:extLst>
-              <a:ext uri="{FF2B5EF4-FFF2-40B4-BE49-F238E27FC236}">
-                <a16:creationId xmlns:a16="http://schemas.microsoft.com/office/drawing/2014/main" id="{75EB995B-ECAC-4343-B56E-A997030B1933}"/>
-              </a:ext>
-            </a:extLst>
-          </p:cNvPr>
-          <p:cNvSpPr txBox="1"/>
-          <p:nvPr/>
-        </p:nvSpPr>
-        <p:spPr>
-          <a:xfrm>
-            <a:off x="9895315" y="4792278"/>
-            <a:ext cx="2016104" cy="830997"/>
-          </a:xfrm>
-          <a:prstGeom prst="rect">
-            <a:avLst/>
-          </a:prstGeom>
-          <a:noFill/>
-        </p:spPr>
-        <p:txBody>
-          <a:bodyPr wrap="square" rtlCol="0">
-            <a:spAutoFit/>
-          </a:bodyPr>
-          <a:lstStyle/>
-          <a:p>
-            <a:pPr algn="ctr"/>
-            <a:r>
-              <a:rPr lang="zh-CN" altLang="en-US" sz="1200" b="1" dirty="0">
-                <a:solidFill>
-                  <a:srgbClr val="FF0000"/>
-                </a:solidFill>
-                <a:latin typeface="微软雅黑" panose="020B0503020204020204" pitchFamily="34" charset="-122"/>
-                <a:ea typeface="微软雅黑" panose="020B0503020204020204" pitchFamily="34" charset="-122"/>
-              </a:rPr>
-              <a:t>任意常微分方程求解</a:t>
-            </a:r>
-            <a:endParaRPr lang="en-US" altLang="zh-CN" sz="1200" b="1" dirty="0">
-              <a:solidFill>
-                <a:srgbClr val="FF0000"/>
-              </a:solidFill>
-              <a:latin typeface="微软雅黑" panose="020B0503020204020204" pitchFamily="34" charset="-122"/>
-              <a:ea typeface="微软雅黑" panose="020B0503020204020204" pitchFamily="34" charset="-122"/>
-            </a:endParaRPr>
-          </a:p>
-          <a:p>
-            <a:pPr algn="ctr"/>
-            <a:r>
-              <a:rPr lang="zh-CN" altLang="en-US" sz="1200" dirty="0">
-                <a:latin typeface="微软雅黑" panose="020B0503020204020204" pitchFamily="34" charset="-122"/>
-                <a:ea typeface="微软雅黑" panose="020B0503020204020204" pitchFamily="34" charset="-122"/>
-              </a:rPr>
-              <a:t>通过该节内容的知识，我们可以轻易的解开任意一个难以解答的微分方程</a:t>
-            </a:r>
-          </a:p>
-        </p:txBody>
-      </p:sp>
-      <p:sp>
-        <p:nvSpPr>
-          <p:cNvPr id="29" name="文本框 28">
-            <a:extLst>
-              <a:ext uri="{FF2B5EF4-FFF2-40B4-BE49-F238E27FC236}">
-                <a16:creationId xmlns:a16="http://schemas.microsoft.com/office/drawing/2014/main" id="{376CF86B-7B19-45CC-AF36-69D3251223F7}"/>
-              </a:ext>
-            </a:extLst>
-          </p:cNvPr>
-          <p:cNvSpPr txBox="1"/>
-          <p:nvPr/>
-        </p:nvSpPr>
-        <p:spPr>
-          <a:xfrm>
-            <a:off x="10322602" y="3488069"/>
-            <a:ext cx="809837" cy="769441"/>
-          </a:xfrm>
-          <a:prstGeom prst="rect">
-            <a:avLst/>
-          </a:prstGeom>
-          <a:noFill/>
-        </p:spPr>
-        <p:txBody>
-          <a:bodyPr wrap="none" rtlCol="0">
-            <a:spAutoFit/>
-          </a:bodyPr>
-          <a:lstStyle/>
-          <a:p>
-            <a:pPr algn="ctr"/>
-            <a:r>
-              <a:rPr lang="en-US" altLang="zh-CN" sz="4400" b="1" dirty="0">
-                <a:solidFill>
-                  <a:schemeClr val="bg1"/>
-                </a:solidFill>
-              </a:rPr>
-              <a:t>05</a:t>
-            </a:r>
-            <a:endParaRPr lang="zh-CN" altLang="en-US" sz="4400" b="1" dirty="0">
-              <a:solidFill>
-                <a:schemeClr val="bg1"/>
-              </a:solidFill>
-            </a:endParaRPr>
-          </a:p>
-        </p:txBody>
-      </p:sp>
-      <p:sp>
-        <p:nvSpPr>
-          <p:cNvPr id="32" name="椭圆 31">
-            <a:extLst>
-              <a:ext uri="{FF2B5EF4-FFF2-40B4-BE49-F238E27FC236}">
-                <a16:creationId xmlns:a16="http://schemas.microsoft.com/office/drawing/2014/main" id="{A1847A3F-D814-457A-97FB-555A4E537B58}"/>
-              </a:ext>
-            </a:extLst>
-          </p:cNvPr>
-          <p:cNvSpPr/>
-          <p:nvPr/>
-        </p:nvSpPr>
-        <p:spPr>
-          <a:xfrm>
-            <a:off x="10977617" y="4151758"/>
-            <a:ext cx="191910" cy="191910"/>
-          </a:xfrm>
-          <a:prstGeom prst="ellipse">
-            <a:avLst/>
-          </a:prstGeom>
-          <a:solidFill>
-            <a:srgbClr val="6C92C0">
-              <a:alpha val="70000"/>
-            </a:srgbClr>
-          </a:solidFill>
-          <a:ln>
-            <a:noFill/>
-          </a:ln>
-        </p:spPr>
-        <p:style>
-          <a:lnRef idx="2">
-            <a:schemeClr val="accent1">
-              <a:shade val="50000"/>
-            </a:schemeClr>
-          </a:lnRef>
-          <a:fillRef idx="1">
-            <a:schemeClr val="accent1"/>
-          </a:fillRef>
-          <a:effectRef idx="0">
-            <a:schemeClr val="accent1"/>
-          </a:effectRef>
-          <a:fontRef idx="minor">
-            <a:schemeClr val="lt1"/>
-          </a:fontRef>
-        </p:style>
-        <p:txBody>
-          <a:bodyPr rtlCol="0" anchor="ctr"/>
-          <a:lstStyle/>
-          <a:p>
-            <a:pPr algn="ctr"/>
-            <a:endParaRPr lang="zh-CN" altLang="en-US"/>
-          </a:p>
-        </p:txBody>
-      </p:sp>
-    </p:spTree>
-    <p:extLst>
-      <p:ext uri="{BB962C8B-B14F-4D97-AF65-F5344CB8AC3E}">
-        <p14:creationId xmlns:p14="http://schemas.microsoft.com/office/powerpoint/2010/main" val="3126879123"/>
       </p:ext>
     </p:extLst>
   </p:cSld>
@@ -6953,7 +8084,7 @@
           <a:lstStyle/>
           <a:p>
             <a:r>
-              <a:rPr lang="zh-CN" altLang="en-US" sz="1100">
+              <a:rPr lang="zh-CN" altLang="en-US" sz="1100" dirty="0">
                 <a:solidFill>
                   <a:schemeClr val="bg1">
                     <a:lumMod val="50000"/>
@@ -6962,13 +8093,411 @@
               </a:rPr>
               <a:t>误差与误差限</a:t>
             </a:r>
-            <a:endParaRPr lang="zh-CN" altLang="en-US" sz="1100" dirty="0">
-              <a:solidFill>
-                <a:schemeClr val="bg1">
-                  <a:lumMod val="50000"/>
-                </a:schemeClr>
-              </a:solidFill>
-            </a:endParaRPr>
+          </a:p>
+        </p:txBody>
+      </p:sp>
+      <mc:AlternateContent xmlns:mc="http://schemas.openxmlformats.org/markup-compatibility/2006">
+        <mc:Choice xmlns:a14="http://schemas.microsoft.com/office/drawing/2010/main" Requires="a14">
+          <p:sp>
+            <p:nvSpPr>
+              <p:cNvPr id="5" name="文本框 4">
+                <a:extLst>
+                  <a:ext uri="{FF2B5EF4-FFF2-40B4-BE49-F238E27FC236}">
+                    <a16:creationId xmlns:a16="http://schemas.microsoft.com/office/drawing/2014/main" id="{BC769AEC-BBDB-44A2-BE18-122830CDD7B6}"/>
+                  </a:ext>
+                </a:extLst>
+              </p:cNvPr>
+              <p:cNvSpPr txBox="1"/>
+              <p:nvPr/>
+            </p:nvSpPr>
+            <p:spPr>
+              <a:xfrm>
+                <a:off x="1344023" y="1343184"/>
+                <a:ext cx="9015481" cy="369332"/>
+              </a:xfrm>
+              <a:prstGeom prst="rect">
+                <a:avLst/>
+              </a:prstGeom>
+              <a:noFill/>
+            </p:spPr>
+            <p:txBody>
+              <a:bodyPr wrap="none" rtlCol="0">
+                <a:spAutoFit/>
+              </a:bodyPr>
+              <a:lstStyle/>
+              <a:p>
+                <a:r>
+                  <a:rPr lang="zh-CN" altLang="en-US" dirty="0"/>
+                  <a:t>绝对误差：设</a:t>
+                </a:r>
+                <a14:m>
+                  <m:oMath xmlns:m="http://schemas.openxmlformats.org/officeDocument/2006/math">
+                    <m:r>
+                      <a:rPr lang="en-US" altLang="zh-CN" b="0" i="1" smtClean="0">
+                        <a:latin typeface="Cambria Math" panose="02040503050406030204" pitchFamily="18" charset="0"/>
+                      </a:rPr>
+                      <m:t>𝑥</m:t>
+                    </m:r>
+                  </m:oMath>
+                </a14:m>
+                <a:r>
+                  <a:rPr lang="zh-CN" altLang="en-US" dirty="0"/>
+                  <a:t>为准确值，</a:t>
+                </a:r>
+                <a14:m>
+                  <m:oMath xmlns:m="http://schemas.openxmlformats.org/officeDocument/2006/math">
+                    <m:sSup>
+                      <m:sSupPr>
+                        <m:ctrlPr>
+                          <a:rPr lang="en-US" altLang="zh-CN" i="1" smtClean="0">
+                            <a:latin typeface="Cambria Math" panose="02040503050406030204" pitchFamily="18" charset="0"/>
+                          </a:rPr>
+                        </m:ctrlPr>
+                      </m:sSupPr>
+                      <m:e>
+                        <m:r>
+                          <a:rPr lang="en-US" altLang="zh-CN" b="0" i="1" smtClean="0">
+                            <a:latin typeface="Cambria Math" panose="02040503050406030204" pitchFamily="18" charset="0"/>
+                          </a:rPr>
+                          <m:t>𝑥</m:t>
+                        </m:r>
+                      </m:e>
+                      <m:sup>
+                        <m:r>
+                          <a:rPr lang="en-US" altLang="zh-CN" b="0" i="1" smtClean="0">
+                            <a:latin typeface="Cambria Math" panose="02040503050406030204" pitchFamily="18" charset="0"/>
+                          </a:rPr>
+                          <m:t>∗</m:t>
+                        </m:r>
+                      </m:sup>
+                    </m:sSup>
+                  </m:oMath>
+                </a14:m>
+                <a:r>
+                  <a:rPr lang="zh-CN" altLang="en-US" dirty="0"/>
+                  <a:t>为</a:t>
+                </a:r>
+                <a14:m>
+                  <m:oMath xmlns:m="http://schemas.openxmlformats.org/officeDocument/2006/math">
+                    <m:r>
+                      <a:rPr lang="en-US" altLang="zh-CN" b="0" i="1" dirty="0" smtClean="0">
+                        <a:latin typeface="Cambria Math" panose="02040503050406030204" pitchFamily="18" charset="0"/>
+                      </a:rPr>
+                      <m:t>𝑥</m:t>
+                    </m:r>
+                    <m:r>
+                      <a:rPr lang="zh-CN" altLang="en-US" i="1" dirty="0">
+                        <a:latin typeface="Cambria Math" panose="02040503050406030204" pitchFamily="18" charset="0"/>
+                      </a:rPr>
+                      <m:t>的</m:t>
+                    </m:r>
+                  </m:oMath>
+                </a14:m>
+                <a:r>
+                  <a:rPr lang="zh-CN" altLang="en-US" dirty="0"/>
+                  <a:t>一个近似值，称</a:t>
+                </a:r>
+                <a14:m>
+                  <m:oMath xmlns:m="http://schemas.openxmlformats.org/officeDocument/2006/math">
+                    <m:sSup>
+                      <m:sSupPr>
+                        <m:ctrlPr>
+                          <a:rPr lang="en-US" altLang="zh-CN" i="1" smtClean="0">
+                            <a:latin typeface="Cambria Math" panose="02040503050406030204" pitchFamily="18" charset="0"/>
+                          </a:rPr>
+                        </m:ctrlPr>
+                      </m:sSupPr>
+                      <m:e>
+                        <m:r>
+                          <a:rPr lang="en-US" altLang="zh-CN" b="0" i="1" smtClean="0">
+                            <a:latin typeface="Cambria Math" panose="02040503050406030204" pitchFamily="18" charset="0"/>
+                          </a:rPr>
+                          <m:t>𝑒</m:t>
+                        </m:r>
+                      </m:e>
+                      <m:sup>
+                        <m:r>
+                          <a:rPr lang="en-US" altLang="zh-CN" b="0" i="1" smtClean="0">
+                            <a:latin typeface="Cambria Math" panose="02040503050406030204" pitchFamily="18" charset="0"/>
+                          </a:rPr>
+                          <m:t>∗</m:t>
+                        </m:r>
+                      </m:sup>
+                    </m:sSup>
+                    <m:r>
+                      <a:rPr lang="en-US" altLang="zh-CN" b="0" i="1" smtClean="0">
+                        <a:latin typeface="Cambria Math" panose="02040503050406030204" pitchFamily="18" charset="0"/>
+                      </a:rPr>
+                      <m:t>= </m:t>
+                    </m:r>
+                    <m:sSup>
+                      <m:sSupPr>
+                        <m:ctrlPr>
+                          <a:rPr lang="en-US" altLang="zh-CN" b="0" i="1" smtClean="0">
+                            <a:latin typeface="Cambria Math" panose="02040503050406030204" pitchFamily="18" charset="0"/>
+                          </a:rPr>
+                        </m:ctrlPr>
+                      </m:sSupPr>
+                      <m:e>
+                        <m:r>
+                          <a:rPr lang="en-US" altLang="zh-CN" b="0" i="1" smtClean="0">
+                            <a:latin typeface="Cambria Math" panose="02040503050406030204" pitchFamily="18" charset="0"/>
+                          </a:rPr>
+                          <m:t>𝑥</m:t>
+                        </m:r>
+                      </m:e>
+                      <m:sup>
+                        <m:r>
+                          <a:rPr lang="en-US" altLang="zh-CN" b="0" i="1" smtClean="0">
+                            <a:latin typeface="Cambria Math" panose="02040503050406030204" pitchFamily="18" charset="0"/>
+                          </a:rPr>
+                          <m:t>∗</m:t>
+                        </m:r>
+                      </m:sup>
+                    </m:sSup>
+                    <m:r>
+                      <a:rPr lang="en-US" altLang="zh-CN" b="0" i="1" smtClean="0">
+                        <a:latin typeface="Cambria Math" panose="02040503050406030204" pitchFamily="18" charset="0"/>
+                      </a:rPr>
+                      <m:t>−</m:t>
+                    </m:r>
+                    <m:r>
+                      <a:rPr lang="en-US" altLang="zh-CN" b="0" i="1" smtClean="0">
+                        <a:latin typeface="Cambria Math" panose="02040503050406030204" pitchFamily="18" charset="0"/>
+                      </a:rPr>
+                      <m:t>𝑥</m:t>
+                    </m:r>
+                  </m:oMath>
+                </a14:m>
+                <a:r>
+                  <a:rPr lang="zh-CN" altLang="en-US" dirty="0"/>
+                  <a:t>为近似值</a:t>
+                </a:r>
+                <a14:m>
+                  <m:oMath xmlns:m="http://schemas.openxmlformats.org/officeDocument/2006/math">
+                    <m:sSup>
+                      <m:sSupPr>
+                        <m:ctrlPr>
+                          <a:rPr lang="en-US" altLang="zh-CN" i="1" smtClean="0">
+                            <a:latin typeface="Cambria Math" panose="02040503050406030204" pitchFamily="18" charset="0"/>
+                          </a:rPr>
+                        </m:ctrlPr>
+                      </m:sSupPr>
+                      <m:e>
+                        <m:r>
+                          <a:rPr lang="en-US" altLang="zh-CN" b="0" i="1" smtClean="0">
+                            <a:latin typeface="Cambria Math" panose="02040503050406030204" pitchFamily="18" charset="0"/>
+                          </a:rPr>
+                          <m:t>𝑥</m:t>
+                        </m:r>
+                      </m:e>
+                      <m:sup>
+                        <m:r>
+                          <a:rPr lang="en-US" altLang="zh-CN" b="0" i="1" smtClean="0">
+                            <a:latin typeface="Cambria Math" panose="02040503050406030204" pitchFamily="18" charset="0"/>
+                          </a:rPr>
+                          <m:t>∗</m:t>
+                        </m:r>
+                      </m:sup>
+                    </m:sSup>
+                    <m:r>
+                      <a:rPr lang="zh-CN" altLang="en-US" i="1">
+                        <a:latin typeface="Cambria Math" panose="02040503050406030204" pitchFamily="18" charset="0"/>
+                      </a:rPr>
+                      <m:t>的</m:t>
+                    </m:r>
+                  </m:oMath>
+                </a14:m>
+                <a:r>
+                  <a:rPr lang="zh-CN" altLang="en-US" dirty="0"/>
+                  <a:t>绝对误差。</a:t>
+                </a:r>
+              </a:p>
+            </p:txBody>
+          </p:sp>
+        </mc:Choice>
+        <mc:Fallback>
+          <p:sp>
+            <p:nvSpPr>
+              <p:cNvPr id="5" name="文本框 4">
+                <a:extLst>
+                  <a:ext uri="{FF2B5EF4-FFF2-40B4-BE49-F238E27FC236}">
+                    <a16:creationId xmlns:a16="http://schemas.microsoft.com/office/drawing/2014/main" id="{BC769AEC-BBDB-44A2-BE18-122830CDD7B6}"/>
+                  </a:ext>
+                </a:extLst>
+              </p:cNvPr>
+              <p:cNvSpPr txBox="1">
+                <a:spLocks noRot="1" noChangeAspect="1" noMove="1" noResize="1" noEditPoints="1" noAdjustHandles="1" noChangeArrowheads="1" noChangeShapeType="1" noTextEdit="1"/>
+              </p:cNvSpPr>
+              <p:nvPr/>
+            </p:nvSpPr>
+            <p:spPr>
+              <a:xfrm>
+                <a:off x="1344023" y="1343184"/>
+                <a:ext cx="9015481" cy="369332"/>
+              </a:xfrm>
+              <a:prstGeom prst="rect">
+                <a:avLst/>
+              </a:prstGeom>
+              <a:blipFill>
+                <a:blip r:embed="rId2"/>
+                <a:stretch>
+                  <a:fillRect l="-541" t="-8197" b="-24590"/>
+                </a:stretch>
+              </a:blipFill>
+            </p:spPr>
+            <p:txBody>
+              <a:bodyPr/>
+              <a:lstStyle/>
+              <a:p>
+                <a:r>
+                  <a:rPr lang="zh-CN" altLang="en-US">
+                    <a:noFill/>
+                  </a:rPr>
+                  <a:t> </a:t>
+                </a:r>
+              </a:p>
+            </p:txBody>
+          </p:sp>
+        </mc:Fallback>
+      </mc:AlternateContent>
+      <p:sp>
+        <p:nvSpPr>
+          <p:cNvPr id="15" name="文本框 14">
+            <a:extLst>
+              <a:ext uri="{FF2B5EF4-FFF2-40B4-BE49-F238E27FC236}">
+                <a16:creationId xmlns:a16="http://schemas.microsoft.com/office/drawing/2014/main" id="{AF5F1847-B463-4A5E-BEAE-E9D317A437F0}"/>
+              </a:ext>
+            </a:extLst>
+          </p:cNvPr>
+          <p:cNvSpPr txBox="1"/>
+          <p:nvPr/>
+        </p:nvSpPr>
+        <p:spPr>
+          <a:xfrm>
+            <a:off x="1344023" y="1712516"/>
+            <a:ext cx="1569660" cy="369332"/>
+          </a:xfrm>
+          <a:prstGeom prst="rect">
+            <a:avLst/>
+          </a:prstGeom>
+          <a:noFill/>
+        </p:spPr>
+        <p:txBody>
+          <a:bodyPr wrap="none" rtlCol="0">
+            <a:spAutoFit/>
+          </a:bodyPr>
+          <a:lstStyle/>
+          <a:p>
+            <a:r>
+              <a:rPr lang="zh-CN" altLang="en-US" dirty="0"/>
+              <a:t>绝对误差限：</a:t>
+            </a:r>
+          </a:p>
+        </p:txBody>
+      </p:sp>
+      <p:sp>
+        <p:nvSpPr>
+          <p:cNvPr id="16" name="文本框 15">
+            <a:extLst>
+              <a:ext uri="{FF2B5EF4-FFF2-40B4-BE49-F238E27FC236}">
+                <a16:creationId xmlns:a16="http://schemas.microsoft.com/office/drawing/2014/main" id="{5DBC32C4-4727-47EE-8492-A0D8A935C14A}"/>
+              </a:ext>
+            </a:extLst>
+          </p:cNvPr>
+          <p:cNvSpPr txBox="1"/>
+          <p:nvPr/>
+        </p:nvSpPr>
+        <p:spPr>
+          <a:xfrm>
+            <a:off x="1344023" y="2391908"/>
+            <a:ext cx="1107996" cy="369332"/>
+          </a:xfrm>
+          <a:prstGeom prst="rect">
+            <a:avLst/>
+          </a:prstGeom>
+          <a:noFill/>
+        </p:spPr>
+        <p:txBody>
+          <a:bodyPr wrap="none" rtlCol="0">
+            <a:spAutoFit/>
+          </a:bodyPr>
+          <a:lstStyle/>
+          <a:p>
+            <a:r>
+              <a:rPr lang="zh-CN" altLang="en-US" dirty="0"/>
+              <a:t>相对误差</a:t>
+            </a:r>
+          </a:p>
+        </p:txBody>
+      </p:sp>
+      <p:sp>
+        <p:nvSpPr>
+          <p:cNvPr id="19" name="文本框 18">
+            <a:extLst>
+              <a:ext uri="{FF2B5EF4-FFF2-40B4-BE49-F238E27FC236}">
+                <a16:creationId xmlns:a16="http://schemas.microsoft.com/office/drawing/2014/main" id="{2930A368-6FEF-4C40-BEF8-F6371B0F424E}"/>
+              </a:ext>
+            </a:extLst>
+          </p:cNvPr>
+          <p:cNvSpPr txBox="1"/>
+          <p:nvPr/>
+        </p:nvSpPr>
+        <p:spPr>
+          <a:xfrm>
+            <a:off x="1344023" y="2761240"/>
+            <a:ext cx="1401346" cy="369332"/>
+          </a:xfrm>
+          <a:prstGeom prst="rect">
+            <a:avLst/>
+          </a:prstGeom>
+          <a:noFill/>
+        </p:spPr>
+        <p:txBody>
+          <a:bodyPr wrap="none" rtlCol="0">
+            <a:spAutoFit/>
+          </a:bodyPr>
+          <a:lstStyle/>
+          <a:p>
+            <a:r>
+              <a:rPr lang="zh-CN" altLang="en-US" dirty="0"/>
+              <a:t>相对 误差限</a:t>
+            </a:r>
+          </a:p>
+        </p:txBody>
+      </p:sp>
+      <p:sp>
+        <p:nvSpPr>
+          <p:cNvPr id="22" name="文本框 21">
+            <a:extLst>
+              <a:ext uri="{FF2B5EF4-FFF2-40B4-BE49-F238E27FC236}">
+                <a16:creationId xmlns:a16="http://schemas.microsoft.com/office/drawing/2014/main" id="{B0ADC955-BDD2-42E2-86A8-718DD942BBA7}"/>
+              </a:ext>
+            </a:extLst>
+          </p:cNvPr>
+          <p:cNvSpPr txBox="1"/>
+          <p:nvPr/>
+        </p:nvSpPr>
+        <p:spPr>
+          <a:xfrm>
+            <a:off x="1344023" y="3440632"/>
+            <a:ext cx="1107996" cy="369332"/>
+          </a:xfrm>
+          <a:prstGeom prst="rect">
+            <a:avLst/>
+          </a:prstGeom>
+          <a:noFill/>
+        </p:spPr>
+        <p:txBody>
+          <a:bodyPr wrap="none" rtlCol="0">
+            <a:spAutoFit/>
+          </a:bodyPr>
+          <a:lstStyle/>
+          <a:p>
+            <a:r>
+              <a:rPr lang="zh-CN" altLang="en-US" dirty="0"/>
+              <a:t>有效数字</a:t>
+            </a:r>
           </a:p>
         </p:txBody>
       </p:sp>
@@ -7004,13 +8533,13 @@
       </p:grpSpPr>
       <p:sp>
         <p:nvSpPr>
-          <p:cNvPr id="4" name="椭圆 3"/>
-          <p:cNvSpPr/>
-          <p:nvPr/>
-        </p:nvSpPr>
-        <p:spPr>
-          <a:xfrm>
-            <a:off x="1615440" y="2057400"/>
+          <p:cNvPr id="17" name="椭圆 16"/>
+          <p:cNvSpPr/>
+          <p:nvPr/>
+        </p:nvSpPr>
+        <p:spPr>
+          <a:xfrm>
+            <a:off x="-1226820" y="-1346917"/>
             <a:ext cx="2453640" cy="2453640"/>
           </a:xfrm>
           <a:prstGeom prst="ellipse">
@@ -7052,13 +8581,13 @@
       </p:sp>
       <p:sp>
         <p:nvSpPr>
-          <p:cNvPr id="5" name="椭圆 4"/>
-          <p:cNvSpPr/>
-          <p:nvPr/>
-        </p:nvSpPr>
-        <p:spPr>
-          <a:xfrm>
-            <a:off x="3276495" y="3718455"/>
+          <p:cNvPr id="18" name="椭圆 17"/>
+          <p:cNvSpPr/>
+          <p:nvPr/>
+        </p:nvSpPr>
+        <p:spPr>
+          <a:xfrm>
+            <a:off x="434235" y="314138"/>
             <a:ext cx="792585" cy="792585"/>
           </a:xfrm>
           <a:prstGeom prst="ellipse">
@@ -7100,104 +8629,14 @@
       </p:sp>
       <p:sp>
         <p:nvSpPr>
-          <p:cNvPr id="6" name="MH_Others_1"/>
-          <p:cNvSpPr txBox="1"/>
-          <p:nvPr>
-            <p:custDataLst>
-              <p:tags r:id="rId1"/>
-            </p:custDataLst>
-          </p:nvPr>
-        </p:nvSpPr>
-        <p:spPr>
-          <a:xfrm>
-            <a:off x="864526" y="2860251"/>
-            <a:ext cx="3955467" cy="847938"/>
-          </a:xfrm>
-          <a:prstGeom prst="rect">
-            <a:avLst/>
-          </a:prstGeom>
-          <a:noFill/>
-        </p:spPr>
-        <p:txBody>
-          <a:bodyPr wrap="square" rtlCol="0">
-            <a:noAutofit/>
-          </a:bodyPr>
-          <a:lstStyle/>
-          <a:p>
-            <a:pPr algn="ctr"/>
-            <a:r>
-              <a:rPr lang="en-US" altLang="zh-CN" sz="4400" dirty="0">
-                <a:solidFill>
-                  <a:schemeClr val="bg1"/>
-                </a:solidFill>
-                <a:effectLst>
-                  <a:outerShdw blurRad="38100" dist="38100" dir="2700000" algn="tl">
-                    <a:srgbClr val="000000">
-                      <a:alpha val="43137"/>
-                    </a:srgbClr>
-                  </a:outerShdw>
-                </a:effectLst>
-                <a:latin typeface="+mj-lt"/>
-                <a:cs typeface="Arial" pitchFamily="34" charset="0"/>
-              </a:rPr>
-              <a:t>PART 1</a:t>
-            </a:r>
-            <a:endParaRPr lang="zh-CN" altLang="en-US" sz="4400" dirty="0">
-              <a:solidFill>
-                <a:schemeClr val="bg1"/>
-              </a:solidFill>
-              <a:effectLst>
-                <a:outerShdw blurRad="38100" dist="38100" dir="2700000" algn="tl">
-                  <a:srgbClr val="000000">
-                    <a:alpha val="43137"/>
-                  </a:srgbClr>
-                </a:outerShdw>
-              </a:effectLst>
-              <a:latin typeface="+mj-lt"/>
-              <a:cs typeface="Arial" pitchFamily="34" charset="0"/>
-            </a:endParaRPr>
-          </a:p>
-        </p:txBody>
-      </p:sp>
-      <p:sp>
-        <p:nvSpPr>
-          <p:cNvPr id="8" name="文本框 7"/>
-          <p:cNvSpPr txBox="1"/>
-          <p:nvPr/>
-        </p:nvSpPr>
-        <p:spPr>
-          <a:xfrm>
-            <a:off x="4819992" y="3487622"/>
-            <a:ext cx="6318345" cy="461665"/>
-          </a:xfrm>
-          <a:prstGeom prst="rect">
-            <a:avLst/>
-          </a:prstGeom>
-          <a:noFill/>
-        </p:spPr>
-        <p:txBody>
-          <a:bodyPr wrap="square" rtlCol="0">
-            <a:spAutoFit/>
-          </a:bodyPr>
-          <a:lstStyle/>
-          <a:p>
-            <a:r>
-              <a:rPr lang="zh-CN" altLang="en-US" sz="1200" dirty="0"/>
-              <a:t>思考一下，你真的会解方程吗？至今为此你是否都是在无脑的套公式进行求根？本节内容带你学习如何利用各种奇技淫巧进行</a:t>
-            </a:r>
-          </a:p>
-        </p:txBody>
-      </p:sp>
-      <p:sp>
-        <p:nvSpPr>
-          <p:cNvPr id="2" name="矩形 1"/>
-          <p:cNvSpPr/>
-          <p:nvPr/>
-        </p:nvSpPr>
-        <p:spPr>
-          <a:xfrm>
-            <a:off x="4819993" y="3040204"/>
-            <a:ext cx="1723549" cy="400110"/>
+          <p:cNvPr id="20" name="矩形 19"/>
+          <p:cNvSpPr/>
+          <p:nvPr/>
+        </p:nvSpPr>
+        <p:spPr>
+          <a:xfrm>
+            <a:off x="1344023" y="448348"/>
+            <a:ext cx="1210588" cy="400110"/>
           </a:xfrm>
           <a:prstGeom prst="rect">
             <a:avLst/>
@@ -7210,8 +8649,49 @@
           <a:lstStyle/>
           <a:p>
             <a:r>
-              <a:rPr lang="zh-CN" altLang="en-US" sz="2000" b="1" dirty="0"/>
-              <a:t>任意方程求根</a:t>
+              <a:rPr lang="zh-CN" altLang="en-US" sz="2000" b="1" dirty="0">
+                <a:solidFill>
+                  <a:schemeClr val="tx1">
+                    <a:lumMod val="75000"/>
+                    <a:lumOff val="25000"/>
+                  </a:schemeClr>
+                </a:solidFill>
+              </a:rPr>
+              <a:t>误差分析</a:t>
+            </a:r>
+          </a:p>
+        </p:txBody>
+      </p:sp>
+      <p:sp>
+        <p:nvSpPr>
+          <p:cNvPr id="21" name="矩形 20"/>
+          <p:cNvSpPr/>
+          <p:nvPr/>
+        </p:nvSpPr>
+        <p:spPr>
+          <a:xfrm>
+            <a:off x="1344023" y="764961"/>
+            <a:ext cx="889987" cy="261610"/>
+          </a:xfrm>
+          <a:prstGeom prst="rect">
+            <a:avLst/>
+          </a:prstGeom>
+        </p:spPr>
+        <p:txBody>
+          <a:bodyPr wrap="none">
+            <a:spAutoFit/>
+          </a:bodyPr>
+          <a:lstStyle/>
+          <a:p>
+            <a:r>
+              <a:rPr lang="zh-CN" altLang="en-US" sz="1100" dirty="0">
+                <a:solidFill>
+                  <a:schemeClr val="bg1">
+                    <a:lumMod val="50000"/>
+                  </a:schemeClr>
+                </a:solidFill>
+              </a:rPr>
+              <a:t>误差的运算</a:t>
             </a:r>
           </a:p>
         </p:txBody>
@@ -7219,7 +8699,7 @@
     </p:spTree>
     <p:extLst>
       <p:ext uri="{BB962C8B-B14F-4D97-AF65-F5344CB8AC3E}">
-        <p14:creationId xmlns:p14="http://schemas.microsoft.com/office/powerpoint/2010/main" val="4223347247"/>
+        <p14:creationId xmlns:p14="http://schemas.microsoft.com/office/powerpoint/2010/main" val="50405455"/>
       </p:ext>
     </p:extLst>
   </p:cSld>
@@ -7248,16 +8728,16 @@
       </p:grpSpPr>
       <p:sp>
         <p:nvSpPr>
-          <p:cNvPr id="3" name="矩形 2"/>
-          <p:cNvSpPr/>
-          <p:nvPr/>
-        </p:nvSpPr>
-        <p:spPr>
-          <a:xfrm>
-            <a:off x="811369" y="1899633"/>
-            <a:ext cx="5067837" cy="1506829"/>
-          </a:xfrm>
-          <a:prstGeom prst="rect">
+          <p:cNvPr id="4" name="椭圆 3"/>
+          <p:cNvSpPr/>
+          <p:nvPr/>
+        </p:nvSpPr>
+        <p:spPr>
+          <a:xfrm>
+            <a:off x="1615440" y="2057400"/>
+            <a:ext cx="2453640" cy="2453640"/>
+          </a:xfrm>
+          <a:prstGeom prst="ellipse">
             <a:avLst/>
           </a:prstGeom>
           <a:solidFill>
@@ -7290,26 +8770,22 @@
           <a:lstStyle/>
           <a:p>
             <a:pPr algn="ctr"/>
-            <a:endParaRPr lang="zh-CN" altLang="en-US">
-              <a:solidFill>
-                <a:schemeClr val="bg1"/>
-              </a:solidFill>
-            </a:endParaRPr>
-          </a:p>
-        </p:txBody>
-      </p:sp>
-      <p:sp>
-        <p:nvSpPr>
-          <p:cNvPr id="4" name="矩形 3"/>
-          <p:cNvSpPr/>
-          <p:nvPr/>
-        </p:nvSpPr>
-        <p:spPr>
-          <a:xfrm>
-            <a:off x="811369" y="3774604"/>
-            <a:ext cx="5067837" cy="1506829"/>
-          </a:xfrm>
-          <a:prstGeom prst="rect">
+            <a:endParaRPr lang="zh-CN" altLang="en-US"/>
+          </a:p>
+        </p:txBody>
+      </p:sp>
+      <p:sp>
+        <p:nvSpPr>
+          <p:cNvPr id="5" name="椭圆 4"/>
+          <p:cNvSpPr/>
+          <p:nvPr/>
+        </p:nvSpPr>
+        <p:spPr>
+          <a:xfrm>
+            <a:off x="3276495" y="3718455"/>
+            <a:ext cx="792585" cy="792585"/>
+          </a:xfrm>
+          <a:prstGeom prst="ellipse">
             <a:avLst/>
           </a:prstGeom>
           <a:solidFill>
@@ -7342,216 +8818,110 @@
           <a:lstStyle/>
           <a:p>
             <a:pPr algn="ctr"/>
-            <a:endParaRPr lang="zh-CN" altLang="en-US">
+            <a:endParaRPr lang="zh-CN" altLang="en-US"/>
+          </a:p>
+        </p:txBody>
+      </p:sp>
+      <p:sp>
+        <p:nvSpPr>
+          <p:cNvPr id="6" name="MH_Others_1"/>
+          <p:cNvSpPr txBox="1"/>
+          <p:nvPr>
+            <p:custDataLst>
+              <p:tags r:id="rId1"/>
+            </p:custDataLst>
+          </p:nvPr>
+        </p:nvSpPr>
+        <p:spPr>
+          <a:xfrm>
+            <a:off x="864526" y="2860251"/>
+            <a:ext cx="3955467" cy="847938"/>
+          </a:xfrm>
+          <a:prstGeom prst="rect">
+            <a:avLst/>
+          </a:prstGeom>
+          <a:noFill/>
+        </p:spPr>
+        <p:txBody>
+          <a:bodyPr wrap="square" rtlCol="0">
+            <a:noAutofit/>
+          </a:bodyPr>
+          <a:lstStyle/>
+          <a:p>
+            <a:pPr algn="ctr"/>
+            <a:r>
+              <a:rPr lang="en-US" altLang="zh-CN" sz="4400" dirty="0">
+                <a:solidFill>
+                  <a:schemeClr val="bg1"/>
+                </a:solidFill>
+                <a:effectLst>
+                  <a:outerShdw blurRad="38100" dist="38100" dir="2700000" algn="tl">
+                    <a:srgbClr val="000000">
+                      <a:alpha val="43137"/>
+                    </a:srgbClr>
+                  </a:outerShdw>
+                </a:effectLst>
+                <a:latin typeface="+mj-lt"/>
+                <a:cs typeface="Arial" pitchFamily="34" charset="0"/>
+              </a:rPr>
+              <a:t>PART 1</a:t>
+            </a:r>
+            <a:endParaRPr lang="zh-CN" altLang="en-US" sz="4400" dirty="0">
               <a:solidFill>
                 <a:schemeClr val="bg1"/>
               </a:solidFill>
+              <a:effectLst>
+                <a:outerShdw blurRad="38100" dist="38100" dir="2700000" algn="tl">
+                  <a:srgbClr val="000000">
+                    <a:alpha val="43137"/>
+                  </a:srgbClr>
+                </a:outerShdw>
+              </a:effectLst>
+              <a:latin typeface="+mj-lt"/>
+              <a:cs typeface="Arial" pitchFamily="34" charset="0"/>
             </a:endParaRPr>
           </a:p>
         </p:txBody>
       </p:sp>
       <p:sp>
         <p:nvSpPr>
-          <p:cNvPr id="7" name="矩形 6"/>
-          <p:cNvSpPr/>
-          <p:nvPr/>
-        </p:nvSpPr>
-        <p:spPr>
-          <a:xfrm>
-            <a:off x="6304209" y="3774604"/>
-            <a:ext cx="5067837" cy="1506829"/>
-          </a:xfrm>
-          <a:prstGeom prst="rect">
-            <a:avLst/>
-          </a:prstGeom>
-          <a:solidFill>
-            <a:srgbClr val="48A2A0">
-              <a:alpha val="70000"/>
-            </a:srgbClr>
-          </a:solidFill>
-          <a:ln>
-            <a:noFill/>
-          </a:ln>
-        </p:spPr>
-        <p:style>
-          <a:lnRef idx="2">
-            <a:schemeClr val="accent1">
-              <a:shade val="50000"/>
-            </a:schemeClr>
-          </a:lnRef>
-          <a:fillRef idx="1">
-            <a:schemeClr val="accent1"/>
-          </a:fillRef>
-          <a:effectRef idx="0">
-            <a:schemeClr val="accent1"/>
-          </a:effectRef>
-          <a:fontRef idx="minor">
-            <a:schemeClr val="lt1"/>
-          </a:fontRef>
-        </p:style>
-        <p:txBody>
-          <a:bodyPr rtlCol="0" anchor="ctr"/>
-          <a:lstStyle/>
-          <a:p>
-            <a:pPr algn="ctr"/>
-            <a:endParaRPr lang="zh-CN" altLang="en-US"/>
-          </a:p>
-        </p:txBody>
-      </p:sp>
-      <p:sp>
-        <p:nvSpPr>
-          <p:cNvPr id="8" name="矩形 7"/>
-          <p:cNvSpPr/>
-          <p:nvPr/>
-        </p:nvSpPr>
-        <p:spPr>
-          <a:xfrm>
-            <a:off x="6304209" y="1899633"/>
-            <a:ext cx="5067837" cy="1506829"/>
-          </a:xfrm>
-          <a:prstGeom prst="rect">
-            <a:avLst/>
-          </a:prstGeom>
-          <a:solidFill>
-            <a:srgbClr val="6C92C0">
-              <a:alpha val="70000"/>
-            </a:srgbClr>
-          </a:solidFill>
-          <a:ln>
-            <a:noFill/>
-          </a:ln>
-        </p:spPr>
-        <p:style>
-          <a:lnRef idx="2">
-            <a:schemeClr val="accent1">
-              <a:shade val="50000"/>
-            </a:schemeClr>
-          </a:lnRef>
-          <a:fillRef idx="1">
-            <a:schemeClr val="accent1"/>
-          </a:fillRef>
-          <a:effectRef idx="0">
-            <a:schemeClr val="accent1"/>
-          </a:effectRef>
-          <a:fontRef idx="minor">
-            <a:schemeClr val="lt1"/>
-          </a:fontRef>
-        </p:style>
-        <p:txBody>
-          <a:bodyPr rtlCol="0" anchor="ctr"/>
-          <a:lstStyle/>
-          <a:p>
-            <a:pPr algn="ctr"/>
-            <a:endParaRPr lang="zh-CN" altLang="en-US"/>
-          </a:p>
-        </p:txBody>
-      </p:sp>
-      <p:sp>
-        <p:nvSpPr>
-          <p:cNvPr id="17" name="椭圆 16"/>
-          <p:cNvSpPr/>
-          <p:nvPr/>
-        </p:nvSpPr>
-        <p:spPr>
-          <a:xfrm>
-            <a:off x="-1226820" y="-1346917"/>
-            <a:ext cx="2453640" cy="2453640"/>
-          </a:xfrm>
-          <a:prstGeom prst="ellipse">
-            <a:avLst/>
-          </a:prstGeom>
-          <a:solidFill>
-            <a:srgbClr val="48A2A0">
-              <a:alpha val="70000"/>
-            </a:srgbClr>
-          </a:solidFill>
-          <a:ln>
-            <a:noFill/>
-          </a:ln>
-        </p:spPr>
-        <p:style>
-          <a:lnRef idx="2">
-            <a:schemeClr val="accent1">
-              <a:shade val="50000"/>
-            </a:schemeClr>
-          </a:lnRef>
-          <a:fillRef idx="1">
-            <a:schemeClr val="accent1"/>
-          </a:fillRef>
-          <a:effectRef idx="0">
-            <a:schemeClr val="accent1"/>
-          </a:effectRef>
-          <a:fontRef idx="minor">
-            <a:schemeClr val="lt1"/>
-          </a:fontRef>
-        </p:style>
-        <p:txBody>
-          <a:bodyPr rtlCol="0" anchor="ctr"/>
-          <a:lstStyle/>
-          <a:p>
-            <a:pPr algn="ctr"/>
-            <a:endParaRPr lang="zh-CN" altLang="en-US"/>
-          </a:p>
-        </p:txBody>
-      </p:sp>
-      <p:sp>
-        <p:nvSpPr>
-          <p:cNvPr id="18" name="椭圆 17"/>
-          <p:cNvSpPr/>
-          <p:nvPr/>
-        </p:nvSpPr>
-        <p:spPr>
-          <a:xfrm>
-            <a:off x="434235" y="314138"/>
-            <a:ext cx="792585" cy="792585"/>
-          </a:xfrm>
-          <a:prstGeom prst="ellipse">
-            <a:avLst/>
-          </a:prstGeom>
-          <a:solidFill>
-            <a:srgbClr val="6C92C0">
-              <a:alpha val="70000"/>
-            </a:srgbClr>
-          </a:solidFill>
-          <a:ln>
-            <a:noFill/>
-          </a:ln>
-        </p:spPr>
-        <p:style>
-          <a:lnRef idx="2">
-            <a:schemeClr val="accent1">
-              <a:shade val="50000"/>
-            </a:schemeClr>
-          </a:lnRef>
-          <a:fillRef idx="1">
-            <a:schemeClr val="accent1"/>
-          </a:fillRef>
-          <a:effectRef idx="0">
-            <a:schemeClr val="accent1"/>
-          </a:effectRef>
-          <a:fontRef idx="minor">
-            <a:schemeClr val="lt1"/>
-          </a:fontRef>
-        </p:style>
-        <p:txBody>
-          <a:bodyPr rtlCol="0" anchor="ctr"/>
-          <a:lstStyle/>
-          <a:p>
-            <a:pPr algn="ctr"/>
-            <a:endParaRPr lang="zh-CN" altLang="en-US"/>
-          </a:p>
-        </p:txBody>
-      </p:sp>
-      <p:sp>
-        <p:nvSpPr>
-          <p:cNvPr id="20" name="矩形 19"/>
-          <p:cNvSpPr/>
-          <p:nvPr/>
-        </p:nvSpPr>
-        <p:spPr>
-          <a:xfrm>
-            <a:off x="1344023" y="448348"/>
-            <a:ext cx="1701107" cy="400110"/>
+          <p:cNvPr id="8" name="文本框 7"/>
+          <p:cNvSpPr txBox="1"/>
+          <p:nvPr/>
+        </p:nvSpPr>
+        <p:spPr>
+          <a:xfrm>
+            <a:off x="4819992" y="3487622"/>
+            <a:ext cx="6318345" cy="461665"/>
+          </a:xfrm>
+          <a:prstGeom prst="rect">
+            <a:avLst/>
+          </a:prstGeom>
+          <a:noFill/>
+        </p:spPr>
+        <p:txBody>
+          <a:bodyPr wrap="square" rtlCol="0">
+            <a:spAutoFit/>
+          </a:bodyPr>
+          <a:lstStyle/>
+          <a:p>
+            <a:r>
+              <a:rPr lang="zh-CN" altLang="en-US" sz="1200" dirty="0"/>
+              <a:t>思考一下，你真的会解方程吗？至今为此你是否都是在无脑的套公式进行求根？本节内容带你学习如何利用各种奇技淫巧进行</a:t>
+            </a:r>
+          </a:p>
+        </p:txBody>
+      </p:sp>
+      <p:sp>
+        <p:nvSpPr>
+          <p:cNvPr id="2" name="矩形 1"/>
+          <p:cNvSpPr/>
+          <p:nvPr/>
+        </p:nvSpPr>
+        <p:spPr>
+          <a:xfrm>
+            <a:off x="4819993" y="3040204"/>
+            <a:ext cx="1723549" cy="400110"/>
           </a:xfrm>
           <a:prstGeom prst="rect">
             <a:avLst/>
@@ -7564,102 +8934,16 @@
           <a:lstStyle/>
           <a:p>
             <a:r>
-              <a:rPr lang="en-US" altLang="zh-CN" sz="2000" b="1" dirty="0">
-                <a:solidFill>
-                  <a:schemeClr val="tx1">
-                    <a:lumMod val="75000"/>
-                    <a:lumOff val="25000"/>
-                  </a:schemeClr>
-                </a:solidFill>
-              </a:rPr>
-              <a:t>Lorem ipsum</a:t>
-            </a:r>
-            <a:endParaRPr lang="zh-CN" altLang="en-US" sz="2000" b="1" dirty="0">
-              <a:solidFill>
-                <a:schemeClr val="tx1">
-                  <a:lumMod val="75000"/>
-                  <a:lumOff val="25000"/>
-                </a:schemeClr>
-              </a:solidFill>
-            </a:endParaRPr>
-          </a:p>
-        </p:txBody>
-      </p:sp>
-      <p:sp>
-        <p:nvSpPr>
-          <p:cNvPr id="21" name="矩形 20"/>
-          <p:cNvSpPr/>
-          <p:nvPr/>
-        </p:nvSpPr>
-        <p:spPr>
-          <a:xfrm>
-            <a:off x="1344023" y="764961"/>
-            <a:ext cx="2196435" cy="261610"/>
-          </a:xfrm>
-          <a:prstGeom prst="rect">
-            <a:avLst/>
-          </a:prstGeom>
-        </p:spPr>
-        <p:txBody>
-          <a:bodyPr wrap="none">
-            <a:spAutoFit/>
-          </a:bodyPr>
-          <a:lstStyle/>
-          <a:p>
-            <a:r>
-              <a:rPr lang="en-US" altLang="zh-CN" sz="1100" dirty="0">
-                <a:solidFill>
-                  <a:schemeClr val="bg1">
-                    <a:lumMod val="50000"/>
-                  </a:schemeClr>
-                </a:solidFill>
-              </a:rPr>
-              <a:t>Lorem ipsum dolor sit </a:t>
-            </a:r>
-            <a:r>
-              <a:rPr lang="en-US" altLang="zh-CN" sz="1100" dirty="0" err="1">
-                <a:solidFill>
-                  <a:schemeClr val="bg1">
-                    <a:lumMod val="50000"/>
-                  </a:schemeClr>
-                </a:solidFill>
-              </a:rPr>
-              <a:t>amet</a:t>
-            </a:r>
-            <a:r>
-              <a:rPr lang="en-US" altLang="zh-CN" sz="1100" dirty="0">
-                <a:solidFill>
-                  <a:schemeClr val="bg1">
-                    <a:lumMod val="50000"/>
-                  </a:schemeClr>
-                </a:solidFill>
-              </a:rPr>
-              <a:t> </a:t>
-            </a:r>
-            <a:r>
-              <a:rPr lang="en-US" altLang="zh-CN" sz="1100" dirty="0" err="1">
-                <a:solidFill>
-                  <a:schemeClr val="bg1">
-                    <a:lumMod val="50000"/>
-                  </a:schemeClr>
-                </a:solidFill>
-              </a:rPr>
-              <a:t>kolor</a:t>
-            </a:r>
-            <a:endParaRPr lang="zh-CN" altLang="en-US" sz="1100" dirty="0">
-              <a:solidFill>
-                <a:schemeClr val="bg1">
-                  <a:lumMod val="50000"/>
-                </a:schemeClr>
-              </a:solidFill>
-            </a:endParaRPr>
+              <a:rPr lang="zh-CN" altLang="en-US" sz="2000" b="1" dirty="0"/>
+              <a:t>任意方程求根</a:t>
+            </a:r>
           </a:p>
         </p:txBody>
       </p:sp>
     </p:spTree>
     <p:extLst>
       <p:ext uri="{BB962C8B-B14F-4D97-AF65-F5344CB8AC3E}">
-        <p14:creationId xmlns:p14="http://schemas.microsoft.com/office/powerpoint/2010/main" val="2834950261"/>
+        <p14:creationId xmlns:p14="http://schemas.microsoft.com/office/powerpoint/2010/main" val="4223347247"/>
       </p:ext>
     </p:extLst>
   </p:cSld>
@@ -7688,13 +8972,13 @@
       </p:grpSpPr>
       <p:sp>
         <p:nvSpPr>
-          <p:cNvPr id="4" name="椭圆 3"/>
-          <p:cNvSpPr/>
-          <p:nvPr/>
-        </p:nvSpPr>
-        <p:spPr>
-          <a:xfrm>
-            <a:off x="1615440" y="2057400"/>
+          <p:cNvPr id="17" name="椭圆 16"/>
+          <p:cNvSpPr/>
+          <p:nvPr/>
+        </p:nvSpPr>
+        <p:spPr>
+          <a:xfrm>
+            <a:off x="-1226820" y="-1346917"/>
             <a:ext cx="2453640" cy="2453640"/>
           </a:xfrm>
           <a:prstGeom prst="ellipse">
@@ -7736,13 +9020,13 @@
       </p:sp>
       <p:sp>
         <p:nvSpPr>
-          <p:cNvPr id="5" name="椭圆 4"/>
-          <p:cNvSpPr/>
-          <p:nvPr/>
-        </p:nvSpPr>
-        <p:spPr>
-          <a:xfrm>
-            <a:off x="3276495" y="3718455"/>
+          <p:cNvPr id="18" name="椭圆 17"/>
+          <p:cNvSpPr/>
+          <p:nvPr/>
+        </p:nvSpPr>
+        <p:spPr>
+          <a:xfrm>
+            <a:off x="434235" y="314138"/>
             <a:ext cx="792585" cy="792585"/>
           </a:xfrm>
           <a:prstGeom prst="ellipse">
@@ -7784,104 +9068,14 @@
       </p:sp>
       <p:sp>
         <p:nvSpPr>
-          <p:cNvPr id="6" name="MH_Others_1"/>
-          <p:cNvSpPr txBox="1"/>
-          <p:nvPr>
-            <p:custDataLst>
-              <p:tags r:id="rId1"/>
-            </p:custDataLst>
-          </p:nvPr>
-        </p:nvSpPr>
-        <p:spPr>
-          <a:xfrm>
-            <a:off x="864526" y="2860251"/>
-            <a:ext cx="3955467" cy="847938"/>
-          </a:xfrm>
-          <a:prstGeom prst="rect">
-            <a:avLst/>
-          </a:prstGeom>
-          <a:noFill/>
-        </p:spPr>
-        <p:txBody>
-          <a:bodyPr wrap="square" rtlCol="0">
-            <a:noAutofit/>
-          </a:bodyPr>
-          <a:lstStyle/>
-          <a:p>
-            <a:pPr algn="ctr"/>
-            <a:r>
-              <a:rPr lang="en-US" altLang="zh-CN" sz="4400" dirty="0">
-                <a:solidFill>
-                  <a:schemeClr val="bg1"/>
-                </a:solidFill>
-                <a:effectLst>
-                  <a:outerShdw blurRad="38100" dist="38100" dir="2700000" algn="tl">
-                    <a:srgbClr val="000000">
-                      <a:alpha val="43137"/>
-                    </a:srgbClr>
-                  </a:outerShdw>
-                </a:effectLst>
-                <a:latin typeface="+mj-lt"/>
-                <a:cs typeface="Arial" pitchFamily="34" charset="0"/>
-              </a:rPr>
-              <a:t>PART 2</a:t>
-            </a:r>
-            <a:endParaRPr lang="zh-CN" altLang="en-US" sz="4400" dirty="0">
-              <a:solidFill>
-                <a:schemeClr val="bg1"/>
-              </a:solidFill>
-              <a:effectLst>
-                <a:outerShdw blurRad="38100" dist="38100" dir="2700000" algn="tl">
-                  <a:srgbClr val="000000">
-                    <a:alpha val="43137"/>
-                  </a:srgbClr>
-                </a:outerShdw>
-              </a:effectLst>
-              <a:latin typeface="+mj-lt"/>
-              <a:cs typeface="Arial" pitchFamily="34" charset="0"/>
-            </a:endParaRPr>
-          </a:p>
-        </p:txBody>
-      </p:sp>
-      <p:sp>
-        <p:nvSpPr>
-          <p:cNvPr id="8" name="文本框 7"/>
-          <p:cNvSpPr txBox="1"/>
-          <p:nvPr/>
-        </p:nvSpPr>
-        <p:spPr>
-          <a:xfrm>
-            <a:off x="4819992" y="3487622"/>
-            <a:ext cx="6318345" cy="461665"/>
-          </a:xfrm>
-          <a:prstGeom prst="rect">
-            <a:avLst/>
-          </a:prstGeom>
-          <a:noFill/>
-        </p:spPr>
-        <p:txBody>
-          <a:bodyPr wrap="square" rtlCol="0">
-            <a:spAutoFit/>
-          </a:bodyPr>
-          <a:lstStyle/>
-          <a:p>
-            <a:r>
-              <a:rPr lang="zh-CN" altLang="en-US" sz="1200" dirty="0"/>
-              <a:t>思考一下，你真的会解方程吗？至今为此你是否都是在无脑的套公式进行求根？本节内容带你学习如何利用各种奇技淫巧进行</a:t>
-            </a:r>
-          </a:p>
-        </p:txBody>
-      </p:sp>
-      <p:sp>
-        <p:nvSpPr>
-          <p:cNvPr id="2" name="矩形 1"/>
-          <p:cNvSpPr/>
-          <p:nvPr/>
-        </p:nvSpPr>
-        <p:spPr>
-          <a:xfrm>
-            <a:off x="4819993" y="3040204"/>
-            <a:ext cx="1778051" cy="400110"/>
+          <p:cNvPr id="20" name="矩形 19"/>
+          <p:cNvSpPr/>
+          <p:nvPr/>
+        </p:nvSpPr>
+        <p:spPr>
+          <a:xfrm>
+            <a:off x="1344023" y="448348"/>
+            <a:ext cx="1210588" cy="400110"/>
           </a:xfrm>
           <a:prstGeom prst="rect">
             <a:avLst/>
@@ -7894,8 +9088,49 @@
           <a:lstStyle/>
           <a:p>
             <a:r>
-              <a:rPr lang="zh-CN" altLang="en-US" sz="2000" b="1" dirty="0"/>
-              <a:t>任意曲线拟合</a:t>
+              <a:rPr lang="zh-CN" altLang="en-US" sz="2000" b="1" dirty="0">
+                <a:solidFill>
+                  <a:schemeClr val="tx1">
+                    <a:lumMod val="75000"/>
+                    <a:lumOff val="25000"/>
+                  </a:schemeClr>
+                </a:solidFill>
+              </a:rPr>
+              <a:t>误差分析</a:t>
+            </a:r>
+          </a:p>
+        </p:txBody>
+      </p:sp>
+      <p:sp>
+        <p:nvSpPr>
+          <p:cNvPr id="21" name="矩形 20"/>
+          <p:cNvSpPr/>
+          <p:nvPr/>
+        </p:nvSpPr>
+        <p:spPr>
+          <a:xfrm>
+            <a:off x="1344023" y="764961"/>
+            <a:ext cx="1031051" cy="261610"/>
+          </a:xfrm>
+          <a:prstGeom prst="rect">
+            <a:avLst/>
+          </a:prstGeom>
+        </p:spPr>
+        <p:txBody>
+          <a:bodyPr wrap="none">
+            <a:spAutoFit/>
+          </a:bodyPr>
+          <a:lstStyle/>
+          <a:p>
+            <a:r>
+              <a:rPr lang="zh-CN" altLang="en-US" sz="1100" dirty="0">
+                <a:solidFill>
+                  <a:schemeClr val="bg1">
+                    <a:lumMod val="50000"/>
+                  </a:schemeClr>
+                </a:solidFill>
+              </a:rPr>
+              <a:t>误差与误差限</a:t>
             </a:r>
           </a:p>
         </p:txBody>
@@ -7903,7 +9138,7 @@
     </p:spTree>
     <p:extLst>
       <p:ext uri="{BB962C8B-B14F-4D97-AF65-F5344CB8AC3E}">
-        <p14:creationId xmlns:p14="http://schemas.microsoft.com/office/powerpoint/2010/main" val="1983895934"/>
+        <p14:creationId xmlns:p14="http://schemas.microsoft.com/office/powerpoint/2010/main" val="3210843915"/>
       </p:ext>
     </p:extLst>
   </p:cSld>
@@ -7932,16 +9167,16 @@
       </p:grpSpPr>
       <p:sp>
         <p:nvSpPr>
-          <p:cNvPr id="3" name="矩形 2"/>
-          <p:cNvSpPr/>
-          <p:nvPr/>
-        </p:nvSpPr>
-        <p:spPr>
-          <a:xfrm>
-            <a:off x="811369" y="1899633"/>
-            <a:ext cx="5067837" cy="1506829"/>
-          </a:xfrm>
-          <a:prstGeom prst="rect">
+          <p:cNvPr id="17" name="椭圆 16"/>
+          <p:cNvSpPr/>
+          <p:nvPr/>
+        </p:nvSpPr>
+        <p:spPr>
+          <a:xfrm>
+            <a:off x="-1226820" y="-1346917"/>
+            <a:ext cx="2453640" cy="2453640"/>
+          </a:xfrm>
+          <a:prstGeom prst="ellipse">
             <a:avLst/>
           </a:prstGeom>
           <a:solidFill>
@@ -7974,26 +9209,22 @@
           <a:lstStyle/>
           <a:p>
             <a:pPr algn="ctr"/>
-            <a:endParaRPr lang="zh-CN" altLang="en-US">
-              <a:solidFill>
-                <a:schemeClr val="bg1"/>
-              </a:solidFill>
-            </a:endParaRPr>
-          </a:p>
-        </p:txBody>
-      </p:sp>
-      <p:sp>
-        <p:nvSpPr>
-          <p:cNvPr id="4" name="矩形 3"/>
-          <p:cNvSpPr/>
-          <p:nvPr/>
-        </p:nvSpPr>
-        <p:spPr>
-          <a:xfrm>
-            <a:off x="811369" y="3774604"/>
-            <a:ext cx="5067837" cy="1506829"/>
-          </a:xfrm>
-          <a:prstGeom prst="rect">
+            <a:endParaRPr lang="zh-CN" altLang="en-US"/>
+          </a:p>
+        </p:txBody>
+      </p:sp>
+      <p:sp>
+        <p:nvSpPr>
+          <p:cNvPr id="18" name="椭圆 17"/>
+          <p:cNvSpPr/>
+          <p:nvPr/>
+        </p:nvSpPr>
+        <p:spPr>
+          <a:xfrm>
+            <a:off x="434235" y="314138"/>
+            <a:ext cx="792585" cy="792585"/>
+          </a:xfrm>
+          <a:prstGeom prst="ellipse">
             <a:avLst/>
           </a:prstGeom>
           <a:solidFill>
@@ -8026,208 +9257,12 @@
           <a:lstStyle/>
           <a:p>
             <a:pPr algn="ctr"/>
-            <a:endParaRPr lang="zh-CN" altLang="en-US">
-              <a:solidFill>
-                <a:schemeClr val="bg1"/>
-              </a:solidFill>
-            </a:endParaRPr>
-          </a:p>
-        </p:txBody>
-      </p:sp>
-      <p:sp>
-        <p:nvSpPr>
-          <p:cNvPr id="7" name="矩形 6"/>
-          <p:cNvSpPr/>
-          <p:nvPr/>
-        </p:nvSpPr>
-        <p:spPr>
-          <a:xfrm>
-            <a:off x="6304209" y="3774604"/>
-            <a:ext cx="5067837" cy="1506829"/>
-          </a:xfrm>
-          <a:prstGeom prst="rect">
-            <a:avLst/>
-          </a:prstGeom>
-          <a:solidFill>
-            <a:srgbClr val="48A2A0">
-              <a:alpha val="70000"/>
-            </a:srgbClr>
-          </a:solidFill>
-          <a:ln>
-            <a:noFill/>
-          </a:ln>
-        </p:spPr>
-        <p:style>
-          <a:lnRef idx="2">
-            <a:schemeClr val="accent1">
-              <a:shade val="50000"/>
-            </a:schemeClr>
-          </a:lnRef>
-          <a:fillRef idx="1">
-            <a:schemeClr val="accent1"/>
-          </a:fillRef>
-          <a:effectRef idx="0">
-            <a:schemeClr val="accent1"/>
-          </a:effectRef>
-          <a:fontRef idx="minor">
-            <a:schemeClr val="lt1"/>
-          </a:fontRef>
-        </p:style>
-        <p:txBody>
-          <a:bodyPr rtlCol="0" anchor="ctr"/>
-          <a:lstStyle/>
-          <a:p>
-            <a:pPr algn="ctr"/>
             <a:endParaRPr lang="zh-CN" altLang="en-US"/>
           </a:p>
         </p:txBody>
       </p:sp>
       <p:sp>
         <p:nvSpPr>
-          <p:cNvPr id="8" name="矩形 7"/>
-          <p:cNvSpPr/>
-          <p:nvPr/>
-        </p:nvSpPr>
-        <p:spPr>
-          <a:xfrm>
-            <a:off x="6304209" y="1899633"/>
-            <a:ext cx="5067837" cy="1506829"/>
-          </a:xfrm>
-          <a:prstGeom prst="rect">
-            <a:avLst/>
-          </a:prstGeom>
-          <a:solidFill>
-            <a:srgbClr val="6C92C0">
-              <a:alpha val="70000"/>
-            </a:srgbClr>
-          </a:solidFill>
-          <a:ln>
-            <a:noFill/>
-          </a:ln>
-        </p:spPr>
-        <p:style>
-          <a:lnRef idx="2">
-            <a:schemeClr val="accent1">
-              <a:shade val="50000"/>
-            </a:schemeClr>
-          </a:lnRef>
-          <a:fillRef idx="1">
-            <a:schemeClr val="accent1"/>
-          </a:fillRef>
-          <a:effectRef idx="0">
-            <a:schemeClr val="accent1"/>
-          </a:effectRef>
-          <a:fontRef idx="minor">
-            <a:schemeClr val="lt1"/>
-          </a:fontRef>
-        </p:style>
-        <p:txBody>
-          <a:bodyPr rtlCol="0" anchor="ctr"/>
-          <a:lstStyle/>
-          <a:p>
-            <a:pPr algn="ctr"/>
-            <a:endParaRPr lang="zh-CN" altLang="en-US"/>
-          </a:p>
-        </p:txBody>
-      </p:sp>
-      <p:sp>
-        <p:nvSpPr>
-          <p:cNvPr id="17" name="椭圆 16"/>
-          <p:cNvSpPr/>
-          <p:nvPr/>
-        </p:nvSpPr>
-        <p:spPr>
-          <a:xfrm>
-            <a:off x="-1226820" y="-1346917"/>
-            <a:ext cx="2453640" cy="2453640"/>
-          </a:xfrm>
-          <a:prstGeom prst="ellipse">
-            <a:avLst/>
-          </a:prstGeom>
-          <a:solidFill>
-            <a:srgbClr val="48A2A0">
-              <a:alpha val="70000"/>
-            </a:srgbClr>
-          </a:solidFill>
-          <a:ln>
-            <a:noFill/>
-          </a:ln>
-        </p:spPr>
-        <p:style>
-          <a:lnRef idx="2">
-            <a:schemeClr val="accent1">
-              <a:shade val="50000"/>
-            </a:schemeClr>
-          </a:lnRef>
-          <a:fillRef idx="1">
-            <a:schemeClr val="accent1"/>
-          </a:fillRef>
-          <a:effectRef idx="0">
-            <a:schemeClr val="accent1"/>
-          </a:effectRef>
-          <a:fontRef idx="minor">
-            <a:schemeClr val="lt1"/>
-          </a:fontRef>
-        </p:style>
-        <p:txBody>
-          <a:bodyPr rtlCol="0" anchor="ctr"/>
-          <a:lstStyle/>
-          <a:p>
-            <a:pPr algn="ctr"/>
-            <a:endParaRPr lang="zh-CN" altLang="en-US"/>
-          </a:p>
-        </p:txBody>
-      </p:sp>
-      <p:sp>
-        <p:nvSpPr>
-          <p:cNvPr id="18" name="椭圆 17"/>
-          <p:cNvSpPr/>
-          <p:nvPr/>
-        </p:nvSpPr>
-        <p:spPr>
-          <a:xfrm>
-            <a:off x="434235" y="314138"/>
-            <a:ext cx="792585" cy="792585"/>
-          </a:xfrm>
-          <a:prstGeom prst="ellipse">
-            <a:avLst/>
-          </a:prstGeom>
-          <a:solidFill>
-            <a:srgbClr val="6C92C0">
-              <a:alpha val="70000"/>
-            </a:srgbClr>
-          </a:solidFill>
-          <a:ln>
-            <a:noFill/>
-          </a:ln>
-        </p:spPr>
-        <p:style>
-          <a:lnRef idx="2">
-            <a:schemeClr val="accent1">
-              <a:shade val="50000"/>
-            </a:schemeClr>
-          </a:lnRef>
-          <a:fillRef idx="1">
-            <a:schemeClr val="accent1"/>
-          </a:fillRef>
-          <a:effectRef idx="0">
-            <a:schemeClr val="accent1"/>
-          </a:effectRef>
-          <a:fontRef idx="minor">
-            <a:schemeClr val="lt1"/>
-          </a:fontRef>
-        </p:style>
-        <p:txBody>
-          <a:bodyPr rtlCol="0" anchor="ctr"/>
-          <a:lstStyle/>
-          <a:p>
-            <a:pPr algn="ctr"/>
-            <a:endParaRPr lang="zh-CN" altLang="en-US"/>
-          </a:p>
-        </p:txBody>
-      </p:sp>
-      <p:sp>
-        <p:nvSpPr>
           <p:cNvPr id="20" name="矩形 19"/>
           <p:cNvSpPr/>
           <p:nvPr/>
@@ -8235,7 +9270,7 @@
         <p:spPr>
           <a:xfrm>
             <a:off x="1344023" y="448348"/>
-            <a:ext cx="1701107" cy="400110"/>
+            <a:ext cx="1210588" cy="400110"/>
           </a:xfrm>
           <a:prstGeom prst="rect">
             <a:avLst/>
@@ -8248,7 +9283,7 @@
           <a:lstStyle/>
           <a:p>
             <a:r>
-              <a:rPr lang="en-US" altLang="zh-CN" sz="2000" b="1" dirty="0">
+              <a:rPr lang="zh-CN" altLang="en-US" sz="2000" b="1" dirty="0">
                 <a:solidFill>
                   <a:schemeClr val="tx1">
                     <a:lumMod val="75000"/>
@@ -8256,16 +9291,8 @@
                   </a:schemeClr>
                 </a:solidFill>
               </a:rPr>
-              <a:t>Lorem ipsum</a:t>
-            </a:r>
-            <a:endParaRPr lang="zh-CN" altLang="en-US" sz="2000" b="1" dirty="0">
-              <a:solidFill>
-                <a:schemeClr val="tx1">
-                  <a:lumMod val="75000"/>
-                  <a:lumOff val="25000"/>
-                </a:schemeClr>
-              </a:solidFill>
-            </a:endParaRPr>
+              <a:t>误差分析</a:t>
+            </a:r>
           </a:p>
         </p:txBody>
       </p:sp>
@@ -8278,7 +9305,7 @@
         <p:spPr>
           <a:xfrm>
             <a:off x="1344023" y="764961"/>
-            <a:ext cx="2196435" cy="261610"/>
+            <a:ext cx="1031051" cy="261610"/>
           </a:xfrm>
           <a:prstGeom prst="rect">
             <a:avLst/>
@@ -8291,59 +9318,22 @@
           <a:lstStyle/>
           <a:p>
             <a:r>
-              <a:rPr lang="en-US" altLang="zh-CN" sz="1100" dirty="0">
+              <a:rPr lang="zh-CN" altLang="en-US" sz="1100" dirty="0">
                 <a:solidFill>
                   <a:schemeClr val="bg1">
                     <a:lumMod val="50000"/>
                   </a:schemeClr>
                 </a:solidFill>
               </a:rPr>
-              <a:t>Lorem ipsum dolor sit </a:t>
-            </a:r>
-            <a:r>
-              <a:rPr lang="en-US" altLang="zh-CN" sz="1100" dirty="0" err="1">
-                <a:solidFill>
-                  <a:schemeClr val="bg1">
-                    <a:lumMod val="50000"/>
-                  </a:schemeClr>
-                </a:solidFill>
-              </a:rPr>
-              <a:t>amet</a:t>
-            </a:r>
-            <a:r>
-              <a:rPr lang="en-US" altLang="zh-CN" sz="1100" dirty="0">
-                <a:solidFill>
-                  <a:schemeClr val="bg1">
-                    <a:lumMod val="50000"/>
-                  </a:schemeClr>
-                </a:solidFill>
-              </a:rPr>
-              <a:t> </a:t>
-            </a:r>
-            <a:r>
-              <a:rPr lang="en-US" altLang="zh-CN" sz="1100" dirty="0" err="1">
-                <a:solidFill>
-                  <a:schemeClr val="bg1">
-                    <a:lumMod val="50000"/>
-                  </a:schemeClr>
-                </a:solidFill>
-              </a:rPr>
-              <a:t>kolor</a:t>
-            </a:r>
-            <a:endParaRPr lang="zh-CN" altLang="en-US" sz="1100" dirty="0">
-              <a:solidFill>
-                <a:schemeClr val="bg1">
-                  <a:lumMod val="50000"/>
-                </a:schemeClr>
-              </a:solidFill>
-            </a:endParaRPr>
+              <a:t>误差与误差限</a:t>
+            </a:r>
           </a:p>
         </p:txBody>
       </p:sp>
     </p:spTree>
     <p:extLst>
       <p:ext uri="{BB962C8B-B14F-4D97-AF65-F5344CB8AC3E}">
-        <p14:creationId xmlns:p14="http://schemas.microsoft.com/office/powerpoint/2010/main" val="403233064"/>
+        <p14:creationId xmlns:p14="http://schemas.microsoft.com/office/powerpoint/2010/main" val="2104050908"/>
       </p:ext>
     </p:extLst>
   </p:cSld>

--- a/PPT/Numerical Analysis.pptx
+++ b/PPT/Numerical Analysis.pptx
@@ -1,6 +1,6 @@
 
 <file path=ppt/presentation.xml><?xml version="1.0" encoding="utf-8"?>
-<p:presentation xmlns:a="http://schemas.openxmlformats.org/drawingml/2006/main" xmlns:r="http://schemas.openxmlformats.org/officeDocument/2006/relationships" xmlns:p="http://schemas.openxmlformats.org/presentationml/2006/main" embedTrueTypeFonts="1" saveSubsetFonts="1">
+<p:presentation xmlns:a="http://schemas.openxmlformats.org/drawingml/2006/main" xmlns:r="http://schemas.openxmlformats.org/officeDocument/2006/relationships" xmlns:p="http://schemas.openxmlformats.org/presentationml/2006/main" saveSubsetFonts="1">
   <p:sldMasterIdLst>
     <p:sldMasterId id="2147483648" r:id="rId1"/>
   </p:sldMasterIdLst>
@@ -32,37 +32,6 @@
   </p:sldIdLst>
   <p:sldSz cx="12192000" cy="6858000"/>
   <p:notesSz cx="6858000" cy="9144000"/>
-  <p:embeddedFontLst>
-    <p:embeddedFont>
-      <p:font typeface="Cambria Math" panose="02040503050406030204" pitchFamily="18" charset="0"/>
-      <p:regular r:id="rId24"/>
-    </p:embeddedFont>
-    <p:embeddedFont>
-      <p:font typeface="Comic Sans MS" panose="030F0702030302020204" pitchFamily="66" charset="0"/>
-      <p:regular r:id="rId25"/>
-      <p:bold r:id="rId26"/>
-      <p:italic r:id="rId27"/>
-      <p:boldItalic r:id="rId28"/>
-    </p:embeddedFont>
-    <p:embeddedFont>
-      <p:font typeface="等线" panose="02010600030101010101" pitchFamily="2" charset="-122"/>
-      <p:regular r:id="rId29"/>
-      <p:bold r:id="rId30"/>
-    </p:embeddedFont>
-    <p:embeddedFont>
-      <p:font typeface="等线 Light" panose="02010600030101010101" pitchFamily="2" charset="-122"/>
-      <p:regular r:id="rId31"/>
-    </p:embeddedFont>
-    <p:embeddedFont>
-      <p:font typeface="手写字体" panose="02000600000000000000" pitchFamily="2" charset="-122"/>
-      <p:regular r:id="rId32"/>
-    </p:embeddedFont>
-    <p:embeddedFont>
-      <p:font typeface="微软雅黑" panose="020B0503020204020204" pitchFamily="34" charset="-122"/>
-      <p:regular r:id="rId33"/>
-      <p:bold r:id="rId34"/>
-    </p:embeddedFont>
-  </p:embeddedFontLst>
   <p:defaultTextStyle>
     <a:defPPr>
       <a:defRPr lang="zh-CN"/>
@@ -259,7 +228,7 @@
           <a:p>
             <a:fld id="{A109EA2A-4C48-4C61-B30A-DAB1A3E93B21}" type="datetimeFigureOut">
               <a:rPr lang="zh-CN" altLang="en-US" smtClean="0"/>
-              <a:t>2020/12/13</a:t>
+              <a:t>2022/1/14</a:t>
             </a:fld>
             <a:endParaRPr lang="zh-CN" altLang="en-US"/>
           </a:p>
@@ -1177,7 +1146,7 @@
         </p:nvSpPr>
         <p:spPr>
           <a:xfrm>
-            <a:off x="771139" y="3517478"/>
+            <a:off x="768552" y="3459610"/>
             <a:ext cx="5262979" cy="1200329"/>
           </a:xfrm>
           <a:prstGeom prst="rect">
@@ -1207,8 +1176,8 @@
                 <a:solidFill>
                   <a:schemeClr val="bg1"/>
                 </a:solidFill>
-                <a:latin typeface="手写字体" panose="02000600000000000000" pitchFamily="2" charset="-122"/>
-                <a:ea typeface="手写字体" panose="02000600000000000000" pitchFamily="2" charset="-122"/>
+                <a:latin typeface="华文楷体" panose="02010600040101010101" pitchFamily="2" charset="-122"/>
+                <a:ea typeface="华文楷体" panose="02010600040101010101" pitchFamily="2" charset="-122"/>
                 <a:cs typeface="手写字体" panose="02000600000000000000" pitchFamily="2" charset="-122"/>
               </a:rPr>
               <a:t>数值分析</a:t>
@@ -1218,8 +1187,8 @@
                 <a:solidFill>
                   <a:schemeClr val="bg1"/>
                 </a:solidFill>
-                <a:latin typeface="手写字体" panose="02000600000000000000" pitchFamily="2" charset="-122"/>
-                <a:ea typeface="手写字体" panose="02000600000000000000" pitchFamily="2" charset="-122"/>
+                <a:latin typeface="华文楷体" panose="02010600040101010101" pitchFamily="2" charset="-122"/>
+                <a:ea typeface="华文楷体" panose="02010600040101010101" pitchFamily="2" charset="-122"/>
                 <a:cs typeface="手写字体" panose="02000600000000000000" pitchFamily="2" charset="-122"/>
               </a:rPr>
               <a:t>(</a:t>
@@ -1229,8 +1198,8 @@
                 <a:solidFill>
                   <a:schemeClr val="bg1"/>
                 </a:solidFill>
-                <a:latin typeface="手写字体" panose="02000600000000000000" pitchFamily="2" charset="-122"/>
-                <a:ea typeface="手写字体" panose="02000600000000000000" pitchFamily="2" charset="-122"/>
+                <a:latin typeface="华文楷体" panose="02010600040101010101" pitchFamily="2" charset="-122"/>
+                <a:ea typeface="华文楷体" panose="02010600040101010101" pitchFamily="2" charset="-122"/>
                 <a:cs typeface="手写字体" panose="02000600000000000000" pitchFamily="2" charset="-122"/>
               </a:rPr>
               <a:t>数值计算方法</a:t>
@@ -1240,8 +1209,8 @@
                 <a:solidFill>
                   <a:schemeClr val="bg1"/>
                 </a:solidFill>
-                <a:latin typeface="手写字体" panose="02000600000000000000" pitchFamily="2" charset="-122"/>
-                <a:ea typeface="手写字体" panose="02000600000000000000" pitchFamily="2" charset="-122"/>
+                <a:latin typeface="华文楷体" panose="02010600040101010101" pitchFamily="2" charset="-122"/>
+                <a:ea typeface="华文楷体" panose="02010600040101010101" pitchFamily="2" charset="-122"/>
                 <a:cs typeface="手写字体" panose="02000600000000000000" pitchFamily="2" charset="-122"/>
               </a:rPr>
               <a:t>)</a:t>
@@ -1250,8 +1219,8 @@
               <a:solidFill>
                 <a:schemeClr val="bg1"/>
               </a:solidFill>
-              <a:latin typeface="手写字体" panose="02000600000000000000" pitchFamily="2" charset="-122"/>
-              <a:ea typeface="手写字体" panose="02000600000000000000" pitchFamily="2" charset="-122"/>
+              <a:latin typeface="华文楷体" panose="02010600040101010101" pitchFamily="2" charset="-122"/>
+              <a:ea typeface="华文楷体" panose="02010600040101010101" pitchFamily="2" charset="-122"/>
               <a:cs typeface="手写字体" panose="02000600000000000000" pitchFamily="2" charset="-122"/>
             </a:endParaRPr>
           </a:p>
@@ -1265,8 +1234,8 @@
         </p:nvSpPr>
         <p:spPr>
           <a:xfrm>
-            <a:off x="768553" y="5364138"/>
-            <a:ext cx="2402486" cy="369332"/>
+            <a:off x="768552" y="5364138"/>
+            <a:ext cx="3180757" cy="369332"/>
           </a:xfrm>
           <a:prstGeom prst="rect">
             <a:avLst/>
@@ -1286,6 +1255,8 @@
                 <a:solidFill>
                   <a:srgbClr val="48A2A0"/>
                 </a:solidFill>
+                <a:latin typeface="Comic Sans MS" panose="030F0702030302020204" pitchFamily="66" charset="0"/>
+                <a:cs typeface="Cavolini" panose="020B0502040204020203" pitchFamily="66" charset="0"/>
               </a:rPr>
               <a:t>Speaker: Warren Ryan</a:t>
             </a:r>
@@ -1293,6 +1264,8 @@
               <a:solidFill>
                 <a:srgbClr val="48A2A0"/>
               </a:solidFill>
+              <a:latin typeface="Comic Sans MS" panose="030F0702030302020204" pitchFamily="66" charset="0"/>
+              <a:cs typeface="Cavolini" panose="020B0502040204020203" pitchFamily="66" charset="0"/>
             </a:endParaRPr>
           </a:p>
         </p:txBody>
@@ -1345,8 +1318,8 @@
                 <a:solidFill>
                   <a:schemeClr val="bg1"/>
                 </a:solidFill>
-                <a:latin typeface="手写字体" panose="02000600000000000000" pitchFamily="2" charset="-122"/>
-                <a:ea typeface="手写字体" panose="02000600000000000000" pitchFamily="2" charset="-122"/>
+                <a:latin typeface="华文楷体" panose="02010600040101010101" pitchFamily="2" charset="-122"/>
+                <a:ea typeface="华文楷体" panose="02010600040101010101" pitchFamily="2" charset="-122"/>
                 <a:cs typeface="手写字体" panose="02000600000000000000" pitchFamily="2" charset="-122"/>
               </a:rPr>
               <a:t>机器学习导论</a:t>
@@ -1356,8 +1329,8 @@
                 <a:solidFill>
                   <a:schemeClr val="bg1"/>
                 </a:solidFill>
-                <a:latin typeface="手写字体" panose="02000600000000000000" pitchFamily="2" charset="-122"/>
-                <a:ea typeface="手写字体" panose="02000600000000000000" pitchFamily="2" charset="-122"/>
+                <a:latin typeface="华文楷体" panose="02010600040101010101" pitchFamily="2" charset="-122"/>
+                <a:ea typeface="华文楷体" panose="02010600040101010101" pitchFamily="2" charset="-122"/>
                 <a:cs typeface="手写字体" panose="02000600000000000000" pitchFamily="2" charset="-122"/>
               </a:rPr>
               <a:t>——</a:t>
@@ -1367,15 +1340,15 @@
                 <a:solidFill>
                   <a:schemeClr val="bg1"/>
                 </a:solidFill>
-                <a:latin typeface="手写字体" panose="02000600000000000000" pitchFamily="2" charset="-122"/>
-                <a:ea typeface="手写字体" panose="02000600000000000000" pitchFamily="2" charset="-122"/>
+                <a:latin typeface="华文楷体" panose="02010600040101010101" pitchFamily="2" charset="-122"/>
+                <a:ea typeface="华文楷体" panose="02010600040101010101" pitchFamily="2" charset="-122"/>
                 <a:cs typeface="手写字体" panose="02000600000000000000" pitchFamily="2" charset="-122"/>
               </a:rPr>
               <a:t>数学</a:t>
             </a:r>
             <a:endParaRPr lang="zh-CN" altLang="en-US" sz="5400" dirty="0">
-              <a:latin typeface="手写字体" panose="02000600000000000000" pitchFamily="2" charset="-122"/>
-              <a:ea typeface="手写字体" panose="02000600000000000000" pitchFamily="2" charset="-122"/>
+              <a:latin typeface="华文楷体" panose="02010600040101010101" pitchFamily="2" charset="-122"/>
+              <a:ea typeface="华文楷体" panose="02010600040101010101" pitchFamily="2" charset="-122"/>
               <a:cs typeface="手写字体" panose="02000600000000000000" pitchFamily="2" charset="-122"/>
             </a:endParaRPr>
           </a:p>
@@ -8096,8 +8069,8 @@
           </a:p>
         </p:txBody>
       </p:sp>
-      <mc:AlternateContent xmlns:mc="http://schemas.openxmlformats.org/markup-compatibility/2006">
-        <mc:Choice xmlns:a14="http://schemas.microsoft.com/office/drawing/2010/main" Requires="a14">
+      <mc:AlternateContent xmlns:mc="http://schemas.openxmlformats.org/markup-compatibility/2006" xmlns:a14="http://schemas.microsoft.com/office/drawing/2010/main">
+        <mc:Choice Requires="a14">
           <p:sp>
             <p:nvSpPr>
               <p:cNvPr id="5" name="文本框 4">
@@ -8316,7 +8289,7 @@
             </p:txBody>
           </p:sp>
         </mc:Choice>
-        <mc:Fallback>
+        <mc:Fallback xmlns="">
           <p:sp>
             <p:nvSpPr>
               <p:cNvPr id="5" name="文本框 4">
